--- a/result/poster-ml.pptx
+++ b/result/poster-ml.pptx
@@ -189,6 +189,5313 @@
 </p:cmAuthorLst>
 </file>
 
+<file path=ppt/diagrams/colors1.xml><?xml version="1.0" encoding="utf-8"?>
+<dgm:colorsDef xmlns:dgm="http://schemas.openxmlformats.org/drawingml/2006/diagram" xmlns:a="http://schemas.openxmlformats.org/drawingml/2006/main" uniqueId="urn:microsoft.com/office/officeart/2005/8/colors/accent5_2">
+  <dgm:title val=""/>
+  <dgm:desc val=""/>
+  <dgm:catLst>
+    <dgm:cat type="accent5" pri="11200"/>
+  </dgm:catLst>
+  <dgm:styleLbl name="node0">
+    <dgm:fillClrLst meth="repeat">
+      <a:schemeClr val="accent5"/>
+    </dgm:fillClrLst>
+    <dgm:linClrLst meth="repeat">
+      <a:schemeClr val="lt1"/>
+    </dgm:linClrLst>
+    <dgm:effectClrLst/>
+    <dgm:txLinClrLst/>
+    <dgm:txFillClrLst/>
+    <dgm:txEffectClrLst/>
+  </dgm:styleLbl>
+  <dgm:styleLbl name="node1">
+    <dgm:fillClrLst meth="repeat">
+      <a:schemeClr val="accent5"/>
+    </dgm:fillClrLst>
+    <dgm:linClrLst meth="repeat">
+      <a:schemeClr val="lt1"/>
+    </dgm:linClrLst>
+    <dgm:effectClrLst/>
+    <dgm:txLinClrLst/>
+    <dgm:txFillClrLst/>
+    <dgm:txEffectClrLst/>
+  </dgm:styleLbl>
+  <dgm:styleLbl name="alignNode1">
+    <dgm:fillClrLst meth="repeat">
+      <a:schemeClr val="accent5"/>
+    </dgm:fillClrLst>
+    <dgm:linClrLst meth="repeat">
+      <a:schemeClr val="accent5"/>
+    </dgm:linClrLst>
+    <dgm:effectClrLst/>
+    <dgm:txLinClrLst/>
+    <dgm:txFillClrLst/>
+    <dgm:txEffectClrLst/>
+  </dgm:styleLbl>
+  <dgm:styleLbl name="lnNode1">
+    <dgm:fillClrLst meth="repeat">
+      <a:schemeClr val="accent5"/>
+    </dgm:fillClrLst>
+    <dgm:linClrLst meth="repeat">
+      <a:schemeClr val="lt1"/>
+    </dgm:linClrLst>
+    <dgm:effectClrLst/>
+    <dgm:txLinClrLst/>
+    <dgm:txFillClrLst/>
+    <dgm:txEffectClrLst/>
+  </dgm:styleLbl>
+  <dgm:styleLbl name="vennNode1">
+    <dgm:fillClrLst meth="repeat">
+      <a:schemeClr val="accent5">
+        <a:alpha val="50000"/>
+      </a:schemeClr>
+    </dgm:fillClrLst>
+    <dgm:linClrLst meth="repeat">
+      <a:schemeClr val="lt1"/>
+    </dgm:linClrLst>
+    <dgm:effectClrLst/>
+    <dgm:txLinClrLst/>
+    <dgm:txFillClrLst/>
+    <dgm:txEffectClrLst/>
+  </dgm:styleLbl>
+  <dgm:styleLbl name="node2">
+    <dgm:fillClrLst meth="repeat">
+      <a:schemeClr val="accent5"/>
+    </dgm:fillClrLst>
+    <dgm:linClrLst meth="repeat">
+      <a:schemeClr val="lt1"/>
+    </dgm:linClrLst>
+    <dgm:effectClrLst/>
+    <dgm:txLinClrLst/>
+    <dgm:txFillClrLst/>
+    <dgm:txEffectClrLst/>
+  </dgm:styleLbl>
+  <dgm:styleLbl name="node3">
+    <dgm:fillClrLst meth="repeat">
+      <a:schemeClr val="accent5"/>
+    </dgm:fillClrLst>
+    <dgm:linClrLst meth="repeat">
+      <a:schemeClr val="lt1"/>
+    </dgm:linClrLst>
+    <dgm:effectClrLst/>
+    <dgm:txLinClrLst/>
+    <dgm:txFillClrLst/>
+    <dgm:txEffectClrLst/>
+  </dgm:styleLbl>
+  <dgm:styleLbl name="node4">
+    <dgm:fillClrLst meth="repeat">
+      <a:schemeClr val="accent5"/>
+    </dgm:fillClrLst>
+    <dgm:linClrLst meth="repeat">
+      <a:schemeClr val="lt1"/>
+    </dgm:linClrLst>
+    <dgm:effectClrLst/>
+    <dgm:txLinClrLst/>
+    <dgm:txFillClrLst/>
+    <dgm:txEffectClrLst/>
+  </dgm:styleLbl>
+  <dgm:styleLbl name="fgImgPlace1">
+    <dgm:fillClrLst meth="repeat">
+      <a:schemeClr val="accent5">
+        <a:tint val="50000"/>
+      </a:schemeClr>
+    </dgm:fillClrLst>
+    <dgm:linClrLst meth="repeat">
+      <a:schemeClr val="lt1"/>
+    </dgm:linClrLst>
+    <dgm:effectClrLst/>
+    <dgm:txLinClrLst/>
+    <dgm:txFillClrLst meth="repeat">
+      <a:schemeClr val="lt1"/>
+    </dgm:txFillClrLst>
+    <dgm:txEffectClrLst/>
+  </dgm:styleLbl>
+  <dgm:styleLbl name="alignImgPlace1">
+    <dgm:fillClrLst meth="repeat">
+      <a:schemeClr val="accent5">
+        <a:tint val="50000"/>
+      </a:schemeClr>
+    </dgm:fillClrLst>
+    <dgm:linClrLst meth="repeat">
+      <a:schemeClr val="lt1"/>
+    </dgm:linClrLst>
+    <dgm:effectClrLst/>
+    <dgm:txLinClrLst/>
+    <dgm:txFillClrLst meth="repeat">
+      <a:schemeClr val="lt1"/>
+    </dgm:txFillClrLst>
+    <dgm:txEffectClrLst/>
+  </dgm:styleLbl>
+  <dgm:styleLbl name="bgImgPlace1">
+    <dgm:fillClrLst meth="repeat">
+      <a:schemeClr val="accent5">
+        <a:tint val="50000"/>
+      </a:schemeClr>
+    </dgm:fillClrLst>
+    <dgm:linClrLst meth="repeat">
+      <a:schemeClr val="lt1"/>
+    </dgm:linClrLst>
+    <dgm:effectClrLst/>
+    <dgm:txLinClrLst/>
+    <dgm:txFillClrLst meth="repeat">
+      <a:schemeClr val="lt1"/>
+    </dgm:txFillClrLst>
+    <dgm:txEffectClrLst/>
+  </dgm:styleLbl>
+  <dgm:styleLbl name="sibTrans2D1">
+    <dgm:fillClrLst meth="repeat">
+      <a:schemeClr val="accent5">
+        <a:tint val="60000"/>
+      </a:schemeClr>
+    </dgm:fillClrLst>
+    <dgm:linClrLst meth="repeat">
+      <a:schemeClr val="accent5">
+        <a:tint val="60000"/>
+      </a:schemeClr>
+    </dgm:linClrLst>
+    <dgm:effectClrLst/>
+    <dgm:txLinClrLst/>
+    <dgm:txFillClrLst/>
+    <dgm:txEffectClrLst/>
+  </dgm:styleLbl>
+  <dgm:styleLbl name="fgSibTrans2D1">
+    <dgm:fillClrLst meth="repeat">
+      <a:schemeClr val="accent5">
+        <a:tint val="60000"/>
+      </a:schemeClr>
+    </dgm:fillClrLst>
+    <dgm:linClrLst meth="repeat">
+      <a:schemeClr val="accent5">
+        <a:tint val="60000"/>
+      </a:schemeClr>
+    </dgm:linClrLst>
+    <dgm:effectClrLst/>
+    <dgm:txLinClrLst/>
+    <dgm:txFillClrLst/>
+    <dgm:txEffectClrLst/>
+  </dgm:styleLbl>
+  <dgm:styleLbl name="bgSibTrans2D1">
+    <dgm:fillClrLst meth="repeat">
+      <a:schemeClr val="accent5">
+        <a:tint val="60000"/>
+      </a:schemeClr>
+    </dgm:fillClrLst>
+    <dgm:linClrLst meth="repeat">
+      <a:schemeClr val="accent5">
+        <a:tint val="60000"/>
+      </a:schemeClr>
+    </dgm:linClrLst>
+    <dgm:effectClrLst/>
+    <dgm:txLinClrLst/>
+    <dgm:txFillClrLst/>
+    <dgm:txEffectClrLst/>
+  </dgm:styleLbl>
+  <dgm:styleLbl name="sibTrans1D1">
+    <dgm:fillClrLst meth="repeat">
+      <a:schemeClr val="accent5"/>
+    </dgm:fillClrLst>
+    <dgm:linClrLst meth="repeat">
+      <a:schemeClr val="accent5"/>
+    </dgm:linClrLst>
+    <dgm:effectClrLst/>
+    <dgm:txLinClrLst/>
+    <dgm:txFillClrLst meth="repeat">
+      <a:schemeClr val="tx1"/>
+    </dgm:txFillClrLst>
+    <dgm:txEffectClrLst/>
+  </dgm:styleLbl>
+  <dgm:styleLbl name="callout">
+    <dgm:fillClrLst meth="repeat">
+      <a:schemeClr val="accent5"/>
+    </dgm:fillClrLst>
+    <dgm:linClrLst meth="repeat">
+      <a:schemeClr val="accent5">
+        <a:tint val="50000"/>
+      </a:schemeClr>
+    </dgm:linClrLst>
+    <dgm:effectClrLst/>
+    <dgm:txLinClrLst/>
+    <dgm:txFillClrLst meth="repeat">
+      <a:schemeClr val="tx1"/>
+    </dgm:txFillClrLst>
+    <dgm:txEffectClrLst/>
+  </dgm:styleLbl>
+  <dgm:styleLbl name="asst0">
+    <dgm:fillClrLst meth="repeat">
+      <a:schemeClr val="accent5"/>
+    </dgm:fillClrLst>
+    <dgm:linClrLst meth="repeat">
+      <a:schemeClr val="lt1"/>
+    </dgm:linClrLst>
+    <dgm:effectClrLst/>
+    <dgm:txLinClrLst/>
+    <dgm:txFillClrLst/>
+    <dgm:txEffectClrLst/>
+  </dgm:styleLbl>
+  <dgm:styleLbl name="asst1">
+    <dgm:fillClrLst meth="repeat">
+      <a:schemeClr val="accent5"/>
+    </dgm:fillClrLst>
+    <dgm:linClrLst meth="repeat">
+      <a:schemeClr val="lt1"/>
+    </dgm:linClrLst>
+    <dgm:effectClrLst/>
+    <dgm:txLinClrLst/>
+    <dgm:txFillClrLst/>
+    <dgm:txEffectClrLst/>
+  </dgm:styleLbl>
+  <dgm:styleLbl name="asst2">
+    <dgm:fillClrLst meth="repeat">
+      <a:schemeClr val="accent5"/>
+    </dgm:fillClrLst>
+    <dgm:linClrLst meth="repeat">
+      <a:schemeClr val="lt1"/>
+    </dgm:linClrLst>
+    <dgm:effectClrLst/>
+    <dgm:txLinClrLst/>
+    <dgm:txFillClrLst/>
+    <dgm:txEffectClrLst/>
+  </dgm:styleLbl>
+  <dgm:styleLbl name="asst3">
+    <dgm:fillClrLst meth="repeat">
+      <a:schemeClr val="accent5"/>
+    </dgm:fillClrLst>
+    <dgm:linClrLst meth="repeat">
+      <a:schemeClr val="lt1"/>
+    </dgm:linClrLst>
+    <dgm:effectClrLst/>
+    <dgm:txLinClrLst/>
+    <dgm:txFillClrLst/>
+    <dgm:txEffectClrLst/>
+  </dgm:styleLbl>
+  <dgm:styleLbl name="asst4">
+    <dgm:fillClrLst meth="repeat">
+      <a:schemeClr val="accent5"/>
+    </dgm:fillClrLst>
+    <dgm:linClrLst meth="repeat">
+      <a:schemeClr val="lt1"/>
+    </dgm:linClrLst>
+    <dgm:effectClrLst/>
+    <dgm:txLinClrLst/>
+    <dgm:txFillClrLst/>
+    <dgm:txEffectClrLst/>
+  </dgm:styleLbl>
+  <dgm:styleLbl name="parChTrans2D1">
+    <dgm:fillClrLst meth="repeat">
+      <a:schemeClr val="accent5">
+        <a:tint val="60000"/>
+      </a:schemeClr>
+    </dgm:fillClrLst>
+    <dgm:linClrLst meth="repeat">
+      <a:schemeClr val="accent5">
+        <a:tint val="60000"/>
+      </a:schemeClr>
+    </dgm:linClrLst>
+    <dgm:effectClrLst/>
+    <dgm:txLinClrLst/>
+    <dgm:txFillClrLst meth="repeat">
+      <a:schemeClr val="lt1"/>
+    </dgm:txFillClrLst>
+    <dgm:txEffectClrLst/>
+  </dgm:styleLbl>
+  <dgm:styleLbl name="parChTrans2D2">
+    <dgm:fillClrLst meth="repeat">
+      <a:schemeClr val="accent5"/>
+    </dgm:fillClrLst>
+    <dgm:linClrLst meth="repeat">
+      <a:schemeClr val="accent5"/>
+    </dgm:linClrLst>
+    <dgm:effectClrLst/>
+    <dgm:txLinClrLst/>
+    <dgm:txFillClrLst meth="repeat">
+      <a:schemeClr val="lt1"/>
+    </dgm:txFillClrLst>
+    <dgm:txEffectClrLst/>
+  </dgm:styleLbl>
+  <dgm:styleLbl name="parChTrans2D3">
+    <dgm:fillClrLst meth="repeat">
+      <a:schemeClr val="accent5"/>
+    </dgm:fillClrLst>
+    <dgm:linClrLst meth="repeat">
+      <a:schemeClr val="accent5"/>
+    </dgm:linClrLst>
+    <dgm:effectClrLst/>
+    <dgm:txLinClrLst/>
+    <dgm:txFillClrLst meth="repeat">
+      <a:schemeClr val="lt1"/>
+    </dgm:txFillClrLst>
+    <dgm:txEffectClrLst/>
+  </dgm:styleLbl>
+  <dgm:styleLbl name="parChTrans2D4">
+    <dgm:fillClrLst meth="repeat">
+      <a:schemeClr val="accent5"/>
+    </dgm:fillClrLst>
+    <dgm:linClrLst meth="repeat">
+      <a:schemeClr val="accent5"/>
+    </dgm:linClrLst>
+    <dgm:effectClrLst/>
+    <dgm:txLinClrLst/>
+    <dgm:txFillClrLst meth="repeat">
+      <a:schemeClr val="lt1"/>
+    </dgm:txFillClrLst>
+    <dgm:txEffectClrLst/>
+  </dgm:styleLbl>
+  <dgm:styleLbl name="parChTrans1D1">
+    <dgm:fillClrLst meth="repeat">
+      <a:schemeClr val="accent5"/>
+    </dgm:fillClrLst>
+    <dgm:linClrLst meth="repeat">
+      <a:schemeClr val="accent5">
+        <a:shade val="60000"/>
+      </a:schemeClr>
+    </dgm:linClrLst>
+    <dgm:effectClrLst/>
+    <dgm:txLinClrLst/>
+    <dgm:txFillClrLst meth="repeat">
+      <a:schemeClr val="tx1"/>
+    </dgm:txFillClrLst>
+    <dgm:txEffectClrLst/>
+  </dgm:styleLbl>
+  <dgm:styleLbl name="parChTrans1D2">
+    <dgm:fillClrLst meth="repeat">
+      <a:schemeClr val="accent5"/>
+    </dgm:fillClrLst>
+    <dgm:linClrLst meth="repeat">
+      <a:schemeClr val="accent5">
+        <a:shade val="60000"/>
+      </a:schemeClr>
+    </dgm:linClrLst>
+    <dgm:effectClrLst/>
+    <dgm:txLinClrLst/>
+    <dgm:txFillClrLst meth="repeat">
+      <a:schemeClr val="tx1"/>
+    </dgm:txFillClrLst>
+    <dgm:txEffectClrLst/>
+  </dgm:styleLbl>
+  <dgm:styleLbl name="parChTrans1D3">
+    <dgm:fillClrLst meth="repeat">
+      <a:schemeClr val="accent5"/>
+    </dgm:fillClrLst>
+    <dgm:linClrLst meth="repeat">
+      <a:schemeClr val="accent5">
+        <a:shade val="80000"/>
+      </a:schemeClr>
+    </dgm:linClrLst>
+    <dgm:effectClrLst/>
+    <dgm:txLinClrLst/>
+    <dgm:txFillClrLst meth="repeat">
+      <a:schemeClr val="tx1"/>
+    </dgm:txFillClrLst>
+    <dgm:txEffectClrLst/>
+  </dgm:styleLbl>
+  <dgm:styleLbl name="parChTrans1D4">
+    <dgm:fillClrLst meth="repeat">
+      <a:schemeClr val="accent5"/>
+    </dgm:fillClrLst>
+    <dgm:linClrLst meth="repeat">
+      <a:schemeClr val="accent5">
+        <a:shade val="80000"/>
+      </a:schemeClr>
+    </dgm:linClrLst>
+    <dgm:effectClrLst/>
+    <dgm:txLinClrLst/>
+    <dgm:txFillClrLst meth="repeat">
+      <a:schemeClr val="tx1"/>
+    </dgm:txFillClrLst>
+    <dgm:txEffectClrLst/>
+  </dgm:styleLbl>
+  <dgm:styleLbl name="fgAcc1">
+    <dgm:fillClrLst meth="repeat">
+      <a:schemeClr val="lt1">
+        <a:alpha val="90000"/>
+      </a:schemeClr>
+    </dgm:fillClrLst>
+    <dgm:linClrLst meth="repeat">
+      <a:schemeClr val="accent5"/>
+    </dgm:linClrLst>
+    <dgm:effectClrLst/>
+    <dgm:txLinClrLst/>
+    <dgm:txFillClrLst meth="repeat">
+      <a:schemeClr val="dk1"/>
+    </dgm:txFillClrLst>
+    <dgm:txEffectClrLst/>
+  </dgm:styleLbl>
+  <dgm:styleLbl name="conFgAcc1">
+    <dgm:fillClrLst meth="repeat">
+      <a:schemeClr val="lt1">
+        <a:alpha val="90000"/>
+      </a:schemeClr>
+    </dgm:fillClrLst>
+    <dgm:linClrLst meth="repeat">
+      <a:schemeClr val="accent5"/>
+    </dgm:linClrLst>
+    <dgm:effectClrLst/>
+    <dgm:txLinClrLst/>
+    <dgm:txFillClrLst meth="repeat">
+      <a:schemeClr val="dk1"/>
+    </dgm:txFillClrLst>
+    <dgm:txEffectClrLst/>
+  </dgm:styleLbl>
+  <dgm:styleLbl name="alignAcc1">
+    <dgm:fillClrLst meth="repeat">
+      <a:schemeClr val="lt1">
+        <a:alpha val="90000"/>
+      </a:schemeClr>
+    </dgm:fillClrLst>
+    <dgm:linClrLst meth="repeat">
+      <a:schemeClr val="accent5"/>
+    </dgm:linClrLst>
+    <dgm:effectClrLst/>
+    <dgm:txLinClrLst/>
+    <dgm:txFillClrLst meth="repeat">
+      <a:schemeClr val="dk1"/>
+    </dgm:txFillClrLst>
+    <dgm:txEffectClrLst/>
+  </dgm:styleLbl>
+  <dgm:styleLbl name="trAlignAcc1">
+    <dgm:fillClrLst meth="repeat">
+      <a:schemeClr val="lt1">
+        <a:alpha val="40000"/>
+      </a:schemeClr>
+    </dgm:fillClrLst>
+    <dgm:linClrLst meth="repeat">
+      <a:schemeClr val="accent5"/>
+    </dgm:linClrLst>
+    <dgm:effectClrLst/>
+    <dgm:txLinClrLst/>
+    <dgm:txFillClrLst meth="repeat">
+      <a:schemeClr val="dk1"/>
+    </dgm:txFillClrLst>
+    <dgm:txEffectClrLst/>
+  </dgm:styleLbl>
+  <dgm:styleLbl name="bgAcc1">
+    <dgm:fillClrLst meth="repeat">
+      <a:schemeClr val="lt1">
+        <a:alpha val="90000"/>
+      </a:schemeClr>
+    </dgm:fillClrLst>
+    <dgm:linClrLst meth="repeat">
+      <a:schemeClr val="accent5"/>
+    </dgm:linClrLst>
+    <dgm:effectClrLst/>
+    <dgm:txLinClrLst/>
+    <dgm:txFillClrLst meth="repeat">
+      <a:schemeClr val="dk1"/>
+    </dgm:txFillClrLst>
+    <dgm:txEffectClrLst/>
+  </dgm:styleLbl>
+  <dgm:styleLbl name="solidFgAcc1">
+    <dgm:fillClrLst meth="repeat">
+      <a:schemeClr val="lt1"/>
+    </dgm:fillClrLst>
+    <dgm:linClrLst meth="repeat">
+      <a:schemeClr val="accent5"/>
+    </dgm:linClrLst>
+    <dgm:effectClrLst/>
+    <dgm:txLinClrLst/>
+    <dgm:txFillClrLst meth="repeat">
+      <a:schemeClr val="dk1"/>
+    </dgm:txFillClrLst>
+    <dgm:txEffectClrLst/>
+  </dgm:styleLbl>
+  <dgm:styleLbl name="solidAlignAcc1">
+    <dgm:fillClrLst meth="repeat">
+      <a:schemeClr val="lt1"/>
+    </dgm:fillClrLst>
+    <dgm:linClrLst meth="repeat">
+      <a:schemeClr val="accent5"/>
+    </dgm:linClrLst>
+    <dgm:effectClrLst/>
+    <dgm:txLinClrLst/>
+    <dgm:txFillClrLst meth="repeat">
+      <a:schemeClr val="dk1"/>
+    </dgm:txFillClrLst>
+    <dgm:txEffectClrLst/>
+  </dgm:styleLbl>
+  <dgm:styleLbl name="solidBgAcc1">
+    <dgm:fillClrLst meth="repeat">
+      <a:schemeClr val="lt1"/>
+    </dgm:fillClrLst>
+    <dgm:linClrLst meth="repeat">
+      <a:schemeClr val="accent5"/>
+    </dgm:linClrLst>
+    <dgm:effectClrLst/>
+    <dgm:txLinClrLst/>
+    <dgm:txFillClrLst meth="repeat">
+      <a:schemeClr val="dk1"/>
+    </dgm:txFillClrLst>
+    <dgm:txEffectClrLst/>
+  </dgm:styleLbl>
+  <dgm:styleLbl name="fgAccFollowNode1">
+    <dgm:fillClrLst meth="repeat">
+      <a:schemeClr val="accent5">
+        <a:alpha val="90000"/>
+        <a:tint val="40000"/>
+      </a:schemeClr>
+    </dgm:fillClrLst>
+    <dgm:linClrLst meth="repeat">
+      <a:schemeClr val="accent5">
+        <a:alpha val="90000"/>
+        <a:tint val="40000"/>
+      </a:schemeClr>
+    </dgm:linClrLst>
+    <dgm:effectClrLst/>
+    <dgm:txLinClrLst/>
+    <dgm:txFillClrLst meth="repeat">
+      <a:schemeClr val="dk1"/>
+    </dgm:txFillClrLst>
+    <dgm:txEffectClrLst/>
+  </dgm:styleLbl>
+  <dgm:styleLbl name="alignAccFollowNode1">
+    <dgm:fillClrLst meth="repeat">
+      <a:schemeClr val="accent5">
+        <a:alpha val="90000"/>
+        <a:tint val="40000"/>
+      </a:schemeClr>
+    </dgm:fillClrLst>
+    <dgm:linClrLst meth="repeat">
+      <a:schemeClr val="accent5">
+        <a:alpha val="90000"/>
+        <a:tint val="40000"/>
+      </a:schemeClr>
+    </dgm:linClrLst>
+    <dgm:effectClrLst/>
+    <dgm:txLinClrLst/>
+    <dgm:txFillClrLst meth="repeat">
+      <a:schemeClr val="dk1"/>
+    </dgm:txFillClrLst>
+    <dgm:txEffectClrLst/>
+  </dgm:styleLbl>
+  <dgm:styleLbl name="bgAccFollowNode1">
+    <dgm:fillClrLst meth="repeat">
+      <a:schemeClr val="accent5">
+        <a:alpha val="90000"/>
+        <a:tint val="40000"/>
+      </a:schemeClr>
+    </dgm:fillClrLst>
+    <dgm:linClrLst meth="repeat">
+      <a:schemeClr val="accent5">
+        <a:alpha val="90000"/>
+        <a:tint val="40000"/>
+      </a:schemeClr>
+    </dgm:linClrLst>
+    <dgm:effectClrLst/>
+    <dgm:txLinClrLst/>
+    <dgm:txFillClrLst meth="repeat">
+      <a:schemeClr val="dk1"/>
+    </dgm:txFillClrLst>
+    <dgm:txEffectClrLst/>
+  </dgm:styleLbl>
+  <dgm:styleLbl name="fgAcc0">
+    <dgm:fillClrLst meth="repeat">
+      <a:schemeClr val="lt1">
+        <a:alpha val="90000"/>
+      </a:schemeClr>
+    </dgm:fillClrLst>
+    <dgm:linClrLst meth="repeat">
+      <a:schemeClr val="accent5"/>
+    </dgm:linClrLst>
+    <dgm:effectClrLst/>
+    <dgm:txLinClrLst/>
+    <dgm:txFillClrLst meth="repeat">
+      <a:schemeClr val="dk1"/>
+    </dgm:txFillClrLst>
+    <dgm:txEffectClrLst/>
+  </dgm:styleLbl>
+  <dgm:styleLbl name="fgAcc2">
+    <dgm:fillClrLst meth="repeat">
+      <a:schemeClr val="lt1">
+        <a:alpha val="90000"/>
+      </a:schemeClr>
+    </dgm:fillClrLst>
+    <dgm:linClrLst meth="repeat">
+      <a:schemeClr val="accent5"/>
+    </dgm:linClrLst>
+    <dgm:effectClrLst/>
+    <dgm:txLinClrLst/>
+    <dgm:txFillClrLst meth="repeat">
+      <a:schemeClr val="dk1"/>
+    </dgm:txFillClrLst>
+    <dgm:txEffectClrLst/>
+  </dgm:styleLbl>
+  <dgm:styleLbl name="fgAcc3">
+    <dgm:fillClrLst meth="repeat">
+      <a:schemeClr val="lt1">
+        <a:alpha val="90000"/>
+      </a:schemeClr>
+    </dgm:fillClrLst>
+    <dgm:linClrLst meth="repeat">
+      <a:schemeClr val="accent5"/>
+    </dgm:linClrLst>
+    <dgm:effectClrLst/>
+    <dgm:txLinClrLst/>
+    <dgm:txFillClrLst meth="repeat">
+      <a:schemeClr val="dk1"/>
+    </dgm:txFillClrLst>
+    <dgm:txEffectClrLst/>
+  </dgm:styleLbl>
+  <dgm:styleLbl name="fgAcc4">
+    <dgm:fillClrLst meth="repeat">
+      <a:schemeClr val="lt1">
+        <a:alpha val="90000"/>
+      </a:schemeClr>
+    </dgm:fillClrLst>
+    <dgm:linClrLst meth="repeat">
+      <a:schemeClr val="accent5"/>
+    </dgm:linClrLst>
+    <dgm:effectClrLst/>
+    <dgm:txLinClrLst/>
+    <dgm:txFillClrLst meth="repeat">
+      <a:schemeClr val="dk1"/>
+    </dgm:txFillClrLst>
+    <dgm:txEffectClrLst/>
+  </dgm:styleLbl>
+  <dgm:styleLbl name="bgShp">
+    <dgm:fillClrLst meth="repeat">
+      <a:schemeClr val="accent5">
+        <a:tint val="40000"/>
+      </a:schemeClr>
+    </dgm:fillClrLst>
+    <dgm:linClrLst meth="repeat">
+      <a:schemeClr val="accent5"/>
+    </dgm:linClrLst>
+    <dgm:effectClrLst/>
+    <dgm:txLinClrLst/>
+    <dgm:txFillClrLst meth="repeat">
+      <a:schemeClr val="dk1"/>
+    </dgm:txFillClrLst>
+    <dgm:txEffectClrLst/>
+  </dgm:styleLbl>
+  <dgm:styleLbl name="dkBgShp">
+    <dgm:fillClrLst meth="repeat">
+      <a:schemeClr val="accent5">
+        <a:shade val="80000"/>
+      </a:schemeClr>
+    </dgm:fillClrLst>
+    <dgm:linClrLst meth="repeat">
+      <a:schemeClr val="accent5"/>
+    </dgm:linClrLst>
+    <dgm:effectClrLst/>
+    <dgm:txLinClrLst/>
+    <dgm:txFillClrLst meth="repeat">
+      <a:schemeClr val="lt1"/>
+    </dgm:txFillClrLst>
+    <dgm:txEffectClrLst/>
+  </dgm:styleLbl>
+  <dgm:styleLbl name="trBgShp">
+    <dgm:fillClrLst meth="repeat">
+      <a:schemeClr val="accent5">
+        <a:tint val="50000"/>
+        <a:alpha val="40000"/>
+      </a:schemeClr>
+    </dgm:fillClrLst>
+    <dgm:linClrLst meth="repeat">
+      <a:schemeClr val="accent5"/>
+    </dgm:linClrLst>
+    <dgm:effectClrLst/>
+    <dgm:txLinClrLst/>
+    <dgm:txFillClrLst meth="repeat">
+      <a:schemeClr val="lt1"/>
+    </dgm:txFillClrLst>
+    <dgm:txEffectClrLst/>
+  </dgm:styleLbl>
+  <dgm:styleLbl name="fgShp">
+    <dgm:fillClrLst meth="repeat">
+      <a:schemeClr val="accent5">
+        <a:tint val="60000"/>
+      </a:schemeClr>
+    </dgm:fillClrLst>
+    <dgm:linClrLst meth="repeat">
+      <a:schemeClr val="lt1"/>
+    </dgm:linClrLst>
+    <dgm:effectClrLst/>
+    <dgm:txLinClrLst/>
+    <dgm:txFillClrLst meth="repeat">
+      <a:schemeClr val="dk1"/>
+    </dgm:txFillClrLst>
+    <dgm:txEffectClrLst/>
+  </dgm:styleLbl>
+  <dgm:styleLbl name="revTx">
+    <dgm:fillClrLst meth="repeat">
+      <a:schemeClr val="lt1">
+        <a:alpha val="0"/>
+      </a:schemeClr>
+    </dgm:fillClrLst>
+    <dgm:linClrLst meth="repeat">
+      <a:schemeClr val="dk1">
+        <a:alpha val="0"/>
+      </a:schemeClr>
+    </dgm:linClrLst>
+    <dgm:effectClrLst/>
+    <dgm:txLinClrLst/>
+    <dgm:txFillClrLst meth="repeat">
+      <a:schemeClr val="tx1"/>
+    </dgm:txFillClrLst>
+    <dgm:txEffectClrLst/>
+  </dgm:styleLbl>
+</dgm:colorsDef>
+</file>
+
+<file path=ppt/diagrams/data1.xml><?xml version="1.0" encoding="utf-8"?>
+<dgm:dataModel xmlns:dgm="http://schemas.openxmlformats.org/drawingml/2006/diagram" xmlns:a="http://schemas.openxmlformats.org/drawingml/2006/main">
+  <dgm:ptLst>
+    <dgm:pt modelId="{F6EDE265-99D5-4B8D-8A9F-A0BF12E7A0C6}" type="doc">
+      <dgm:prSet loTypeId="urn:microsoft.com/office/officeart/2005/8/layout/lProcess2" loCatId="list" qsTypeId="urn:microsoft.com/office/officeart/2005/8/quickstyle/simple2" qsCatId="simple" csTypeId="urn:microsoft.com/office/officeart/2005/8/colors/accent5_2" csCatId="accent5" phldr="1"/>
+      <dgm:spPr/>
+      <dgm:t>
+        <a:bodyPr/>
+        <a:lstStyle/>
+        <a:p>
+          <a:endParaRPr lang="en-US"/>
+        </a:p>
+      </dgm:t>
+    </dgm:pt>
+    <dgm:pt modelId="{3B0D34A6-A950-401D-8484-2FF82B653952}">
+      <dgm:prSet phldrT="[文本]"/>
+      <dgm:spPr/>
+      <dgm:t>
+        <a:bodyPr/>
+        <a:lstStyle/>
+        <a:p>
+          <a:r>
+            <a:rPr lang="en-US" dirty="0" smtClean="0"/>
+            <a:t>Attribute features</a:t>
+          </a:r>
+          <a:endParaRPr lang="en-US" dirty="0"/>
+        </a:p>
+      </dgm:t>
+    </dgm:pt>
+    <dgm:pt modelId="{58AB1D6C-DDE7-4AB7-85D1-9C42F4FBE82D}" type="parTrans" cxnId="{1F05EF94-7EDF-49DC-B817-C62FFE19E9BF}">
+      <dgm:prSet/>
+      <dgm:spPr/>
+      <dgm:t>
+        <a:bodyPr/>
+        <a:lstStyle/>
+        <a:p>
+          <a:endParaRPr lang="en-US"/>
+        </a:p>
+      </dgm:t>
+    </dgm:pt>
+    <dgm:pt modelId="{D12CAF21-6688-4D28-BCFC-4D6BA769AF9B}" type="sibTrans" cxnId="{1F05EF94-7EDF-49DC-B817-C62FFE19E9BF}">
+      <dgm:prSet/>
+      <dgm:spPr/>
+      <dgm:t>
+        <a:bodyPr/>
+        <a:lstStyle/>
+        <a:p>
+          <a:endParaRPr lang="en-US"/>
+        </a:p>
+      </dgm:t>
+    </dgm:pt>
+    <dgm:pt modelId="{7360BDD7-97C0-474F-B0F2-658F5F969CB5}">
+      <dgm:prSet custT="1"/>
+      <dgm:spPr/>
+      <dgm:t>
+        <a:bodyPr/>
+        <a:lstStyle/>
+        <a:p>
+          <a:r>
+            <a:rPr lang="en-US" sz="1800" dirty="0" smtClean="0"/>
+            <a:t>Brand</a:t>
+          </a:r>
+          <a:endParaRPr lang="en-US" sz="1800" dirty="0"/>
+        </a:p>
+      </dgm:t>
+    </dgm:pt>
+    <dgm:pt modelId="{102FDDC2-0E08-4A75-BFE2-BBEC46A93AAB}" type="parTrans" cxnId="{7DA8071F-2AA2-4A8A-BE18-68D83418C60D}">
+      <dgm:prSet/>
+      <dgm:spPr/>
+      <dgm:t>
+        <a:bodyPr/>
+        <a:lstStyle/>
+        <a:p>
+          <a:endParaRPr lang="en-US"/>
+        </a:p>
+      </dgm:t>
+    </dgm:pt>
+    <dgm:pt modelId="{AF21CB21-EAB0-4B4F-B6BA-7FDB46CA97C3}" type="sibTrans" cxnId="{7DA8071F-2AA2-4A8A-BE18-68D83418C60D}">
+      <dgm:prSet/>
+      <dgm:spPr/>
+      <dgm:t>
+        <a:bodyPr/>
+        <a:lstStyle/>
+        <a:p>
+          <a:endParaRPr lang="en-US"/>
+        </a:p>
+      </dgm:t>
+    </dgm:pt>
+    <dgm:pt modelId="{C0C71018-DF75-4C0A-BE1A-86B630C9D6D1}">
+      <dgm:prSet custT="1"/>
+      <dgm:spPr/>
+      <dgm:t>
+        <a:bodyPr/>
+        <a:lstStyle/>
+        <a:p>
+          <a:r>
+            <a:rPr lang="en-US" sz="1800" smtClean="0"/>
+            <a:t>Material</a:t>
+          </a:r>
+          <a:endParaRPr lang="en-US" sz="1800" dirty="0"/>
+        </a:p>
+      </dgm:t>
+    </dgm:pt>
+    <dgm:pt modelId="{513983C3-AE12-4603-8AF9-34F9FE87D250}" type="parTrans" cxnId="{91DF9C9A-1936-4BC3-8FC7-63283876A29D}">
+      <dgm:prSet/>
+      <dgm:spPr/>
+      <dgm:t>
+        <a:bodyPr/>
+        <a:lstStyle/>
+        <a:p>
+          <a:endParaRPr lang="en-US"/>
+        </a:p>
+      </dgm:t>
+    </dgm:pt>
+    <dgm:pt modelId="{E5DF9A89-D54E-4F07-939E-4A36F9CA388C}" type="sibTrans" cxnId="{91DF9C9A-1936-4BC3-8FC7-63283876A29D}">
+      <dgm:prSet/>
+      <dgm:spPr/>
+      <dgm:t>
+        <a:bodyPr/>
+        <a:lstStyle/>
+        <a:p>
+          <a:endParaRPr lang="en-US"/>
+        </a:p>
+      </dgm:t>
+    </dgm:pt>
+    <dgm:pt modelId="{B103E9B8-5ABA-447B-A597-7E4F16BB629B}">
+      <dgm:prSet custT="1"/>
+      <dgm:spPr/>
+      <dgm:t>
+        <a:bodyPr/>
+        <a:lstStyle/>
+        <a:p>
+          <a:r>
+            <a:rPr lang="en-US" sz="1800" smtClean="0"/>
+            <a:t>Color</a:t>
+          </a:r>
+          <a:endParaRPr lang="en-US" sz="1800" dirty="0"/>
+        </a:p>
+      </dgm:t>
+    </dgm:pt>
+    <dgm:pt modelId="{FAEADF1E-F9FC-4FC5-AA1F-4C610F258EAF}" type="parTrans" cxnId="{076014F7-1580-4423-93D3-0D76EE843A24}">
+      <dgm:prSet/>
+      <dgm:spPr/>
+      <dgm:t>
+        <a:bodyPr/>
+        <a:lstStyle/>
+        <a:p>
+          <a:endParaRPr lang="en-US"/>
+        </a:p>
+      </dgm:t>
+    </dgm:pt>
+    <dgm:pt modelId="{D4D725C7-EE0D-40B9-837A-BC84CB5E3C9F}" type="sibTrans" cxnId="{076014F7-1580-4423-93D3-0D76EE843A24}">
+      <dgm:prSet/>
+      <dgm:spPr/>
+      <dgm:t>
+        <a:bodyPr/>
+        <a:lstStyle/>
+        <a:p>
+          <a:endParaRPr lang="en-US"/>
+        </a:p>
+      </dgm:t>
+    </dgm:pt>
+    <dgm:pt modelId="{74CFD615-58F4-4AE7-830F-2B051E12A3B6}">
+      <dgm:prSet custT="1"/>
+      <dgm:spPr/>
+      <dgm:t>
+        <a:bodyPr/>
+        <a:lstStyle/>
+        <a:p>
+          <a:r>
+            <a:rPr lang="en-US" sz="1800" smtClean="0"/>
+            <a:t>Bullets</a:t>
+          </a:r>
+          <a:endParaRPr lang="en-US" sz="1800" dirty="0"/>
+        </a:p>
+      </dgm:t>
+    </dgm:pt>
+    <dgm:pt modelId="{C15E5A2F-1490-473D-8658-80640C6DE28B}" type="parTrans" cxnId="{103D2617-A446-4306-AAD9-8132F8A1858A}">
+      <dgm:prSet/>
+      <dgm:spPr/>
+      <dgm:t>
+        <a:bodyPr/>
+        <a:lstStyle/>
+        <a:p>
+          <a:endParaRPr lang="en-US"/>
+        </a:p>
+      </dgm:t>
+    </dgm:pt>
+    <dgm:pt modelId="{7AF0B7C4-9768-44EF-88EE-63A077A250B0}" type="sibTrans" cxnId="{103D2617-A446-4306-AAD9-8132F8A1858A}">
+      <dgm:prSet/>
+      <dgm:spPr/>
+      <dgm:t>
+        <a:bodyPr/>
+        <a:lstStyle/>
+        <a:p>
+          <a:endParaRPr lang="en-US"/>
+        </a:p>
+      </dgm:t>
+    </dgm:pt>
+    <dgm:pt modelId="{B956D7C9-D2B5-4664-8ABB-40225AD4A66E}">
+      <dgm:prSet/>
+      <dgm:spPr/>
+      <dgm:t>
+        <a:bodyPr/>
+        <a:lstStyle/>
+        <a:p>
+          <a:r>
+            <a:rPr lang="en-US" dirty="0" smtClean="0"/>
+            <a:t>Word matching</a:t>
+          </a:r>
+          <a:endParaRPr lang="en-US" dirty="0"/>
+        </a:p>
+      </dgm:t>
+    </dgm:pt>
+    <dgm:pt modelId="{FBDADAAF-AC86-45C8-B9A0-A3AB2F68F77A}" type="parTrans" cxnId="{0C6B33E5-A114-49D4-8F6D-C858E7C100D1}">
+      <dgm:prSet/>
+      <dgm:spPr/>
+      <dgm:t>
+        <a:bodyPr/>
+        <a:lstStyle/>
+        <a:p>
+          <a:endParaRPr lang="en-US"/>
+        </a:p>
+      </dgm:t>
+    </dgm:pt>
+    <dgm:pt modelId="{2464F42E-ED15-478E-91A4-A8E4A085A53E}" type="sibTrans" cxnId="{0C6B33E5-A114-49D4-8F6D-C858E7C100D1}">
+      <dgm:prSet/>
+      <dgm:spPr/>
+      <dgm:t>
+        <a:bodyPr/>
+        <a:lstStyle/>
+        <a:p>
+          <a:endParaRPr lang="en-US"/>
+        </a:p>
+      </dgm:t>
+    </dgm:pt>
+    <dgm:pt modelId="{7AAF903F-9A3E-4A7B-AC66-9A0A05C450B5}">
+      <dgm:prSet/>
+      <dgm:spPr/>
+      <dgm:t>
+        <a:bodyPr/>
+        <a:lstStyle/>
+        <a:p>
+          <a:r>
+            <a:rPr lang="en-US" dirty="0" smtClean="0"/>
+            <a:t>Search </a:t>
+          </a:r>
+          <a:r>
+            <a:rPr lang="en-US" dirty="0" smtClean="0"/>
+            <a:t>term</a:t>
+          </a:r>
+        </a:p>
+        <a:p>
+          <a:r>
+            <a:rPr lang="en-US" dirty="0" smtClean="0"/>
+            <a:t>Title</a:t>
+          </a:r>
+        </a:p>
+        <a:p>
+          <a:r>
+            <a:rPr lang="en-US" dirty="0" smtClean="0"/>
+            <a:t>Description</a:t>
+          </a:r>
+          <a:endParaRPr lang="en-US" dirty="0"/>
+        </a:p>
+      </dgm:t>
+    </dgm:pt>
+    <dgm:pt modelId="{5F86EFF3-6078-4920-A7D7-02951D6E90EC}" type="parTrans" cxnId="{46325244-7A70-4D0B-B391-7FBF64E1D6AD}">
+      <dgm:prSet/>
+      <dgm:spPr/>
+      <dgm:t>
+        <a:bodyPr/>
+        <a:lstStyle/>
+        <a:p>
+          <a:endParaRPr lang="en-US"/>
+        </a:p>
+      </dgm:t>
+    </dgm:pt>
+    <dgm:pt modelId="{571210F4-C849-4598-9E70-CEE4E553B34F}" type="sibTrans" cxnId="{46325244-7A70-4D0B-B391-7FBF64E1D6AD}">
+      <dgm:prSet/>
+      <dgm:spPr/>
+      <dgm:t>
+        <a:bodyPr/>
+        <a:lstStyle/>
+        <a:p>
+          <a:endParaRPr lang="en-US"/>
+        </a:p>
+      </dgm:t>
+    </dgm:pt>
+    <dgm:pt modelId="{A0D70E96-8B14-491C-9362-7440CA4837BA}">
+      <dgm:prSet/>
+      <dgm:spPr/>
+      <dgm:t>
+        <a:bodyPr/>
+        <a:lstStyle/>
+        <a:p>
+          <a:r>
+            <a:rPr lang="en-US" dirty="0" smtClean="0"/>
+            <a:t>Last query word </a:t>
+          </a:r>
+          <a:endParaRPr lang="en-US" dirty="0" smtClean="0"/>
+        </a:p>
+      </dgm:t>
+    </dgm:pt>
+    <dgm:pt modelId="{3BBA8290-544E-4FA4-BEFC-51B272A08253}" type="parTrans" cxnId="{9214B919-B8E2-4733-8E50-DE0AF9F3380F}">
+      <dgm:prSet/>
+      <dgm:spPr/>
+      <dgm:t>
+        <a:bodyPr/>
+        <a:lstStyle/>
+        <a:p>
+          <a:endParaRPr lang="en-US"/>
+        </a:p>
+      </dgm:t>
+    </dgm:pt>
+    <dgm:pt modelId="{AA02A0CC-B15F-4526-A3E2-65CAF38C15AF}" type="sibTrans" cxnId="{9214B919-B8E2-4733-8E50-DE0AF9F3380F}">
+      <dgm:prSet/>
+      <dgm:spPr/>
+      <dgm:t>
+        <a:bodyPr/>
+        <a:lstStyle/>
+        <a:p>
+          <a:endParaRPr lang="en-US"/>
+        </a:p>
+      </dgm:t>
+    </dgm:pt>
+    <dgm:pt modelId="{5B1E6615-0BFB-4409-8FAF-AD82B2346BC8}">
+      <dgm:prSet/>
+      <dgm:spPr/>
+      <dgm:t>
+        <a:bodyPr/>
+        <a:lstStyle/>
+        <a:p>
+          <a:r>
+            <a:rPr lang="en-US" dirty="0" smtClean="0"/>
+            <a:t>Attributes words and </a:t>
+          </a:r>
+          <a:r>
+            <a:rPr lang="en-US" dirty="0" smtClean="0"/>
+            <a:t>previous</a:t>
+          </a:r>
+          <a:endParaRPr lang="en-US" dirty="0"/>
+        </a:p>
+      </dgm:t>
+    </dgm:pt>
+    <dgm:pt modelId="{35FE39E1-CDF8-4765-B489-0F2E1746AFAE}" type="parTrans" cxnId="{7DA51D19-A932-4C32-B36B-7C92EAC8CA4E}">
+      <dgm:prSet/>
+      <dgm:spPr/>
+      <dgm:t>
+        <a:bodyPr/>
+        <a:lstStyle/>
+        <a:p>
+          <a:endParaRPr lang="en-US"/>
+        </a:p>
+      </dgm:t>
+    </dgm:pt>
+    <dgm:pt modelId="{FFC3C329-E4E7-4E89-B3C0-66FFAC862A22}" type="sibTrans" cxnId="{7DA51D19-A932-4C32-B36B-7C92EAC8CA4E}">
+      <dgm:prSet/>
+      <dgm:spPr/>
+      <dgm:t>
+        <a:bodyPr/>
+        <a:lstStyle/>
+        <a:p>
+          <a:endParaRPr lang="en-US"/>
+        </a:p>
+      </dgm:t>
+    </dgm:pt>
+    <dgm:pt modelId="{E6D5D767-4A88-402A-8F1C-84389F2821CA}">
+      <dgm:prSet/>
+      <dgm:spPr/>
+      <dgm:t>
+        <a:bodyPr/>
+        <a:lstStyle/>
+        <a:p>
+          <a:r>
+            <a:rPr lang="en-US" dirty="0" smtClean="0"/>
+            <a:t>Lengths and ratios</a:t>
+          </a:r>
+          <a:endParaRPr lang="en-US" dirty="0"/>
+        </a:p>
+      </dgm:t>
+    </dgm:pt>
+    <dgm:pt modelId="{F693B7AC-3A3E-4503-AC06-1277553B03B7}" type="parTrans" cxnId="{EBEEF5E4-20F8-4687-81CB-5DC714B4FD95}">
+      <dgm:prSet/>
+      <dgm:spPr/>
+      <dgm:t>
+        <a:bodyPr/>
+        <a:lstStyle/>
+        <a:p>
+          <a:endParaRPr lang="en-US"/>
+        </a:p>
+      </dgm:t>
+    </dgm:pt>
+    <dgm:pt modelId="{931223B8-44E5-4738-B762-309237595A80}" type="sibTrans" cxnId="{EBEEF5E4-20F8-4687-81CB-5DC714B4FD95}">
+      <dgm:prSet/>
+      <dgm:spPr/>
+      <dgm:t>
+        <a:bodyPr/>
+        <a:lstStyle/>
+        <a:p>
+          <a:endParaRPr lang="en-US"/>
+        </a:p>
+      </dgm:t>
+    </dgm:pt>
+    <dgm:pt modelId="{FB98ED59-BDD5-4FD6-9FF6-327BB18DCCEC}">
+      <dgm:prSet/>
+      <dgm:spPr/>
+      <dgm:t>
+        <a:bodyPr/>
+        <a:lstStyle/>
+        <a:p>
+          <a:r>
+            <a:rPr lang="en-US" dirty="0" smtClean="0"/>
+            <a:t>The Lengths </a:t>
+          </a:r>
+          <a:r>
+            <a:rPr lang="en-US" dirty="0" smtClean="0"/>
+            <a:t>of the search term, </a:t>
+          </a:r>
+          <a:r>
+            <a:rPr lang="en-US" dirty="0" smtClean="0"/>
+            <a:t>title</a:t>
+          </a:r>
+          <a:r>
+            <a:rPr lang="en-US" dirty="0" smtClean="0"/>
+            <a:t>, </a:t>
+          </a:r>
+          <a:endParaRPr lang="en-US" dirty="0" smtClean="0"/>
+        </a:p>
+        <a:p>
+          <a:r>
+            <a:rPr lang="en-US" dirty="0" smtClean="0"/>
+            <a:t>description</a:t>
+          </a:r>
+          <a:r>
+            <a:rPr lang="en-US" dirty="0" smtClean="0"/>
+            <a:t>, </a:t>
+          </a:r>
+          <a:endParaRPr lang="en-US" dirty="0" smtClean="0"/>
+        </a:p>
+        <a:p>
+          <a:r>
+            <a:rPr lang="en-US" dirty="0" smtClean="0"/>
+            <a:t>attribute </a:t>
+          </a:r>
+          <a:r>
+            <a:rPr lang="en-US" dirty="0" smtClean="0"/>
+            <a:t>words</a:t>
+          </a:r>
+          <a:endParaRPr lang="en-US" dirty="0"/>
+        </a:p>
+      </dgm:t>
+    </dgm:pt>
+    <dgm:pt modelId="{88CC041C-54A3-410D-BEAC-3D2FCF0EE91C}" type="parTrans" cxnId="{0E7D9E40-8039-4A84-A204-D90B8B1E8CBB}">
+      <dgm:prSet/>
+      <dgm:spPr/>
+      <dgm:t>
+        <a:bodyPr/>
+        <a:lstStyle/>
+        <a:p>
+          <a:endParaRPr lang="en-US"/>
+        </a:p>
+      </dgm:t>
+    </dgm:pt>
+    <dgm:pt modelId="{4939E4FB-FDC4-4B0A-965F-1356C238622F}" type="sibTrans" cxnId="{0E7D9E40-8039-4A84-A204-D90B8B1E8CBB}">
+      <dgm:prSet/>
+      <dgm:spPr/>
+      <dgm:t>
+        <a:bodyPr/>
+        <a:lstStyle/>
+        <a:p>
+          <a:endParaRPr lang="en-US"/>
+        </a:p>
+      </dgm:t>
+    </dgm:pt>
+    <dgm:pt modelId="{3D329067-CEEF-4D2D-8B5F-0962591D383B}">
+      <dgm:prSet custT="1"/>
+      <dgm:spPr/>
+      <dgm:t>
+        <a:bodyPr/>
+        <a:lstStyle/>
+        <a:p>
+          <a:r>
+            <a:rPr lang="en-US" sz="1600" dirty="0" smtClean="0"/>
+            <a:t>The </a:t>
+          </a:r>
+          <a:r>
+            <a:rPr lang="en-US" sz="1600" dirty="0" smtClean="0"/>
+            <a:t>lengths </a:t>
+          </a:r>
+          <a:r>
+            <a:rPr lang="en-US" sz="1600" dirty="0" smtClean="0"/>
+            <a:t>of the matching </a:t>
+          </a:r>
+          <a:r>
+            <a:rPr lang="en-US" sz="1600" dirty="0" smtClean="0"/>
+            <a:t>word</a:t>
+          </a:r>
+          <a:endParaRPr lang="en-US" sz="1600" dirty="0"/>
+        </a:p>
+      </dgm:t>
+    </dgm:pt>
+    <dgm:pt modelId="{98A7A011-5A7C-40DE-9B02-5592E7461E11}" type="parTrans" cxnId="{1AF13024-B2A9-411C-8CA8-CF3682DFFB10}">
+      <dgm:prSet/>
+      <dgm:spPr/>
+      <dgm:t>
+        <a:bodyPr/>
+        <a:lstStyle/>
+        <a:p>
+          <a:endParaRPr lang="en-US"/>
+        </a:p>
+      </dgm:t>
+    </dgm:pt>
+    <dgm:pt modelId="{70795F97-09D7-4626-BFF4-A2165959DEAD}" type="sibTrans" cxnId="{1AF13024-B2A9-411C-8CA8-CF3682DFFB10}">
+      <dgm:prSet/>
+      <dgm:spPr/>
+      <dgm:t>
+        <a:bodyPr/>
+        <a:lstStyle/>
+        <a:p>
+          <a:endParaRPr lang="en-US"/>
+        </a:p>
+      </dgm:t>
+    </dgm:pt>
+    <dgm:pt modelId="{19C97780-16B8-498F-A74E-DD8650E05472}">
+      <dgm:prSet custT="1"/>
+      <dgm:spPr/>
+      <dgm:t>
+        <a:bodyPr/>
+        <a:lstStyle/>
+        <a:p>
+          <a:r>
+            <a:rPr lang="en-US" sz="1400" dirty="0" smtClean="0"/>
+            <a:t>The ratios between </a:t>
+          </a:r>
+          <a:r>
+            <a:rPr lang="en-US" sz="1400" dirty="0" smtClean="0"/>
+            <a:t>different lengths</a:t>
+          </a:r>
+          <a:endParaRPr lang="en-US" sz="1400" dirty="0"/>
+        </a:p>
+      </dgm:t>
+    </dgm:pt>
+    <dgm:pt modelId="{608BFEA7-B5DC-44C5-8342-39B5F749C62F}" type="parTrans" cxnId="{F2C421B3-98E6-4A42-A930-2DBD6C4078BD}">
+      <dgm:prSet/>
+      <dgm:spPr/>
+      <dgm:t>
+        <a:bodyPr/>
+        <a:lstStyle/>
+        <a:p>
+          <a:endParaRPr lang="en-US"/>
+        </a:p>
+      </dgm:t>
+    </dgm:pt>
+    <dgm:pt modelId="{E920811C-069C-4DE6-A51B-819F2E73E7E4}" type="sibTrans" cxnId="{F2C421B3-98E6-4A42-A930-2DBD6C4078BD}">
+      <dgm:prSet/>
+      <dgm:spPr/>
+      <dgm:t>
+        <a:bodyPr/>
+        <a:lstStyle/>
+        <a:p>
+          <a:endParaRPr lang="en-US"/>
+        </a:p>
+      </dgm:t>
+    </dgm:pt>
+    <dgm:pt modelId="{F1FC76BC-1491-42FD-8B9E-735FD47A5760}">
+      <dgm:prSet/>
+      <dgm:spPr/>
+      <dgm:t>
+        <a:bodyPr/>
+        <a:lstStyle/>
+        <a:p>
+          <a:r>
+            <a:rPr lang="en-US" dirty="0" smtClean="0"/>
+            <a:t>TF-IDF, SVD</a:t>
+          </a:r>
+          <a:endParaRPr lang="en-US" dirty="0"/>
+        </a:p>
+      </dgm:t>
+    </dgm:pt>
+    <dgm:pt modelId="{D0150328-633E-4AE0-B87F-B8C81346E4CC}" type="parTrans" cxnId="{6E20E0BF-70E0-4EDA-A498-1301633CA235}">
+      <dgm:prSet/>
+      <dgm:spPr/>
+      <dgm:t>
+        <a:bodyPr/>
+        <a:lstStyle/>
+        <a:p>
+          <a:endParaRPr lang="en-US"/>
+        </a:p>
+      </dgm:t>
+    </dgm:pt>
+    <dgm:pt modelId="{7B331039-A3E4-4DA5-8171-E97EE3ADBBAF}" type="sibTrans" cxnId="{6E20E0BF-70E0-4EDA-A498-1301633CA235}">
+      <dgm:prSet/>
+      <dgm:spPr/>
+      <dgm:t>
+        <a:bodyPr/>
+        <a:lstStyle/>
+        <a:p>
+          <a:endParaRPr lang="en-US"/>
+        </a:p>
+      </dgm:t>
+    </dgm:pt>
+    <dgm:pt modelId="{68F02B33-D3AE-4407-8676-37F318FE48AF}">
+      <dgm:prSet custT="1"/>
+      <dgm:spPr/>
+      <dgm:t>
+        <a:bodyPr/>
+        <a:lstStyle/>
+        <a:p>
+          <a:r>
+            <a:rPr lang="en-US" sz="1600" dirty="0" smtClean="0"/>
+            <a:t>TF-IDF combined by search term, brand, title, description</a:t>
+          </a:r>
+          <a:endParaRPr lang="en-US" sz="1600" dirty="0"/>
+        </a:p>
+      </dgm:t>
+    </dgm:pt>
+    <dgm:pt modelId="{4A50D8F0-818F-475F-8761-ADEDBF5B607B}" type="parTrans" cxnId="{A35E9813-FFF4-4F2F-BD35-31D1DC0747EB}">
+      <dgm:prSet/>
+      <dgm:spPr/>
+      <dgm:t>
+        <a:bodyPr/>
+        <a:lstStyle/>
+        <a:p>
+          <a:endParaRPr lang="en-US"/>
+        </a:p>
+      </dgm:t>
+    </dgm:pt>
+    <dgm:pt modelId="{BA4F52AF-6D6D-48DD-B000-C54FE2547B35}" type="sibTrans" cxnId="{A35E9813-FFF4-4F2F-BD35-31D1DC0747EB}">
+      <dgm:prSet/>
+      <dgm:spPr/>
+      <dgm:t>
+        <a:bodyPr/>
+        <a:lstStyle/>
+        <a:p>
+          <a:endParaRPr lang="en-US"/>
+        </a:p>
+      </dgm:t>
+    </dgm:pt>
+    <dgm:pt modelId="{3030F19D-788E-4184-AFAF-61AB1B897B50}">
+      <dgm:prSet/>
+      <dgm:spPr/>
+      <dgm:t>
+        <a:bodyPr/>
+        <a:lstStyle/>
+        <a:p>
+          <a:r>
+            <a:rPr lang="en-US" dirty="0" smtClean="0"/>
+            <a:t>Word2Vec Similarity</a:t>
+          </a:r>
+          <a:endParaRPr lang="en-US" dirty="0"/>
+        </a:p>
+      </dgm:t>
+    </dgm:pt>
+    <dgm:pt modelId="{9E57F959-B158-42F0-8428-933AA4AB1D7F}" type="parTrans" cxnId="{6255BEA8-113A-4580-9DC3-2C2F38C2FAF5}">
+      <dgm:prSet/>
+      <dgm:spPr/>
+      <dgm:t>
+        <a:bodyPr/>
+        <a:lstStyle/>
+        <a:p>
+          <a:endParaRPr lang="en-US"/>
+        </a:p>
+      </dgm:t>
+    </dgm:pt>
+    <dgm:pt modelId="{43D5A769-5F36-494C-B901-76F6B72E11CD}" type="sibTrans" cxnId="{6255BEA8-113A-4580-9DC3-2C2F38C2FAF5}">
+      <dgm:prSet/>
+      <dgm:spPr/>
+      <dgm:t>
+        <a:bodyPr/>
+        <a:lstStyle/>
+        <a:p>
+          <a:endParaRPr lang="en-US"/>
+        </a:p>
+      </dgm:t>
+    </dgm:pt>
+    <dgm:pt modelId="{95852EEA-FFFA-40AB-BF0F-04839D96F1C2}">
+      <dgm:prSet/>
+      <dgm:spPr/>
+      <dgm:t>
+        <a:bodyPr/>
+        <a:lstStyle/>
+        <a:p>
+          <a:r>
+            <a:rPr lang="en-US" dirty="0" smtClean="0"/>
+            <a:t>‘With’,</a:t>
+          </a:r>
+        </a:p>
+        <a:p>
+          <a:r>
+            <a:rPr lang="en-US" dirty="0" smtClean="0"/>
+            <a:t>‘Without’, </a:t>
+          </a:r>
+        </a:p>
+        <a:p>
+          <a:r>
+            <a:rPr lang="en-US" dirty="0" smtClean="0"/>
+            <a:t>‘For’</a:t>
+          </a:r>
+          <a:endParaRPr lang="en-US" dirty="0"/>
+        </a:p>
+      </dgm:t>
+    </dgm:pt>
+    <dgm:pt modelId="{A3AB7B54-D90F-4294-BD3F-64184E09D59B}" type="sibTrans" cxnId="{01C5360E-6658-4EA0-BA21-F4DB2F3CC658}">
+      <dgm:prSet/>
+      <dgm:spPr/>
+      <dgm:t>
+        <a:bodyPr/>
+        <a:lstStyle/>
+        <a:p>
+          <a:endParaRPr lang="en-US"/>
+        </a:p>
+      </dgm:t>
+    </dgm:pt>
+    <dgm:pt modelId="{EBB47599-2B4F-4A2F-ADD8-02564987CD38}" type="parTrans" cxnId="{01C5360E-6658-4EA0-BA21-F4DB2F3CC658}">
+      <dgm:prSet/>
+      <dgm:spPr/>
+      <dgm:t>
+        <a:bodyPr/>
+        <a:lstStyle/>
+        <a:p>
+          <a:endParaRPr lang="en-US"/>
+        </a:p>
+      </dgm:t>
+    </dgm:pt>
+    <dgm:pt modelId="{42872C91-B162-437F-B3C1-18DFDACA1617}">
+      <dgm:prSet custT="1"/>
+      <dgm:spPr/>
+      <dgm:t>
+        <a:bodyPr/>
+        <a:lstStyle/>
+        <a:p>
+          <a:r>
+            <a:rPr lang="en-US" sz="1600" dirty="0" smtClean="0"/>
+            <a:t>SVD</a:t>
+          </a:r>
+        </a:p>
+        <a:p>
+          <a:r>
+            <a:rPr lang="en-US" sz="1600" dirty="0" smtClean="0"/>
+            <a:t>+</a:t>
+          </a:r>
+        </a:p>
+        <a:p>
+          <a:r>
+            <a:rPr lang="en-US" sz="1600" dirty="0" smtClean="0"/>
+            <a:t>Weighted</a:t>
+          </a:r>
+          <a:endParaRPr lang="en-US" sz="1600" dirty="0"/>
+        </a:p>
+      </dgm:t>
+    </dgm:pt>
+    <dgm:pt modelId="{02F6FEEE-098B-4343-B698-DD5F0AEC564D}" type="parTrans" cxnId="{CF61150C-B4E3-4B53-957E-44FDE3CD4A05}">
+      <dgm:prSet/>
+      <dgm:spPr/>
+      <dgm:t>
+        <a:bodyPr/>
+        <a:lstStyle/>
+        <a:p>
+          <a:endParaRPr lang="en-US"/>
+        </a:p>
+      </dgm:t>
+    </dgm:pt>
+    <dgm:pt modelId="{BFA8E84A-74C3-4B77-9C53-4C2AE74951B8}" type="sibTrans" cxnId="{CF61150C-B4E3-4B53-957E-44FDE3CD4A05}">
+      <dgm:prSet/>
+      <dgm:spPr/>
+      <dgm:t>
+        <a:bodyPr/>
+        <a:lstStyle/>
+        <a:p>
+          <a:endParaRPr lang="en-US"/>
+        </a:p>
+      </dgm:t>
+    </dgm:pt>
+    <dgm:pt modelId="{7A438DFB-AB5A-4AD4-B589-358C97839820}">
+      <dgm:prSet custT="1"/>
+      <dgm:spPr/>
+      <dgm:t>
+        <a:bodyPr/>
+        <a:lstStyle/>
+        <a:p>
+          <a:r>
+            <a:rPr lang="en-US" altLang="zh-CN" sz="2000" dirty="0" smtClean="0"/>
+            <a:t>Combined by search term, title, description, attribute, brand, material</a:t>
+          </a:r>
+          <a:endParaRPr lang="en-US" sz="2000" dirty="0"/>
+        </a:p>
+      </dgm:t>
+    </dgm:pt>
+    <dgm:pt modelId="{84383D7E-9138-4300-95E8-C3C1B3758420}" type="parTrans" cxnId="{DF164DA4-1ADC-4324-A563-46D25D3E94A4}">
+      <dgm:prSet/>
+      <dgm:spPr/>
+      <dgm:t>
+        <a:bodyPr/>
+        <a:lstStyle/>
+        <a:p>
+          <a:endParaRPr lang="en-US"/>
+        </a:p>
+      </dgm:t>
+    </dgm:pt>
+    <dgm:pt modelId="{38EA65E2-9106-418F-B410-3FAB51BAF42E}" type="sibTrans" cxnId="{DF164DA4-1ADC-4324-A563-46D25D3E94A4}">
+      <dgm:prSet/>
+      <dgm:spPr/>
+      <dgm:t>
+        <a:bodyPr/>
+        <a:lstStyle/>
+        <a:p>
+          <a:endParaRPr lang="en-US"/>
+        </a:p>
+      </dgm:t>
+    </dgm:pt>
+    <dgm:pt modelId="{594B3DB7-B5A9-43A1-AD58-DE6052EF79C7}" type="pres">
+      <dgm:prSet presAssocID="{F6EDE265-99D5-4B8D-8A9F-A0BF12E7A0C6}" presName="theList" presStyleCnt="0">
+        <dgm:presLayoutVars>
+          <dgm:dir/>
+          <dgm:animLvl val="lvl"/>
+          <dgm:resizeHandles val="exact"/>
+        </dgm:presLayoutVars>
+      </dgm:prSet>
+      <dgm:spPr/>
+      <dgm:t>
+        <a:bodyPr/>
+        <a:lstStyle/>
+        <a:p>
+          <a:endParaRPr lang="en-US"/>
+        </a:p>
+      </dgm:t>
+    </dgm:pt>
+    <dgm:pt modelId="{4AA65049-9A53-4073-B2A1-A9D5579C92A1}" type="pres">
+      <dgm:prSet presAssocID="{3B0D34A6-A950-401D-8484-2FF82B653952}" presName="compNode" presStyleCnt="0"/>
+      <dgm:spPr/>
+      <dgm:t>
+        <a:bodyPr/>
+        <a:lstStyle/>
+        <a:p>
+          <a:endParaRPr lang="en-US"/>
+        </a:p>
+      </dgm:t>
+    </dgm:pt>
+    <dgm:pt modelId="{C0D0D5E4-3319-4A36-9A0E-9A31BE711066}" type="pres">
+      <dgm:prSet presAssocID="{3B0D34A6-A950-401D-8484-2FF82B653952}" presName="aNode" presStyleLbl="bgShp" presStyleIdx="0" presStyleCnt="5" custLinFactNeighborX="1231" custLinFactNeighborY="-482"/>
+      <dgm:spPr/>
+      <dgm:t>
+        <a:bodyPr/>
+        <a:lstStyle/>
+        <a:p>
+          <a:endParaRPr lang="en-US"/>
+        </a:p>
+      </dgm:t>
+    </dgm:pt>
+    <dgm:pt modelId="{8118B124-61FF-4D2D-93D3-EEDD53050C93}" type="pres">
+      <dgm:prSet presAssocID="{3B0D34A6-A950-401D-8484-2FF82B653952}" presName="textNode" presStyleLbl="bgShp" presStyleIdx="0" presStyleCnt="5"/>
+      <dgm:spPr/>
+      <dgm:t>
+        <a:bodyPr/>
+        <a:lstStyle/>
+        <a:p>
+          <a:endParaRPr lang="en-US"/>
+        </a:p>
+      </dgm:t>
+    </dgm:pt>
+    <dgm:pt modelId="{C87C1393-096B-42C3-9240-6D18DA253F4E}" type="pres">
+      <dgm:prSet presAssocID="{3B0D34A6-A950-401D-8484-2FF82B653952}" presName="compChildNode" presStyleCnt="0"/>
+      <dgm:spPr/>
+      <dgm:t>
+        <a:bodyPr/>
+        <a:lstStyle/>
+        <a:p>
+          <a:endParaRPr lang="en-US"/>
+        </a:p>
+      </dgm:t>
+    </dgm:pt>
+    <dgm:pt modelId="{63783BDB-EF5E-4A73-9D14-9B75C7BB7A03}" type="pres">
+      <dgm:prSet presAssocID="{3B0D34A6-A950-401D-8484-2FF82B653952}" presName="theInnerList" presStyleCnt="0"/>
+      <dgm:spPr/>
+      <dgm:t>
+        <a:bodyPr/>
+        <a:lstStyle/>
+        <a:p>
+          <a:endParaRPr lang="en-US"/>
+        </a:p>
+      </dgm:t>
+    </dgm:pt>
+    <dgm:pt modelId="{354FFB89-7611-459F-ADBE-8699BE96ED2D}" type="pres">
+      <dgm:prSet presAssocID="{7360BDD7-97C0-474F-B0F2-658F5F969CB5}" presName="childNode" presStyleLbl="node1" presStyleIdx="0" presStyleCnt="14">
+        <dgm:presLayoutVars>
+          <dgm:bulletEnabled val="1"/>
+        </dgm:presLayoutVars>
+      </dgm:prSet>
+      <dgm:spPr/>
+      <dgm:t>
+        <a:bodyPr/>
+        <a:lstStyle/>
+        <a:p>
+          <a:endParaRPr lang="en-US"/>
+        </a:p>
+      </dgm:t>
+    </dgm:pt>
+    <dgm:pt modelId="{A5648121-1755-4C16-9B92-A920DACDBE2A}" type="pres">
+      <dgm:prSet presAssocID="{7360BDD7-97C0-474F-B0F2-658F5F969CB5}" presName="aSpace2" presStyleCnt="0"/>
+      <dgm:spPr/>
+      <dgm:t>
+        <a:bodyPr/>
+        <a:lstStyle/>
+        <a:p>
+          <a:endParaRPr lang="en-US"/>
+        </a:p>
+      </dgm:t>
+    </dgm:pt>
+    <dgm:pt modelId="{2899A548-7A4B-4A75-94C3-FCBFBE798F37}" type="pres">
+      <dgm:prSet presAssocID="{C0C71018-DF75-4C0A-BE1A-86B630C9D6D1}" presName="childNode" presStyleLbl="node1" presStyleIdx="1" presStyleCnt="14">
+        <dgm:presLayoutVars>
+          <dgm:bulletEnabled val="1"/>
+        </dgm:presLayoutVars>
+      </dgm:prSet>
+      <dgm:spPr/>
+      <dgm:t>
+        <a:bodyPr/>
+        <a:lstStyle/>
+        <a:p>
+          <a:endParaRPr lang="en-US"/>
+        </a:p>
+      </dgm:t>
+    </dgm:pt>
+    <dgm:pt modelId="{C6931E5E-80BA-449C-BDCD-E3403313B90B}" type="pres">
+      <dgm:prSet presAssocID="{C0C71018-DF75-4C0A-BE1A-86B630C9D6D1}" presName="aSpace2" presStyleCnt="0"/>
+      <dgm:spPr/>
+      <dgm:t>
+        <a:bodyPr/>
+        <a:lstStyle/>
+        <a:p>
+          <a:endParaRPr lang="en-US"/>
+        </a:p>
+      </dgm:t>
+    </dgm:pt>
+    <dgm:pt modelId="{89A0CE0B-18CB-47E1-BA5F-B898416AAF2A}" type="pres">
+      <dgm:prSet presAssocID="{B103E9B8-5ABA-447B-A597-7E4F16BB629B}" presName="childNode" presStyleLbl="node1" presStyleIdx="2" presStyleCnt="14">
+        <dgm:presLayoutVars>
+          <dgm:bulletEnabled val="1"/>
+        </dgm:presLayoutVars>
+      </dgm:prSet>
+      <dgm:spPr/>
+      <dgm:t>
+        <a:bodyPr/>
+        <a:lstStyle/>
+        <a:p>
+          <a:endParaRPr lang="en-US"/>
+        </a:p>
+      </dgm:t>
+    </dgm:pt>
+    <dgm:pt modelId="{38402F3F-F5CD-459C-9631-6230F93F7329}" type="pres">
+      <dgm:prSet presAssocID="{B103E9B8-5ABA-447B-A597-7E4F16BB629B}" presName="aSpace2" presStyleCnt="0"/>
+      <dgm:spPr/>
+      <dgm:t>
+        <a:bodyPr/>
+        <a:lstStyle/>
+        <a:p>
+          <a:endParaRPr lang="en-US"/>
+        </a:p>
+      </dgm:t>
+    </dgm:pt>
+    <dgm:pt modelId="{9A5413E7-B532-48FB-B86B-18D790EE7BE4}" type="pres">
+      <dgm:prSet presAssocID="{74CFD615-58F4-4AE7-830F-2B051E12A3B6}" presName="childNode" presStyleLbl="node1" presStyleIdx="3" presStyleCnt="14">
+        <dgm:presLayoutVars>
+          <dgm:bulletEnabled val="1"/>
+        </dgm:presLayoutVars>
+      </dgm:prSet>
+      <dgm:spPr/>
+      <dgm:t>
+        <a:bodyPr/>
+        <a:lstStyle/>
+        <a:p>
+          <a:endParaRPr lang="en-US"/>
+        </a:p>
+      </dgm:t>
+    </dgm:pt>
+    <dgm:pt modelId="{D5648D91-7F6F-4209-97C9-073AE1CF691E}" type="pres">
+      <dgm:prSet presAssocID="{3B0D34A6-A950-401D-8484-2FF82B653952}" presName="aSpace" presStyleCnt="0"/>
+      <dgm:spPr/>
+      <dgm:t>
+        <a:bodyPr/>
+        <a:lstStyle/>
+        <a:p>
+          <a:endParaRPr lang="en-US"/>
+        </a:p>
+      </dgm:t>
+    </dgm:pt>
+    <dgm:pt modelId="{D878F111-DC63-4302-84AD-E6861784E67D}" type="pres">
+      <dgm:prSet presAssocID="{B956D7C9-D2B5-4664-8ABB-40225AD4A66E}" presName="compNode" presStyleCnt="0"/>
+      <dgm:spPr/>
+      <dgm:t>
+        <a:bodyPr/>
+        <a:lstStyle/>
+        <a:p>
+          <a:endParaRPr lang="en-US"/>
+        </a:p>
+      </dgm:t>
+    </dgm:pt>
+    <dgm:pt modelId="{B4EBE4C3-92F4-4E66-BB79-B6A5EEAD6BB5}" type="pres">
+      <dgm:prSet presAssocID="{B956D7C9-D2B5-4664-8ABB-40225AD4A66E}" presName="aNode" presStyleLbl="bgShp" presStyleIdx="1" presStyleCnt="5" custLinFactNeighborY="-354"/>
+      <dgm:spPr/>
+      <dgm:t>
+        <a:bodyPr/>
+        <a:lstStyle/>
+        <a:p>
+          <a:endParaRPr lang="en-US"/>
+        </a:p>
+      </dgm:t>
+    </dgm:pt>
+    <dgm:pt modelId="{D5E1B1E4-42DD-4584-9A8C-72102123BA50}" type="pres">
+      <dgm:prSet presAssocID="{B956D7C9-D2B5-4664-8ABB-40225AD4A66E}" presName="textNode" presStyleLbl="bgShp" presStyleIdx="1" presStyleCnt="5"/>
+      <dgm:spPr/>
+      <dgm:t>
+        <a:bodyPr/>
+        <a:lstStyle/>
+        <a:p>
+          <a:endParaRPr lang="en-US"/>
+        </a:p>
+      </dgm:t>
+    </dgm:pt>
+    <dgm:pt modelId="{AFD759D7-0455-4981-99BC-45A6928BD6E3}" type="pres">
+      <dgm:prSet presAssocID="{B956D7C9-D2B5-4664-8ABB-40225AD4A66E}" presName="compChildNode" presStyleCnt="0"/>
+      <dgm:spPr/>
+      <dgm:t>
+        <a:bodyPr/>
+        <a:lstStyle/>
+        <a:p>
+          <a:endParaRPr lang="en-US"/>
+        </a:p>
+      </dgm:t>
+    </dgm:pt>
+    <dgm:pt modelId="{C1E279A9-E937-4343-B1D8-A97A5DECEF89}" type="pres">
+      <dgm:prSet presAssocID="{B956D7C9-D2B5-4664-8ABB-40225AD4A66E}" presName="theInnerList" presStyleCnt="0"/>
+      <dgm:spPr/>
+      <dgm:t>
+        <a:bodyPr/>
+        <a:lstStyle/>
+        <a:p>
+          <a:endParaRPr lang="en-US"/>
+        </a:p>
+      </dgm:t>
+    </dgm:pt>
+    <dgm:pt modelId="{DC3DB303-F358-48F5-BF20-5B053EC1C6C5}" type="pres">
+      <dgm:prSet presAssocID="{7AAF903F-9A3E-4A7B-AC66-9A0A05C450B5}" presName="childNode" presStyleLbl="node1" presStyleIdx="4" presStyleCnt="14">
+        <dgm:presLayoutVars>
+          <dgm:bulletEnabled val="1"/>
+        </dgm:presLayoutVars>
+      </dgm:prSet>
+      <dgm:spPr/>
+      <dgm:t>
+        <a:bodyPr/>
+        <a:lstStyle/>
+        <a:p>
+          <a:endParaRPr lang="en-US"/>
+        </a:p>
+      </dgm:t>
+    </dgm:pt>
+    <dgm:pt modelId="{C30B7BEC-AE02-49FF-9258-CFB047D5E5B6}" type="pres">
+      <dgm:prSet presAssocID="{7AAF903F-9A3E-4A7B-AC66-9A0A05C450B5}" presName="aSpace2" presStyleCnt="0"/>
+      <dgm:spPr/>
+      <dgm:t>
+        <a:bodyPr/>
+        <a:lstStyle/>
+        <a:p>
+          <a:endParaRPr lang="en-US"/>
+        </a:p>
+      </dgm:t>
+    </dgm:pt>
+    <dgm:pt modelId="{51B22E42-E807-4F2D-9732-302BF83A8762}" type="pres">
+      <dgm:prSet presAssocID="{A0D70E96-8B14-491C-9362-7440CA4837BA}" presName="childNode" presStyleLbl="node1" presStyleIdx="5" presStyleCnt="14">
+        <dgm:presLayoutVars>
+          <dgm:bulletEnabled val="1"/>
+        </dgm:presLayoutVars>
+      </dgm:prSet>
+      <dgm:spPr/>
+      <dgm:t>
+        <a:bodyPr/>
+        <a:lstStyle/>
+        <a:p>
+          <a:endParaRPr lang="en-US"/>
+        </a:p>
+      </dgm:t>
+    </dgm:pt>
+    <dgm:pt modelId="{B13371BC-C2E5-442D-8985-4C5DC15B8E71}" type="pres">
+      <dgm:prSet presAssocID="{A0D70E96-8B14-491C-9362-7440CA4837BA}" presName="aSpace2" presStyleCnt="0"/>
+      <dgm:spPr/>
+      <dgm:t>
+        <a:bodyPr/>
+        <a:lstStyle/>
+        <a:p>
+          <a:endParaRPr lang="en-US"/>
+        </a:p>
+      </dgm:t>
+    </dgm:pt>
+    <dgm:pt modelId="{E5B56172-1B11-4FB4-A17A-4C077A7E7E92}" type="pres">
+      <dgm:prSet presAssocID="{95852EEA-FFFA-40AB-BF0F-04839D96F1C2}" presName="childNode" presStyleLbl="node1" presStyleIdx="6" presStyleCnt="14">
+        <dgm:presLayoutVars>
+          <dgm:bulletEnabled val="1"/>
+        </dgm:presLayoutVars>
+      </dgm:prSet>
+      <dgm:spPr/>
+      <dgm:t>
+        <a:bodyPr/>
+        <a:lstStyle/>
+        <a:p>
+          <a:endParaRPr lang="en-US"/>
+        </a:p>
+      </dgm:t>
+    </dgm:pt>
+    <dgm:pt modelId="{EB794AFB-A064-4D4F-A33F-D2619C3553E0}" type="pres">
+      <dgm:prSet presAssocID="{95852EEA-FFFA-40AB-BF0F-04839D96F1C2}" presName="aSpace2" presStyleCnt="0"/>
+      <dgm:spPr/>
+      <dgm:t>
+        <a:bodyPr/>
+        <a:lstStyle/>
+        <a:p>
+          <a:endParaRPr lang="en-US"/>
+        </a:p>
+      </dgm:t>
+    </dgm:pt>
+    <dgm:pt modelId="{872D2E5E-E5CC-4659-BF54-2375EAC157EC}" type="pres">
+      <dgm:prSet presAssocID="{5B1E6615-0BFB-4409-8FAF-AD82B2346BC8}" presName="childNode" presStyleLbl="node1" presStyleIdx="7" presStyleCnt="14">
+        <dgm:presLayoutVars>
+          <dgm:bulletEnabled val="1"/>
+        </dgm:presLayoutVars>
+      </dgm:prSet>
+      <dgm:spPr/>
+      <dgm:t>
+        <a:bodyPr/>
+        <a:lstStyle/>
+        <a:p>
+          <a:endParaRPr lang="en-US"/>
+        </a:p>
+      </dgm:t>
+    </dgm:pt>
+    <dgm:pt modelId="{5E6BB87D-06B6-49D5-A5AE-4E9B1763F2CE}" type="pres">
+      <dgm:prSet presAssocID="{B956D7C9-D2B5-4664-8ABB-40225AD4A66E}" presName="aSpace" presStyleCnt="0"/>
+      <dgm:spPr/>
+      <dgm:t>
+        <a:bodyPr/>
+        <a:lstStyle/>
+        <a:p>
+          <a:endParaRPr lang="en-US"/>
+        </a:p>
+      </dgm:t>
+    </dgm:pt>
+    <dgm:pt modelId="{9920DD6A-6EF4-4C39-8062-972E1528F978}" type="pres">
+      <dgm:prSet presAssocID="{E6D5D767-4A88-402A-8F1C-84389F2821CA}" presName="compNode" presStyleCnt="0"/>
+      <dgm:spPr/>
+      <dgm:t>
+        <a:bodyPr/>
+        <a:lstStyle/>
+        <a:p>
+          <a:endParaRPr lang="en-US"/>
+        </a:p>
+      </dgm:t>
+    </dgm:pt>
+    <dgm:pt modelId="{C03699B8-663E-407C-A837-8D8A7A96E7EC}" type="pres">
+      <dgm:prSet presAssocID="{E6D5D767-4A88-402A-8F1C-84389F2821CA}" presName="aNode" presStyleLbl="bgShp" presStyleIdx="2" presStyleCnt="5"/>
+      <dgm:spPr/>
+      <dgm:t>
+        <a:bodyPr/>
+        <a:lstStyle/>
+        <a:p>
+          <a:endParaRPr lang="en-US"/>
+        </a:p>
+      </dgm:t>
+    </dgm:pt>
+    <dgm:pt modelId="{0066C86D-6AAD-48C0-8612-C85D46912A82}" type="pres">
+      <dgm:prSet presAssocID="{E6D5D767-4A88-402A-8F1C-84389F2821CA}" presName="textNode" presStyleLbl="bgShp" presStyleIdx="2" presStyleCnt="5"/>
+      <dgm:spPr/>
+      <dgm:t>
+        <a:bodyPr/>
+        <a:lstStyle/>
+        <a:p>
+          <a:endParaRPr lang="en-US"/>
+        </a:p>
+      </dgm:t>
+    </dgm:pt>
+    <dgm:pt modelId="{F8B2B8F1-E2E1-4893-AF81-C81477E2F6D2}" type="pres">
+      <dgm:prSet presAssocID="{E6D5D767-4A88-402A-8F1C-84389F2821CA}" presName="compChildNode" presStyleCnt="0"/>
+      <dgm:spPr/>
+      <dgm:t>
+        <a:bodyPr/>
+        <a:lstStyle/>
+        <a:p>
+          <a:endParaRPr lang="en-US"/>
+        </a:p>
+      </dgm:t>
+    </dgm:pt>
+    <dgm:pt modelId="{21797394-1188-49B6-941E-22C71D8D0EB1}" type="pres">
+      <dgm:prSet presAssocID="{E6D5D767-4A88-402A-8F1C-84389F2821CA}" presName="theInnerList" presStyleCnt="0"/>
+      <dgm:spPr/>
+      <dgm:t>
+        <a:bodyPr/>
+        <a:lstStyle/>
+        <a:p>
+          <a:endParaRPr lang="en-US"/>
+        </a:p>
+      </dgm:t>
+    </dgm:pt>
+    <dgm:pt modelId="{93425DF7-C14E-49D5-80A6-D6FCD51C8224}" type="pres">
+      <dgm:prSet presAssocID="{FB98ED59-BDD5-4FD6-9FF6-327BB18DCCEC}" presName="childNode" presStyleLbl="node1" presStyleIdx="8" presStyleCnt="14">
+        <dgm:presLayoutVars>
+          <dgm:bulletEnabled val="1"/>
+        </dgm:presLayoutVars>
+      </dgm:prSet>
+      <dgm:spPr/>
+      <dgm:t>
+        <a:bodyPr/>
+        <a:lstStyle/>
+        <a:p>
+          <a:endParaRPr lang="en-US"/>
+        </a:p>
+      </dgm:t>
+    </dgm:pt>
+    <dgm:pt modelId="{F85CE2CF-AF3F-45D2-A714-7C98EC48BAAE}" type="pres">
+      <dgm:prSet presAssocID="{FB98ED59-BDD5-4FD6-9FF6-327BB18DCCEC}" presName="aSpace2" presStyleCnt="0"/>
+      <dgm:spPr/>
+      <dgm:t>
+        <a:bodyPr/>
+        <a:lstStyle/>
+        <a:p>
+          <a:endParaRPr lang="en-US"/>
+        </a:p>
+      </dgm:t>
+    </dgm:pt>
+    <dgm:pt modelId="{8E06BFE1-8BD0-4457-9CBB-12907507E848}" type="pres">
+      <dgm:prSet presAssocID="{3D329067-CEEF-4D2D-8B5F-0962591D383B}" presName="childNode" presStyleLbl="node1" presStyleIdx="9" presStyleCnt="14">
+        <dgm:presLayoutVars>
+          <dgm:bulletEnabled val="1"/>
+        </dgm:presLayoutVars>
+      </dgm:prSet>
+      <dgm:spPr/>
+      <dgm:t>
+        <a:bodyPr/>
+        <a:lstStyle/>
+        <a:p>
+          <a:endParaRPr lang="en-US"/>
+        </a:p>
+      </dgm:t>
+    </dgm:pt>
+    <dgm:pt modelId="{8AF67EE4-714F-43C6-BB5D-55DAB8CA83A4}" type="pres">
+      <dgm:prSet presAssocID="{3D329067-CEEF-4D2D-8B5F-0962591D383B}" presName="aSpace2" presStyleCnt="0"/>
+      <dgm:spPr/>
+      <dgm:t>
+        <a:bodyPr/>
+        <a:lstStyle/>
+        <a:p>
+          <a:endParaRPr lang="en-US"/>
+        </a:p>
+      </dgm:t>
+    </dgm:pt>
+    <dgm:pt modelId="{CB4086D7-CDB9-4EF7-BC1F-927643B39373}" type="pres">
+      <dgm:prSet presAssocID="{19C97780-16B8-498F-A74E-DD8650E05472}" presName="childNode" presStyleLbl="node1" presStyleIdx="10" presStyleCnt="14">
+        <dgm:presLayoutVars>
+          <dgm:bulletEnabled val="1"/>
+        </dgm:presLayoutVars>
+      </dgm:prSet>
+      <dgm:spPr/>
+      <dgm:t>
+        <a:bodyPr/>
+        <a:lstStyle/>
+        <a:p>
+          <a:endParaRPr lang="en-US"/>
+        </a:p>
+      </dgm:t>
+    </dgm:pt>
+    <dgm:pt modelId="{11D028A6-FC30-45C7-8DF4-67CFA21D1410}" type="pres">
+      <dgm:prSet presAssocID="{E6D5D767-4A88-402A-8F1C-84389F2821CA}" presName="aSpace" presStyleCnt="0"/>
+      <dgm:spPr/>
+      <dgm:t>
+        <a:bodyPr/>
+        <a:lstStyle/>
+        <a:p>
+          <a:endParaRPr lang="en-US"/>
+        </a:p>
+      </dgm:t>
+    </dgm:pt>
+    <dgm:pt modelId="{017213C2-5717-4048-B8A0-98E1EFA2F6E6}" type="pres">
+      <dgm:prSet presAssocID="{F1FC76BC-1491-42FD-8B9E-735FD47A5760}" presName="compNode" presStyleCnt="0"/>
+      <dgm:spPr/>
+      <dgm:t>
+        <a:bodyPr/>
+        <a:lstStyle/>
+        <a:p>
+          <a:endParaRPr lang="en-US"/>
+        </a:p>
+      </dgm:t>
+    </dgm:pt>
+    <dgm:pt modelId="{A1F8A6E0-8141-4DA7-967C-679F3A7DB386}" type="pres">
+      <dgm:prSet presAssocID="{F1FC76BC-1491-42FD-8B9E-735FD47A5760}" presName="aNode" presStyleLbl="bgShp" presStyleIdx="3" presStyleCnt="5"/>
+      <dgm:spPr/>
+      <dgm:t>
+        <a:bodyPr/>
+        <a:lstStyle/>
+        <a:p>
+          <a:endParaRPr lang="en-US"/>
+        </a:p>
+      </dgm:t>
+    </dgm:pt>
+    <dgm:pt modelId="{E7BC73C4-62AD-47E2-A2E1-679137796734}" type="pres">
+      <dgm:prSet presAssocID="{F1FC76BC-1491-42FD-8B9E-735FD47A5760}" presName="textNode" presStyleLbl="bgShp" presStyleIdx="3" presStyleCnt="5"/>
+      <dgm:spPr/>
+      <dgm:t>
+        <a:bodyPr/>
+        <a:lstStyle/>
+        <a:p>
+          <a:endParaRPr lang="en-US"/>
+        </a:p>
+      </dgm:t>
+    </dgm:pt>
+    <dgm:pt modelId="{80F6CA7E-1A16-416E-A972-03EFC464E9DE}" type="pres">
+      <dgm:prSet presAssocID="{F1FC76BC-1491-42FD-8B9E-735FD47A5760}" presName="compChildNode" presStyleCnt="0"/>
+      <dgm:spPr/>
+      <dgm:t>
+        <a:bodyPr/>
+        <a:lstStyle/>
+        <a:p>
+          <a:endParaRPr lang="en-US"/>
+        </a:p>
+      </dgm:t>
+    </dgm:pt>
+    <dgm:pt modelId="{D5612EF2-7BC9-4494-9FBA-14E73B7897D0}" type="pres">
+      <dgm:prSet presAssocID="{F1FC76BC-1491-42FD-8B9E-735FD47A5760}" presName="theInnerList" presStyleCnt="0"/>
+      <dgm:spPr/>
+      <dgm:t>
+        <a:bodyPr/>
+        <a:lstStyle/>
+        <a:p>
+          <a:endParaRPr lang="en-US"/>
+        </a:p>
+      </dgm:t>
+    </dgm:pt>
+    <dgm:pt modelId="{5564502D-9A7F-48D5-90B8-DCAF1838CE41}" type="pres">
+      <dgm:prSet presAssocID="{68F02B33-D3AE-4407-8676-37F318FE48AF}" presName="childNode" presStyleLbl="node1" presStyleIdx="11" presStyleCnt="14">
+        <dgm:presLayoutVars>
+          <dgm:bulletEnabled val="1"/>
+        </dgm:presLayoutVars>
+      </dgm:prSet>
+      <dgm:spPr/>
+      <dgm:t>
+        <a:bodyPr/>
+        <a:lstStyle/>
+        <a:p>
+          <a:endParaRPr lang="en-US"/>
+        </a:p>
+      </dgm:t>
+    </dgm:pt>
+    <dgm:pt modelId="{D8E773DA-D7A0-4258-8416-7106EB991C51}" type="pres">
+      <dgm:prSet presAssocID="{68F02B33-D3AE-4407-8676-37F318FE48AF}" presName="aSpace2" presStyleCnt="0"/>
+      <dgm:spPr/>
+      <dgm:t>
+        <a:bodyPr/>
+        <a:lstStyle/>
+        <a:p>
+          <a:endParaRPr lang="en-US"/>
+        </a:p>
+      </dgm:t>
+    </dgm:pt>
+    <dgm:pt modelId="{CBC08321-4172-410C-8BB3-28160D4D8BB1}" type="pres">
+      <dgm:prSet presAssocID="{42872C91-B162-437F-B3C1-18DFDACA1617}" presName="childNode" presStyleLbl="node1" presStyleIdx="12" presStyleCnt="14">
+        <dgm:presLayoutVars>
+          <dgm:bulletEnabled val="1"/>
+        </dgm:presLayoutVars>
+      </dgm:prSet>
+      <dgm:spPr/>
+      <dgm:t>
+        <a:bodyPr/>
+        <a:lstStyle/>
+        <a:p>
+          <a:endParaRPr lang="en-US"/>
+        </a:p>
+      </dgm:t>
+    </dgm:pt>
+    <dgm:pt modelId="{50BB0BF2-3828-4512-BE6F-136641C7B670}" type="pres">
+      <dgm:prSet presAssocID="{F1FC76BC-1491-42FD-8B9E-735FD47A5760}" presName="aSpace" presStyleCnt="0"/>
+      <dgm:spPr/>
+      <dgm:t>
+        <a:bodyPr/>
+        <a:lstStyle/>
+        <a:p>
+          <a:endParaRPr lang="en-US"/>
+        </a:p>
+      </dgm:t>
+    </dgm:pt>
+    <dgm:pt modelId="{6A9A9E75-57DA-443D-8186-FA464B9B95E8}" type="pres">
+      <dgm:prSet presAssocID="{3030F19D-788E-4184-AFAF-61AB1B897B50}" presName="compNode" presStyleCnt="0"/>
+      <dgm:spPr/>
+      <dgm:t>
+        <a:bodyPr/>
+        <a:lstStyle/>
+        <a:p>
+          <a:endParaRPr lang="en-US"/>
+        </a:p>
+      </dgm:t>
+    </dgm:pt>
+    <dgm:pt modelId="{6B6A94E2-2DCD-4DC7-81A3-E459466A098E}" type="pres">
+      <dgm:prSet presAssocID="{3030F19D-788E-4184-AFAF-61AB1B897B50}" presName="aNode" presStyleLbl="bgShp" presStyleIdx="4" presStyleCnt="5" custLinFactNeighborX="1868" custLinFactNeighborY="-12361"/>
+      <dgm:spPr/>
+      <dgm:t>
+        <a:bodyPr/>
+        <a:lstStyle/>
+        <a:p>
+          <a:endParaRPr lang="en-US"/>
+        </a:p>
+      </dgm:t>
+    </dgm:pt>
+    <dgm:pt modelId="{7C87A26C-D24C-4970-915D-A5DF09B92CE9}" type="pres">
+      <dgm:prSet presAssocID="{3030F19D-788E-4184-AFAF-61AB1B897B50}" presName="textNode" presStyleLbl="bgShp" presStyleIdx="4" presStyleCnt="5"/>
+      <dgm:spPr/>
+      <dgm:t>
+        <a:bodyPr/>
+        <a:lstStyle/>
+        <a:p>
+          <a:endParaRPr lang="en-US"/>
+        </a:p>
+      </dgm:t>
+    </dgm:pt>
+    <dgm:pt modelId="{4B271413-7332-4303-B0E7-1336EEC14DE9}" type="pres">
+      <dgm:prSet presAssocID="{3030F19D-788E-4184-AFAF-61AB1B897B50}" presName="compChildNode" presStyleCnt="0"/>
+      <dgm:spPr/>
+      <dgm:t>
+        <a:bodyPr/>
+        <a:lstStyle/>
+        <a:p>
+          <a:endParaRPr lang="en-US"/>
+        </a:p>
+      </dgm:t>
+    </dgm:pt>
+    <dgm:pt modelId="{9CC13A57-35CF-4706-BDE9-B8C134D86511}" type="pres">
+      <dgm:prSet presAssocID="{3030F19D-788E-4184-AFAF-61AB1B897B50}" presName="theInnerList" presStyleCnt="0"/>
+      <dgm:spPr/>
+      <dgm:t>
+        <a:bodyPr/>
+        <a:lstStyle/>
+        <a:p>
+          <a:endParaRPr lang="en-US"/>
+        </a:p>
+      </dgm:t>
+    </dgm:pt>
+    <dgm:pt modelId="{46BF7581-D67B-4D56-8FC4-1B892C1396AF}" type="pres">
+      <dgm:prSet presAssocID="{7A438DFB-AB5A-4AD4-B589-358C97839820}" presName="childNode" presStyleLbl="node1" presStyleIdx="13" presStyleCnt="14">
+        <dgm:presLayoutVars>
+          <dgm:bulletEnabled val="1"/>
+        </dgm:presLayoutVars>
+      </dgm:prSet>
+      <dgm:spPr/>
+      <dgm:t>
+        <a:bodyPr/>
+        <a:lstStyle/>
+        <a:p>
+          <a:endParaRPr lang="en-US"/>
+        </a:p>
+      </dgm:t>
+    </dgm:pt>
+  </dgm:ptLst>
+  <dgm:cxnLst>
+    <dgm:cxn modelId="{F58297C1-EE7E-4A4C-9970-AB9FBCE7AC8E}" type="presOf" srcId="{3B0D34A6-A950-401D-8484-2FF82B653952}" destId="{C0D0D5E4-3319-4A36-9A0E-9A31BE711066}" srcOrd="0" destOrd="0" presId="urn:microsoft.com/office/officeart/2005/8/layout/lProcess2"/>
+    <dgm:cxn modelId="{94B2C0F3-5D11-495E-AF22-1CBD44CD9AC0}" type="presOf" srcId="{3030F19D-788E-4184-AFAF-61AB1B897B50}" destId="{7C87A26C-D24C-4970-915D-A5DF09B92CE9}" srcOrd="1" destOrd="0" presId="urn:microsoft.com/office/officeart/2005/8/layout/lProcess2"/>
+    <dgm:cxn modelId="{A2B2C5A7-00A5-40F8-B401-2D57D0859BF5}" type="presOf" srcId="{7360BDD7-97C0-474F-B0F2-658F5F969CB5}" destId="{354FFB89-7611-459F-ADBE-8699BE96ED2D}" srcOrd="0" destOrd="0" presId="urn:microsoft.com/office/officeart/2005/8/layout/lProcess2"/>
+    <dgm:cxn modelId="{08F143F9-29CF-4F2B-ADE3-EFD957490BD6}" type="presOf" srcId="{5B1E6615-0BFB-4409-8FAF-AD82B2346BC8}" destId="{872D2E5E-E5CC-4659-BF54-2375EAC157EC}" srcOrd="0" destOrd="0" presId="urn:microsoft.com/office/officeart/2005/8/layout/lProcess2"/>
+    <dgm:cxn modelId="{EE4E2B96-4512-4769-9C52-341B018EA567}" type="presOf" srcId="{C0C71018-DF75-4C0A-BE1A-86B630C9D6D1}" destId="{2899A548-7A4B-4A75-94C3-FCBFBE798F37}" srcOrd="0" destOrd="0" presId="urn:microsoft.com/office/officeart/2005/8/layout/lProcess2"/>
+    <dgm:cxn modelId="{021D4A78-7199-4127-9137-A92252B87F1E}" type="presOf" srcId="{E6D5D767-4A88-402A-8F1C-84389F2821CA}" destId="{0066C86D-6AAD-48C0-8612-C85D46912A82}" srcOrd="1" destOrd="0" presId="urn:microsoft.com/office/officeart/2005/8/layout/lProcess2"/>
+    <dgm:cxn modelId="{7DA8071F-2AA2-4A8A-BE18-68D83418C60D}" srcId="{3B0D34A6-A950-401D-8484-2FF82B653952}" destId="{7360BDD7-97C0-474F-B0F2-658F5F969CB5}" srcOrd="0" destOrd="0" parTransId="{102FDDC2-0E08-4A75-BFE2-BBEC46A93AAB}" sibTransId="{AF21CB21-EAB0-4B4F-B6BA-7FDB46CA97C3}"/>
+    <dgm:cxn modelId="{0C6B33E5-A114-49D4-8F6D-C858E7C100D1}" srcId="{F6EDE265-99D5-4B8D-8A9F-A0BF12E7A0C6}" destId="{B956D7C9-D2B5-4664-8ABB-40225AD4A66E}" srcOrd="1" destOrd="0" parTransId="{FBDADAAF-AC86-45C8-B9A0-A3AB2F68F77A}" sibTransId="{2464F42E-ED15-478E-91A4-A8E4A085A53E}"/>
+    <dgm:cxn modelId="{69946955-171E-4CF3-B6FC-FD7477E8185B}" type="presOf" srcId="{F1FC76BC-1491-42FD-8B9E-735FD47A5760}" destId="{E7BC73C4-62AD-47E2-A2E1-679137796734}" srcOrd="1" destOrd="0" presId="urn:microsoft.com/office/officeart/2005/8/layout/lProcess2"/>
+    <dgm:cxn modelId="{0E7D9E40-8039-4A84-A204-D90B8B1E8CBB}" srcId="{E6D5D767-4A88-402A-8F1C-84389F2821CA}" destId="{FB98ED59-BDD5-4FD6-9FF6-327BB18DCCEC}" srcOrd="0" destOrd="0" parTransId="{88CC041C-54A3-410D-BEAC-3D2FCF0EE91C}" sibTransId="{4939E4FB-FDC4-4B0A-965F-1356C238622F}"/>
+    <dgm:cxn modelId="{5C250F9A-DBC2-44EC-BDDB-88B3917A8B59}" type="presOf" srcId="{3D329067-CEEF-4D2D-8B5F-0962591D383B}" destId="{8E06BFE1-8BD0-4457-9CBB-12907507E848}" srcOrd="0" destOrd="0" presId="urn:microsoft.com/office/officeart/2005/8/layout/lProcess2"/>
+    <dgm:cxn modelId="{DF164DA4-1ADC-4324-A563-46D25D3E94A4}" srcId="{3030F19D-788E-4184-AFAF-61AB1B897B50}" destId="{7A438DFB-AB5A-4AD4-B589-358C97839820}" srcOrd="0" destOrd="0" parTransId="{84383D7E-9138-4300-95E8-C3C1B3758420}" sibTransId="{38EA65E2-9106-418F-B410-3FAB51BAF42E}"/>
+    <dgm:cxn modelId="{4AAB48FC-BCB8-4BFF-8F42-C46BCC38F713}" type="presOf" srcId="{A0D70E96-8B14-491C-9362-7440CA4837BA}" destId="{51B22E42-E807-4F2D-9732-302BF83A8762}" srcOrd="0" destOrd="0" presId="urn:microsoft.com/office/officeart/2005/8/layout/lProcess2"/>
+    <dgm:cxn modelId="{4AF0FFD6-0040-426B-B9F6-E9B3E97A8C16}" type="presOf" srcId="{B103E9B8-5ABA-447B-A597-7E4F16BB629B}" destId="{89A0CE0B-18CB-47E1-BA5F-B898416AAF2A}" srcOrd="0" destOrd="0" presId="urn:microsoft.com/office/officeart/2005/8/layout/lProcess2"/>
+    <dgm:cxn modelId="{7DA51D19-A932-4C32-B36B-7C92EAC8CA4E}" srcId="{B956D7C9-D2B5-4664-8ABB-40225AD4A66E}" destId="{5B1E6615-0BFB-4409-8FAF-AD82B2346BC8}" srcOrd="3" destOrd="0" parTransId="{35FE39E1-CDF8-4765-B489-0F2E1746AFAE}" sibTransId="{FFC3C329-E4E7-4E89-B3C0-66FFAC862A22}"/>
+    <dgm:cxn modelId="{0981C24C-5D2D-4DEE-ACB6-3DF96FF29E50}" type="presOf" srcId="{F1FC76BC-1491-42FD-8B9E-735FD47A5760}" destId="{A1F8A6E0-8141-4DA7-967C-679F3A7DB386}" srcOrd="0" destOrd="0" presId="urn:microsoft.com/office/officeart/2005/8/layout/lProcess2"/>
+    <dgm:cxn modelId="{103D2617-A446-4306-AAD9-8132F8A1858A}" srcId="{3B0D34A6-A950-401D-8484-2FF82B653952}" destId="{74CFD615-58F4-4AE7-830F-2B051E12A3B6}" srcOrd="3" destOrd="0" parTransId="{C15E5A2F-1490-473D-8658-80640C6DE28B}" sibTransId="{7AF0B7C4-9768-44EF-88EE-63A077A250B0}"/>
+    <dgm:cxn modelId="{1F05EF94-7EDF-49DC-B817-C62FFE19E9BF}" srcId="{F6EDE265-99D5-4B8D-8A9F-A0BF12E7A0C6}" destId="{3B0D34A6-A950-401D-8484-2FF82B653952}" srcOrd="0" destOrd="0" parTransId="{58AB1D6C-DDE7-4AB7-85D1-9C42F4FBE82D}" sibTransId="{D12CAF21-6688-4D28-BCFC-4D6BA769AF9B}"/>
+    <dgm:cxn modelId="{8DCB4B8C-1DA7-4F96-B43B-91E917783384}" type="presOf" srcId="{19C97780-16B8-498F-A74E-DD8650E05472}" destId="{CB4086D7-CDB9-4EF7-BC1F-927643B39373}" srcOrd="0" destOrd="0" presId="urn:microsoft.com/office/officeart/2005/8/layout/lProcess2"/>
+    <dgm:cxn modelId="{F2C421B3-98E6-4A42-A930-2DBD6C4078BD}" srcId="{E6D5D767-4A88-402A-8F1C-84389F2821CA}" destId="{19C97780-16B8-498F-A74E-DD8650E05472}" srcOrd="2" destOrd="0" parTransId="{608BFEA7-B5DC-44C5-8342-39B5F749C62F}" sibTransId="{E920811C-069C-4DE6-A51B-819F2E73E7E4}"/>
+    <dgm:cxn modelId="{56DE98A1-B806-4DA4-BEAF-5E2AED4A1168}" type="presOf" srcId="{74CFD615-58F4-4AE7-830F-2B051E12A3B6}" destId="{9A5413E7-B532-48FB-B86B-18D790EE7BE4}" srcOrd="0" destOrd="0" presId="urn:microsoft.com/office/officeart/2005/8/layout/lProcess2"/>
+    <dgm:cxn modelId="{01C5360E-6658-4EA0-BA21-F4DB2F3CC658}" srcId="{B956D7C9-D2B5-4664-8ABB-40225AD4A66E}" destId="{95852EEA-FFFA-40AB-BF0F-04839D96F1C2}" srcOrd="2" destOrd="0" parTransId="{EBB47599-2B4F-4A2F-ADD8-02564987CD38}" sibTransId="{A3AB7B54-D90F-4294-BD3F-64184E09D59B}"/>
+    <dgm:cxn modelId="{58E2EFB1-BF88-4BFF-B108-7D829BB1C581}" type="presOf" srcId="{FB98ED59-BDD5-4FD6-9FF6-327BB18DCCEC}" destId="{93425DF7-C14E-49D5-80A6-D6FCD51C8224}" srcOrd="0" destOrd="0" presId="urn:microsoft.com/office/officeart/2005/8/layout/lProcess2"/>
+    <dgm:cxn modelId="{6E20E0BF-70E0-4EDA-A498-1301633CA235}" srcId="{F6EDE265-99D5-4B8D-8A9F-A0BF12E7A0C6}" destId="{F1FC76BC-1491-42FD-8B9E-735FD47A5760}" srcOrd="3" destOrd="0" parTransId="{D0150328-633E-4AE0-B87F-B8C81346E4CC}" sibTransId="{7B331039-A3E4-4DA5-8171-E97EE3ADBBAF}"/>
+    <dgm:cxn modelId="{5A2BAC0C-CFD7-465D-AF7D-6C7F003C56D8}" type="presOf" srcId="{B956D7C9-D2B5-4664-8ABB-40225AD4A66E}" destId="{D5E1B1E4-42DD-4584-9A8C-72102123BA50}" srcOrd="1" destOrd="0" presId="urn:microsoft.com/office/officeart/2005/8/layout/lProcess2"/>
+    <dgm:cxn modelId="{A35E9813-FFF4-4F2F-BD35-31D1DC0747EB}" srcId="{F1FC76BC-1491-42FD-8B9E-735FD47A5760}" destId="{68F02B33-D3AE-4407-8676-37F318FE48AF}" srcOrd="0" destOrd="0" parTransId="{4A50D8F0-818F-475F-8761-ADEDBF5B607B}" sibTransId="{BA4F52AF-6D6D-48DD-B000-C54FE2547B35}"/>
+    <dgm:cxn modelId="{84CD1CB2-FD1F-40FC-8881-0B34E0D5421D}" type="presOf" srcId="{3B0D34A6-A950-401D-8484-2FF82B653952}" destId="{8118B124-61FF-4D2D-93D3-EEDD53050C93}" srcOrd="1" destOrd="0" presId="urn:microsoft.com/office/officeart/2005/8/layout/lProcess2"/>
+    <dgm:cxn modelId="{7B905399-6C2A-4D2E-BBD2-4F65B6AC6324}" type="presOf" srcId="{B956D7C9-D2B5-4664-8ABB-40225AD4A66E}" destId="{B4EBE4C3-92F4-4E66-BB79-B6A5EEAD6BB5}" srcOrd="0" destOrd="0" presId="urn:microsoft.com/office/officeart/2005/8/layout/lProcess2"/>
+    <dgm:cxn modelId="{9ECFF91D-7843-4830-8927-0BB44CE0C58B}" type="presOf" srcId="{68F02B33-D3AE-4407-8676-37F318FE48AF}" destId="{5564502D-9A7F-48D5-90B8-DCAF1838CE41}" srcOrd="0" destOrd="0" presId="urn:microsoft.com/office/officeart/2005/8/layout/lProcess2"/>
+    <dgm:cxn modelId="{7F31E0AF-5E2F-408C-91DD-3D0AEA0F8D85}" type="presOf" srcId="{7AAF903F-9A3E-4A7B-AC66-9A0A05C450B5}" destId="{DC3DB303-F358-48F5-BF20-5B053EC1C6C5}" srcOrd="0" destOrd="0" presId="urn:microsoft.com/office/officeart/2005/8/layout/lProcess2"/>
+    <dgm:cxn modelId="{EBEEF5E4-20F8-4687-81CB-5DC714B4FD95}" srcId="{F6EDE265-99D5-4B8D-8A9F-A0BF12E7A0C6}" destId="{E6D5D767-4A88-402A-8F1C-84389F2821CA}" srcOrd="2" destOrd="0" parTransId="{F693B7AC-3A3E-4503-AC06-1277553B03B7}" sibTransId="{931223B8-44E5-4738-B762-309237595A80}"/>
+    <dgm:cxn modelId="{9214B919-B8E2-4733-8E50-DE0AF9F3380F}" srcId="{B956D7C9-D2B5-4664-8ABB-40225AD4A66E}" destId="{A0D70E96-8B14-491C-9362-7440CA4837BA}" srcOrd="1" destOrd="0" parTransId="{3BBA8290-544E-4FA4-BEFC-51B272A08253}" sibTransId="{AA02A0CC-B15F-4526-A3E2-65CAF38C15AF}"/>
+    <dgm:cxn modelId="{CF61150C-B4E3-4B53-957E-44FDE3CD4A05}" srcId="{F1FC76BC-1491-42FD-8B9E-735FD47A5760}" destId="{42872C91-B162-437F-B3C1-18DFDACA1617}" srcOrd="1" destOrd="0" parTransId="{02F6FEEE-098B-4343-B698-DD5F0AEC564D}" sibTransId="{BFA8E84A-74C3-4B77-9C53-4C2AE74951B8}"/>
+    <dgm:cxn modelId="{618E12B6-3398-4CB9-8CA6-3635369AE789}" type="presOf" srcId="{42872C91-B162-437F-B3C1-18DFDACA1617}" destId="{CBC08321-4172-410C-8BB3-28160D4D8BB1}" srcOrd="0" destOrd="0" presId="urn:microsoft.com/office/officeart/2005/8/layout/lProcess2"/>
+    <dgm:cxn modelId="{91DF9C9A-1936-4BC3-8FC7-63283876A29D}" srcId="{3B0D34A6-A950-401D-8484-2FF82B653952}" destId="{C0C71018-DF75-4C0A-BE1A-86B630C9D6D1}" srcOrd="1" destOrd="0" parTransId="{513983C3-AE12-4603-8AF9-34F9FE87D250}" sibTransId="{E5DF9A89-D54E-4F07-939E-4A36F9CA388C}"/>
+    <dgm:cxn modelId="{076014F7-1580-4423-93D3-0D76EE843A24}" srcId="{3B0D34A6-A950-401D-8484-2FF82B653952}" destId="{B103E9B8-5ABA-447B-A597-7E4F16BB629B}" srcOrd="2" destOrd="0" parTransId="{FAEADF1E-F9FC-4FC5-AA1F-4C610F258EAF}" sibTransId="{D4D725C7-EE0D-40B9-837A-BC84CB5E3C9F}"/>
+    <dgm:cxn modelId="{DF31AB07-FB71-4BB8-A319-7E6FBE6FB67D}" type="presOf" srcId="{95852EEA-FFFA-40AB-BF0F-04839D96F1C2}" destId="{E5B56172-1B11-4FB4-A17A-4C077A7E7E92}" srcOrd="0" destOrd="0" presId="urn:microsoft.com/office/officeart/2005/8/layout/lProcess2"/>
+    <dgm:cxn modelId="{6255BEA8-113A-4580-9DC3-2C2F38C2FAF5}" srcId="{F6EDE265-99D5-4B8D-8A9F-A0BF12E7A0C6}" destId="{3030F19D-788E-4184-AFAF-61AB1B897B50}" srcOrd="4" destOrd="0" parTransId="{9E57F959-B158-42F0-8428-933AA4AB1D7F}" sibTransId="{43D5A769-5F36-494C-B901-76F6B72E11CD}"/>
+    <dgm:cxn modelId="{EFA1F8CA-6F03-440E-98C7-6AC04747BEE8}" type="presOf" srcId="{E6D5D767-4A88-402A-8F1C-84389F2821CA}" destId="{C03699B8-663E-407C-A837-8D8A7A96E7EC}" srcOrd="0" destOrd="0" presId="urn:microsoft.com/office/officeart/2005/8/layout/lProcess2"/>
+    <dgm:cxn modelId="{71569C8C-8F52-4603-8561-E288F30808CD}" type="presOf" srcId="{F6EDE265-99D5-4B8D-8A9F-A0BF12E7A0C6}" destId="{594B3DB7-B5A9-43A1-AD58-DE6052EF79C7}" srcOrd="0" destOrd="0" presId="urn:microsoft.com/office/officeart/2005/8/layout/lProcess2"/>
+    <dgm:cxn modelId="{FE2F1D13-F225-4C52-9FBB-73A9A750D080}" type="presOf" srcId="{3030F19D-788E-4184-AFAF-61AB1B897B50}" destId="{6B6A94E2-2DCD-4DC7-81A3-E459466A098E}" srcOrd="0" destOrd="0" presId="urn:microsoft.com/office/officeart/2005/8/layout/lProcess2"/>
+    <dgm:cxn modelId="{46325244-7A70-4D0B-B391-7FBF64E1D6AD}" srcId="{B956D7C9-D2B5-4664-8ABB-40225AD4A66E}" destId="{7AAF903F-9A3E-4A7B-AC66-9A0A05C450B5}" srcOrd="0" destOrd="0" parTransId="{5F86EFF3-6078-4920-A7D7-02951D6E90EC}" sibTransId="{571210F4-C849-4598-9E70-CEE4E553B34F}"/>
+    <dgm:cxn modelId="{09DAD40C-546D-4BDD-AE0C-7619FE075CA2}" type="presOf" srcId="{7A438DFB-AB5A-4AD4-B589-358C97839820}" destId="{46BF7581-D67B-4D56-8FC4-1B892C1396AF}" srcOrd="0" destOrd="0" presId="urn:microsoft.com/office/officeart/2005/8/layout/lProcess2"/>
+    <dgm:cxn modelId="{1AF13024-B2A9-411C-8CA8-CF3682DFFB10}" srcId="{E6D5D767-4A88-402A-8F1C-84389F2821CA}" destId="{3D329067-CEEF-4D2D-8B5F-0962591D383B}" srcOrd="1" destOrd="0" parTransId="{98A7A011-5A7C-40DE-9B02-5592E7461E11}" sibTransId="{70795F97-09D7-4626-BFF4-A2165959DEAD}"/>
+    <dgm:cxn modelId="{20413887-1B7A-4C93-9820-AB2398FD4762}" type="presParOf" srcId="{594B3DB7-B5A9-43A1-AD58-DE6052EF79C7}" destId="{4AA65049-9A53-4073-B2A1-A9D5579C92A1}" srcOrd="0" destOrd="0" presId="urn:microsoft.com/office/officeart/2005/8/layout/lProcess2"/>
+    <dgm:cxn modelId="{523E882E-EAFA-43CE-B43B-81CF41ECEB8A}" type="presParOf" srcId="{4AA65049-9A53-4073-B2A1-A9D5579C92A1}" destId="{C0D0D5E4-3319-4A36-9A0E-9A31BE711066}" srcOrd="0" destOrd="0" presId="urn:microsoft.com/office/officeart/2005/8/layout/lProcess2"/>
+    <dgm:cxn modelId="{27A750EE-8C0A-4C9D-8B2B-7B3B31302B94}" type="presParOf" srcId="{4AA65049-9A53-4073-B2A1-A9D5579C92A1}" destId="{8118B124-61FF-4D2D-93D3-EEDD53050C93}" srcOrd="1" destOrd="0" presId="urn:microsoft.com/office/officeart/2005/8/layout/lProcess2"/>
+    <dgm:cxn modelId="{6AE302F9-B792-4D2C-AE78-2C3F5857FEF0}" type="presParOf" srcId="{4AA65049-9A53-4073-B2A1-A9D5579C92A1}" destId="{C87C1393-096B-42C3-9240-6D18DA253F4E}" srcOrd="2" destOrd="0" presId="urn:microsoft.com/office/officeart/2005/8/layout/lProcess2"/>
+    <dgm:cxn modelId="{8B5D2312-1E4A-438D-B9E9-148A712EA5C6}" type="presParOf" srcId="{C87C1393-096B-42C3-9240-6D18DA253F4E}" destId="{63783BDB-EF5E-4A73-9D14-9B75C7BB7A03}" srcOrd="0" destOrd="0" presId="urn:microsoft.com/office/officeart/2005/8/layout/lProcess2"/>
+    <dgm:cxn modelId="{2AD12024-9D47-4853-B5A4-D75B0CA5B8CB}" type="presParOf" srcId="{63783BDB-EF5E-4A73-9D14-9B75C7BB7A03}" destId="{354FFB89-7611-459F-ADBE-8699BE96ED2D}" srcOrd="0" destOrd="0" presId="urn:microsoft.com/office/officeart/2005/8/layout/lProcess2"/>
+    <dgm:cxn modelId="{B701EFC9-AF24-4A63-A183-04CED182EE04}" type="presParOf" srcId="{63783BDB-EF5E-4A73-9D14-9B75C7BB7A03}" destId="{A5648121-1755-4C16-9B92-A920DACDBE2A}" srcOrd="1" destOrd="0" presId="urn:microsoft.com/office/officeart/2005/8/layout/lProcess2"/>
+    <dgm:cxn modelId="{6E66A26C-6BCD-4B28-BFCD-F7150173E296}" type="presParOf" srcId="{63783BDB-EF5E-4A73-9D14-9B75C7BB7A03}" destId="{2899A548-7A4B-4A75-94C3-FCBFBE798F37}" srcOrd="2" destOrd="0" presId="urn:microsoft.com/office/officeart/2005/8/layout/lProcess2"/>
+    <dgm:cxn modelId="{62C9B493-739D-4F2D-A9ED-0DA264023020}" type="presParOf" srcId="{63783BDB-EF5E-4A73-9D14-9B75C7BB7A03}" destId="{C6931E5E-80BA-449C-BDCD-E3403313B90B}" srcOrd="3" destOrd="0" presId="urn:microsoft.com/office/officeart/2005/8/layout/lProcess2"/>
+    <dgm:cxn modelId="{EA86397B-6425-4669-A492-5BD9843F482D}" type="presParOf" srcId="{63783BDB-EF5E-4A73-9D14-9B75C7BB7A03}" destId="{89A0CE0B-18CB-47E1-BA5F-B898416AAF2A}" srcOrd="4" destOrd="0" presId="urn:microsoft.com/office/officeart/2005/8/layout/lProcess2"/>
+    <dgm:cxn modelId="{1A621B84-6ABB-461F-91D6-06C120D6B17D}" type="presParOf" srcId="{63783BDB-EF5E-4A73-9D14-9B75C7BB7A03}" destId="{38402F3F-F5CD-459C-9631-6230F93F7329}" srcOrd="5" destOrd="0" presId="urn:microsoft.com/office/officeart/2005/8/layout/lProcess2"/>
+    <dgm:cxn modelId="{48E10D3A-6C6D-4655-ACE1-4A405165C133}" type="presParOf" srcId="{63783BDB-EF5E-4A73-9D14-9B75C7BB7A03}" destId="{9A5413E7-B532-48FB-B86B-18D790EE7BE4}" srcOrd="6" destOrd="0" presId="urn:microsoft.com/office/officeart/2005/8/layout/lProcess2"/>
+    <dgm:cxn modelId="{8335491B-E7E5-4528-B96A-72FF6BC04AD8}" type="presParOf" srcId="{594B3DB7-B5A9-43A1-AD58-DE6052EF79C7}" destId="{D5648D91-7F6F-4209-97C9-073AE1CF691E}" srcOrd="1" destOrd="0" presId="urn:microsoft.com/office/officeart/2005/8/layout/lProcess2"/>
+    <dgm:cxn modelId="{595DCBBE-D7CD-46C0-B1EE-1D9D180901E1}" type="presParOf" srcId="{594B3DB7-B5A9-43A1-AD58-DE6052EF79C7}" destId="{D878F111-DC63-4302-84AD-E6861784E67D}" srcOrd="2" destOrd="0" presId="urn:microsoft.com/office/officeart/2005/8/layout/lProcess2"/>
+    <dgm:cxn modelId="{95AB50A6-95B8-43C0-8E20-083EEE58D3BC}" type="presParOf" srcId="{D878F111-DC63-4302-84AD-E6861784E67D}" destId="{B4EBE4C3-92F4-4E66-BB79-B6A5EEAD6BB5}" srcOrd="0" destOrd="0" presId="urn:microsoft.com/office/officeart/2005/8/layout/lProcess2"/>
+    <dgm:cxn modelId="{AFD730C4-5BD2-44DE-850F-97DB4ACBE86C}" type="presParOf" srcId="{D878F111-DC63-4302-84AD-E6861784E67D}" destId="{D5E1B1E4-42DD-4584-9A8C-72102123BA50}" srcOrd="1" destOrd="0" presId="urn:microsoft.com/office/officeart/2005/8/layout/lProcess2"/>
+    <dgm:cxn modelId="{603B032F-F8D6-467F-9153-5EC392C93C39}" type="presParOf" srcId="{D878F111-DC63-4302-84AD-E6861784E67D}" destId="{AFD759D7-0455-4981-99BC-45A6928BD6E3}" srcOrd="2" destOrd="0" presId="urn:microsoft.com/office/officeart/2005/8/layout/lProcess2"/>
+    <dgm:cxn modelId="{B69E1603-1B04-4E6D-97D2-A05F119E79C0}" type="presParOf" srcId="{AFD759D7-0455-4981-99BC-45A6928BD6E3}" destId="{C1E279A9-E937-4343-B1D8-A97A5DECEF89}" srcOrd="0" destOrd="0" presId="urn:microsoft.com/office/officeart/2005/8/layout/lProcess2"/>
+    <dgm:cxn modelId="{76269F2F-299F-4757-AFA8-797C32CCBF7B}" type="presParOf" srcId="{C1E279A9-E937-4343-B1D8-A97A5DECEF89}" destId="{DC3DB303-F358-48F5-BF20-5B053EC1C6C5}" srcOrd="0" destOrd="0" presId="urn:microsoft.com/office/officeart/2005/8/layout/lProcess2"/>
+    <dgm:cxn modelId="{29635105-6625-49F8-9611-4E46BBEB3502}" type="presParOf" srcId="{C1E279A9-E937-4343-B1D8-A97A5DECEF89}" destId="{C30B7BEC-AE02-49FF-9258-CFB047D5E5B6}" srcOrd="1" destOrd="0" presId="urn:microsoft.com/office/officeart/2005/8/layout/lProcess2"/>
+    <dgm:cxn modelId="{7677861E-24B7-489B-B82C-F5F8CADD90D5}" type="presParOf" srcId="{C1E279A9-E937-4343-B1D8-A97A5DECEF89}" destId="{51B22E42-E807-4F2D-9732-302BF83A8762}" srcOrd="2" destOrd="0" presId="urn:microsoft.com/office/officeart/2005/8/layout/lProcess2"/>
+    <dgm:cxn modelId="{8E1BC08D-98F2-4793-968B-98B3E879443D}" type="presParOf" srcId="{C1E279A9-E937-4343-B1D8-A97A5DECEF89}" destId="{B13371BC-C2E5-442D-8985-4C5DC15B8E71}" srcOrd="3" destOrd="0" presId="urn:microsoft.com/office/officeart/2005/8/layout/lProcess2"/>
+    <dgm:cxn modelId="{BFF9CAB3-26A5-4B0F-9C06-5DDC639F268C}" type="presParOf" srcId="{C1E279A9-E937-4343-B1D8-A97A5DECEF89}" destId="{E5B56172-1B11-4FB4-A17A-4C077A7E7E92}" srcOrd="4" destOrd="0" presId="urn:microsoft.com/office/officeart/2005/8/layout/lProcess2"/>
+    <dgm:cxn modelId="{8F5512A7-82B0-4A75-8FE5-847AE524A55E}" type="presParOf" srcId="{C1E279A9-E937-4343-B1D8-A97A5DECEF89}" destId="{EB794AFB-A064-4D4F-A33F-D2619C3553E0}" srcOrd="5" destOrd="0" presId="urn:microsoft.com/office/officeart/2005/8/layout/lProcess2"/>
+    <dgm:cxn modelId="{6F8B1120-3139-4C0E-9247-87ED12484C55}" type="presParOf" srcId="{C1E279A9-E937-4343-B1D8-A97A5DECEF89}" destId="{872D2E5E-E5CC-4659-BF54-2375EAC157EC}" srcOrd="6" destOrd="0" presId="urn:microsoft.com/office/officeart/2005/8/layout/lProcess2"/>
+    <dgm:cxn modelId="{7B9890B7-0E96-422B-AD61-65BFCAA52394}" type="presParOf" srcId="{594B3DB7-B5A9-43A1-AD58-DE6052EF79C7}" destId="{5E6BB87D-06B6-49D5-A5AE-4E9B1763F2CE}" srcOrd="3" destOrd="0" presId="urn:microsoft.com/office/officeart/2005/8/layout/lProcess2"/>
+    <dgm:cxn modelId="{DD56F5DC-AFC6-4ED1-96FD-1CE67BAAE89F}" type="presParOf" srcId="{594B3DB7-B5A9-43A1-AD58-DE6052EF79C7}" destId="{9920DD6A-6EF4-4C39-8062-972E1528F978}" srcOrd="4" destOrd="0" presId="urn:microsoft.com/office/officeart/2005/8/layout/lProcess2"/>
+    <dgm:cxn modelId="{3695589F-59EB-4734-9772-FAB840470D46}" type="presParOf" srcId="{9920DD6A-6EF4-4C39-8062-972E1528F978}" destId="{C03699B8-663E-407C-A837-8D8A7A96E7EC}" srcOrd="0" destOrd="0" presId="urn:microsoft.com/office/officeart/2005/8/layout/lProcess2"/>
+    <dgm:cxn modelId="{49232255-DA54-445B-BB1D-2FD457781144}" type="presParOf" srcId="{9920DD6A-6EF4-4C39-8062-972E1528F978}" destId="{0066C86D-6AAD-48C0-8612-C85D46912A82}" srcOrd="1" destOrd="0" presId="urn:microsoft.com/office/officeart/2005/8/layout/lProcess2"/>
+    <dgm:cxn modelId="{D0F8B17B-5B86-4CC7-95F0-BB89AA816779}" type="presParOf" srcId="{9920DD6A-6EF4-4C39-8062-972E1528F978}" destId="{F8B2B8F1-E2E1-4893-AF81-C81477E2F6D2}" srcOrd="2" destOrd="0" presId="urn:microsoft.com/office/officeart/2005/8/layout/lProcess2"/>
+    <dgm:cxn modelId="{0CC862FF-EB22-42E3-BF1E-7880094E4130}" type="presParOf" srcId="{F8B2B8F1-E2E1-4893-AF81-C81477E2F6D2}" destId="{21797394-1188-49B6-941E-22C71D8D0EB1}" srcOrd="0" destOrd="0" presId="urn:microsoft.com/office/officeart/2005/8/layout/lProcess2"/>
+    <dgm:cxn modelId="{C682A0B3-3ED3-46EC-A089-CB3E41C38BF0}" type="presParOf" srcId="{21797394-1188-49B6-941E-22C71D8D0EB1}" destId="{93425DF7-C14E-49D5-80A6-D6FCD51C8224}" srcOrd="0" destOrd="0" presId="urn:microsoft.com/office/officeart/2005/8/layout/lProcess2"/>
+    <dgm:cxn modelId="{A5A9D9D0-69E7-44E3-8E09-C068A5A30F21}" type="presParOf" srcId="{21797394-1188-49B6-941E-22C71D8D0EB1}" destId="{F85CE2CF-AF3F-45D2-A714-7C98EC48BAAE}" srcOrd="1" destOrd="0" presId="urn:microsoft.com/office/officeart/2005/8/layout/lProcess2"/>
+    <dgm:cxn modelId="{4001B5B0-534C-45C2-A468-A0AEE6DDD153}" type="presParOf" srcId="{21797394-1188-49B6-941E-22C71D8D0EB1}" destId="{8E06BFE1-8BD0-4457-9CBB-12907507E848}" srcOrd="2" destOrd="0" presId="urn:microsoft.com/office/officeart/2005/8/layout/lProcess2"/>
+    <dgm:cxn modelId="{7469B91A-1EC8-4C9C-909D-520D40F0125A}" type="presParOf" srcId="{21797394-1188-49B6-941E-22C71D8D0EB1}" destId="{8AF67EE4-714F-43C6-BB5D-55DAB8CA83A4}" srcOrd="3" destOrd="0" presId="urn:microsoft.com/office/officeart/2005/8/layout/lProcess2"/>
+    <dgm:cxn modelId="{EB811294-22A3-4986-B727-7BB4F59A6BF2}" type="presParOf" srcId="{21797394-1188-49B6-941E-22C71D8D0EB1}" destId="{CB4086D7-CDB9-4EF7-BC1F-927643B39373}" srcOrd="4" destOrd="0" presId="urn:microsoft.com/office/officeart/2005/8/layout/lProcess2"/>
+    <dgm:cxn modelId="{7A5C8709-A612-42F9-B9DF-3119CFB3CBF1}" type="presParOf" srcId="{594B3DB7-B5A9-43A1-AD58-DE6052EF79C7}" destId="{11D028A6-FC30-45C7-8DF4-67CFA21D1410}" srcOrd="5" destOrd="0" presId="urn:microsoft.com/office/officeart/2005/8/layout/lProcess2"/>
+    <dgm:cxn modelId="{2EBDCB5E-C501-43E6-A825-2C37B9395AD7}" type="presParOf" srcId="{594B3DB7-B5A9-43A1-AD58-DE6052EF79C7}" destId="{017213C2-5717-4048-B8A0-98E1EFA2F6E6}" srcOrd="6" destOrd="0" presId="urn:microsoft.com/office/officeart/2005/8/layout/lProcess2"/>
+    <dgm:cxn modelId="{C82A0AD8-F456-49F5-A1B6-FC3F98FEBD98}" type="presParOf" srcId="{017213C2-5717-4048-B8A0-98E1EFA2F6E6}" destId="{A1F8A6E0-8141-4DA7-967C-679F3A7DB386}" srcOrd="0" destOrd="0" presId="urn:microsoft.com/office/officeart/2005/8/layout/lProcess2"/>
+    <dgm:cxn modelId="{A74CCD67-CFF6-45FF-BB19-7C6C8DDD7F4A}" type="presParOf" srcId="{017213C2-5717-4048-B8A0-98E1EFA2F6E6}" destId="{E7BC73C4-62AD-47E2-A2E1-679137796734}" srcOrd="1" destOrd="0" presId="urn:microsoft.com/office/officeart/2005/8/layout/lProcess2"/>
+    <dgm:cxn modelId="{72F035DD-31C1-4FE1-BE0E-CE589421CC26}" type="presParOf" srcId="{017213C2-5717-4048-B8A0-98E1EFA2F6E6}" destId="{80F6CA7E-1A16-416E-A972-03EFC464E9DE}" srcOrd="2" destOrd="0" presId="urn:microsoft.com/office/officeart/2005/8/layout/lProcess2"/>
+    <dgm:cxn modelId="{501893DD-46C6-49A4-AA7A-1973750136E0}" type="presParOf" srcId="{80F6CA7E-1A16-416E-A972-03EFC464E9DE}" destId="{D5612EF2-7BC9-4494-9FBA-14E73B7897D0}" srcOrd="0" destOrd="0" presId="urn:microsoft.com/office/officeart/2005/8/layout/lProcess2"/>
+    <dgm:cxn modelId="{AE88D408-5D55-4B3D-8251-A80E16107A90}" type="presParOf" srcId="{D5612EF2-7BC9-4494-9FBA-14E73B7897D0}" destId="{5564502D-9A7F-48D5-90B8-DCAF1838CE41}" srcOrd="0" destOrd="0" presId="urn:microsoft.com/office/officeart/2005/8/layout/lProcess2"/>
+    <dgm:cxn modelId="{ABF6BF04-DDEA-475F-A3DC-9C7BFE049EF8}" type="presParOf" srcId="{D5612EF2-7BC9-4494-9FBA-14E73B7897D0}" destId="{D8E773DA-D7A0-4258-8416-7106EB991C51}" srcOrd="1" destOrd="0" presId="urn:microsoft.com/office/officeart/2005/8/layout/lProcess2"/>
+    <dgm:cxn modelId="{B7EA4E26-BCFB-4940-88C7-85581DF54F7F}" type="presParOf" srcId="{D5612EF2-7BC9-4494-9FBA-14E73B7897D0}" destId="{CBC08321-4172-410C-8BB3-28160D4D8BB1}" srcOrd="2" destOrd="0" presId="urn:microsoft.com/office/officeart/2005/8/layout/lProcess2"/>
+    <dgm:cxn modelId="{7C733EE9-6C9A-44F5-8748-5CD7953A9412}" type="presParOf" srcId="{594B3DB7-B5A9-43A1-AD58-DE6052EF79C7}" destId="{50BB0BF2-3828-4512-BE6F-136641C7B670}" srcOrd="7" destOrd="0" presId="urn:microsoft.com/office/officeart/2005/8/layout/lProcess2"/>
+    <dgm:cxn modelId="{11D5F51A-45C1-4420-9390-433017E5CCAE}" type="presParOf" srcId="{594B3DB7-B5A9-43A1-AD58-DE6052EF79C7}" destId="{6A9A9E75-57DA-443D-8186-FA464B9B95E8}" srcOrd="8" destOrd="0" presId="urn:microsoft.com/office/officeart/2005/8/layout/lProcess2"/>
+    <dgm:cxn modelId="{D5CF0981-56CA-4C11-ADBA-305519AA085E}" type="presParOf" srcId="{6A9A9E75-57DA-443D-8186-FA464B9B95E8}" destId="{6B6A94E2-2DCD-4DC7-81A3-E459466A098E}" srcOrd="0" destOrd="0" presId="urn:microsoft.com/office/officeart/2005/8/layout/lProcess2"/>
+    <dgm:cxn modelId="{47F664D9-422E-4A80-B399-3214339869A8}" type="presParOf" srcId="{6A9A9E75-57DA-443D-8186-FA464B9B95E8}" destId="{7C87A26C-D24C-4970-915D-A5DF09B92CE9}" srcOrd="1" destOrd="0" presId="urn:microsoft.com/office/officeart/2005/8/layout/lProcess2"/>
+    <dgm:cxn modelId="{D03314E9-127A-4E0C-9AF1-3B5D7B182E91}" type="presParOf" srcId="{6A9A9E75-57DA-443D-8186-FA464B9B95E8}" destId="{4B271413-7332-4303-B0E7-1336EEC14DE9}" srcOrd="2" destOrd="0" presId="urn:microsoft.com/office/officeart/2005/8/layout/lProcess2"/>
+    <dgm:cxn modelId="{09C0DB6B-6A05-43A9-8FA3-1ADCA9E52EDC}" type="presParOf" srcId="{4B271413-7332-4303-B0E7-1336EEC14DE9}" destId="{9CC13A57-35CF-4706-BDE9-B8C134D86511}" srcOrd="0" destOrd="0" presId="urn:microsoft.com/office/officeart/2005/8/layout/lProcess2"/>
+    <dgm:cxn modelId="{B1058498-C546-401B-9181-1D0A9C47643E}" type="presParOf" srcId="{9CC13A57-35CF-4706-BDE9-B8C134D86511}" destId="{46BF7581-D67B-4D56-8FC4-1B892C1396AF}" srcOrd="0" destOrd="0" presId="urn:microsoft.com/office/officeart/2005/8/layout/lProcess2"/>
+  </dgm:cxnLst>
+  <dgm:bg/>
+  <dgm:whole/>
+  <dgm:extLst>
+    <a:ext uri="http://schemas.microsoft.com/office/drawing/2008/diagram">
+      <dsp:dataModelExt xmlns:dsp="http://schemas.microsoft.com/office/drawing/2008/diagram" relId="rId14" minVer="http://schemas.openxmlformats.org/drawingml/2006/diagram"/>
+    </a:ext>
+  </dgm:extLst>
+</dgm:dataModel>
+</file>
+
+<file path=ppt/diagrams/drawing1.xml><?xml version="1.0" encoding="utf-8"?>
+<dsp:drawing xmlns:dgm="http://schemas.openxmlformats.org/drawingml/2006/diagram" xmlns:dsp="http://schemas.microsoft.com/office/drawing/2008/diagram" xmlns:a="http://schemas.openxmlformats.org/drawingml/2006/main">
+  <dsp:spTree>
+    <dsp:nvGrpSpPr>
+      <dsp:cNvPr id="0" name=""/>
+      <dsp:cNvGrpSpPr/>
+    </dsp:nvGrpSpPr>
+    <dsp:grpSpPr/>
+    <dsp:sp modelId="{C0D0D5E4-3319-4A36-9A0E-9A31BE711066}">
+      <dsp:nvSpPr>
+        <dsp:cNvPr id="0" name=""/>
+        <dsp:cNvSpPr/>
+      </dsp:nvSpPr>
+      <dsp:spPr>
+        <a:xfrm>
+          <a:off x="26115" y="0"/>
+          <a:ext cx="1722702" cy="5379912"/>
+        </a:xfrm>
+        <a:prstGeom prst="roundRect">
+          <a:avLst>
+            <a:gd name="adj" fmla="val 10000"/>
+          </a:avLst>
+        </a:prstGeom>
+        <a:solidFill>
+          <a:schemeClr val="accent5">
+            <a:tint val="40000"/>
+            <a:hueOff val="0"/>
+            <a:satOff val="0"/>
+            <a:lumOff val="0"/>
+            <a:alphaOff val="0"/>
+          </a:schemeClr>
+        </a:solidFill>
+        <a:ln>
+          <a:noFill/>
+        </a:ln>
+        <a:effectLst/>
+      </dsp:spPr>
+      <dsp:style>
+        <a:lnRef idx="0">
+          <a:scrgbClr r="0" g="0" b="0"/>
+        </a:lnRef>
+        <a:fillRef idx="1">
+          <a:scrgbClr r="0" g="0" b="0"/>
+        </a:fillRef>
+        <a:effectRef idx="0">
+          <a:scrgbClr r="0" g="0" b="0"/>
+        </a:effectRef>
+        <a:fontRef idx="minor"/>
+      </dsp:style>
+      <dsp:txBody>
+        <a:bodyPr spcFirstLastPara="0" vert="horz" wrap="square" lIns="106680" tIns="106680" rIns="106680" bIns="106680" numCol="1" spcCol="1270" anchor="ctr" anchorCtr="0">
+          <a:noAutofit/>
+        </a:bodyPr>
+        <a:lstStyle/>
+        <a:p>
+          <a:pPr lvl="0" algn="ctr" defTabSz="1244600">
+            <a:lnSpc>
+              <a:spcPct val="90000"/>
+            </a:lnSpc>
+            <a:spcBef>
+              <a:spcPct val="0"/>
+            </a:spcBef>
+            <a:spcAft>
+              <a:spcPct val="35000"/>
+            </a:spcAft>
+          </a:pPr>
+          <a:r>
+            <a:rPr lang="en-US" sz="2800" kern="1200" dirty="0" smtClean="0"/>
+            <a:t>Attribute features</a:t>
+          </a:r>
+          <a:endParaRPr lang="en-US" sz="2800" kern="1200" dirty="0"/>
+        </a:p>
+      </dsp:txBody>
+      <dsp:txXfrm>
+        <a:off x="26115" y="0"/>
+        <a:ext cx="1722702" cy="1613973"/>
+      </dsp:txXfrm>
+    </dsp:sp>
+    <dsp:sp modelId="{354FFB89-7611-459F-ADBE-8699BE96ED2D}">
+      <dsp:nvSpPr>
+        <dsp:cNvPr id="0" name=""/>
+        <dsp:cNvSpPr/>
+      </dsp:nvSpPr>
+      <dsp:spPr>
+        <a:xfrm>
+          <a:off x="177179" y="1614104"/>
+          <a:ext cx="1378161" cy="783738"/>
+        </a:xfrm>
+        <a:prstGeom prst="roundRect">
+          <a:avLst>
+            <a:gd name="adj" fmla="val 10000"/>
+          </a:avLst>
+        </a:prstGeom>
+        <a:solidFill>
+          <a:schemeClr val="accent5">
+            <a:hueOff val="0"/>
+            <a:satOff val="0"/>
+            <a:lumOff val="0"/>
+            <a:alphaOff val="0"/>
+          </a:schemeClr>
+        </a:solidFill>
+        <a:ln w="38100" cap="flat" cmpd="sng" algn="ctr">
+          <a:solidFill>
+            <a:schemeClr val="lt1">
+              <a:hueOff val="0"/>
+              <a:satOff val="0"/>
+              <a:lumOff val="0"/>
+              <a:alphaOff val="0"/>
+            </a:schemeClr>
+          </a:solidFill>
+          <a:prstDash val="solid"/>
+        </a:ln>
+        <a:effectLst>
+          <a:outerShdw blurRad="40000" dist="20000" dir="5400000" rotWithShape="0">
+            <a:srgbClr val="000000">
+              <a:alpha val="38000"/>
+            </a:srgbClr>
+          </a:outerShdw>
+        </a:effectLst>
+      </dsp:spPr>
+      <dsp:style>
+        <a:lnRef idx="3">
+          <a:scrgbClr r="0" g="0" b="0"/>
+        </a:lnRef>
+        <a:fillRef idx="1">
+          <a:scrgbClr r="0" g="0" b="0"/>
+        </a:fillRef>
+        <a:effectRef idx="1">
+          <a:scrgbClr r="0" g="0" b="0"/>
+        </a:effectRef>
+        <a:fontRef idx="minor">
+          <a:schemeClr val="lt1"/>
+        </a:fontRef>
+      </dsp:style>
+      <dsp:txBody>
+        <a:bodyPr spcFirstLastPara="0" vert="horz" wrap="square" lIns="45720" tIns="34290" rIns="45720" bIns="34290" numCol="1" spcCol="1270" anchor="ctr" anchorCtr="0">
+          <a:noAutofit/>
+        </a:bodyPr>
+        <a:lstStyle/>
+        <a:p>
+          <a:pPr lvl="0" algn="ctr" defTabSz="800100">
+            <a:lnSpc>
+              <a:spcPct val="90000"/>
+            </a:lnSpc>
+            <a:spcBef>
+              <a:spcPct val="0"/>
+            </a:spcBef>
+            <a:spcAft>
+              <a:spcPct val="35000"/>
+            </a:spcAft>
+          </a:pPr>
+          <a:r>
+            <a:rPr lang="en-US" sz="1800" kern="1200" dirty="0" smtClean="0"/>
+            <a:t>Brand</a:t>
+          </a:r>
+          <a:endParaRPr lang="en-US" sz="1800" kern="1200" dirty="0"/>
+        </a:p>
+      </dsp:txBody>
+      <dsp:txXfrm>
+        <a:off x="200134" y="1637059"/>
+        <a:ext cx="1332251" cy="737828"/>
+      </dsp:txXfrm>
+    </dsp:sp>
+    <dsp:sp modelId="{2899A548-7A4B-4A75-94C3-FCBFBE798F37}">
+      <dsp:nvSpPr>
+        <dsp:cNvPr id="0" name=""/>
+        <dsp:cNvSpPr/>
+      </dsp:nvSpPr>
+      <dsp:spPr>
+        <a:xfrm>
+          <a:off x="177179" y="2518418"/>
+          <a:ext cx="1378161" cy="783738"/>
+        </a:xfrm>
+        <a:prstGeom prst="roundRect">
+          <a:avLst>
+            <a:gd name="adj" fmla="val 10000"/>
+          </a:avLst>
+        </a:prstGeom>
+        <a:solidFill>
+          <a:schemeClr val="accent5">
+            <a:hueOff val="0"/>
+            <a:satOff val="0"/>
+            <a:lumOff val="0"/>
+            <a:alphaOff val="0"/>
+          </a:schemeClr>
+        </a:solidFill>
+        <a:ln w="38100" cap="flat" cmpd="sng" algn="ctr">
+          <a:solidFill>
+            <a:schemeClr val="lt1">
+              <a:hueOff val="0"/>
+              <a:satOff val="0"/>
+              <a:lumOff val="0"/>
+              <a:alphaOff val="0"/>
+            </a:schemeClr>
+          </a:solidFill>
+          <a:prstDash val="solid"/>
+        </a:ln>
+        <a:effectLst>
+          <a:outerShdw blurRad="40000" dist="20000" dir="5400000" rotWithShape="0">
+            <a:srgbClr val="000000">
+              <a:alpha val="38000"/>
+            </a:srgbClr>
+          </a:outerShdw>
+        </a:effectLst>
+      </dsp:spPr>
+      <dsp:style>
+        <a:lnRef idx="3">
+          <a:scrgbClr r="0" g="0" b="0"/>
+        </a:lnRef>
+        <a:fillRef idx="1">
+          <a:scrgbClr r="0" g="0" b="0"/>
+        </a:fillRef>
+        <a:effectRef idx="1">
+          <a:scrgbClr r="0" g="0" b="0"/>
+        </a:effectRef>
+        <a:fontRef idx="minor">
+          <a:schemeClr val="lt1"/>
+        </a:fontRef>
+      </dsp:style>
+      <dsp:txBody>
+        <a:bodyPr spcFirstLastPara="0" vert="horz" wrap="square" lIns="45720" tIns="34290" rIns="45720" bIns="34290" numCol="1" spcCol="1270" anchor="ctr" anchorCtr="0">
+          <a:noAutofit/>
+        </a:bodyPr>
+        <a:lstStyle/>
+        <a:p>
+          <a:pPr lvl="0" algn="ctr" defTabSz="800100">
+            <a:lnSpc>
+              <a:spcPct val="90000"/>
+            </a:lnSpc>
+            <a:spcBef>
+              <a:spcPct val="0"/>
+            </a:spcBef>
+            <a:spcAft>
+              <a:spcPct val="35000"/>
+            </a:spcAft>
+          </a:pPr>
+          <a:r>
+            <a:rPr lang="en-US" sz="1800" kern="1200" smtClean="0"/>
+            <a:t>Material</a:t>
+          </a:r>
+          <a:endParaRPr lang="en-US" sz="1800" kern="1200" dirty="0"/>
+        </a:p>
+      </dsp:txBody>
+      <dsp:txXfrm>
+        <a:off x="200134" y="2541373"/>
+        <a:ext cx="1332251" cy="737828"/>
+      </dsp:txXfrm>
+    </dsp:sp>
+    <dsp:sp modelId="{89A0CE0B-18CB-47E1-BA5F-B898416AAF2A}">
+      <dsp:nvSpPr>
+        <dsp:cNvPr id="0" name=""/>
+        <dsp:cNvSpPr/>
+      </dsp:nvSpPr>
+      <dsp:spPr>
+        <a:xfrm>
+          <a:off x="177179" y="3422732"/>
+          <a:ext cx="1378161" cy="783738"/>
+        </a:xfrm>
+        <a:prstGeom prst="roundRect">
+          <a:avLst>
+            <a:gd name="adj" fmla="val 10000"/>
+          </a:avLst>
+        </a:prstGeom>
+        <a:solidFill>
+          <a:schemeClr val="accent5">
+            <a:hueOff val="0"/>
+            <a:satOff val="0"/>
+            <a:lumOff val="0"/>
+            <a:alphaOff val="0"/>
+          </a:schemeClr>
+        </a:solidFill>
+        <a:ln w="38100" cap="flat" cmpd="sng" algn="ctr">
+          <a:solidFill>
+            <a:schemeClr val="lt1">
+              <a:hueOff val="0"/>
+              <a:satOff val="0"/>
+              <a:lumOff val="0"/>
+              <a:alphaOff val="0"/>
+            </a:schemeClr>
+          </a:solidFill>
+          <a:prstDash val="solid"/>
+        </a:ln>
+        <a:effectLst>
+          <a:outerShdw blurRad="40000" dist="20000" dir="5400000" rotWithShape="0">
+            <a:srgbClr val="000000">
+              <a:alpha val="38000"/>
+            </a:srgbClr>
+          </a:outerShdw>
+        </a:effectLst>
+      </dsp:spPr>
+      <dsp:style>
+        <a:lnRef idx="3">
+          <a:scrgbClr r="0" g="0" b="0"/>
+        </a:lnRef>
+        <a:fillRef idx="1">
+          <a:scrgbClr r="0" g="0" b="0"/>
+        </a:fillRef>
+        <a:effectRef idx="1">
+          <a:scrgbClr r="0" g="0" b="0"/>
+        </a:effectRef>
+        <a:fontRef idx="minor">
+          <a:schemeClr val="lt1"/>
+        </a:fontRef>
+      </dsp:style>
+      <dsp:txBody>
+        <a:bodyPr spcFirstLastPara="0" vert="horz" wrap="square" lIns="45720" tIns="34290" rIns="45720" bIns="34290" numCol="1" spcCol="1270" anchor="ctr" anchorCtr="0">
+          <a:noAutofit/>
+        </a:bodyPr>
+        <a:lstStyle/>
+        <a:p>
+          <a:pPr lvl="0" algn="ctr" defTabSz="800100">
+            <a:lnSpc>
+              <a:spcPct val="90000"/>
+            </a:lnSpc>
+            <a:spcBef>
+              <a:spcPct val="0"/>
+            </a:spcBef>
+            <a:spcAft>
+              <a:spcPct val="35000"/>
+            </a:spcAft>
+          </a:pPr>
+          <a:r>
+            <a:rPr lang="en-US" sz="1800" kern="1200" smtClean="0"/>
+            <a:t>Color</a:t>
+          </a:r>
+          <a:endParaRPr lang="en-US" sz="1800" kern="1200" dirty="0"/>
+        </a:p>
+      </dsp:txBody>
+      <dsp:txXfrm>
+        <a:off x="200134" y="3445687"/>
+        <a:ext cx="1332251" cy="737828"/>
+      </dsp:txXfrm>
+    </dsp:sp>
+    <dsp:sp modelId="{9A5413E7-B532-48FB-B86B-18D790EE7BE4}">
+      <dsp:nvSpPr>
+        <dsp:cNvPr id="0" name=""/>
+        <dsp:cNvSpPr/>
+      </dsp:nvSpPr>
+      <dsp:spPr>
+        <a:xfrm>
+          <a:off x="177179" y="4327046"/>
+          <a:ext cx="1378161" cy="783738"/>
+        </a:xfrm>
+        <a:prstGeom prst="roundRect">
+          <a:avLst>
+            <a:gd name="adj" fmla="val 10000"/>
+          </a:avLst>
+        </a:prstGeom>
+        <a:solidFill>
+          <a:schemeClr val="accent5">
+            <a:hueOff val="0"/>
+            <a:satOff val="0"/>
+            <a:lumOff val="0"/>
+            <a:alphaOff val="0"/>
+          </a:schemeClr>
+        </a:solidFill>
+        <a:ln w="38100" cap="flat" cmpd="sng" algn="ctr">
+          <a:solidFill>
+            <a:schemeClr val="lt1">
+              <a:hueOff val="0"/>
+              <a:satOff val="0"/>
+              <a:lumOff val="0"/>
+              <a:alphaOff val="0"/>
+            </a:schemeClr>
+          </a:solidFill>
+          <a:prstDash val="solid"/>
+        </a:ln>
+        <a:effectLst>
+          <a:outerShdw blurRad="40000" dist="20000" dir="5400000" rotWithShape="0">
+            <a:srgbClr val="000000">
+              <a:alpha val="38000"/>
+            </a:srgbClr>
+          </a:outerShdw>
+        </a:effectLst>
+      </dsp:spPr>
+      <dsp:style>
+        <a:lnRef idx="3">
+          <a:scrgbClr r="0" g="0" b="0"/>
+        </a:lnRef>
+        <a:fillRef idx="1">
+          <a:scrgbClr r="0" g="0" b="0"/>
+        </a:fillRef>
+        <a:effectRef idx="1">
+          <a:scrgbClr r="0" g="0" b="0"/>
+        </a:effectRef>
+        <a:fontRef idx="minor">
+          <a:schemeClr val="lt1"/>
+        </a:fontRef>
+      </dsp:style>
+      <dsp:txBody>
+        <a:bodyPr spcFirstLastPara="0" vert="horz" wrap="square" lIns="45720" tIns="34290" rIns="45720" bIns="34290" numCol="1" spcCol="1270" anchor="ctr" anchorCtr="0">
+          <a:noAutofit/>
+        </a:bodyPr>
+        <a:lstStyle/>
+        <a:p>
+          <a:pPr lvl="0" algn="ctr" defTabSz="800100">
+            <a:lnSpc>
+              <a:spcPct val="90000"/>
+            </a:lnSpc>
+            <a:spcBef>
+              <a:spcPct val="0"/>
+            </a:spcBef>
+            <a:spcAft>
+              <a:spcPct val="35000"/>
+            </a:spcAft>
+          </a:pPr>
+          <a:r>
+            <a:rPr lang="en-US" sz="1800" kern="1200" smtClean="0"/>
+            <a:t>Bullets</a:t>
+          </a:r>
+          <a:endParaRPr lang="en-US" sz="1800" kern="1200" dirty="0"/>
+        </a:p>
+      </dsp:txBody>
+      <dsp:txXfrm>
+        <a:off x="200134" y="4350001"/>
+        <a:ext cx="1332251" cy="737828"/>
+      </dsp:txXfrm>
+    </dsp:sp>
+    <dsp:sp modelId="{B4EBE4C3-92F4-4E66-BB79-B6A5EEAD6BB5}">
+      <dsp:nvSpPr>
+        <dsp:cNvPr id="0" name=""/>
+        <dsp:cNvSpPr/>
+      </dsp:nvSpPr>
+      <dsp:spPr>
+        <a:xfrm>
+          <a:off x="1856814" y="0"/>
+          <a:ext cx="1722702" cy="5379912"/>
+        </a:xfrm>
+        <a:prstGeom prst="roundRect">
+          <a:avLst>
+            <a:gd name="adj" fmla="val 10000"/>
+          </a:avLst>
+        </a:prstGeom>
+        <a:solidFill>
+          <a:schemeClr val="accent5">
+            <a:tint val="40000"/>
+            <a:hueOff val="0"/>
+            <a:satOff val="0"/>
+            <a:lumOff val="0"/>
+            <a:alphaOff val="0"/>
+          </a:schemeClr>
+        </a:solidFill>
+        <a:ln>
+          <a:noFill/>
+        </a:ln>
+        <a:effectLst/>
+      </dsp:spPr>
+      <dsp:style>
+        <a:lnRef idx="0">
+          <a:scrgbClr r="0" g="0" b="0"/>
+        </a:lnRef>
+        <a:fillRef idx="1">
+          <a:scrgbClr r="0" g="0" b="0"/>
+        </a:fillRef>
+        <a:effectRef idx="0">
+          <a:scrgbClr r="0" g="0" b="0"/>
+        </a:effectRef>
+        <a:fontRef idx="minor"/>
+      </dsp:style>
+      <dsp:txBody>
+        <a:bodyPr spcFirstLastPara="0" vert="horz" wrap="square" lIns="106680" tIns="106680" rIns="106680" bIns="106680" numCol="1" spcCol="1270" anchor="ctr" anchorCtr="0">
+          <a:noAutofit/>
+        </a:bodyPr>
+        <a:lstStyle/>
+        <a:p>
+          <a:pPr lvl="0" algn="ctr" defTabSz="1244600">
+            <a:lnSpc>
+              <a:spcPct val="90000"/>
+            </a:lnSpc>
+            <a:spcBef>
+              <a:spcPct val="0"/>
+            </a:spcBef>
+            <a:spcAft>
+              <a:spcPct val="35000"/>
+            </a:spcAft>
+          </a:pPr>
+          <a:r>
+            <a:rPr lang="en-US" sz="2800" kern="1200" dirty="0" smtClean="0"/>
+            <a:t>Word matching</a:t>
+          </a:r>
+          <a:endParaRPr lang="en-US" sz="2800" kern="1200" dirty="0"/>
+        </a:p>
+      </dsp:txBody>
+      <dsp:txXfrm>
+        <a:off x="1856814" y="0"/>
+        <a:ext cx="1722702" cy="1613973"/>
+      </dsp:txXfrm>
+    </dsp:sp>
+    <dsp:sp modelId="{DC3DB303-F358-48F5-BF20-5B053EC1C6C5}">
+      <dsp:nvSpPr>
+        <dsp:cNvPr id="0" name=""/>
+        <dsp:cNvSpPr/>
+      </dsp:nvSpPr>
+      <dsp:spPr>
+        <a:xfrm>
+          <a:off x="2029084" y="1614104"/>
+          <a:ext cx="1378161" cy="783738"/>
+        </a:xfrm>
+        <a:prstGeom prst="roundRect">
+          <a:avLst>
+            <a:gd name="adj" fmla="val 10000"/>
+          </a:avLst>
+        </a:prstGeom>
+        <a:solidFill>
+          <a:schemeClr val="accent5">
+            <a:hueOff val="0"/>
+            <a:satOff val="0"/>
+            <a:lumOff val="0"/>
+            <a:alphaOff val="0"/>
+          </a:schemeClr>
+        </a:solidFill>
+        <a:ln w="38100" cap="flat" cmpd="sng" algn="ctr">
+          <a:solidFill>
+            <a:schemeClr val="lt1">
+              <a:hueOff val="0"/>
+              <a:satOff val="0"/>
+              <a:lumOff val="0"/>
+              <a:alphaOff val="0"/>
+            </a:schemeClr>
+          </a:solidFill>
+          <a:prstDash val="solid"/>
+        </a:ln>
+        <a:effectLst>
+          <a:outerShdw blurRad="40000" dist="20000" dir="5400000" rotWithShape="0">
+            <a:srgbClr val="000000">
+              <a:alpha val="38000"/>
+            </a:srgbClr>
+          </a:outerShdw>
+        </a:effectLst>
+      </dsp:spPr>
+      <dsp:style>
+        <a:lnRef idx="3">
+          <a:scrgbClr r="0" g="0" b="0"/>
+        </a:lnRef>
+        <a:fillRef idx="1">
+          <a:scrgbClr r="0" g="0" b="0"/>
+        </a:fillRef>
+        <a:effectRef idx="1">
+          <a:scrgbClr r="0" g="0" b="0"/>
+        </a:effectRef>
+        <a:fontRef idx="minor">
+          <a:schemeClr val="lt1"/>
+        </a:fontRef>
+      </dsp:style>
+      <dsp:txBody>
+        <a:bodyPr spcFirstLastPara="0" vert="horz" wrap="square" lIns="33020" tIns="24765" rIns="33020" bIns="24765" numCol="1" spcCol="1270" anchor="ctr" anchorCtr="0">
+          <a:noAutofit/>
+        </a:bodyPr>
+        <a:lstStyle/>
+        <a:p>
+          <a:pPr lvl="0" algn="ctr" defTabSz="577850">
+            <a:lnSpc>
+              <a:spcPct val="90000"/>
+            </a:lnSpc>
+            <a:spcBef>
+              <a:spcPct val="0"/>
+            </a:spcBef>
+            <a:spcAft>
+              <a:spcPct val="35000"/>
+            </a:spcAft>
+          </a:pPr>
+          <a:r>
+            <a:rPr lang="en-US" sz="1300" kern="1200" dirty="0" smtClean="0"/>
+            <a:t>Search </a:t>
+          </a:r>
+          <a:r>
+            <a:rPr lang="en-US" sz="1300" kern="1200" dirty="0" smtClean="0"/>
+            <a:t>term</a:t>
+          </a:r>
+        </a:p>
+        <a:p>
+          <a:pPr lvl="0" algn="ctr" defTabSz="577850">
+            <a:lnSpc>
+              <a:spcPct val="90000"/>
+            </a:lnSpc>
+            <a:spcBef>
+              <a:spcPct val="0"/>
+            </a:spcBef>
+            <a:spcAft>
+              <a:spcPct val="35000"/>
+            </a:spcAft>
+          </a:pPr>
+          <a:r>
+            <a:rPr lang="en-US" sz="1300" kern="1200" dirty="0" smtClean="0"/>
+            <a:t>Title</a:t>
+          </a:r>
+        </a:p>
+        <a:p>
+          <a:pPr lvl="0" algn="ctr" defTabSz="577850">
+            <a:lnSpc>
+              <a:spcPct val="90000"/>
+            </a:lnSpc>
+            <a:spcBef>
+              <a:spcPct val="0"/>
+            </a:spcBef>
+            <a:spcAft>
+              <a:spcPct val="35000"/>
+            </a:spcAft>
+          </a:pPr>
+          <a:r>
+            <a:rPr lang="en-US" sz="1300" kern="1200" dirty="0" smtClean="0"/>
+            <a:t>Description</a:t>
+          </a:r>
+          <a:endParaRPr lang="en-US" sz="1300" kern="1200" dirty="0"/>
+        </a:p>
+      </dsp:txBody>
+      <dsp:txXfrm>
+        <a:off x="2052039" y="1637059"/>
+        <a:ext cx="1332251" cy="737828"/>
+      </dsp:txXfrm>
+    </dsp:sp>
+    <dsp:sp modelId="{51B22E42-E807-4F2D-9732-302BF83A8762}">
+      <dsp:nvSpPr>
+        <dsp:cNvPr id="0" name=""/>
+        <dsp:cNvSpPr/>
+      </dsp:nvSpPr>
+      <dsp:spPr>
+        <a:xfrm>
+          <a:off x="2029084" y="2518418"/>
+          <a:ext cx="1378161" cy="783738"/>
+        </a:xfrm>
+        <a:prstGeom prst="roundRect">
+          <a:avLst>
+            <a:gd name="adj" fmla="val 10000"/>
+          </a:avLst>
+        </a:prstGeom>
+        <a:solidFill>
+          <a:schemeClr val="accent5">
+            <a:hueOff val="0"/>
+            <a:satOff val="0"/>
+            <a:lumOff val="0"/>
+            <a:alphaOff val="0"/>
+          </a:schemeClr>
+        </a:solidFill>
+        <a:ln w="38100" cap="flat" cmpd="sng" algn="ctr">
+          <a:solidFill>
+            <a:schemeClr val="lt1">
+              <a:hueOff val="0"/>
+              <a:satOff val="0"/>
+              <a:lumOff val="0"/>
+              <a:alphaOff val="0"/>
+            </a:schemeClr>
+          </a:solidFill>
+          <a:prstDash val="solid"/>
+        </a:ln>
+        <a:effectLst>
+          <a:outerShdw blurRad="40000" dist="20000" dir="5400000" rotWithShape="0">
+            <a:srgbClr val="000000">
+              <a:alpha val="38000"/>
+            </a:srgbClr>
+          </a:outerShdw>
+        </a:effectLst>
+      </dsp:spPr>
+      <dsp:style>
+        <a:lnRef idx="3">
+          <a:scrgbClr r="0" g="0" b="0"/>
+        </a:lnRef>
+        <a:fillRef idx="1">
+          <a:scrgbClr r="0" g="0" b="0"/>
+        </a:fillRef>
+        <a:effectRef idx="1">
+          <a:scrgbClr r="0" g="0" b="0"/>
+        </a:effectRef>
+        <a:fontRef idx="minor">
+          <a:schemeClr val="lt1"/>
+        </a:fontRef>
+      </dsp:style>
+      <dsp:txBody>
+        <a:bodyPr spcFirstLastPara="0" vert="horz" wrap="square" lIns="33020" tIns="24765" rIns="33020" bIns="24765" numCol="1" spcCol="1270" anchor="ctr" anchorCtr="0">
+          <a:noAutofit/>
+        </a:bodyPr>
+        <a:lstStyle/>
+        <a:p>
+          <a:pPr lvl="0" algn="ctr" defTabSz="577850">
+            <a:lnSpc>
+              <a:spcPct val="90000"/>
+            </a:lnSpc>
+            <a:spcBef>
+              <a:spcPct val="0"/>
+            </a:spcBef>
+            <a:spcAft>
+              <a:spcPct val="35000"/>
+            </a:spcAft>
+          </a:pPr>
+          <a:r>
+            <a:rPr lang="en-US" sz="1300" kern="1200" dirty="0" smtClean="0"/>
+            <a:t>Last query word </a:t>
+          </a:r>
+          <a:endParaRPr lang="en-US" sz="1300" kern="1200" dirty="0" smtClean="0"/>
+        </a:p>
+      </dsp:txBody>
+      <dsp:txXfrm>
+        <a:off x="2052039" y="2541373"/>
+        <a:ext cx="1332251" cy="737828"/>
+      </dsp:txXfrm>
+    </dsp:sp>
+    <dsp:sp modelId="{E5B56172-1B11-4FB4-A17A-4C077A7E7E92}">
+      <dsp:nvSpPr>
+        <dsp:cNvPr id="0" name=""/>
+        <dsp:cNvSpPr/>
+      </dsp:nvSpPr>
+      <dsp:spPr>
+        <a:xfrm>
+          <a:off x="2029084" y="3422732"/>
+          <a:ext cx="1378161" cy="783738"/>
+        </a:xfrm>
+        <a:prstGeom prst="roundRect">
+          <a:avLst>
+            <a:gd name="adj" fmla="val 10000"/>
+          </a:avLst>
+        </a:prstGeom>
+        <a:solidFill>
+          <a:schemeClr val="accent5">
+            <a:hueOff val="0"/>
+            <a:satOff val="0"/>
+            <a:lumOff val="0"/>
+            <a:alphaOff val="0"/>
+          </a:schemeClr>
+        </a:solidFill>
+        <a:ln w="38100" cap="flat" cmpd="sng" algn="ctr">
+          <a:solidFill>
+            <a:schemeClr val="lt1">
+              <a:hueOff val="0"/>
+              <a:satOff val="0"/>
+              <a:lumOff val="0"/>
+              <a:alphaOff val="0"/>
+            </a:schemeClr>
+          </a:solidFill>
+          <a:prstDash val="solid"/>
+        </a:ln>
+        <a:effectLst>
+          <a:outerShdw blurRad="40000" dist="20000" dir="5400000" rotWithShape="0">
+            <a:srgbClr val="000000">
+              <a:alpha val="38000"/>
+            </a:srgbClr>
+          </a:outerShdw>
+        </a:effectLst>
+      </dsp:spPr>
+      <dsp:style>
+        <a:lnRef idx="3">
+          <a:scrgbClr r="0" g="0" b="0"/>
+        </a:lnRef>
+        <a:fillRef idx="1">
+          <a:scrgbClr r="0" g="0" b="0"/>
+        </a:fillRef>
+        <a:effectRef idx="1">
+          <a:scrgbClr r="0" g="0" b="0"/>
+        </a:effectRef>
+        <a:fontRef idx="minor">
+          <a:schemeClr val="lt1"/>
+        </a:fontRef>
+      </dsp:style>
+      <dsp:txBody>
+        <a:bodyPr spcFirstLastPara="0" vert="horz" wrap="square" lIns="33020" tIns="24765" rIns="33020" bIns="24765" numCol="1" spcCol="1270" anchor="ctr" anchorCtr="0">
+          <a:noAutofit/>
+        </a:bodyPr>
+        <a:lstStyle/>
+        <a:p>
+          <a:pPr lvl="0" algn="ctr" defTabSz="577850">
+            <a:lnSpc>
+              <a:spcPct val="90000"/>
+            </a:lnSpc>
+            <a:spcBef>
+              <a:spcPct val="0"/>
+            </a:spcBef>
+            <a:spcAft>
+              <a:spcPct val="35000"/>
+            </a:spcAft>
+          </a:pPr>
+          <a:r>
+            <a:rPr lang="en-US" sz="1300" kern="1200" dirty="0" smtClean="0"/>
+            <a:t>‘With’,</a:t>
+          </a:r>
+        </a:p>
+        <a:p>
+          <a:pPr lvl="0" algn="ctr" defTabSz="577850">
+            <a:lnSpc>
+              <a:spcPct val="90000"/>
+            </a:lnSpc>
+            <a:spcBef>
+              <a:spcPct val="0"/>
+            </a:spcBef>
+            <a:spcAft>
+              <a:spcPct val="35000"/>
+            </a:spcAft>
+          </a:pPr>
+          <a:r>
+            <a:rPr lang="en-US" sz="1300" kern="1200" dirty="0" smtClean="0"/>
+            <a:t>‘Without’, </a:t>
+          </a:r>
+        </a:p>
+        <a:p>
+          <a:pPr lvl="0" algn="ctr" defTabSz="577850">
+            <a:lnSpc>
+              <a:spcPct val="90000"/>
+            </a:lnSpc>
+            <a:spcBef>
+              <a:spcPct val="0"/>
+            </a:spcBef>
+            <a:spcAft>
+              <a:spcPct val="35000"/>
+            </a:spcAft>
+          </a:pPr>
+          <a:r>
+            <a:rPr lang="en-US" sz="1300" kern="1200" dirty="0" smtClean="0"/>
+            <a:t>‘For’</a:t>
+          </a:r>
+          <a:endParaRPr lang="en-US" sz="1300" kern="1200" dirty="0"/>
+        </a:p>
+      </dsp:txBody>
+      <dsp:txXfrm>
+        <a:off x="2052039" y="3445687"/>
+        <a:ext cx="1332251" cy="737828"/>
+      </dsp:txXfrm>
+    </dsp:sp>
+    <dsp:sp modelId="{872D2E5E-E5CC-4659-BF54-2375EAC157EC}">
+      <dsp:nvSpPr>
+        <dsp:cNvPr id="0" name=""/>
+        <dsp:cNvSpPr/>
+      </dsp:nvSpPr>
+      <dsp:spPr>
+        <a:xfrm>
+          <a:off x="2029084" y="4327046"/>
+          <a:ext cx="1378161" cy="783738"/>
+        </a:xfrm>
+        <a:prstGeom prst="roundRect">
+          <a:avLst>
+            <a:gd name="adj" fmla="val 10000"/>
+          </a:avLst>
+        </a:prstGeom>
+        <a:solidFill>
+          <a:schemeClr val="accent5">
+            <a:hueOff val="0"/>
+            <a:satOff val="0"/>
+            <a:lumOff val="0"/>
+            <a:alphaOff val="0"/>
+          </a:schemeClr>
+        </a:solidFill>
+        <a:ln w="38100" cap="flat" cmpd="sng" algn="ctr">
+          <a:solidFill>
+            <a:schemeClr val="lt1">
+              <a:hueOff val="0"/>
+              <a:satOff val="0"/>
+              <a:lumOff val="0"/>
+              <a:alphaOff val="0"/>
+            </a:schemeClr>
+          </a:solidFill>
+          <a:prstDash val="solid"/>
+        </a:ln>
+        <a:effectLst>
+          <a:outerShdw blurRad="40000" dist="20000" dir="5400000" rotWithShape="0">
+            <a:srgbClr val="000000">
+              <a:alpha val="38000"/>
+            </a:srgbClr>
+          </a:outerShdw>
+        </a:effectLst>
+      </dsp:spPr>
+      <dsp:style>
+        <a:lnRef idx="3">
+          <a:scrgbClr r="0" g="0" b="0"/>
+        </a:lnRef>
+        <a:fillRef idx="1">
+          <a:scrgbClr r="0" g="0" b="0"/>
+        </a:fillRef>
+        <a:effectRef idx="1">
+          <a:scrgbClr r="0" g="0" b="0"/>
+        </a:effectRef>
+        <a:fontRef idx="minor">
+          <a:schemeClr val="lt1"/>
+        </a:fontRef>
+      </dsp:style>
+      <dsp:txBody>
+        <a:bodyPr spcFirstLastPara="0" vert="horz" wrap="square" lIns="33020" tIns="24765" rIns="33020" bIns="24765" numCol="1" spcCol="1270" anchor="ctr" anchorCtr="0">
+          <a:noAutofit/>
+        </a:bodyPr>
+        <a:lstStyle/>
+        <a:p>
+          <a:pPr lvl="0" algn="ctr" defTabSz="577850">
+            <a:lnSpc>
+              <a:spcPct val="90000"/>
+            </a:lnSpc>
+            <a:spcBef>
+              <a:spcPct val="0"/>
+            </a:spcBef>
+            <a:spcAft>
+              <a:spcPct val="35000"/>
+            </a:spcAft>
+          </a:pPr>
+          <a:r>
+            <a:rPr lang="en-US" sz="1300" kern="1200" dirty="0" smtClean="0"/>
+            <a:t>Attributes words and </a:t>
+          </a:r>
+          <a:r>
+            <a:rPr lang="en-US" sz="1300" kern="1200" dirty="0" smtClean="0"/>
+            <a:t>previous</a:t>
+          </a:r>
+          <a:endParaRPr lang="en-US" sz="1300" kern="1200" dirty="0"/>
+        </a:p>
+      </dsp:txBody>
+      <dsp:txXfrm>
+        <a:off x="2052039" y="4350001"/>
+        <a:ext cx="1332251" cy="737828"/>
+      </dsp:txXfrm>
+    </dsp:sp>
+    <dsp:sp modelId="{C03699B8-663E-407C-A837-8D8A7A96E7EC}">
+      <dsp:nvSpPr>
+        <dsp:cNvPr id="0" name=""/>
+        <dsp:cNvSpPr/>
+      </dsp:nvSpPr>
+      <dsp:spPr>
+        <a:xfrm>
+          <a:off x="3708719" y="0"/>
+          <a:ext cx="1722702" cy="5379912"/>
+        </a:xfrm>
+        <a:prstGeom prst="roundRect">
+          <a:avLst>
+            <a:gd name="adj" fmla="val 10000"/>
+          </a:avLst>
+        </a:prstGeom>
+        <a:solidFill>
+          <a:schemeClr val="accent5">
+            <a:tint val="40000"/>
+            <a:hueOff val="0"/>
+            <a:satOff val="0"/>
+            <a:lumOff val="0"/>
+            <a:alphaOff val="0"/>
+          </a:schemeClr>
+        </a:solidFill>
+        <a:ln>
+          <a:noFill/>
+        </a:ln>
+        <a:effectLst/>
+      </dsp:spPr>
+      <dsp:style>
+        <a:lnRef idx="0">
+          <a:scrgbClr r="0" g="0" b="0"/>
+        </a:lnRef>
+        <a:fillRef idx="1">
+          <a:scrgbClr r="0" g="0" b="0"/>
+        </a:fillRef>
+        <a:effectRef idx="0">
+          <a:scrgbClr r="0" g="0" b="0"/>
+        </a:effectRef>
+        <a:fontRef idx="minor"/>
+      </dsp:style>
+      <dsp:txBody>
+        <a:bodyPr spcFirstLastPara="0" vert="horz" wrap="square" lIns="106680" tIns="106680" rIns="106680" bIns="106680" numCol="1" spcCol="1270" anchor="ctr" anchorCtr="0">
+          <a:noAutofit/>
+        </a:bodyPr>
+        <a:lstStyle/>
+        <a:p>
+          <a:pPr lvl="0" algn="ctr" defTabSz="1244600">
+            <a:lnSpc>
+              <a:spcPct val="90000"/>
+            </a:lnSpc>
+            <a:spcBef>
+              <a:spcPct val="0"/>
+            </a:spcBef>
+            <a:spcAft>
+              <a:spcPct val="35000"/>
+            </a:spcAft>
+          </a:pPr>
+          <a:r>
+            <a:rPr lang="en-US" sz="2800" kern="1200" dirty="0" smtClean="0"/>
+            <a:t>Lengths and ratios</a:t>
+          </a:r>
+          <a:endParaRPr lang="en-US" sz="2800" kern="1200" dirty="0"/>
+        </a:p>
+      </dsp:txBody>
+      <dsp:txXfrm>
+        <a:off x="3708719" y="0"/>
+        <a:ext cx="1722702" cy="1613973"/>
+      </dsp:txXfrm>
+    </dsp:sp>
+    <dsp:sp modelId="{93425DF7-C14E-49D5-80A6-D6FCD51C8224}">
+      <dsp:nvSpPr>
+        <dsp:cNvPr id="0" name=""/>
+        <dsp:cNvSpPr/>
+      </dsp:nvSpPr>
+      <dsp:spPr>
+        <a:xfrm>
+          <a:off x="3880989" y="1614433"/>
+          <a:ext cx="1378161" cy="1056937"/>
+        </a:xfrm>
+        <a:prstGeom prst="roundRect">
+          <a:avLst>
+            <a:gd name="adj" fmla="val 10000"/>
+          </a:avLst>
+        </a:prstGeom>
+        <a:solidFill>
+          <a:schemeClr val="accent5">
+            <a:hueOff val="0"/>
+            <a:satOff val="0"/>
+            <a:lumOff val="0"/>
+            <a:alphaOff val="0"/>
+          </a:schemeClr>
+        </a:solidFill>
+        <a:ln w="38100" cap="flat" cmpd="sng" algn="ctr">
+          <a:solidFill>
+            <a:schemeClr val="lt1">
+              <a:hueOff val="0"/>
+              <a:satOff val="0"/>
+              <a:lumOff val="0"/>
+              <a:alphaOff val="0"/>
+            </a:schemeClr>
+          </a:solidFill>
+          <a:prstDash val="solid"/>
+        </a:ln>
+        <a:effectLst>
+          <a:outerShdw blurRad="40000" dist="20000" dir="5400000" rotWithShape="0">
+            <a:srgbClr val="000000">
+              <a:alpha val="38000"/>
+            </a:srgbClr>
+          </a:outerShdw>
+        </a:effectLst>
+      </dsp:spPr>
+      <dsp:style>
+        <a:lnRef idx="3">
+          <a:scrgbClr r="0" g="0" b="0"/>
+        </a:lnRef>
+        <a:fillRef idx="1">
+          <a:scrgbClr r="0" g="0" b="0"/>
+        </a:fillRef>
+        <a:effectRef idx="1">
+          <a:scrgbClr r="0" g="0" b="0"/>
+        </a:effectRef>
+        <a:fontRef idx="minor">
+          <a:schemeClr val="lt1"/>
+        </a:fontRef>
+      </dsp:style>
+      <dsp:txBody>
+        <a:bodyPr spcFirstLastPara="0" vert="horz" wrap="square" lIns="33020" tIns="24765" rIns="33020" bIns="24765" numCol="1" spcCol="1270" anchor="ctr" anchorCtr="0">
+          <a:noAutofit/>
+        </a:bodyPr>
+        <a:lstStyle/>
+        <a:p>
+          <a:pPr lvl="0" algn="ctr" defTabSz="577850">
+            <a:lnSpc>
+              <a:spcPct val="90000"/>
+            </a:lnSpc>
+            <a:spcBef>
+              <a:spcPct val="0"/>
+            </a:spcBef>
+            <a:spcAft>
+              <a:spcPct val="35000"/>
+            </a:spcAft>
+          </a:pPr>
+          <a:r>
+            <a:rPr lang="en-US" sz="1300" kern="1200" dirty="0" smtClean="0"/>
+            <a:t>The Lengths </a:t>
+          </a:r>
+          <a:r>
+            <a:rPr lang="en-US" sz="1300" kern="1200" dirty="0" smtClean="0"/>
+            <a:t>of the search term, </a:t>
+          </a:r>
+          <a:r>
+            <a:rPr lang="en-US" sz="1300" kern="1200" dirty="0" smtClean="0"/>
+            <a:t>title</a:t>
+          </a:r>
+          <a:r>
+            <a:rPr lang="en-US" sz="1300" kern="1200" dirty="0" smtClean="0"/>
+            <a:t>, </a:t>
+          </a:r>
+          <a:endParaRPr lang="en-US" sz="1300" kern="1200" dirty="0" smtClean="0"/>
+        </a:p>
+        <a:p>
+          <a:pPr lvl="0" algn="ctr" defTabSz="577850">
+            <a:lnSpc>
+              <a:spcPct val="90000"/>
+            </a:lnSpc>
+            <a:spcBef>
+              <a:spcPct val="0"/>
+            </a:spcBef>
+            <a:spcAft>
+              <a:spcPct val="35000"/>
+            </a:spcAft>
+          </a:pPr>
+          <a:r>
+            <a:rPr lang="en-US" sz="1300" kern="1200" dirty="0" smtClean="0"/>
+            <a:t>description</a:t>
+          </a:r>
+          <a:r>
+            <a:rPr lang="en-US" sz="1300" kern="1200" dirty="0" smtClean="0"/>
+            <a:t>, </a:t>
+          </a:r>
+          <a:endParaRPr lang="en-US" sz="1300" kern="1200" dirty="0" smtClean="0"/>
+        </a:p>
+        <a:p>
+          <a:pPr lvl="0" algn="ctr" defTabSz="577850">
+            <a:lnSpc>
+              <a:spcPct val="90000"/>
+            </a:lnSpc>
+            <a:spcBef>
+              <a:spcPct val="0"/>
+            </a:spcBef>
+            <a:spcAft>
+              <a:spcPct val="35000"/>
+            </a:spcAft>
+          </a:pPr>
+          <a:r>
+            <a:rPr lang="en-US" sz="1300" kern="1200" dirty="0" smtClean="0"/>
+            <a:t>attribute </a:t>
+          </a:r>
+          <a:r>
+            <a:rPr lang="en-US" sz="1300" kern="1200" dirty="0" smtClean="0"/>
+            <a:t>words</a:t>
+          </a:r>
+          <a:endParaRPr lang="en-US" sz="1300" kern="1200" dirty="0"/>
+        </a:p>
+      </dsp:txBody>
+      <dsp:txXfrm>
+        <a:off x="3911946" y="1645390"/>
+        <a:ext cx="1316247" cy="995023"/>
+      </dsp:txXfrm>
+    </dsp:sp>
+    <dsp:sp modelId="{8E06BFE1-8BD0-4457-9CBB-12907507E848}">
+      <dsp:nvSpPr>
+        <dsp:cNvPr id="0" name=""/>
+        <dsp:cNvSpPr/>
+      </dsp:nvSpPr>
+      <dsp:spPr>
+        <a:xfrm>
+          <a:off x="3880989" y="2833976"/>
+          <a:ext cx="1378161" cy="1056937"/>
+        </a:xfrm>
+        <a:prstGeom prst="roundRect">
+          <a:avLst>
+            <a:gd name="adj" fmla="val 10000"/>
+          </a:avLst>
+        </a:prstGeom>
+        <a:solidFill>
+          <a:schemeClr val="accent5">
+            <a:hueOff val="0"/>
+            <a:satOff val="0"/>
+            <a:lumOff val="0"/>
+            <a:alphaOff val="0"/>
+          </a:schemeClr>
+        </a:solidFill>
+        <a:ln w="38100" cap="flat" cmpd="sng" algn="ctr">
+          <a:solidFill>
+            <a:schemeClr val="lt1">
+              <a:hueOff val="0"/>
+              <a:satOff val="0"/>
+              <a:lumOff val="0"/>
+              <a:alphaOff val="0"/>
+            </a:schemeClr>
+          </a:solidFill>
+          <a:prstDash val="solid"/>
+        </a:ln>
+        <a:effectLst>
+          <a:outerShdw blurRad="40000" dist="20000" dir="5400000" rotWithShape="0">
+            <a:srgbClr val="000000">
+              <a:alpha val="38000"/>
+            </a:srgbClr>
+          </a:outerShdw>
+        </a:effectLst>
+      </dsp:spPr>
+      <dsp:style>
+        <a:lnRef idx="3">
+          <a:scrgbClr r="0" g="0" b="0"/>
+        </a:lnRef>
+        <a:fillRef idx="1">
+          <a:scrgbClr r="0" g="0" b="0"/>
+        </a:fillRef>
+        <a:effectRef idx="1">
+          <a:scrgbClr r="0" g="0" b="0"/>
+        </a:effectRef>
+        <a:fontRef idx="minor">
+          <a:schemeClr val="lt1"/>
+        </a:fontRef>
+      </dsp:style>
+      <dsp:txBody>
+        <a:bodyPr spcFirstLastPara="0" vert="horz" wrap="square" lIns="40640" tIns="30480" rIns="40640" bIns="30480" numCol="1" spcCol="1270" anchor="ctr" anchorCtr="0">
+          <a:noAutofit/>
+        </a:bodyPr>
+        <a:lstStyle/>
+        <a:p>
+          <a:pPr lvl="0" algn="ctr" defTabSz="711200">
+            <a:lnSpc>
+              <a:spcPct val="90000"/>
+            </a:lnSpc>
+            <a:spcBef>
+              <a:spcPct val="0"/>
+            </a:spcBef>
+            <a:spcAft>
+              <a:spcPct val="35000"/>
+            </a:spcAft>
+          </a:pPr>
+          <a:r>
+            <a:rPr lang="en-US" sz="1600" kern="1200" dirty="0" smtClean="0"/>
+            <a:t>The </a:t>
+          </a:r>
+          <a:r>
+            <a:rPr lang="en-US" sz="1600" kern="1200" dirty="0" smtClean="0"/>
+            <a:t>lengths </a:t>
+          </a:r>
+          <a:r>
+            <a:rPr lang="en-US" sz="1600" kern="1200" dirty="0" smtClean="0"/>
+            <a:t>of the matching </a:t>
+          </a:r>
+          <a:r>
+            <a:rPr lang="en-US" sz="1600" kern="1200" dirty="0" smtClean="0"/>
+            <a:t>word</a:t>
+          </a:r>
+          <a:endParaRPr lang="en-US" sz="1600" kern="1200" dirty="0"/>
+        </a:p>
+      </dsp:txBody>
+      <dsp:txXfrm>
+        <a:off x="3911946" y="2864933"/>
+        <a:ext cx="1316247" cy="995023"/>
+      </dsp:txXfrm>
+    </dsp:sp>
+    <dsp:sp modelId="{CB4086D7-CDB9-4EF7-BC1F-927643B39373}">
+      <dsp:nvSpPr>
+        <dsp:cNvPr id="0" name=""/>
+        <dsp:cNvSpPr/>
+      </dsp:nvSpPr>
+      <dsp:spPr>
+        <a:xfrm>
+          <a:off x="3880989" y="4053519"/>
+          <a:ext cx="1378161" cy="1056937"/>
+        </a:xfrm>
+        <a:prstGeom prst="roundRect">
+          <a:avLst>
+            <a:gd name="adj" fmla="val 10000"/>
+          </a:avLst>
+        </a:prstGeom>
+        <a:solidFill>
+          <a:schemeClr val="accent5">
+            <a:hueOff val="0"/>
+            <a:satOff val="0"/>
+            <a:lumOff val="0"/>
+            <a:alphaOff val="0"/>
+          </a:schemeClr>
+        </a:solidFill>
+        <a:ln w="38100" cap="flat" cmpd="sng" algn="ctr">
+          <a:solidFill>
+            <a:schemeClr val="lt1">
+              <a:hueOff val="0"/>
+              <a:satOff val="0"/>
+              <a:lumOff val="0"/>
+              <a:alphaOff val="0"/>
+            </a:schemeClr>
+          </a:solidFill>
+          <a:prstDash val="solid"/>
+        </a:ln>
+        <a:effectLst>
+          <a:outerShdw blurRad="40000" dist="20000" dir="5400000" rotWithShape="0">
+            <a:srgbClr val="000000">
+              <a:alpha val="38000"/>
+            </a:srgbClr>
+          </a:outerShdw>
+        </a:effectLst>
+      </dsp:spPr>
+      <dsp:style>
+        <a:lnRef idx="3">
+          <a:scrgbClr r="0" g="0" b="0"/>
+        </a:lnRef>
+        <a:fillRef idx="1">
+          <a:scrgbClr r="0" g="0" b="0"/>
+        </a:fillRef>
+        <a:effectRef idx="1">
+          <a:scrgbClr r="0" g="0" b="0"/>
+        </a:effectRef>
+        <a:fontRef idx="minor">
+          <a:schemeClr val="lt1"/>
+        </a:fontRef>
+      </dsp:style>
+      <dsp:txBody>
+        <a:bodyPr spcFirstLastPara="0" vert="horz" wrap="square" lIns="35560" tIns="26670" rIns="35560" bIns="26670" numCol="1" spcCol="1270" anchor="ctr" anchorCtr="0">
+          <a:noAutofit/>
+        </a:bodyPr>
+        <a:lstStyle/>
+        <a:p>
+          <a:pPr lvl="0" algn="ctr" defTabSz="622300">
+            <a:lnSpc>
+              <a:spcPct val="90000"/>
+            </a:lnSpc>
+            <a:spcBef>
+              <a:spcPct val="0"/>
+            </a:spcBef>
+            <a:spcAft>
+              <a:spcPct val="35000"/>
+            </a:spcAft>
+          </a:pPr>
+          <a:r>
+            <a:rPr lang="en-US" sz="1400" kern="1200" dirty="0" smtClean="0"/>
+            <a:t>The ratios between </a:t>
+          </a:r>
+          <a:r>
+            <a:rPr lang="en-US" sz="1400" kern="1200" dirty="0" smtClean="0"/>
+            <a:t>different lengths</a:t>
+          </a:r>
+          <a:endParaRPr lang="en-US" sz="1400" kern="1200" dirty="0"/>
+        </a:p>
+      </dsp:txBody>
+      <dsp:txXfrm>
+        <a:off x="3911946" y="4084476"/>
+        <a:ext cx="1316247" cy="995023"/>
+      </dsp:txXfrm>
+    </dsp:sp>
+    <dsp:sp modelId="{A1F8A6E0-8141-4DA7-967C-679F3A7DB386}">
+      <dsp:nvSpPr>
+        <dsp:cNvPr id="0" name=""/>
+        <dsp:cNvSpPr/>
+      </dsp:nvSpPr>
+      <dsp:spPr>
+        <a:xfrm>
+          <a:off x="5560624" y="0"/>
+          <a:ext cx="1722702" cy="5379912"/>
+        </a:xfrm>
+        <a:prstGeom prst="roundRect">
+          <a:avLst>
+            <a:gd name="adj" fmla="val 10000"/>
+          </a:avLst>
+        </a:prstGeom>
+        <a:solidFill>
+          <a:schemeClr val="accent5">
+            <a:tint val="40000"/>
+            <a:hueOff val="0"/>
+            <a:satOff val="0"/>
+            <a:lumOff val="0"/>
+            <a:alphaOff val="0"/>
+          </a:schemeClr>
+        </a:solidFill>
+        <a:ln>
+          <a:noFill/>
+        </a:ln>
+        <a:effectLst/>
+      </dsp:spPr>
+      <dsp:style>
+        <a:lnRef idx="0">
+          <a:scrgbClr r="0" g="0" b="0"/>
+        </a:lnRef>
+        <a:fillRef idx="1">
+          <a:scrgbClr r="0" g="0" b="0"/>
+        </a:fillRef>
+        <a:effectRef idx="0">
+          <a:scrgbClr r="0" g="0" b="0"/>
+        </a:effectRef>
+        <a:fontRef idx="minor"/>
+      </dsp:style>
+      <dsp:txBody>
+        <a:bodyPr spcFirstLastPara="0" vert="horz" wrap="square" lIns="106680" tIns="106680" rIns="106680" bIns="106680" numCol="1" spcCol="1270" anchor="ctr" anchorCtr="0">
+          <a:noAutofit/>
+        </a:bodyPr>
+        <a:lstStyle/>
+        <a:p>
+          <a:pPr lvl="0" algn="ctr" defTabSz="1244600">
+            <a:lnSpc>
+              <a:spcPct val="90000"/>
+            </a:lnSpc>
+            <a:spcBef>
+              <a:spcPct val="0"/>
+            </a:spcBef>
+            <a:spcAft>
+              <a:spcPct val="35000"/>
+            </a:spcAft>
+          </a:pPr>
+          <a:r>
+            <a:rPr lang="en-US" sz="2800" kern="1200" dirty="0" smtClean="0"/>
+            <a:t>TF-IDF, SVD</a:t>
+          </a:r>
+          <a:endParaRPr lang="en-US" sz="2800" kern="1200" dirty="0"/>
+        </a:p>
+      </dsp:txBody>
+      <dsp:txXfrm>
+        <a:off x="5560624" y="0"/>
+        <a:ext cx="1722702" cy="1613973"/>
+      </dsp:txXfrm>
+    </dsp:sp>
+    <dsp:sp modelId="{5564502D-9A7F-48D5-90B8-DCAF1838CE41}">
+      <dsp:nvSpPr>
+        <dsp:cNvPr id="0" name=""/>
+        <dsp:cNvSpPr/>
+      </dsp:nvSpPr>
+      <dsp:spPr>
+        <a:xfrm>
+          <a:off x="5732894" y="1615549"/>
+          <a:ext cx="1378161" cy="1622117"/>
+        </a:xfrm>
+        <a:prstGeom prst="roundRect">
+          <a:avLst>
+            <a:gd name="adj" fmla="val 10000"/>
+          </a:avLst>
+        </a:prstGeom>
+        <a:solidFill>
+          <a:schemeClr val="accent5">
+            <a:hueOff val="0"/>
+            <a:satOff val="0"/>
+            <a:lumOff val="0"/>
+            <a:alphaOff val="0"/>
+          </a:schemeClr>
+        </a:solidFill>
+        <a:ln w="38100" cap="flat" cmpd="sng" algn="ctr">
+          <a:solidFill>
+            <a:schemeClr val="lt1">
+              <a:hueOff val="0"/>
+              <a:satOff val="0"/>
+              <a:lumOff val="0"/>
+              <a:alphaOff val="0"/>
+            </a:schemeClr>
+          </a:solidFill>
+          <a:prstDash val="solid"/>
+        </a:ln>
+        <a:effectLst>
+          <a:outerShdw blurRad="40000" dist="20000" dir="5400000" rotWithShape="0">
+            <a:srgbClr val="000000">
+              <a:alpha val="38000"/>
+            </a:srgbClr>
+          </a:outerShdw>
+        </a:effectLst>
+      </dsp:spPr>
+      <dsp:style>
+        <a:lnRef idx="3">
+          <a:scrgbClr r="0" g="0" b="0"/>
+        </a:lnRef>
+        <a:fillRef idx="1">
+          <a:scrgbClr r="0" g="0" b="0"/>
+        </a:fillRef>
+        <a:effectRef idx="1">
+          <a:scrgbClr r="0" g="0" b="0"/>
+        </a:effectRef>
+        <a:fontRef idx="minor">
+          <a:schemeClr val="lt1"/>
+        </a:fontRef>
+      </dsp:style>
+      <dsp:txBody>
+        <a:bodyPr spcFirstLastPara="0" vert="horz" wrap="square" lIns="40640" tIns="30480" rIns="40640" bIns="30480" numCol="1" spcCol="1270" anchor="ctr" anchorCtr="0">
+          <a:noAutofit/>
+        </a:bodyPr>
+        <a:lstStyle/>
+        <a:p>
+          <a:pPr lvl="0" algn="ctr" defTabSz="711200">
+            <a:lnSpc>
+              <a:spcPct val="90000"/>
+            </a:lnSpc>
+            <a:spcBef>
+              <a:spcPct val="0"/>
+            </a:spcBef>
+            <a:spcAft>
+              <a:spcPct val="35000"/>
+            </a:spcAft>
+          </a:pPr>
+          <a:r>
+            <a:rPr lang="en-US" sz="1600" kern="1200" dirty="0" smtClean="0"/>
+            <a:t>TF-IDF combined by search term, brand, title, description</a:t>
+          </a:r>
+          <a:endParaRPr lang="en-US" sz="1600" kern="1200" dirty="0"/>
+        </a:p>
+      </dsp:txBody>
+      <dsp:txXfrm>
+        <a:off x="5773259" y="1655914"/>
+        <a:ext cx="1297431" cy="1541387"/>
+      </dsp:txXfrm>
+    </dsp:sp>
+    <dsp:sp modelId="{CBC08321-4172-410C-8BB3-28160D4D8BB1}">
+      <dsp:nvSpPr>
+        <dsp:cNvPr id="0" name=""/>
+        <dsp:cNvSpPr/>
+      </dsp:nvSpPr>
+      <dsp:spPr>
+        <a:xfrm>
+          <a:off x="5732894" y="3487223"/>
+          <a:ext cx="1378161" cy="1622117"/>
+        </a:xfrm>
+        <a:prstGeom prst="roundRect">
+          <a:avLst>
+            <a:gd name="adj" fmla="val 10000"/>
+          </a:avLst>
+        </a:prstGeom>
+        <a:solidFill>
+          <a:schemeClr val="accent5">
+            <a:hueOff val="0"/>
+            <a:satOff val="0"/>
+            <a:lumOff val="0"/>
+            <a:alphaOff val="0"/>
+          </a:schemeClr>
+        </a:solidFill>
+        <a:ln w="38100" cap="flat" cmpd="sng" algn="ctr">
+          <a:solidFill>
+            <a:schemeClr val="lt1">
+              <a:hueOff val="0"/>
+              <a:satOff val="0"/>
+              <a:lumOff val="0"/>
+              <a:alphaOff val="0"/>
+            </a:schemeClr>
+          </a:solidFill>
+          <a:prstDash val="solid"/>
+        </a:ln>
+        <a:effectLst>
+          <a:outerShdw blurRad="40000" dist="20000" dir="5400000" rotWithShape="0">
+            <a:srgbClr val="000000">
+              <a:alpha val="38000"/>
+            </a:srgbClr>
+          </a:outerShdw>
+        </a:effectLst>
+      </dsp:spPr>
+      <dsp:style>
+        <a:lnRef idx="3">
+          <a:scrgbClr r="0" g="0" b="0"/>
+        </a:lnRef>
+        <a:fillRef idx="1">
+          <a:scrgbClr r="0" g="0" b="0"/>
+        </a:fillRef>
+        <a:effectRef idx="1">
+          <a:scrgbClr r="0" g="0" b="0"/>
+        </a:effectRef>
+        <a:fontRef idx="minor">
+          <a:schemeClr val="lt1"/>
+        </a:fontRef>
+      </dsp:style>
+      <dsp:txBody>
+        <a:bodyPr spcFirstLastPara="0" vert="horz" wrap="square" lIns="40640" tIns="30480" rIns="40640" bIns="30480" numCol="1" spcCol="1270" anchor="ctr" anchorCtr="0">
+          <a:noAutofit/>
+        </a:bodyPr>
+        <a:lstStyle/>
+        <a:p>
+          <a:pPr lvl="0" algn="ctr" defTabSz="711200">
+            <a:lnSpc>
+              <a:spcPct val="90000"/>
+            </a:lnSpc>
+            <a:spcBef>
+              <a:spcPct val="0"/>
+            </a:spcBef>
+            <a:spcAft>
+              <a:spcPct val="35000"/>
+            </a:spcAft>
+          </a:pPr>
+          <a:r>
+            <a:rPr lang="en-US" sz="1600" kern="1200" dirty="0" smtClean="0"/>
+            <a:t>SVD</a:t>
+          </a:r>
+        </a:p>
+        <a:p>
+          <a:pPr lvl="0" algn="ctr" defTabSz="711200">
+            <a:lnSpc>
+              <a:spcPct val="90000"/>
+            </a:lnSpc>
+            <a:spcBef>
+              <a:spcPct val="0"/>
+            </a:spcBef>
+            <a:spcAft>
+              <a:spcPct val="35000"/>
+            </a:spcAft>
+          </a:pPr>
+          <a:r>
+            <a:rPr lang="en-US" sz="1600" kern="1200" dirty="0" smtClean="0"/>
+            <a:t>+</a:t>
+          </a:r>
+        </a:p>
+        <a:p>
+          <a:pPr lvl="0" algn="ctr" defTabSz="711200">
+            <a:lnSpc>
+              <a:spcPct val="90000"/>
+            </a:lnSpc>
+            <a:spcBef>
+              <a:spcPct val="0"/>
+            </a:spcBef>
+            <a:spcAft>
+              <a:spcPct val="35000"/>
+            </a:spcAft>
+          </a:pPr>
+          <a:r>
+            <a:rPr lang="en-US" sz="1600" kern="1200" dirty="0" smtClean="0"/>
+            <a:t>Weighted</a:t>
+          </a:r>
+          <a:endParaRPr lang="en-US" sz="1600" kern="1200" dirty="0"/>
+        </a:p>
+      </dsp:txBody>
+      <dsp:txXfrm>
+        <a:off x="5773259" y="3527588"/>
+        <a:ext cx="1297431" cy="1541387"/>
+      </dsp:txXfrm>
+    </dsp:sp>
+    <dsp:sp modelId="{6B6A94E2-2DCD-4DC7-81A3-E459466A098E}">
+      <dsp:nvSpPr>
+        <dsp:cNvPr id="0" name=""/>
+        <dsp:cNvSpPr/>
+      </dsp:nvSpPr>
+      <dsp:spPr>
+        <a:xfrm>
+          <a:off x="7417438" y="0"/>
+          <a:ext cx="1722702" cy="5379912"/>
+        </a:xfrm>
+        <a:prstGeom prst="roundRect">
+          <a:avLst>
+            <a:gd name="adj" fmla="val 10000"/>
+          </a:avLst>
+        </a:prstGeom>
+        <a:solidFill>
+          <a:schemeClr val="accent5">
+            <a:tint val="40000"/>
+            <a:hueOff val="0"/>
+            <a:satOff val="0"/>
+            <a:lumOff val="0"/>
+            <a:alphaOff val="0"/>
+          </a:schemeClr>
+        </a:solidFill>
+        <a:ln>
+          <a:noFill/>
+        </a:ln>
+        <a:effectLst/>
+      </dsp:spPr>
+      <dsp:style>
+        <a:lnRef idx="0">
+          <a:scrgbClr r="0" g="0" b="0"/>
+        </a:lnRef>
+        <a:fillRef idx="1">
+          <a:scrgbClr r="0" g="0" b="0"/>
+        </a:fillRef>
+        <a:effectRef idx="0">
+          <a:scrgbClr r="0" g="0" b="0"/>
+        </a:effectRef>
+        <a:fontRef idx="minor"/>
+      </dsp:style>
+      <dsp:txBody>
+        <a:bodyPr spcFirstLastPara="0" vert="horz" wrap="square" lIns="106680" tIns="106680" rIns="106680" bIns="106680" numCol="1" spcCol="1270" anchor="ctr" anchorCtr="0">
+          <a:noAutofit/>
+        </a:bodyPr>
+        <a:lstStyle/>
+        <a:p>
+          <a:pPr lvl="0" algn="ctr" defTabSz="1244600">
+            <a:lnSpc>
+              <a:spcPct val="90000"/>
+            </a:lnSpc>
+            <a:spcBef>
+              <a:spcPct val="0"/>
+            </a:spcBef>
+            <a:spcAft>
+              <a:spcPct val="35000"/>
+            </a:spcAft>
+          </a:pPr>
+          <a:r>
+            <a:rPr lang="en-US" sz="2800" kern="1200" dirty="0" smtClean="0"/>
+            <a:t>Word2Vec Similarity</a:t>
+          </a:r>
+          <a:endParaRPr lang="en-US" sz="2800" kern="1200" dirty="0"/>
+        </a:p>
+      </dsp:txBody>
+      <dsp:txXfrm>
+        <a:off x="7417438" y="0"/>
+        <a:ext cx="1722702" cy="1613973"/>
+      </dsp:txXfrm>
+    </dsp:sp>
+    <dsp:sp modelId="{46BF7581-D67B-4D56-8FC4-1B892C1396AF}">
+      <dsp:nvSpPr>
+        <dsp:cNvPr id="0" name=""/>
+        <dsp:cNvSpPr/>
+      </dsp:nvSpPr>
+      <dsp:spPr>
+        <a:xfrm>
+          <a:off x="7584799" y="1613973"/>
+          <a:ext cx="1378161" cy="3496942"/>
+        </a:xfrm>
+        <a:prstGeom prst="roundRect">
+          <a:avLst>
+            <a:gd name="adj" fmla="val 10000"/>
+          </a:avLst>
+        </a:prstGeom>
+        <a:solidFill>
+          <a:schemeClr val="accent5">
+            <a:hueOff val="0"/>
+            <a:satOff val="0"/>
+            <a:lumOff val="0"/>
+            <a:alphaOff val="0"/>
+          </a:schemeClr>
+        </a:solidFill>
+        <a:ln w="38100" cap="flat" cmpd="sng" algn="ctr">
+          <a:solidFill>
+            <a:schemeClr val="lt1">
+              <a:hueOff val="0"/>
+              <a:satOff val="0"/>
+              <a:lumOff val="0"/>
+              <a:alphaOff val="0"/>
+            </a:schemeClr>
+          </a:solidFill>
+          <a:prstDash val="solid"/>
+        </a:ln>
+        <a:effectLst>
+          <a:outerShdw blurRad="40000" dist="20000" dir="5400000" rotWithShape="0">
+            <a:srgbClr val="000000">
+              <a:alpha val="38000"/>
+            </a:srgbClr>
+          </a:outerShdw>
+        </a:effectLst>
+      </dsp:spPr>
+      <dsp:style>
+        <a:lnRef idx="3">
+          <a:scrgbClr r="0" g="0" b="0"/>
+        </a:lnRef>
+        <a:fillRef idx="1">
+          <a:scrgbClr r="0" g="0" b="0"/>
+        </a:fillRef>
+        <a:effectRef idx="1">
+          <a:scrgbClr r="0" g="0" b="0"/>
+        </a:effectRef>
+        <a:fontRef idx="minor">
+          <a:schemeClr val="lt1"/>
+        </a:fontRef>
+      </dsp:style>
+      <dsp:txBody>
+        <a:bodyPr spcFirstLastPara="0" vert="horz" wrap="square" lIns="50800" tIns="38100" rIns="50800" bIns="38100" numCol="1" spcCol="1270" anchor="ctr" anchorCtr="0">
+          <a:noAutofit/>
+        </a:bodyPr>
+        <a:lstStyle/>
+        <a:p>
+          <a:pPr lvl="0" algn="ctr" defTabSz="889000">
+            <a:lnSpc>
+              <a:spcPct val="90000"/>
+            </a:lnSpc>
+            <a:spcBef>
+              <a:spcPct val="0"/>
+            </a:spcBef>
+            <a:spcAft>
+              <a:spcPct val="35000"/>
+            </a:spcAft>
+          </a:pPr>
+          <a:r>
+            <a:rPr lang="en-US" altLang="zh-CN" sz="2000" kern="1200" dirty="0" smtClean="0"/>
+            <a:t>Combined by search term, title, description, attribute, brand, material</a:t>
+          </a:r>
+          <a:endParaRPr lang="en-US" sz="2000" kern="1200" dirty="0"/>
+        </a:p>
+      </dsp:txBody>
+      <dsp:txXfrm>
+        <a:off x="7625164" y="1654338"/>
+        <a:ext cx="1297431" cy="3416212"/>
+      </dsp:txXfrm>
+    </dsp:sp>
+  </dsp:spTree>
+</dsp:drawing>
+</file>
+
+<file path=ppt/diagrams/layout1.xml><?xml version="1.0" encoding="utf-8"?>
+<dgm:layoutDef xmlns:dgm="http://schemas.openxmlformats.org/drawingml/2006/diagram" xmlns:a="http://schemas.openxmlformats.org/drawingml/2006/main" uniqueId="urn:microsoft.com/office/officeart/2005/8/layout/lProcess2">
+  <dgm:title val=""/>
+  <dgm:desc val=""/>
+  <dgm:catLst>
+    <dgm:cat type="list" pri="10000"/>
+    <dgm:cat type="relationship" pri="13000"/>
+  </dgm:catLst>
+  <dgm:sampData>
+    <dgm:dataModel>
+      <dgm:ptLst>
+        <dgm:pt modelId="0" type="doc"/>
+        <dgm:pt modelId="1">
+          <dgm:prSet phldr="1"/>
+        </dgm:pt>
+        <dgm:pt modelId="11">
+          <dgm:prSet phldr="1"/>
+        </dgm:pt>
+        <dgm:pt modelId="12">
+          <dgm:prSet phldr="1"/>
+        </dgm:pt>
+        <dgm:pt modelId="2">
+          <dgm:prSet phldr="1"/>
+        </dgm:pt>
+        <dgm:pt modelId="21">
+          <dgm:prSet phldr="1"/>
+        </dgm:pt>
+        <dgm:pt modelId="22">
+          <dgm:prSet phldr="1"/>
+        </dgm:pt>
+        <dgm:pt modelId="3">
+          <dgm:prSet phldr="1"/>
+        </dgm:pt>
+        <dgm:pt modelId="31">
+          <dgm:prSet phldr="1"/>
+        </dgm:pt>
+        <dgm:pt modelId="32">
+          <dgm:prSet phldr="1"/>
+        </dgm:pt>
+      </dgm:ptLst>
+      <dgm:cxnLst>
+        <dgm:cxn modelId="4" srcId="0" destId="1" srcOrd="0" destOrd="0"/>
+        <dgm:cxn modelId="5" srcId="0" destId="2" srcOrd="1" destOrd="0"/>
+        <dgm:cxn modelId="13" srcId="1" destId="11" srcOrd="0" destOrd="0"/>
+        <dgm:cxn modelId="14" srcId="1" destId="12" srcOrd="0" destOrd="0"/>
+        <dgm:cxn modelId="23" srcId="2" destId="21" srcOrd="0" destOrd="0"/>
+        <dgm:cxn modelId="24" srcId="2" destId="22" srcOrd="0" destOrd="0"/>
+        <dgm:cxn modelId="33" srcId="3" destId="31" srcOrd="0" destOrd="0"/>
+        <dgm:cxn modelId="34" srcId="3" destId="32" srcOrd="0" destOrd="0"/>
+      </dgm:cxnLst>
+      <dgm:bg/>
+      <dgm:whole/>
+    </dgm:dataModel>
+  </dgm:sampData>
+  <dgm:styleData useDef="1">
+    <dgm:dataModel>
+      <dgm:ptLst/>
+      <dgm:bg/>
+      <dgm:whole/>
+    </dgm:dataModel>
+  </dgm:styleData>
+  <dgm:clrData useDef="1">
+    <dgm:dataModel>
+      <dgm:ptLst/>
+      <dgm:bg/>
+      <dgm:whole/>
+    </dgm:dataModel>
+  </dgm:clrData>
+  <dgm:layoutNode name="theList">
+    <dgm:varLst>
+      <dgm:dir/>
+      <dgm:animLvl val="lvl"/>
+      <dgm:resizeHandles val="exact"/>
+    </dgm:varLst>
+    <dgm:choose name="Name0">
+      <dgm:if name="Name1" func="var" arg="dir" op="equ" val="norm">
+        <dgm:alg type="lin"/>
+      </dgm:if>
+      <dgm:else name="Name2">
+        <dgm:alg type="lin">
+          <dgm:param type="linDir" val="fromR"/>
+        </dgm:alg>
+      </dgm:else>
+    </dgm:choose>
+    <dgm:shape xmlns:r="http://schemas.openxmlformats.org/officeDocument/2006/relationships" r:blip="">
+      <dgm:adjLst/>
+    </dgm:shape>
+    <dgm:presOf/>
+    <dgm:constrLst>
+      <dgm:constr type="w" for="ch" forName="compNode" refType="w"/>
+      <dgm:constr type="h" for="ch" forName="compNode" refType="h"/>
+      <dgm:constr type="w" for="ch" forName="aSpace" refType="w" fact="0.075"/>
+      <dgm:constr type="h" for="des" forName="aSpace2" refType="h" fact="0.1"/>
+      <dgm:constr type="primFontSz" for="des" forName="textNode" op="equ"/>
+      <dgm:constr type="primFontSz" for="des" forName="childNode" op="equ"/>
+    </dgm:constrLst>
+    <dgm:ruleLst/>
+    <dgm:forEach name="aNodeForEach" axis="ch" ptType="node">
+      <dgm:layoutNode name="compNode">
+        <dgm:alg type="composite"/>
+        <dgm:shape xmlns:r="http://schemas.openxmlformats.org/officeDocument/2006/relationships" r:blip="">
+          <dgm:adjLst/>
+        </dgm:shape>
+        <dgm:presOf/>
+        <dgm:constrLst>
+          <dgm:constr type="w" for="ch" forName="aNode" refType="w"/>
+          <dgm:constr type="h" for="ch" forName="aNode" refType="h"/>
+          <dgm:constr type="w" for="ch" forName="textNode" refType="w"/>
+          <dgm:constr type="h" for="ch" forName="textNode" refType="h" fact="0.3"/>
+          <dgm:constr type="ctrX" for="ch" forName="textNode" refType="w" fact="0.5"/>
+          <dgm:constr type="w" for="ch" forName="compChildNode" refType="w" fact="0.8"/>
+          <dgm:constr type="h" for="ch" forName="compChildNode" refType="h" fact="0.65"/>
+          <dgm:constr type="t" for="ch" forName="compChildNode" refType="h" fact="0.3"/>
+          <dgm:constr type="ctrX" for="ch" forName="compChildNode" refType="w" fact="0.5"/>
+        </dgm:constrLst>
+        <dgm:ruleLst/>
+        <dgm:layoutNode name="aNode" styleLbl="bgShp">
+          <dgm:alg type="sp"/>
+          <dgm:shape xmlns:r="http://schemas.openxmlformats.org/officeDocument/2006/relationships" type="roundRect" r:blip="">
+            <dgm:adjLst>
+              <dgm:adj idx="1" val="0.1"/>
+            </dgm:adjLst>
+          </dgm:shape>
+          <dgm:presOf axis="self"/>
+          <dgm:constrLst/>
+          <dgm:ruleLst/>
+        </dgm:layoutNode>
+        <dgm:layoutNode name="textNode" styleLbl="bgShp">
+          <dgm:alg type="tx"/>
+          <dgm:shape xmlns:r="http://schemas.openxmlformats.org/officeDocument/2006/relationships" type="rect" r:blip="" hideGeom="1">
+            <dgm:adjLst>
+              <dgm:adj idx="1" val="0.1"/>
+            </dgm:adjLst>
+          </dgm:shape>
+          <dgm:presOf axis="self"/>
+          <dgm:constrLst>
+            <dgm:constr type="primFontSz" val="65"/>
+            <dgm:constr type="lMarg" refType="primFontSz" fact="0.3"/>
+            <dgm:constr type="rMarg" refType="primFontSz" fact="0.3"/>
+            <dgm:constr type="tMarg" refType="primFontSz" fact="0.3"/>
+            <dgm:constr type="bMarg" refType="primFontSz" fact="0.3"/>
+          </dgm:constrLst>
+          <dgm:ruleLst>
+            <dgm:rule type="primFontSz" val="5" fact="NaN" max="NaN"/>
+          </dgm:ruleLst>
+        </dgm:layoutNode>
+        <dgm:layoutNode name="compChildNode">
+          <dgm:alg type="composite"/>
+          <dgm:shape xmlns:r="http://schemas.openxmlformats.org/officeDocument/2006/relationships" r:blip="">
+            <dgm:adjLst/>
+          </dgm:shape>
+          <dgm:presOf/>
+          <dgm:constrLst>
+            <dgm:constr type="w" for="des" forName="childNode" refType="w"/>
+            <dgm:constr type="h" for="des" forName="childNode" refType="h"/>
+          </dgm:constrLst>
+          <dgm:ruleLst/>
+          <dgm:layoutNode name="theInnerList">
+            <dgm:alg type="lin">
+              <dgm:param type="linDir" val="fromT"/>
+            </dgm:alg>
+            <dgm:shape xmlns:r="http://schemas.openxmlformats.org/officeDocument/2006/relationships" r:blip="">
+              <dgm:adjLst/>
+            </dgm:shape>
+            <dgm:presOf/>
+            <dgm:constrLst/>
+            <dgm:ruleLst/>
+            <dgm:forEach name="childNodeForEach" axis="ch" ptType="node">
+              <dgm:layoutNode name="childNode" styleLbl="node1">
+                <dgm:varLst>
+                  <dgm:bulletEnabled val="1"/>
+                </dgm:varLst>
+                <dgm:alg type="tx"/>
+                <dgm:shape xmlns:r="http://schemas.openxmlformats.org/officeDocument/2006/relationships" type="roundRect" r:blip="">
+                  <dgm:adjLst>
+                    <dgm:adj idx="1" val="0.1"/>
+                  </dgm:adjLst>
+                </dgm:shape>
+                <dgm:presOf axis="desOrSelf" ptType="node"/>
+                <dgm:constrLst>
+                  <dgm:constr type="primFontSz" val="65"/>
+                  <dgm:constr type="tMarg" refType="primFontSz" fact="0.15"/>
+                  <dgm:constr type="bMarg" refType="primFontSz" fact="0.15"/>
+                  <dgm:constr type="lMarg" refType="primFontSz" fact="0.2"/>
+                  <dgm:constr type="rMarg" refType="primFontSz" fact="0.2"/>
+                </dgm:constrLst>
+                <dgm:ruleLst>
+                  <dgm:rule type="primFontSz" val="5" fact="NaN" max="NaN"/>
+                </dgm:ruleLst>
+              </dgm:layoutNode>
+              <dgm:choose name="Name3">
+                <dgm:if name="Name4" axis="self" ptType="node" func="revPos" op="equ" val="1"/>
+                <dgm:else name="Name5">
+                  <dgm:layoutNode name="aSpace2">
+                    <dgm:alg type="sp"/>
+                    <dgm:shape xmlns:r="http://schemas.openxmlformats.org/officeDocument/2006/relationships" r:blip="">
+                      <dgm:adjLst/>
+                    </dgm:shape>
+                    <dgm:presOf/>
+                    <dgm:constrLst/>
+                    <dgm:ruleLst/>
+                  </dgm:layoutNode>
+                </dgm:else>
+              </dgm:choose>
+            </dgm:forEach>
+          </dgm:layoutNode>
+        </dgm:layoutNode>
+      </dgm:layoutNode>
+      <dgm:choose name="Name6">
+        <dgm:if name="Name7" axis="self" ptType="node" func="revPos" op="equ" val="1"/>
+        <dgm:else name="Name8">
+          <dgm:layoutNode name="aSpace">
+            <dgm:alg type="sp"/>
+            <dgm:shape xmlns:r="http://schemas.openxmlformats.org/officeDocument/2006/relationships" r:blip="">
+              <dgm:adjLst/>
+            </dgm:shape>
+            <dgm:presOf/>
+            <dgm:constrLst/>
+            <dgm:ruleLst/>
+          </dgm:layoutNode>
+        </dgm:else>
+      </dgm:choose>
+    </dgm:forEach>
+  </dgm:layoutNode>
+</dgm:layoutDef>
+</file>
+
+<file path=ppt/diagrams/quickStyle1.xml><?xml version="1.0" encoding="utf-8"?>
+<dgm:styleDef xmlns:dgm="http://schemas.openxmlformats.org/drawingml/2006/diagram" xmlns:a="http://schemas.openxmlformats.org/drawingml/2006/main" uniqueId="urn:microsoft.com/office/officeart/2005/8/quickstyle/simple2">
+  <dgm:title val=""/>
+  <dgm:desc val=""/>
+  <dgm:catLst>
+    <dgm:cat type="simple" pri="10200"/>
+  </dgm:catLst>
+  <dgm:scene3d>
+    <a:camera prst="orthographicFront"/>
+    <a:lightRig rig="threePt" dir="t"/>
+  </dgm:scene3d>
+  <dgm:styleLbl name="node0">
+    <dgm:scene3d>
+      <a:camera prst="orthographicFront"/>
+      <a:lightRig rig="threePt" dir="t"/>
+    </dgm:scene3d>
+    <dgm:sp3d/>
+    <dgm:txPr/>
+    <dgm:style>
+      <a:lnRef idx="3">
+        <a:scrgbClr r="0" g="0" b="0"/>
+      </a:lnRef>
+      <a:fillRef idx="1">
+        <a:scrgbClr r="0" g="0" b="0"/>
+      </a:fillRef>
+      <a:effectRef idx="1">
+        <a:scrgbClr r="0" g="0" b="0"/>
+      </a:effectRef>
+      <a:fontRef idx="minor">
+        <a:schemeClr val="lt1"/>
+      </a:fontRef>
+    </dgm:style>
+  </dgm:styleLbl>
+  <dgm:styleLbl name="lnNode1">
+    <dgm:scene3d>
+      <a:camera prst="orthographicFront"/>
+      <a:lightRig rig="threePt" dir="t"/>
+    </dgm:scene3d>
+    <dgm:sp3d/>
+    <dgm:txPr/>
+    <dgm:style>
+      <a:lnRef idx="3">
+        <a:scrgbClr r="0" g="0" b="0"/>
+      </a:lnRef>
+      <a:fillRef idx="1">
+        <a:scrgbClr r="0" g="0" b="0"/>
+      </a:fillRef>
+      <a:effectRef idx="1">
+        <a:scrgbClr r="0" g="0" b="0"/>
+      </a:effectRef>
+      <a:fontRef idx="minor">
+        <a:schemeClr val="lt1"/>
+      </a:fontRef>
+    </dgm:style>
+  </dgm:styleLbl>
+  <dgm:styleLbl name="vennNode1">
+    <dgm:scene3d>
+      <a:camera prst="orthographicFront"/>
+      <a:lightRig rig="threePt" dir="t"/>
+    </dgm:scene3d>
+    <dgm:sp3d/>
+    <dgm:txPr/>
+    <dgm:style>
+      <a:lnRef idx="3">
+        <a:scrgbClr r="0" g="0" b="0"/>
+      </a:lnRef>
+      <a:fillRef idx="1">
+        <a:scrgbClr r="0" g="0" b="0"/>
+      </a:fillRef>
+      <a:effectRef idx="0">
+        <a:scrgbClr r="0" g="0" b="0"/>
+      </a:effectRef>
+      <a:fontRef idx="minor">
+        <a:schemeClr val="tx1"/>
+      </a:fontRef>
+    </dgm:style>
+  </dgm:styleLbl>
+  <dgm:styleLbl name="alignNode1">
+    <dgm:scene3d>
+      <a:camera prst="orthographicFront"/>
+      <a:lightRig rig="threePt" dir="t"/>
+    </dgm:scene3d>
+    <dgm:sp3d/>
+    <dgm:txPr/>
+    <dgm:style>
+      <a:lnRef idx="2">
+        <a:scrgbClr r="0" g="0" b="0"/>
+      </a:lnRef>
+      <a:fillRef idx="1">
+        <a:scrgbClr r="0" g="0" b="0"/>
+      </a:fillRef>
+      <a:effectRef idx="1">
+        <a:scrgbClr r="0" g="0" b="0"/>
+      </a:effectRef>
+      <a:fontRef idx="minor">
+        <a:schemeClr val="lt1"/>
+      </a:fontRef>
+    </dgm:style>
+  </dgm:styleLbl>
+  <dgm:styleLbl name="node1">
+    <dgm:scene3d>
+      <a:camera prst="orthographicFront"/>
+      <a:lightRig rig="threePt" dir="t"/>
+    </dgm:scene3d>
+    <dgm:sp3d/>
+    <dgm:txPr/>
+    <dgm:style>
+      <a:lnRef idx="3">
+        <a:scrgbClr r="0" g="0" b="0"/>
+      </a:lnRef>
+      <a:fillRef idx="1">
+        <a:scrgbClr r="0" g="0" b="0"/>
+      </a:fillRef>
+      <a:effectRef idx="1">
+        <a:scrgbClr r="0" g="0" b="0"/>
+      </a:effectRef>
+      <a:fontRef idx="minor">
+        <a:schemeClr val="lt1"/>
+      </a:fontRef>
+    </dgm:style>
+  </dgm:styleLbl>
+  <dgm:styleLbl name="node2">
+    <dgm:scene3d>
+      <a:camera prst="orthographicFront"/>
+      <a:lightRig rig="threePt" dir="t"/>
+    </dgm:scene3d>
+    <dgm:sp3d/>
+    <dgm:txPr/>
+    <dgm:style>
+      <a:lnRef idx="3">
+        <a:scrgbClr r="0" g="0" b="0"/>
+      </a:lnRef>
+      <a:fillRef idx="1">
+        <a:scrgbClr r="0" g="0" b="0"/>
+      </a:fillRef>
+      <a:effectRef idx="1">
+        <a:scrgbClr r="0" g="0" b="0"/>
+      </a:effectRef>
+      <a:fontRef idx="minor">
+        <a:schemeClr val="lt1"/>
+      </a:fontRef>
+    </dgm:style>
+  </dgm:styleLbl>
+  <dgm:styleLbl name="node3">
+    <dgm:scene3d>
+      <a:camera prst="orthographicFront"/>
+      <a:lightRig rig="threePt" dir="t"/>
+    </dgm:scene3d>
+    <dgm:sp3d/>
+    <dgm:txPr/>
+    <dgm:style>
+      <a:lnRef idx="3">
+        <a:scrgbClr r="0" g="0" b="0"/>
+      </a:lnRef>
+      <a:fillRef idx="1">
+        <a:scrgbClr r="0" g="0" b="0"/>
+      </a:fillRef>
+      <a:effectRef idx="1">
+        <a:scrgbClr r="0" g="0" b="0"/>
+      </a:effectRef>
+      <a:fontRef idx="minor">
+        <a:schemeClr val="lt1"/>
+      </a:fontRef>
+    </dgm:style>
+  </dgm:styleLbl>
+  <dgm:styleLbl name="node4">
+    <dgm:scene3d>
+      <a:camera prst="orthographicFront"/>
+      <a:lightRig rig="threePt" dir="t"/>
+    </dgm:scene3d>
+    <dgm:sp3d/>
+    <dgm:txPr/>
+    <dgm:style>
+      <a:lnRef idx="3">
+        <a:scrgbClr r="0" g="0" b="0"/>
+      </a:lnRef>
+      <a:fillRef idx="1">
+        <a:scrgbClr r="0" g="0" b="0"/>
+      </a:fillRef>
+      <a:effectRef idx="1">
+        <a:scrgbClr r="0" g="0" b="0"/>
+      </a:effectRef>
+      <a:fontRef idx="minor">
+        <a:schemeClr val="lt1"/>
+      </a:fontRef>
+    </dgm:style>
+  </dgm:styleLbl>
+  <dgm:styleLbl name="fgImgPlace1">
+    <dgm:scene3d>
+      <a:camera prst="orthographicFront"/>
+      <a:lightRig rig="threePt" dir="t"/>
+    </dgm:scene3d>
+    <dgm:sp3d/>
+    <dgm:txPr/>
+    <dgm:style>
+      <a:lnRef idx="3">
+        <a:scrgbClr r="0" g="0" b="0"/>
+      </a:lnRef>
+      <a:fillRef idx="1">
+        <a:scrgbClr r="0" g="0" b="0"/>
+      </a:fillRef>
+      <a:effectRef idx="1">
+        <a:scrgbClr r="0" g="0" b="0"/>
+      </a:effectRef>
+      <a:fontRef idx="minor"/>
+    </dgm:style>
+  </dgm:styleLbl>
+  <dgm:styleLbl name="alignImgPlace1">
+    <dgm:scene3d>
+      <a:camera prst="orthographicFront"/>
+      <a:lightRig rig="threePt" dir="t"/>
+    </dgm:scene3d>
+    <dgm:sp3d/>
+    <dgm:txPr/>
+    <dgm:style>
+      <a:lnRef idx="3">
+        <a:scrgbClr r="0" g="0" b="0"/>
+      </a:lnRef>
+      <a:fillRef idx="1">
+        <a:scrgbClr r="0" g="0" b="0"/>
+      </a:fillRef>
+      <a:effectRef idx="1">
+        <a:scrgbClr r="0" g="0" b="0"/>
+      </a:effectRef>
+      <a:fontRef idx="minor"/>
+    </dgm:style>
+  </dgm:styleLbl>
+  <dgm:styleLbl name="bgImgPlace1">
+    <dgm:scene3d>
+      <a:camera prst="orthographicFront"/>
+      <a:lightRig rig="threePt" dir="t"/>
+    </dgm:scene3d>
+    <dgm:sp3d/>
+    <dgm:txPr/>
+    <dgm:style>
+      <a:lnRef idx="3">
+        <a:scrgbClr r="0" g="0" b="0"/>
+      </a:lnRef>
+      <a:fillRef idx="1">
+        <a:scrgbClr r="0" g="0" b="0"/>
+      </a:fillRef>
+      <a:effectRef idx="1">
+        <a:scrgbClr r="0" g="0" b="0"/>
+      </a:effectRef>
+      <a:fontRef idx="minor"/>
+    </dgm:style>
+  </dgm:styleLbl>
+  <dgm:styleLbl name="sibTrans2D1">
+    <dgm:scene3d>
+      <a:camera prst="orthographicFront"/>
+      <a:lightRig rig="threePt" dir="t"/>
+    </dgm:scene3d>
+    <dgm:sp3d/>
+    <dgm:txPr/>
+    <dgm:style>
+      <a:lnRef idx="0">
+        <a:scrgbClr r="0" g="0" b="0"/>
+      </a:lnRef>
+      <a:fillRef idx="1">
+        <a:scrgbClr r="0" g="0" b="0"/>
+      </a:fillRef>
+      <a:effectRef idx="1">
+        <a:scrgbClr r="0" g="0" b="0"/>
+      </a:effectRef>
+      <a:fontRef idx="minor">
+        <a:schemeClr val="lt1"/>
+      </a:fontRef>
+    </dgm:style>
+  </dgm:styleLbl>
+  <dgm:styleLbl name="fgSibTrans2D1">
+    <dgm:scene3d>
+      <a:camera prst="orthographicFront"/>
+      <a:lightRig rig="threePt" dir="t"/>
+    </dgm:scene3d>
+    <dgm:sp3d/>
+    <dgm:txPr/>
+    <dgm:style>
+      <a:lnRef idx="0">
+        <a:scrgbClr r="0" g="0" b="0"/>
+      </a:lnRef>
+      <a:fillRef idx="1">
+        <a:scrgbClr r="0" g="0" b="0"/>
+      </a:fillRef>
+      <a:effectRef idx="1">
+        <a:scrgbClr r="0" g="0" b="0"/>
+      </a:effectRef>
+      <a:fontRef idx="minor">
+        <a:schemeClr val="lt1"/>
+      </a:fontRef>
+    </dgm:style>
+  </dgm:styleLbl>
+  <dgm:styleLbl name="bgSibTrans2D1">
+    <dgm:scene3d>
+      <a:camera prst="orthographicFront"/>
+      <a:lightRig rig="threePt" dir="t"/>
+    </dgm:scene3d>
+    <dgm:sp3d/>
+    <dgm:txPr/>
+    <dgm:style>
+      <a:lnRef idx="0">
+        <a:scrgbClr r="0" g="0" b="0"/>
+      </a:lnRef>
+      <a:fillRef idx="1">
+        <a:scrgbClr r="0" g="0" b="0"/>
+      </a:fillRef>
+      <a:effectRef idx="1">
+        <a:scrgbClr r="0" g="0" b="0"/>
+      </a:effectRef>
+      <a:fontRef idx="minor">
+        <a:schemeClr val="lt1"/>
+      </a:fontRef>
+    </dgm:style>
+  </dgm:styleLbl>
+  <dgm:styleLbl name="sibTrans1D1">
+    <dgm:scene3d>
+      <a:camera prst="orthographicFront"/>
+      <a:lightRig rig="threePt" dir="t"/>
+    </dgm:scene3d>
+    <dgm:sp3d/>
+    <dgm:txPr/>
+    <dgm:style>
+      <a:lnRef idx="1">
+        <a:scrgbClr r="0" g="0" b="0"/>
+      </a:lnRef>
+      <a:fillRef idx="0">
+        <a:scrgbClr r="0" g="0" b="0"/>
+      </a:fillRef>
+      <a:effectRef idx="0">
+        <a:scrgbClr r="0" g="0" b="0"/>
+      </a:effectRef>
+      <a:fontRef idx="minor"/>
+    </dgm:style>
+  </dgm:styleLbl>
+  <dgm:styleLbl name="callout">
+    <dgm:scene3d>
+      <a:camera prst="orthographicFront"/>
+      <a:lightRig rig="threePt" dir="t"/>
+    </dgm:scene3d>
+    <dgm:sp3d/>
+    <dgm:txPr/>
+    <dgm:style>
+      <a:lnRef idx="2">
+        <a:scrgbClr r="0" g="0" b="0"/>
+      </a:lnRef>
+      <a:fillRef idx="1">
+        <a:scrgbClr r="0" g="0" b="0"/>
+      </a:fillRef>
+      <a:effectRef idx="1">
+        <a:scrgbClr r="0" g="0" b="0"/>
+      </a:effectRef>
+      <a:fontRef idx="minor"/>
+    </dgm:style>
+  </dgm:styleLbl>
+  <dgm:styleLbl name="asst0">
+    <dgm:scene3d>
+      <a:camera prst="orthographicFront"/>
+      <a:lightRig rig="threePt" dir="t"/>
+    </dgm:scene3d>
+    <dgm:sp3d/>
+    <dgm:txPr/>
+    <dgm:style>
+      <a:lnRef idx="3">
+        <a:scrgbClr r="0" g="0" b="0"/>
+      </a:lnRef>
+      <a:fillRef idx="1">
+        <a:scrgbClr r="0" g="0" b="0"/>
+      </a:fillRef>
+      <a:effectRef idx="1">
+        <a:scrgbClr r="0" g="0" b="0"/>
+      </a:effectRef>
+      <a:fontRef idx="minor">
+        <a:schemeClr val="lt1"/>
+      </a:fontRef>
+    </dgm:style>
+  </dgm:styleLbl>
+  <dgm:styleLbl name="asst1">
+    <dgm:scene3d>
+      <a:camera prst="orthographicFront"/>
+      <a:lightRig rig="threePt" dir="t"/>
+    </dgm:scene3d>
+    <dgm:sp3d/>
+    <dgm:txPr/>
+    <dgm:style>
+      <a:lnRef idx="3">
+        <a:scrgbClr r="0" g="0" b="0"/>
+      </a:lnRef>
+      <a:fillRef idx="1">
+        <a:scrgbClr r="0" g="0" b="0"/>
+      </a:fillRef>
+      <a:effectRef idx="1">
+        <a:scrgbClr r="0" g="0" b="0"/>
+      </a:effectRef>
+      <a:fontRef idx="minor">
+        <a:schemeClr val="lt1"/>
+      </a:fontRef>
+    </dgm:style>
+  </dgm:styleLbl>
+  <dgm:styleLbl name="asst2">
+    <dgm:scene3d>
+      <a:camera prst="orthographicFront"/>
+      <a:lightRig rig="threePt" dir="t"/>
+    </dgm:scene3d>
+    <dgm:sp3d/>
+    <dgm:txPr/>
+    <dgm:style>
+      <a:lnRef idx="3">
+        <a:scrgbClr r="0" g="0" b="0"/>
+      </a:lnRef>
+      <a:fillRef idx="1">
+        <a:scrgbClr r="0" g="0" b="0"/>
+      </a:fillRef>
+      <a:effectRef idx="1">
+        <a:scrgbClr r="0" g="0" b="0"/>
+      </a:effectRef>
+      <a:fontRef idx="minor">
+        <a:schemeClr val="lt1"/>
+      </a:fontRef>
+    </dgm:style>
+  </dgm:styleLbl>
+  <dgm:styleLbl name="asst3">
+    <dgm:scene3d>
+      <a:camera prst="orthographicFront"/>
+      <a:lightRig rig="threePt" dir="t"/>
+    </dgm:scene3d>
+    <dgm:sp3d/>
+    <dgm:txPr/>
+    <dgm:style>
+      <a:lnRef idx="3">
+        <a:scrgbClr r="0" g="0" b="0"/>
+      </a:lnRef>
+      <a:fillRef idx="1">
+        <a:scrgbClr r="0" g="0" b="0"/>
+      </a:fillRef>
+      <a:effectRef idx="1">
+        <a:scrgbClr r="0" g="0" b="0"/>
+      </a:effectRef>
+      <a:fontRef idx="minor">
+        <a:schemeClr val="lt1"/>
+      </a:fontRef>
+    </dgm:style>
+  </dgm:styleLbl>
+  <dgm:styleLbl name="asst4">
+    <dgm:scene3d>
+      <a:camera prst="orthographicFront"/>
+      <a:lightRig rig="threePt" dir="t"/>
+    </dgm:scene3d>
+    <dgm:sp3d/>
+    <dgm:txPr/>
+    <dgm:style>
+      <a:lnRef idx="3">
+        <a:scrgbClr r="0" g="0" b="0"/>
+      </a:lnRef>
+      <a:fillRef idx="1">
+        <a:scrgbClr r="0" g="0" b="0"/>
+      </a:fillRef>
+      <a:effectRef idx="1">
+        <a:scrgbClr r="0" g="0" b="0"/>
+      </a:effectRef>
+      <a:fontRef idx="minor">
+        <a:schemeClr val="lt1"/>
+      </a:fontRef>
+    </dgm:style>
+  </dgm:styleLbl>
+  <dgm:styleLbl name="parChTrans2D1">
+    <dgm:scene3d>
+      <a:camera prst="orthographicFront"/>
+      <a:lightRig rig="threePt" dir="t"/>
+    </dgm:scene3d>
+    <dgm:sp3d/>
+    <dgm:txPr/>
+    <dgm:style>
+      <a:lnRef idx="3">
+        <a:scrgbClr r="0" g="0" b="0"/>
+      </a:lnRef>
+      <a:fillRef idx="1">
+        <a:scrgbClr r="0" g="0" b="0"/>
+      </a:fillRef>
+      <a:effectRef idx="1">
+        <a:scrgbClr r="0" g="0" b="0"/>
+      </a:effectRef>
+      <a:fontRef idx="minor">
+        <a:schemeClr val="lt1"/>
+      </a:fontRef>
+    </dgm:style>
+  </dgm:styleLbl>
+  <dgm:styleLbl name="parChTrans2D2">
+    <dgm:scene3d>
+      <a:camera prst="orthographicFront"/>
+      <a:lightRig rig="threePt" dir="t"/>
+    </dgm:scene3d>
+    <dgm:sp3d/>
+    <dgm:txPr/>
+    <dgm:style>
+      <a:lnRef idx="3">
+        <a:scrgbClr r="0" g="0" b="0"/>
+      </a:lnRef>
+      <a:fillRef idx="1">
+        <a:scrgbClr r="0" g="0" b="0"/>
+      </a:fillRef>
+      <a:effectRef idx="1">
+        <a:scrgbClr r="0" g="0" b="0"/>
+      </a:effectRef>
+      <a:fontRef idx="minor">
+        <a:schemeClr val="lt1"/>
+      </a:fontRef>
+    </dgm:style>
+  </dgm:styleLbl>
+  <dgm:styleLbl name="parChTrans2D3">
+    <dgm:scene3d>
+      <a:camera prst="orthographicFront"/>
+      <a:lightRig rig="threePt" dir="t"/>
+    </dgm:scene3d>
+    <dgm:sp3d/>
+    <dgm:txPr/>
+    <dgm:style>
+      <a:lnRef idx="3">
+        <a:scrgbClr r="0" g="0" b="0"/>
+      </a:lnRef>
+      <a:fillRef idx="1">
+        <a:scrgbClr r="0" g="0" b="0"/>
+      </a:fillRef>
+      <a:effectRef idx="1">
+        <a:scrgbClr r="0" g="0" b="0"/>
+      </a:effectRef>
+      <a:fontRef idx="minor">
+        <a:schemeClr val="lt1"/>
+      </a:fontRef>
+    </dgm:style>
+  </dgm:styleLbl>
+  <dgm:styleLbl name="parChTrans2D4">
+    <dgm:scene3d>
+      <a:camera prst="orthographicFront"/>
+      <a:lightRig rig="threePt" dir="t"/>
+    </dgm:scene3d>
+    <dgm:sp3d/>
+    <dgm:txPr/>
+    <dgm:style>
+      <a:lnRef idx="3">
+        <a:scrgbClr r="0" g="0" b="0"/>
+      </a:lnRef>
+      <a:fillRef idx="1">
+        <a:scrgbClr r="0" g="0" b="0"/>
+      </a:fillRef>
+      <a:effectRef idx="1">
+        <a:scrgbClr r="0" g="0" b="0"/>
+      </a:effectRef>
+      <a:fontRef idx="minor">
+        <a:schemeClr val="lt1"/>
+      </a:fontRef>
+    </dgm:style>
+  </dgm:styleLbl>
+  <dgm:styleLbl name="parChTrans1D1">
+    <dgm:scene3d>
+      <a:camera prst="orthographicFront"/>
+      <a:lightRig rig="threePt" dir="t"/>
+    </dgm:scene3d>
+    <dgm:sp3d/>
+    <dgm:txPr/>
+    <dgm:style>
+      <a:lnRef idx="2">
+        <a:scrgbClr r="0" g="0" b="0"/>
+      </a:lnRef>
+      <a:fillRef idx="0">
+        <a:scrgbClr r="0" g="0" b="0"/>
+      </a:fillRef>
+      <a:effectRef idx="0">
+        <a:scrgbClr r="0" g="0" b="0"/>
+      </a:effectRef>
+      <a:fontRef idx="minor"/>
+    </dgm:style>
+  </dgm:styleLbl>
+  <dgm:styleLbl name="parChTrans1D2">
+    <dgm:scene3d>
+      <a:camera prst="orthographicFront"/>
+      <a:lightRig rig="threePt" dir="t"/>
+    </dgm:scene3d>
+    <dgm:sp3d/>
+    <dgm:txPr/>
+    <dgm:style>
+      <a:lnRef idx="2">
+        <a:scrgbClr r="0" g="0" b="0"/>
+      </a:lnRef>
+      <a:fillRef idx="0">
+        <a:scrgbClr r="0" g="0" b="0"/>
+      </a:fillRef>
+      <a:effectRef idx="0">
+        <a:scrgbClr r="0" g="0" b="0"/>
+      </a:effectRef>
+      <a:fontRef idx="minor"/>
+    </dgm:style>
+  </dgm:styleLbl>
+  <dgm:styleLbl name="parChTrans1D3">
+    <dgm:scene3d>
+      <a:camera prst="orthographicFront"/>
+      <a:lightRig rig="threePt" dir="t"/>
+    </dgm:scene3d>
+    <dgm:sp3d/>
+    <dgm:txPr/>
+    <dgm:style>
+      <a:lnRef idx="2">
+        <a:scrgbClr r="0" g="0" b="0"/>
+      </a:lnRef>
+      <a:fillRef idx="0">
+        <a:scrgbClr r="0" g="0" b="0"/>
+      </a:fillRef>
+      <a:effectRef idx="0">
+        <a:scrgbClr r="0" g="0" b="0"/>
+      </a:effectRef>
+      <a:fontRef idx="minor"/>
+    </dgm:style>
+  </dgm:styleLbl>
+  <dgm:styleLbl name="parChTrans1D4">
+    <dgm:scene3d>
+      <a:camera prst="orthographicFront"/>
+      <a:lightRig rig="threePt" dir="t"/>
+    </dgm:scene3d>
+    <dgm:sp3d/>
+    <dgm:txPr/>
+    <dgm:style>
+      <a:lnRef idx="2">
+        <a:scrgbClr r="0" g="0" b="0"/>
+      </a:lnRef>
+      <a:fillRef idx="0">
+        <a:scrgbClr r="0" g="0" b="0"/>
+      </a:fillRef>
+      <a:effectRef idx="0">
+        <a:scrgbClr r="0" g="0" b="0"/>
+      </a:effectRef>
+      <a:fontRef idx="minor"/>
+    </dgm:style>
+  </dgm:styleLbl>
+  <dgm:styleLbl name="fgAcc1">
+    <dgm:scene3d>
+      <a:camera prst="orthographicFront"/>
+      <a:lightRig rig="threePt" dir="t"/>
+    </dgm:scene3d>
+    <dgm:sp3d/>
+    <dgm:txPr/>
+    <dgm:style>
+      <a:lnRef idx="2">
+        <a:scrgbClr r="0" g="0" b="0"/>
+      </a:lnRef>
+      <a:fillRef idx="1">
+        <a:scrgbClr r="0" g="0" b="0"/>
+      </a:fillRef>
+      <a:effectRef idx="0">
+        <a:scrgbClr r="0" g="0" b="0"/>
+      </a:effectRef>
+      <a:fontRef idx="minor"/>
+    </dgm:style>
+  </dgm:styleLbl>
+  <dgm:styleLbl name="conFgAcc1">
+    <dgm:scene3d>
+      <a:camera prst="orthographicFront"/>
+      <a:lightRig rig="threePt" dir="t"/>
+    </dgm:scene3d>
+    <dgm:sp3d/>
+    <dgm:txPr/>
+    <dgm:style>
+      <a:lnRef idx="2">
+        <a:scrgbClr r="0" g="0" b="0"/>
+      </a:lnRef>
+      <a:fillRef idx="1">
+        <a:scrgbClr r="0" g="0" b="0"/>
+      </a:fillRef>
+      <a:effectRef idx="0">
+        <a:scrgbClr r="0" g="0" b="0"/>
+      </a:effectRef>
+      <a:fontRef idx="minor"/>
+    </dgm:style>
+  </dgm:styleLbl>
+  <dgm:styleLbl name="alignAcc1">
+    <dgm:scene3d>
+      <a:camera prst="orthographicFront"/>
+      <a:lightRig rig="threePt" dir="t"/>
+    </dgm:scene3d>
+    <dgm:sp3d/>
+    <dgm:txPr/>
+    <dgm:style>
+      <a:lnRef idx="2">
+        <a:scrgbClr r="0" g="0" b="0"/>
+      </a:lnRef>
+      <a:fillRef idx="1">
+        <a:scrgbClr r="0" g="0" b="0"/>
+      </a:fillRef>
+      <a:effectRef idx="0">
+        <a:scrgbClr r="0" g="0" b="0"/>
+      </a:effectRef>
+      <a:fontRef idx="minor"/>
+    </dgm:style>
+  </dgm:styleLbl>
+  <dgm:styleLbl name="trAlignAcc1">
+    <dgm:scene3d>
+      <a:camera prst="orthographicFront"/>
+      <a:lightRig rig="threePt" dir="t"/>
+    </dgm:scene3d>
+    <dgm:sp3d/>
+    <dgm:txPr/>
+    <dgm:style>
+      <a:lnRef idx="1">
+        <a:scrgbClr r="0" g="0" b="0"/>
+      </a:lnRef>
+      <a:fillRef idx="1">
+        <a:scrgbClr r="0" g="0" b="0"/>
+      </a:fillRef>
+      <a:effectRef idx="0">
+        <a:scrgbClr r="0" g="0" b="0"/>
+      </a:effectRef>
+      <a:fontRef idx="minor"/>
+    </dgm:style>
+  </dgm:styleLbl>
+  <dgm:styleLbl name="bgAcc1">
+    <dgm:scene3d>
+      <a:camera prst="orthographicFront"/>
+      <a:lightRig rig="threePt" dir="t"/>
+    </dgm:scene3d>
+    <dgm:sp3d/>
+    <dgm:txPr/>
+    <dgm:style>
+      <a:lnRef idx="2">
+        <a:scrgbClr r="0" g="0" b="0"/>
+      </a:lnRef>
+      <a:fillRef idx="1">
+        <a:scrgbClr r="0" g="0" b="0"/>
+      </a:fillRef>
+      <a:effectRef idx="0">
+        <a:scrgbClr r="0" g="0" b="0"/>
+      </a:effectRef>
+      <a:fontRef idx="minor"/>
+    </dgm:style>
+  </dgm:styleLbl>
+  <dgm:styleLbl name="solidFgAcc1">
+    <dgm:scene3d>
+      <a:camera prst="orthographicFront"/>
+      <a:lightRig rig="threePt" dir="t"/>
+    </dgm:scene3d>
+    <dgm:sp3d/>
+    <dgm:txPr/>
+    <dgm:style>
+      <a:lnRef idx="2">
+        <a:scrgbClr r="0" g="0" b="0"/>
+      </a:lnRef>
+      <a:fillRef idx="1">
+        <a:scrgbClr r="0" g="0" b="0"/>
+      </a:fillRef>
+      <a:effectRef idx="0">
+        <a:scrgbClr r="0" g="0" b="0"/>
+      </a:effectRef>
+      <a:fontRef idx="minor"/>
+    </dgm:style>
+  </dgm:styleLbl>
+  <dgm:styleLbl name="solidAlignAcc1">
+    <dgm:scene3d>
+      <a:camera prst="orthographicFront"/>
+      <a:lightRig rig="threePt" dir="t"/>
+    </dgm:scene3d>
+    <dgm:sp3d/>
+    <dgm:txPr/>
+    <dgm:style>
+      <a:lnRef idx="2">
+        <a:scrgbClr r="0" g="0" b="0"/>
+      </a:lnRef>
+      <a:fillRef idx="1">
+        <a:scrgbClr r="0" g="0" b="0"/>
+      </a:fillRef>
+      <a:effectRef idx="0">
+        <a:scrgbClr r="0" g="0" b="0"/>
+      </a:effectRef>
+      <a:fontRef idx="minor"/>
+    </dgm:style>
+  </dgm:styleLbl>
+  <dgm:styleLbl name="solidBgAcc1">
+    <dgm:scene3d>
+      <a:camera prst="orthographicFront"/>
+      <a:lightRig rig="threePt" dir="t"/>
+    </dgm:scene3d>
+    <dgm:sp3d/>
+    <dgm:txPr/>
+    <dgm:style>
+      <a:lnRef idx="2">
+        <a:scrgbClr r="0" g="0" b="0"/>
+      </a:lnRef>
+      <a:fillRef idx="1">
+        <a:scrgbClr r="0" g="0" b="0"/>
+      </a:fillRef>
+      <a:effectRef idx="0">
+        <a:scrgbClr r="0" g="0" b="0"/>
+      </a:effectRef>
+      <a:fontRef idx="minor"/>
+    </dgm:style>
+  </dgm:styleLbl>
+  <dgm:styleLbl name="fgAccFollowNode1">
+    <dgm:scene3d>
+      <a:camera prst="orthographicFront"/>
+      <a:lightRig rig="threePt" dir="t"/>
+    </dgm:scene3d>
+    <dgm:sp3d/>
+    <dgm:txPr/>
+    <dgm:style>
+      <a:lnRef idx="2">
+        <a:scrgbClr r="0" g="0" b="0"/>
+      </a:lnRef>
+      <a:fillRef idx="1">
+        <a:scrgbClr r="0" g="0" b="0"/>
+      </a:fillRef>
+      <a:effectRef idx="0">
+        <a:scrgbClr r="0" g="0" b="0"/>
+      </a:effectRef>
+      <a:fontRef idx="minor"/>
+    </dgm:style>
+  </dgm:styleLbl>
+  <dgm:styleLbl name="alignAccFollowNode1">
+    <dgm:scene3d>
+      <a:camera prst="orthographicFront"/>
+      <a:lightRig rig="threePt" dir="t"/>
+    </dgm:scene3d>
+    <dgm:sp3d/>
+    <dgm:txPr/>
+    <dgm:style>
+      <a:lnRef idx="2">
+        <a:scrgbClr r="0" g="0" b="0"/>
+      </a:lnRef>
+      <a:fillRef idx="1">
+        <a:scrgbClr r="0" g="0" b="0"/>
+      </a:fillRef>
+      <a:effectRef idx="0">
+        <a:scrgbClr r="0" g="0" b="0"/>
+      </a:effectRef>
+      <a:fontRef idx="minor"/>
+    </dgm:style>
+  </dgm:styleLbl>
+  <dgm:styleLbl name="bgAccFollowNode1">
+    <dgm:scene3d>
+      <a:camera prst="orthographicFront"/>
+      <a:lightRig rig="threePt" dir="t"/>
+    </dgm:scene3d>
+    <dgm:sp3d/>
+    <dgm:txPr/>
+    <dgm:style>
+      <a:lnRef idx="2">
+        <a:scrgbClr r="0" g="0" b="0"/>
+      </a:lnRef>
+      <a:fillRef idx="1">
+        <a:scrgbClr r="0" g="0" b="0"/>
+      </a:fillRef>
+      <a:effectRef idx="0">
+        <a:scrgbClr r="0" g="0" b="0"/>
+      </a:effectRef>
+      <a:fontRef idx="minor"/>
+    </dgm:style>
+  </dgm:styleLbl>
+  <dgm:styleLbl name="fgAcc0">
+    <dgm:scene3d>
+      <a:camera prst="orthographicFront"/>
+      <a:lightRig rig="threePt" dir="t"/>
+    </dgm:scene3d>
+    <dgm:sp3d/>
+    <dgm:txPr/>
+    <dgm:style>
+      <a:lnRef idx="2">
+        <a:scrgbClr r="0" g="0" b="0"/>
+      </a:lnRef>
+      <a:fillRef idx="1">
+        <a:scrgbClr r="0" g="0" b="0"/>
+      </a:fillRef>
+      <a:effectRef idx="0">
+        <a:scrgbClr r="0" g="0" b="0"/>
+      </a:effectRef>
+      <a:fontRef idx="minor"/>
+    </dgm:style>
+  </dgm:styleLbl>
+  <dgm:styleLbl name="fgAcc2">
+    <dgm:scene3d>
+      <a:camera prst="orthographicFront"/>
+      <a:lightRig rig="threePt" dir="t"/>
+    </dgm:scene3d>
+    <dgm:sp3d/>
+    <dgm:txPr/>
+    <dgm:style>
+      <a:lnRef idx="2">
+        <a:scrgbClr r="0" g="0" b="0"/>
+      </a:lnRef>
+      <a:fillRef idx="1">
+        <a:scrgbClr r="0" g="0" b="0"/>
+      </a:fillRef>
+      <a:effectRef idx="0">
+        <a:scrgbClr r="0" g="0" b="0"/>
+      </a:effectRef>
+      <a:fontRef idx="minor"/>
+    </dgm:style>
+  </dgm:styleLbl>
+  <dgm:styleLbl name="fgAcc3">
+    <dgm:scene3d>
+      <a:camera prst="orthographicFront"/>
+      <a:lightRig rig="threePt" dir="t"/>
+    </dgm:scene3d>
+    <dgm:sp3d/>
+    <dgm:txPr/>
+    <dgm:style>
+      <a:lnRef idx="2">
+        <a:scrgbClr r="0" g="0" b="0"/>
+      </a:lnRef>
+      <a:fillRef idx="1">
+        <a:scrgbClr r="0" g="0" b="0"/>
+      </a:fillRef>
+      <a:effectRef idx="0">
+        <a:scrgbClr r="0" g="0" b="0"/>
+      </a:effectRef>
+      <a:fontRef idx="minor"/>
+    </dgm:style>
+  </dgm:styleLbl>
+  <dgm:styleLbl name="fgAcc4">
+    <dgm:scene3d>
+      <a:camera prst="orthographicFront"/>
+      <a:lightRig rig="threePt" dir="t"/>
+    </dgm:scene3d>
+    <dgm:sp3d/>
+    <dgm:txPr/>
+    <dgm:style>
+      <a:lnRef idx="2">
+        <a:scrgbClr r="0" g="0" b="0"/>
+      </a:lnRef>
+      <a:fillRef idx="1">
+        <a:scrgbClr r="0" g="0" b="0"/>
+      </a:fillRef>
+      <a:effectRef idx="0">
+        <a:scrgbClr r="0" g="0" b="0"/>
+      </a:effectRef>
+      <a:fontRef idx="minor"/>
+    </dgm:style>
+  </dgm:styleLbl>
+  <dgm:styleLbl name="bgShp">
+    <dgm:scene3d>
+      <a:camera prst="orthographicFront"/>
+      <a:lightRig rig="threePt" dir="t"/>
+    </dgm:scene3d>
+    <dgm:sp3d/>
+    <dgm:txPr/>
+    <dgm:style>
+      <a:lnRef idx="0">
+        <a:scrgbClr r="0" g="0" b="0"/>
+      </a:lnRef>
+      <a:fillRef idx="1">
+        <a:scrgbClr r="0" g="0" b="0"/>
+      </a:fillRef>
+      <a:effectRef idx="0">
+        <a:scrgbClr r="0" g="0" b="0"/>
+      </a:effectRef>
+      <a:fontRef idx="minor"/>
+    </dgm:style>
+  </dgm:styleLbl>
+  <dgm:styleLbl name="dkBgShp">
+    <dgm:scene3d>
+      <a:camera prst="orthographicFront"/>
+      <a:lightRig rig="threePt" dir="t"/>
+    </dgm:scene3d>
+    <dgm:sp3d/>
+    <dgm:txPr/>
+    <dgm:style>
+      <a:lnRef idx="0">
+        <a:scrgbClr r="0" g="0" b="0"/>
+      </a:lnRef>
+      <a:fillRef idx="1">
+        <a:scrgbClr r="0" g="0" b="0"/>
+      </a:fillRef>
+      <a:effectRef idx="0">
+        <a:scrgbClr r="0" g="0" b="0"/>
+      </a:effectRef>
+      <a:fontRef idx="minor"/>
+    </dgm:style>
+  </dgm:styleLbl>
+  <dgm:styleLbl name="trBgShp">
+    <dgm:scene3d>
+      <a:camera prst="orthographicFront"/>
+      <a:lightRig rig="threePt" dir="t"/>
+    </dgm:scene3d>
+    <dgm:sp3d/>
+    <dgm:txPr/>
+    <dgm:style>
+      <a:lnRef idx="0">
+        <a:scrgbClr r="0" g="0" b="0"/>
+      </a:lnRef>
+      <a:fillRef idx="1">
+        <a:scrgbClr r="0" g="0" b="0"/>
+      </a:fillRef>
+      <a:effectRef idx="0">
+        <a:scrgbClr r="0" g="0" b="0"/>
+      </a:effectRef>
+      <a:fontRef idx="minor"/>
+    </dgm:style>
+  </dgm:styleLbl>
+  <dgm:styleLbl name="fgShp">
+    <dgm:scene3d>
+      <a:camera prst="orthographicFront"/>
+      <a:lightRig rig="threePt" dir="t"/>
+    </dgm:scene3d>
+    <dgm:sp3d/>
+    <dgm:txPr/>
+    <dgm:style>
+      <a:lnRef idx="3">
+        <a:scrgbClr r="0" g="0" b="0"/>
+      </a:lnRef>
+      <a:fillRef idx="1">
+        <a:scrgbClr r="0" g="0" b="0"/>
+      </a:fillRef>
+      <a:effectRef idx="1">
+        <a:scrgbClr r="0" g="0" b="0"/>
+      </a:effectRef>
+      <a:fontRef idx="minor"/>
+    </dgm:style>
+  </dgm:styleLbl>
+  <dgm:styleLbl name="revTx">
+    <dgm:scene3d>
+      <a:camera prst="orthographicFront"/>
+      <a:lightRig rig="threePt" dir="t"/>
+    </dgm:scene3d>
+    <dgm:sp3d/>
+    <dgm:txPr/>
+    <dgm:style>
+      <a:lnRef idx="0">
+        <a:scrgbClr r="0" g="0" b="0"/>
+      </a:lnRef>
+      <a:fillRef idx="0">
+        <a:scrgbClr r="0" g="0" b="0"/>
+      </a:fillRef>
+      <a:effectRef idx="0">
+        <a:scrgbClr r="0" g="0" b="0"/>
+      </a:effectRef>
+      <a:fontRef idx="minor"/>
+    </dgm:style>
+  </dgm:styleLbl>
+</dgm:styleDef>
+</file>
+
 <file path=ppt/notesMasters/notesMaster1.xml><?xml version="1.0" encoding="utf-8"?>
 <p:notesMaster xmlns:a="http://schemas.openxmlformats.org/drawingml/2006/main" xmlns:r="http://schemas.openxmlformats.org/officeDocument/2006/relationships" xmlns:p="http://schemas.openxmlformats.org/presentationml/2006/main">
   <p:cSld>
@@ -271,7 +5578,7 @@
           <a:p>
             <a:fld id="{E6CC2317-6751-4CD4-9995-8782DD78E936}" type="datetimeFigureOut">
               <a:rPr lang="en-US" smtClean="0"/>
-              <a:t>5/10/2016</a:t>
+              <a:t>5/11/2016</a:t>
             </a:fld>
             <a:endParaRPr lang="en-US" dirty="0"/>
           </a:p>
@@ -3219,7 +8526,7 @@
               <a:graphicData uri="http://schemas.openxmlformats.org/presentationml/2006/ole">
                 <mc:AlternateContent xmlns:mc="http://schemas.openxmlformats.org/markup-compatibility/2006">
                   <mc:Choice xmlns:v="urn:schemas-microsoft-com:vml" Requires="v">
-                    <p:oleObj spid="_x0000_s1096" name="Image" r:id="rId8" imgW="1371600" imgH="838200" progId="Photoshop.Image.13">
+                    <p:oleObj spid="_x0000_s1172" name="Image" r:id="rId8" imgW="1371600" imgH="838200" progId="Photoshop.Image.13">
                       <p:embed/>
                     </p:oleObj>
                   </mc:Choice>
@@ -3270,7 +8577,7 @@
               <a:graphicData uri="http://schemas.openxmlformats.org/presentationml/2006/ole">
                 <mc:AlternateContent xmlns:mc="http://schemas.openxmlformats.org/markup-compatibility/2006">
                   <mc:Choice xmlns:v="urn:schemas-microsoft-com:vml" Requires="v">
-                    <p:oleObj spid="_x0000_s1097" name="Image" r:id="rId10" imgW="1371600" imgH="838200" progId="Photoshop.Image.13">
+                    <p:oleObj spid="_x0000_s1173" name="Image" r:id="rId10" imgW="1371600" imgH="838200" progId="Photoshop.Image.13">
                       <p:embed/>
                     </p:oleObj>
                   </mc:Choice>
@@ -4316,7 +9623,7 @@
             <a:graphicData uri="http://schemas.openxmlformats.org/presentationml/2006/ole">
               <mc:AlternateContent xmlns:mc="http://schemas.openxmlformats.org/markup-compatibility/2006">
                 <mc:Choice xmlns:v="urn:schemas-microsoft-com:vml" Requires="v">
-                  <p:oleObj spid="_x0000_s1098" name="Image" r:id="rId12" imgW="3429000" imgH="1266825" progId="Photoshop.Image.13">
+                  <p:oleObj spid="_x0000_s1174" name="Image" r:id="rId12" imgW="3429000" imgH="1266825" progId="Photoshop.Image.13">
                     <p:embed/>
                   </p:oleObj>
                 </mc:Choice>
@@ -4394,7 +9701,7 @@
             <a:graphicData uri="http://schemas.openxmlformats.org/presentationml/2006/ole">
               <mc:AlternateContent xmlns:mc="http://schemas.openxmlformats.org/markup-compatibility/2006">
                 <mc:Choice xmlns:v="urn:schemas-microsoft-com:vml" Requires="v">
-                  <p:oleObj spid="_x0000_s1099" name="Image" r:id="rId15" imgW="1181100" imgH="790575" progId="Photoshop.Image.13">
+                  <p:oleObj spid="_x0000_s1175" name="Image" r:id="rId15" imgW="1181100" imgH="790575" progId="Photoshop.Image.13">
                     <p:embed/>
                   </p:oleObj>
                 </mc:Choice>
@@ -5048,12 +10355,34 @@
             <p:ph type="body" sz="quarter" idx="10"/>
           </p:nvPr>
         </p:nvSpPr>
-        <p:spPr/>
+        <p:spPr>
+          <a:xfrm>
+            <a:off x="461168" y="6021371"/>
+            <a:ext cx="8921949" cy="4856692"/>
+          </a:xfrm>
+        </p:spPr>
         <p:txBody>
           <a:bodyPr/>
           <a:lstStyle/>
           <a:p>
-            <a:endParaRPr lang="en-US" dirty="0"/>
+            <a:r>
+              <a:rPr lang="en-US" sz="2800" dirty="0"/>
+              <a:t>We introduce a method for improving customer's online shopping experience by accurately predicting the relevance of search results. Given a search query, whether uniformed or arbitrary keywords, returning the most expected product title by relevance is essential for a good customer experience. The result of relevance is scaled from 1 to 3, which indicates our final prediction.</a:t>
+            </a:r>
+          </a:p>
+          <a:p>
+            <a:r>
+              <a:rPr lang="en-US" sz="2800" dirty="0"/>
+              <a:t>We choose the dataset from Home Depot. However, the model is applicable to any shop that provides the </a:t>
+            </a:r>
+            <a:r>
+              <a:rPr lang="en-US" sz="2800" dirty="0" smtClean="0"/>
+              <a:t>details </a:t>
+            </a:r>
+            <a:r>
+              <a:rPr lang="en-US" sz="2800" dirty="0"/>
+              <a:t>of their product.</a:t>
+            </a:r>
           </a:p>
         </p:txBody>
       </p:sp>
@@ -5090,18 +10419,19 @@
             <p:ph type="body" sz="quarter" idx="20"/>
           </p:nvPr>
         </p:nvSpPr>
-        <p:spPr/>
+        <p:spPr>
+          <a:xfrm>
+            <a:off x="452835" y="11197133"/>
+            <a:ext cx="8934449" cy="754045"/>
+          </a:xfrm>
+        </p:spPr>
         <p:txBody>
           <a:bodyPr/>
           <a:lstStyle/>
           <a:p>
             <a:r>
               <a:rPr lang="en-US" dirty="0" smtClean="0"/>
-              <a:t>Data </a:t>
-            </a:r>
-            <a:r>
-              <a:rPr lang="en-US" dirty="0" smtClean="0"/>
-              <a:t>Exploration</a:t>
+              <a:t>Data Exploration</a:t>
             </a:r>
             <a:endParaRPr lang="en-US" dirty="0"/>
           </a:p>
@@ -5117,12 +10447,39 @@
             <p:ph type="body" sz="quarter" idx="21"/>
           </p:nvPr>
         </p:nvSpPr>
-        <p:spPr/>
+        <p:spPr>
+          <a:xfrm>
+            <a:off x="9845676" y="6021371"/>
+            <a:ext cx="8982441" cy="2271369"/>
+          </a:xfrm>
+        </p:spPr>
         <p:txBody>
           <a:bodyPr/>
           <a:lstStyle/>
           <a:p>
-            <a:endParaRPr lang="en-US" dirty="0"/>
+            <a:r>
+              <a:rPr lang="en-US" altLang="zh-CN" sz="2800" dirty="0" smtClean="0"/>
+              <a:t>The features fed into our model fell into </a:t>
+            </a:r>
+            <a:r>
+              <a:rPr lang="en-US" altLang="zh-CN" sz="2800" dirty="0" smtClean="0"/>
+              <a:t>5 </a:t>
+            </a:r>
+            <a:r>
+              <a:rPr lang="en-US" altLang="zh-CN" sz="2800" dirty="0" smtClean="0"/>
+              <a:t>categories, they are: attribute features, word matching features, lengths and ratios, </a:t>
+            </a:r>
+            <a:r>
+              <a:rPr lang="en-US" altLang="zh-CN" sz="2800" dirty="0" err="1" smtClean="0"/>
+              <a:t>tf-idf</a:t>
+            </a:r>
+            <a:r>
+              <a:rPr lang="en-US" altLang="zh-CN" sz="2800" dirty="0" smtClean="0"/>
+              <a:t> similarity, and word2Vec cosine distance.</a:t>
+            </a:r>
+          </a:p>
+          <a:p>
+            <a:endParaRPr lang="en-US" sz="2800" dirty="0"/>
           </a:p>
         </p:txBody>
       </p:sp>
@@ -5143,7 +10500,11 @@
           <a:p>
             <a:r>
               <a:rPr lang="en-US" altLang="zh-CN" dirty="0" smtClean="0"/>
-              <a:t>Feature Extraction and </a:t>
+              <a:t>Feature </a:t>
+            </a:r>
+            <a:r>
+              <a:rPr lang="en-US" altLang="zh-CN" dirty="0" smtClean="0"/>
+              <a:t>Engineering and Learning </a:t>
             </a:r>
             <a:r>
               <a:rPr lang="en-US" dirty="0" smtClean="0"/>
@@ -5153,25 +10514,336 @@
           </a:p>
         </p:txBody>
       </p:sp>
-      <p:sp>
-        <p:nvSpPr>
-          <p:cNvPr id="9" name="Text Placeholder 8"/>
-          <p:cNvSpPr>
-            <a:spLocks noGrp="1"/>
-          </p:cNvSpPr>
-          <p:nvPr>
-            <p:ph type="body" sz="quarter" idx="23"/>
-          </p:nvPr>
-        </p:nvSpPr>
-        <p:spPr/>
-        <p:txBody>
-          <a:bodyPr/>
-          <a:lstStyle/>
-          <a:p>
-            <a:endParaRPr lang="en-US"/>
-          </a:p>
-        </p:txBody>
-      </p:sp>
+      <mc:AlternateContent xmlns:mc="http://schemas.openxmlformats.org/markup-compatibility/2006">
+        <mc:Choice xmlns:a14="http://schemas.microsoft.com/office/drawing/2010/main" Requires="a14">
+          <p:sp>
+            <p:nvSpPr>
+              <p:cNvPr id="9" name="Text Placeholder 8"/>
+              <p:cNvSpPr>
+                <a:spLocks noGrp="1"/>
+              </p:cNvSpPr>
+              <p:nvPr>
+                <p:ph type="body" sz="quarter" idx="23"/>
+              </p:nvPr>
+            </p:nvSpPr>
+            <p:spPr>
+              <a:xfrm>
+                <a:off x="9845676" y="19448481"/>
+                <a:ext cx="18744009" cy="12356117"/>
+              </a:xfrm>
+            </p:spPr>
+            <p:txBody>
+              <a:bodyPr/>
+              <a:lstStyle/>
+              <a:p>
+                <a:r>
+                  <a:rPr lang="en-US" sz="2800" dirty="0" smtClean="0"/>
+                  <a:t>For each id in the test set, our relevance prediction is a real number in [1,3]. For those values that exceed this range, we reset them to the closest bound (e.g. 1 or 3).</a:t>
+                </a:r>
+              </a:p>
+              <a:p>
+                <a:r>
+                  <a:rPr lang="en-US" sz="2800" dirty="0" smtClean="0"/>
+                  <a:t>Those results are evaluated by Root Mean Squared Error (RMSE), which is very common and an excellent general purpose error metric for continuous numerical predictions. RMSE amplifies and severely punishes large errors.</a:t>
+                </a:r>
+              </a:p>
+              <a:p>
+                <a:pPr/>
+                <a14:m>
+                  <m:oMathPara xmlns:m="http://schemas.openxmlformats.org/officeDocument/2006/math">
+                    <m:oMathParaPr>
+                      <m:jc m:val="centerGroup"/>
+                    </m:oMathParaPr>
+                    <m:oMath xmlns:m="http://schemas.openxmlformats.org/officeDocument/2006/math">
+                      <m:r>
+                        <a:rPr lang="en-US" sz="2800" b="0" i="1" smtClean="0">
+                          <a:latin typeface="Cambria Math"/>
+                        </a:rPr>
+                        <m:t>𝑅𝑀𝑆𝐸</m:t>
+                      </m:r>
+                      <m:r>
+                        <a:rPr lang="en-US" sz="2800" b="0" i="1" smtClean="0">
+                          <a:latin typeface="Cambria Math"/>
+                        </a:rPr>
+                        <m:t>=</m:t>
+                      </m:r>
+                      <m:rad>
+                        <m:radPr>
+                          <m:degHide m:val="on"/>
+                          <m:ctrlPr>
+                            <a:rPr lang="en-US" sz="2800" i="1" smtClean="0">
+                              <a:latin typeface="Cambria Math" panose="02040503050406030204" pitchFamily="18" charset="0"/>
+                            </a:rPr>
+                          </m:ctrlPr>
+                        </m:radPr>
+                        <m:deg/>
+                        <m:e>
+                          <m:f>
+                            <m:fPr>
+                              <m:ctrlPr>
+                                <a:rPr lang="en-US" sz="2800" i="1" smtClean="0">
+                                  <a:latin typeface="Cambria Math" panose="02040503050406030204" pitchFamily="18" charset="0"/>
+                                </a:rPr>
+                              </m:ctrlPr>
+                            </m:fPr>
+                            <m:num>
+                              <m:r>
+                                <a:rPr lang="en-US" sz="2800" b="0" i="1" smtClean="0">
+                                  <a:latin typeface="Cambria Math"/>
+                                </a:rPr>
+                                <m:t>1</m:t>
+                              </m:r>
+                            </m:num>
+                            <m:den>
+                              <m:r>
+                                <a:rPr lang="en-US" sz="2800" b="0" i="1" smtClean="0">
+                                  <a:latin typeface="Cambria Math"/>
+                                </a:rPr>
+                                <m:t>𝑛</m:t>
+                              </m:r>
+                            </m:den>
+                          </m:f>
+                          <m:nary>
+                            <m:naryPr>
+                              <m:chr m:val="∑"/>
+                              <m:ctrlPr>
+                                <a:rPr lang="en-US" sz="2800" i="1" smtClean="0">
+                                  <a:latin typeface="Cambria Math" panose="02040503050406030204" pitchFamily="18" charset="0"/>
+                                </a:rPr>
+                              </m:ctrlPr>
+                            </m:naryPr>
+                            <m:sub>
+                              <m:r>
+                                <m:rPr>
+                                  <m:brk m:alnAt="23"/>
+                                </m:rPr>
+                                <a:rPr lang="en-US" sz="2800" b="0" i="1" smtClean="0">
+                                  <a:latin typeface="Cambria Math"/>
+                                </a:rPr>
+                                <m:t>𝑖</m:t>
+                              </m:r>
+                              <m:r>
+                                <a:rPr lang="en-US" sz="2800" b="0" i="1" smtClean="0">
+                                  <a:latin typeface="Cambria Math"/>
+                                </a:rPr>
+                                <m:t>=1</m:t>
+                              </m:r>
+                            </m:sub>
+                            <m:sup>
+                              <m:r>
+                                <a:rPr lang="en-US" sz="2800" b="0" i="1" smtClean="0">
+                                  <a:latin typeface="Cambria Math"/>
+                                </a:rPr>
+                                <m:t>𝑛</m:t>
+                              </m:r>
+                            </m:sup>
+                            <m:e>
+                              <m:sSup>
+                                <m:sSupPr>
+                                  <m:ctrlPr>
+                                    <a:rPr lang="en-US" sz="2800" i="1" smtClean="0">
+                                      <a:latin typeface="Cambria Math" panose="02040503050406030204" pitchFamily="18" charset="0"/>
+                                    </a:rPr>
+                                  </m:ctrlPr>
+                                </m:sSupPr>
+                                <m:e>
+                                  <m:d>
+                                    <m:dPr>
+                                      <m:ctrlPr>
+                                        <a:rPr lang="en-US" sz="2800" i="1">
+                                          <a:latin typeface="Cambria Math" panose="02040503050406030204" pitchFamily="18" charset="0"/>
+                                        </a:rPr>
+                                      </m:ctrlPr>
+                                    </m:dPr>
+                                    <m:e>
+                                      <m:sSub>
+                                        <m:sSubPr>
+                                          <m:ctrlPr>
+                                            <a:rPr lang="en-US" sz="2800" i="1">
+                                              <a:latin typeface="Cambria Math" panose="02040503050406030204" pitchFamily="18" charset="0"/>
+                                            </a:rPr>
+                                          </m:ctrlPr>
+                                        </m:sSubPr>
+                                        <m:e>
+                                          <m:r>
+                                            <a:rPr lang="en-US" sz="2800" i="1">
+                                              <a:latin typeface="Cambria Math"/>
+                                            </a:rPr>
+                                            <m:t>𝑦</m:t>
+                                          </m:r>
+                                        </m:e>
+                                        <m:sub>
+                                          <m:r>
+                                            <a:rPr lang="en-US" sz="2800" i="1">
+                                              <a:latin typeface="Cambria Math"/>
+                                            </a:rPr>
+                                            <m:t>𝑖</m:t>
+                                          </m:r>
+                                        </m:sub>
+                                      </m:sSub>
+                                      <m:r>
+                                        <a:rPr lang="en-US" sz="2800" i="1">
+                                          <a:latin typeface="Cambria Math"/>
+                                        </a:rPr>
+                                        <m:t>−</m:t>
+                                      </m:r>
+                                      <m:sSub>
+                                        <m:sSubPr>
+                                          <m:ctrlPr>
+                                            <a:rPr lang="en-US" sz="2800" i="1">
+                                              <a:latin typeface="Cambria Math" panose="02040503050406030204" pitchFamily="18" charset="0"/>
+                                            </a:rPr>
+                                          </m:ctrlPr>
+                                        </m:sSubPr>
+                                        <m:e>
+                                          <m:acc>
+                                            <m:accPr>
+                                              <m:chr m:val="̂"/>
+                                              <m:ctrlPr>
+                                                <a:rPr lang="en-US" sz="2800" i="1">
+                                                  <a:latin typeface="Cambria Math" panose="02040503050406030204" pitchFamily="18" charset="0"/>
+                                                </a:rPr>
+                                              </m:ctrlPr>
+                                            </m:accPr>
+                                            <m:e>
+                                              <m:r>
+                                                <a:rPr lang="en-US" sz="2800" i="1">
+                                                  <a:latin typeface="Cambria Math"/>
+                                                </a:rPr>
+                                                <m:t>𝑦</m:t>
+                                              </m:r>
+                                            </m:e>
+                                          </m:acc>
+                                        </m:e>
+                                        <m:sub>
+                                          <m:r>
+                                            <a:rPr lang="en-US" sz="2800" i="1">
+                                              <a:latin typeface="Cambria Math"/>
+                                            </a:rPr>
+                                            <m:t>𝑖</m:t>
+                                          </m:r>
+                                        </m:sub>
+                                      </m:sSub>
+                                    </m:e>
+                                  </m:d>
+                                </m:e>
+                                <m:sup>
+                                  <m:r>
+                                    <a:rPr lang="en-US" sz="2800" b="0" i="1" smtClean="0">
+                                      <a:latin typeface="Cambria Math"/>
+                                    </a:rPr>
+                                    <m:t>2</m:t>
+                                  </m:r>
+                                </m:sup>
+                              </m:sSup>
+                            </m:e>
+                          </m:nary>
+                        </m:e>
+                      </m:rad>
+                    </m:oMath>
+                  </m:oMathPara>
+                </a14:m>
+                <a:endParaRPr lang="en-US" sz="2800" dirty="0" smtClean="0"/>
+              </a:p>
+              <a:p>
+                <a:endParaRPr lang="en-US" sz="2800" dirty="0"/>
+              </a:p>
+              <a:p>
+                <a:endParaRPr lang="en-US" sz="2800" dirty="0" smtClean="0"/>
+              </a:p>
+              <a:p>
+                <a:endParaRPr lang="en-US" sz="2800" dirty="0"/>
+              </a:p>
+              <a:p>
+                <a:endParaRPr lang="en-US" sz="2800" dirty="0" smtClean="0"/>
+              </a:p>
+              <a:p>
+                <a:endParaRPr lang="en-US" sz="2800" dirty="0"/>
+              </a:p>
+              <a:p>
+                <a:endParaRPr lang="en-US" sz="2800" dirty="0" smtClean="0"/>
+              </a:p>
+              <a:p>
+                <a:endParaRPr lang="en-US" sz="2800" dirty="0"/>
+              </a:p>
+              <a:p>
+                <a:endParaRPr lang="en-US" sz="2800" dirty="0" smtClean="0"/>
+              </a:p>
+              <a:p>
+                <a:endParaRPr lang="en-US" sz="2800" dirty="0"/>
+              </a:p>
+              <a:p>
+                <a:endParaRPr lang="en-US" sz="2800" dirty="0" smtClean="0"/>
+              </a:p>
+              <a:p>
+                <a:endParaRPr lang="en-US" sz="2800" dirty="0" smtClean="0"/>
+              </a:p>
+              <a:p>
+                <a:r>
+                  <a:rPr lang="en-US" sz="2600" dirty="0" smtClean="0"/>
+                  <a:t>In models comparison, there are three types of error: Cross-validation, public (on 30% of the test data), private (on complete test data). </a:t>
+                </a:r>
+                <a:r>
+                  <a:rPr lang="en-US" sz="2800" dirty="0" smtClean="0"/>
+                  <a:t>From the chart, we can see that Feature Union model stands out from others. It is a combination model of Random Forest</a:t>
+                </a:r>
+                <a:r>
+                  <a:rPr lang="en-US" sz="2800" dirty="0" smtClean="0"/>
+                  <a:t>, and weighted TFIDF+SVD text features. </a:t>
+                </a:r>
+                <a:r>
+                  <a:rPr lang="en-US" sz="2800" dirty="0" smtClean="0"/>
+                  <a:t>The taking time of those models are close. </a:t>
+                </a:r>
+              </a:p>
+              <a:p>
+                <a:r>
+                  <a:rPr lang="en-US" sz="2800" dirty="0" smtClean="0"/>
+                  <a:t>To show our experiments in extracting features, we also compared the results by different features. The best result is when we add brand and material together with basic features after typo correction, which gives us 0.4669. The results support our acknowledge that features should be chosen wisely, not as more as possible. </a:t>
+                </a:r>
+                <a:endParaRPr lang="en-US" sz="2800" dirty="0"/>
+              </a:p>
+            </p:txBody>
+          </p:sp>
+        </mc:Choice>
+        <mc:Fallback>
+          <p:sp>
+            <p:nvSpPr>
+              <p:cNvPr id="9" name="Text Placeholder 8"/>
+              <p:cNvSpPr>
+                <a:spLocks noGrp="1" noRot="1" noChangeAspect="1" noMove="1" noResize="1" noEditPoints="1" noAdjustHandles="1" noChangeArrowheads="1" noChangeShapeType="1" noTextEdit="1"/>
+              </p:cNvSpPr>
+              <p:nvPr>
+                <p:ph type="body" sz="quarter" idx="23"/>
+              </p:nvPr>
+            </p:nvSpPr>
+            <p:spPr>
+              <a:xfrm>
+                <a:off x="9845676" y="19448481"/>
+                <a:ext cx="18744009" cy="12356117"/>
+              </a:xfrm>
+              <a:blipFill rotWithShape="0">
+                <a:blip r:embed="rId3"/>
+                <a:stretch>
+                  <a:fillRect/>
+                </a:stretch>
+              </a:blipFill>
+            </p:spPr>
+            <p:txBody>
+              <a:bodyPr/>
+              <a:lstStyle/>
+              <a:p>
+                <a:r>
+                  <a:rPr lang="en-US">
+                    <a:noFill/>
+                  </a:rPr>
+                  <a:t> </a:t>
+                </a:r>
+              </a:p>
+            </p:txBody>
+          </p:sp>
+        </mc:Fallback>
+      </mc:AlternateContent>
       <p:sp>
         <p:nvSpPr>
           <p:cNvPr id="10" name="Text Placeholder 9"/>
@@ -5182,7 +10854,12 @@
             <p:ph type="body" sz="quarter" idx="24"/>
           </p:nvPr>
         </p:nvSpPr>
-        <p:spPr/>
+        <p:spPr>
+          <a:xfrm>
+            <a:off x="9821214" y="18751587"/>
+            <a:ext cx="18744009" cy="754045"/>
+          </a:xfrm>
+        </p:spPr>
         <p:txBody>
           <a:bodyPr/>
           <a:lstStyle/>
@@ -5243,14 +10920,27 @@
             <p:ph type="body" sz="quarter" idx="27"/>
           </p:nvPr>
         </p:nvSpPr>
-        <p:spPr/>
+        <p:spPr>
+          <a:xfrm>
+            <a:off x="29036961" y="14257359"/>
+            <a:ext cx="8926116" cy="754045"/>
+          </a:xfrm>
+        </p:spPr>
         <p:txBody>
           <a:bodyPr/>
           <a:lstStyle/>
           <a:p>
             <a:r>
+              <a:rPr lang="en-US" dirty="0" err="1"/>
+              <a:t>Kaggle</a:t>
+            </a:r>
+            <a:r>
+              <a:rPr lang="en-US" dirty="0"/>
+              <a:t> Competition </a:t>
+            </a:r>
+            <a:r>
               <a:rPr lang="en-US" dirty="0" smtClean="0"/>
-              <a:t>Reference</a:t>
+              <a:t>Rank</a:t>
             </a:r>
             <a:endParaRPr lang="en-US" dirty="0"/>
           </a:p>
@@ -5266,12 +10956,83 @@
             <p:ph type="body" sz="quarter" idx="28"/>
           </p:nvPr>
         </p:nvSpPr>
-        <p:spPr/>
+        <p:spPr>
+          <a:xfrm>
+            <a:off x="29036960" y="15011403"/>
+            <a:ext cx="8926116" cy="9617995"/>
+          </a:xfrm>
+        </p:spPr>
         <p:txBody>
           <a:bodyPr/>
           <a:lstStyle/>
           <a:p>
-            <a:endParaRPr lang="en-US"/>
+            <a:endParaRPr lang="en-US" dirty="0"/>
+          </a:p>
+          <a:p>
+            <a:endParaRPr lang="en-US" dirty="0"/>
+          </a:p>
+          <a:p>
+            <a:endParaRPr lang="en-US" dirty="0"/>
+          </a:p>
+          <a:p>
+            <a:endParaRPr lang="en-US" dirty="0"/>
+          </a:p>
+          <a:p>
+            <a:endParaRPr lang="en-US" dirty="0"/>
+          </a:p>
+          <a:p>
+            <a:endParaRPr lang="en-US" dirty="0"/>
+          </a:p>
+          <a:p>
+            <a:endParaRPr lang="en-US" dirty="0"/>
+          </a:p>
+          <a:p>
+            <a:endParaRPr lang="en-US" dirty="0"/>
+          </a:p>
+          <a:p>
+            <a:endParaRPr lang="en-US" dirty="0"/>
+          </a:p>
+          <a:p>
+            <a:endParaRPr lang="en-US" dirty="0"/>
+          </a:p>
+          <a:p>
+            <a:endParaRPr lang="en-US" dirty="0"/>
+          </a:p>
+          <a:p>
+            <a:endParaRPr lang="en-US" dirty="0"/>
+          </a:p>
+          <a:p>
+            <a:endParaRPr lang="en-US" dirty="0"/>
+          </a:p>
+          <a:p>
+            <a:endParaRPr lang="en-US" dirty="0"/>
+          </a:p>
+          <a:p>
+            <a:endParaRPr lang="en-US" dirty="0"/>
+          </a:p>
+          <a:p>
+            <a:endParaRPr lang="en-US" dirty="0"/>
+          </a:p>
+          <a:p>
+            <a:r>
+              <a:rPr lang="en-US" dirty="0"/>
+              <a:t>Top1 Result:       0.43192</a:t>
+            </a:r>
+          </a:p>
+          <a:p>
+            <a:r>
+              <a:rPr lang="en-US" dirty="0"/>
+              <a:t>Our best Result: 0.466905 </a:t>
+            </a:r>
+          </a:p>
+          <a:p>
+            <a:r>
+              <a:rPr lang="en-US" dirty="0"/>
+              <a:t>Rank:          246/2125</a:t>
+            </a:r>
+          </a:p>
+          <a:p>
+            <a:endParaRPr lang="en-US" dirty="0"/>
           </a:p>
         </p:txBody>
       </p:sp>
@@ -5334,8 +11095,8 @@
         </p:nvSpPr>
         <p:spPr>
           <a:xfrm>
-            <a:off x="461168" y="14951553"/>
-            <a:ext cx="8926116" cy="14388532"/>
+            <a:off x="461168" y="11836878"/>
+            <a:ext cx="8926116" cy="16903067"/>
           </a:xfrm>
         </p:spPr>
         <p:txBody>
@@ -5343,14 +11104,14 @@
           <a:lstStyle/>
           <a:p>
             <a:r>
-              <a:rPr lang="en-US" dirty="0"/>
+              <a:rPr lang="en-US" sz="2800" dirty="0"/>
               <a:t>Data are generally provided by Home Depot from Kaggle platform, which including product information, search term, and tagged relevance scores. Basically, we need to predict the relarent between search term and product information which consist of product title, product description, product attributes</a:t>
             </a:r>
             <a:r>
-              <a:rPr lang="en-US" dirty="0" smtClean="0"/>
+              <a:rPr lang="en-US" sz="2800" dirty="0" smtClean="0"/>
               <a:t>. </a:t>
             </a:r>
-            <a:endParaRPr lang="en-US" dirty="0"/>
+            <a:endParaRPr lang="en-US" sz="2800" dirty="0"/>
           </a:p>
           <a:p>
             <a:endParaRPr lang="en-US" dirty="0"/>
@@ -5371,12 +11132,15 @@
             <a:endParaRPr lang="en-US" dirty="0"/>
           </a:p>
           <a:p>
+            <a:endParaRPr lang="en-US" sz="2800" dirty="0" smtClean="0"/>
+          </a:p>
+          <a:p>
             <a:r>
-              <a:rPr lang="en-US" dirty="0" smtClean="0"/>
+              <a:rPr lang="en-US" sz="2800" dirty="0" smtClean="0"/>
               <a:t>First </a:t>
             </a:r>
             <a:r>
-              <a:rPr lang="en-US" dirty="0"/>
+              <a:rPr lang="en-US" sz="2800" dirty="0"/>
               <a:t>of all, we try to explore the relationship between product title and search term. We found higher relevant product would have higher Jaccard similarity between product title and search term, which turn out a fundation for our prediction.</a:t>
             </a:r>
           </a:p>
@@ -5405,28 +11169,31 @@
             <a:endParaRPr lang="en-US" dirty="0"/>
           </a:p>
           <a:p>
+            <a:endParaRPr lang="en-US" sz="2800" dirty="0" smtClean="0"/>
+          </a:p>
+          <a:p>
             <a:r>
-              <a:rPr lang="en-US" dirty="0" smtClean="0"/>
+              <a:rPr lang="en-US" sz="2800" dirty="0" smtClean="0"/>
               <a:t>For </a:t>
             </a:r>
             <a:r>
-              <a:rPr lang="en-US" dirty="0"/>
+              <a:rPr lang="en-US" sz="2800" dirty="0"/>
               <a:t>product attributes</a:t>
             </a:r>
             <a:r>
-              <a:rPr lang="en-US" dirty="0" smtClean="0"/>
+              <a:rPr lang="en-US" sz="2800" dirty="0" smtClean="0"/>
               <a:t>, there are 2044648 rows, and 86263 unique product. There </a:t>
             </a:r>
             <a:r>
-              <a:rPr lang="en-US" dirty="0"/>
+              <a:rPr lang="en-US" sz="2800" dirty="0"/>
               <a:t>are more than 5,000 kinds of categories, then we check out some top </a:t>
             </a:r>
             <a:r>
-              <a:rPr lang="en-US" dirty="0" smtClean="0"/>
+              <a:rPr lang="en-US" sz="2800" dirty="0" smtClean="0"/>
               <a:t>categories and the top frequency for color family </a:t>
             </a:r>
             <a:r>
-              <a:rPr lang="en-US" dirty="0"/>
+              <a:rPr lang="en-US" sz="2800" dirty="0"/>
               <a:t>as following: </a:t>
             </a:r>
           </a:p>
@@ -5457,14 +11224,37 @@
             <p:ph type="body" sz="quarter" idx="150"/>
           </p:nvPr>
         </p:nvSpPr>
-        <p:spPr/>
+        <p:spPr>
+          <a:xfrm>
+            <a:off x="4993750" y="1785731"/>
+            <a:ext cx="28096099" cy="1280160"/>
+          </a:xfrm>
+        </p:spPr>
         <p:txBody>
-          <a:bodyPr/>
+          <a:bodyPr>
+            <a:noAutofit/>
+          </a:bodyPr>
           <a:lstStyle/>
           <a:p>
             <a:r>
+              <a:rPr lang="en-US" dirty="0" smtClean="0"/>
+              <a:t>Yuanbin Wang        </a:t>
+            </a:r>
+            <a:r>
               <a:rPr lang="en-US" dirty="0" err="1" smtClean="0"/>
-              <a:t>GentlemenGaga</a:t>
+              <a:t>Mengdi</a:t>
+            </a:r>
+            <a:r>
+              <a:rPr lang="en-US" dirty="0" smtClean="0"/>
+              <a:t> Wang       Han </a:t>
+            </a:r>
+            <a:r>
+              <a:rPr lang="en-US" dirty="0" err="1" smtClean="0"/>
+              <a:t>Gan</a:t>
+            </a:r>
+            <a:r>
+              <a:rPr lang="en-US" dirty="0" smtClean="0"/>
+              <a:t>    </a:t>
             </a:r>
             <a:endParaRPr lang="en-US" dirty="0"/>
           </a:p>
@@ -5487,7 +11277,7 @@
           <a:p>
             <a:r>
               <a:rPr lang="en-US" dirty="0" smtClean="0"/>
-              <a:t>NYU</a:t>
+              <a:t>New York University</a:t>
             </a:r>
             <a:endParaRPr lang="en-US" dirty="0"/>
           </a:p>
@@ -5527,15 +11317,15 @@
           <p:nvPr/>
         </p:nvPicPr>
         <p:blipFill>
-          <a:blip r:embed="rId3"/>
+          <a:blip r:embed="rId4"/>
           <a:stretch>
             <a:fillRect/>
           </a:stretch>
         </p:blipFill>
         <p:spPr>
           <a:xfrm>
-            <a:off x="4920059" y="17138722"/>
-            <a:ext cx="3657600" cy="2743200"/>
+            <a:off x="4920058" y="14909871"/>
+            <a:ext cx="3862135" cy="2896601"/>
           </a:xfrm>
           <a:prstGeom prst="rect">
             <a:avLst/>
@@ -5551,15 +11341,15 @@
           <p:nvPr/>
         </p:nvPicPr>
         <p:blipFill>
-          <a:blip r:embed="rId4"/>
+          <a:blip r:embed="rId5"/>
           <a:stretch>
             <a:fillRect/>
           </a:stretch>
         </p:blipFill>
         <p:spPr>
           <a:xfrm>
-            <a:off x="1994919" y="21403242"/>
-            <a:ext cx="5486400" cy="3657600"/>
+            <a:off x="1632620" y="20191432"/>
+            <a:ext cx="6148956" cy="4099304"/>
           </a:xfrm>
           <a:prstGeom prst="rect">
             <a:avLst/>
@@ -5575,7 +11365,7 @@
           <p:nvPr/>
         </p:nvPicPr>
         <p:blipFill>
-          <a:blip r:embed="rId5">
+          <a:blip r:embed="rId6">
             <a:extLst>
               <a:ext uri="{28A0092B-C50C-407E-A947-70E740481C1C}">
                 <a14:useLocalDpi xmlns:a14="http://schemas.microsoft.com/office/drawing/2010/main" val="0"/>
@@ -5588,8 +11378,8 @@
         </p:blipFill>
         <p:spPr>
           <a:xfrm>
-            <a:off x="875955" y="17138702"/>
-            <a:ext cx="3657627" cy="2743220"/>
+            <a:off x="844934" y="14909850"/>
+            <a:ext cx="3862164" cy="2896623"/>
           </a:xfrm>
           <a:prstGeom prst="rect">
             <a:avLst/>
@@ -5605,14 +11395,14 @@
           <p:nvPr>
             <p:extLst>
               <p:ext uri="{D42A27DB-BD31-4B8C-83A1-F6EECF244321}">
-                <p14:modId xmlns:p14="http://schemas.microsoft.com/office/powerpoint/2010/main" val="1988990211"/>
+                <p14:modId xmlns:p14="http://schemas.microsoft.com/office/powerpoint/2010/main" val="3849751170"/>
               </p:ext>
             </p:extLst>
           </p:nvPr>
         </p:nvGraphicFramePr>
         <p:xfrm>
-          <a:off x="939681" y="26736755"/>
-          <a:ext cx="3767417" cy="5130165"/>
+          <a:off x="844935" y="26279555"/>
+          <a:ext cx="3862164" cy="5281910"/>
         </p:xfrm>
         <a:graphic>
           <a:graphicData uri="http://schemas.openxmlformats.org/drawingml/2006/table">
@@ -5621,10 +11411,10 @@
                 <a:tableStyleId>{7DF18680-E054-41AD-8BC1-D1AEF772440D}</a:tableStyleId>
               </a:tblPr>
               <a:tblGrid>
-                <a:gridCol w="1866428"/>
-                <a:gridCol w="1900989"/>
+                <a:gridCol w="1913367"/>
+                <a:gridCol w="1948797"/>
               </a:tblGrid>
-              <a:tr h="0">
+              <a:tr h="718671">
                 <a:tc>
                   <a:txBody>
                     <a:bodyPr/>
@@ -5632,21 +11422,21 @@
                     <a:p>
                       <a:pPr algn="ctr"/>
                       <a:r>
-                        <a:rPr lang="en-US" sz="2000" dirty="0" smtClean="0"/>
+                        <a:rPr lang="en-US" sz="2100" dirty="0" smtClean="0"/>
                         <a:t>Attribute</a:t>
                       </a:r>
                       <a:r>
-                        <a:rPr lang="en-US" sz="2000" baseline="0" dirty="0" smtClean="0"/>
+                        <a:rPr lang="en-US" sz="2100" baseline="0" dirty="0" smtClean="0"/>
                         <a:t> </a:t>
                       </a:r>
                       <a:r>
-                        <a:rPr lang="en-US" sz="2000" dirty="0" smtClean="0"/>
+                        <a:rPr lang="en-US" sz="2100" dirty="0" smtClean="0"/>
                         <a:t>Name</a:t>
                       </a:r>
-                      <a:endParaRPr lang="en-US" sz="2000" dirty="0"/>
+                      <a:endParaRPr lang="en-US" sz="2100" dirty="0"/>
                     </a:p>
                   </a:txBody>
-                  <a:tcPr anchor="ctr"/>
+                  <a:tcPr marL="93740" marR="93740" marT="46870" marB="46870" anchor="ctr"/>
                 </a:tc>
                 <a:tc>
                   <a:txBody>
@@ -5655,7 +11445,7 @@
                     <a:p>
                       <a:pPr algn="ctr"/>
                       <a:r>
-                        <a:rPr lang="en-US" sz="2000" b="1" kern="1200" dirty="0" smtClean="0">
+                        <a:rPr lang="en-US" sz="2100" b="1" kern="1200" dirty="0" smtClean="0">
                           <a:solidFill>
                             <a:schemeClr val="lt1"/>
                           </a:solidFill>
@@ -5666,27 +11456,27 @@
                         <a:t>Percent</a:t>
                       </a:r>
                       <a:r>
-                        <a:rPr lang="en-US" sz="2000" dirty="0" smtClean="0"/>
+                        <a:rPr lang="en-US" sz="2100" dirty="0" smtClean="0"/>
                         <a:t> of</a:t>
                       </a:r>
                     </a:p>
                     <a:p>
                       <a:pPr algn="ctr"/>
                       <a:r>
-                        <a:rPr lang="en-US" sz="2000" baseline="0" dirty="0" smtClean="0"/>
+                        <a:rPr lang="en-US" sz="2100" baseline="0" dirty="0" smtClean="0"/>
                         <a:t> </a:t>
                       </a:r>
                       <a:r>
-                        <a:rPr lang="en-US" sz="2000" dirty="0" smtClean="0"/>
+                        <a:rPr lang="en-US" sz="2100" dirty="0" smtClean="0"/>
                         <a:t>Product</a:t>
                       </a:r>
-                      <a:endParaRPr lang="en-US" sz="2000" dirty="0"/>
+                      <a:endParaRPr lang="en-US" sz="2100" dirty="0"/>
                     </a:p>
                   </a:txBody>
-                  <a:tcPr anchor="ctr"/>
+                  <a:tcPr marL="93740" marR="93740" marT="46870" marB="46870" anchor="ctr"/>
                 </a:tc>
               </a:tr>
-              <a:tr h="0">
+              <a:tr h="374959">
                 <a:tc>
                   <a:txBody>
                     <a:bodyPr/>
@@ -5706,7 +11496,7 @@
                       </a:r>
                     </a:p>
                   </a:txBody>
-                  <a:tcPr anchor="ctr"/>
+                  <a:tcPr marL="93740" marR="93740" marT="46870" marB="46870" anchor="ctr"/>
                 </a:tc>
                 <a:tc>
                   <a:txBody>
@@ -5715,7 +11505,7 @@
                     <a:p>
                       <a:pPr marL="0" algn="ctr" defTabSz="4388485" rtl="0" eaLnBrk="1" fontAlgn="b" latinLnBrk="0" hangingPunct="1"/>
                       <a:r>
-                        <a:rPr lang="en-US" sz="2000" kern="1200" dirty="0">
+                        <a:rPr lang="en-US" sz="2100" kern="1200" dirty="0">
                           <a:solidFill>
                             <a:schemeClr val="dk1"/>
                           </a:solidFill>
@@ -5727,10 +11517,10 @@
                       </a:r>
                     </a:p>
                   </a:txBody>
-                  <a:tcPr marL="9525" marR="9525" marT="9525" marB="0" anchor="b"/>
+                  <a:tcPr marL="9765" marR="9765" marT="9765" marB="0" anchor="b"/>
                 </a:tc>
               </a:tr>
-              <a:tr h="0">
+              <a:tr h="374959">
                 <a:tc>
                   <a:txBody>
                     <a:bodyPr/>
@@ -5758,7 +11548,7 @@
                       </a:endParaRPr>
                     </a:p>
                   </a:txBody>
-                  <a:tcPr anchor="ctr"/>
+                  <a:tcPr marL="93740" marR="93740" marT="46870" marB="46870" anchor="ctr"/>
                 </a:tc>
                 <a:tc>
                   <a:txBody>
@@ -5767,7 +11557,7 @@
                     <a:p>
                       <a:pPr marL="0" algn="ctr" defTabSz="4388485" rtl="0" eaLnBrk="1" fontAlgn="b" latinLnBrk="0" hangingPunct="1"/>
                       <a:r>
-                        <a:rPr lang="en-US" sz="2000" kern="1200">
+                        <a:rPr lang="en-US" sz="2100" kern="1200">
                           <a:solidFill>
                             <a:schemeClr val="dk1"/>
                           </a:solidFill>
@@ -5779,10 +11569,10 @@
                       </a:r>
                     </a:p>
                   </a:txBody>
-                  <a:tcPr marL="9525" marR="9525" marT="9525" marB="0" anchor="b"/>
+                  <a:tcPr marL="9765" marR="9765" marT="9765" marB="0" anchor="b"/>
                 </a:tc>
               </a:tr>
-              <a:tr h="0">
+              <a:tr h="374959">
                 <a:tc>
                   <a:txBody>
                     <a:bodyPr/>
@@ -5810,7 +11600,7 @@
                       </a:endParaRPr>
                     </a:p>
                   </a:txBody>
-                  <a:tcPr anchor="ctr"/>
+                  <a:tcPr marL="93740" marR="93740" marT="46870" marB="46870" anchor="ctr"/>
                 </a:tc>
                 <a:tc>
                   <a:txBody>
@@ -5819,7 +11609,7 @@
                     <a:p>
                       <a:pPr marL="0" algn="ctr" defTabSz="4388485" rtl="0" eaLnBrk="1" fontAlgn="b" latinLnBrk="0" hangingPunct="1"/>
                       <a:r>
-                        <a:rPr lang="en-US" sz="2000" kern="1200" dirty="0">
+                        <a:rPr lang="en-US" sz="2100" kern="1200" dirty="0">
                           <a:solidFill>
                             <a:schemeClr val="dk1"/>
                           </a:solidFill>
@@ -5831,10 +11621,10 @@
                       </a:r>
                     </a:p>
                   </a:txBody>
-                  <a:tcPr marL="9525" marR="9525" marT="9525" marB="0" anchor="b"/>
+                  <a:tcPr marL="9765" marR="9765" marT="9765" marB="0" anchor="b"/>
                 </a:tc>
               </a:tr>
-              <a:tr h="0">
+              <a:tr h="374959">
                 <a:tc>
                   <a:txBody>
                     <a:bodyPr/>
@@ -5862,7 +11652,7 @@
                       </a:endParaRPr>
                     </a:p>
                   </a:txBody>
-                  <a:tcPr anchor="ctr"/>
+                  <a:tcPr marL="93740" marR="93740" marT="46870" marB="46870" anchor="ctr"/>
                 </a:tc>
                 <a:tc>
                   <a:txBody>
@@ -5871,7 +11661,7 @@
                     <a:p>
                       <a:pPr marL="0" algn="ctr" defTabSz="4388485" rtl="0" eaLnBrk="1" fontAlgn="b" latinLnBrk="0" hangingPunct="1"/>
                       <a:r>
-                        <a:rPr lang="en-US" sz="2000" kern="1200" dirty="0">
+                        <a:rPr lang="en-US" sz="2100" kern="1200" dirty="0">
                           <a:solidFill>
                             <a:schemeClr val="dk1"/>
                           </a:solidFill>
@@ -5883,10 +11673,10 @@
                       </a:r>
                     </a:p>
                   </a:txBody>
-                  <a:tcPr marL="9525" marR="9525" marT="9525" marB="0" anchor="b"/>
+                  <a:tcPr marL="9765" marR="9765" marT="9765" marB="0" anchor="b"/>
                 </a:tc>
               </a:tr>
-              <a:tr h="0">
+              <a:tr h="374959">
                 <a:tc>
                   <a:txBody>
                     <a:bodyPr/>
@@ -5914,7 +11704,7 @@
                       </a:endParaRPr>
                     </a:p>
                   </a:txBody>
-                  <a:tcPr anchor="ctr"/>
+                  <a:tcPr marL="93740" marR="93740" marT="46870" marB="46870" anchor="ctr"/>
                 </a:tc>
                 <a:tc>
                   <a:txBody>
@@ -5923,7 +11713,7 @@
                     <a:p>
                       <a:pPr marL="0" algn="ctr" defTabSz="4388485" rtl="0" eaLnBrk="1" fontAlgn="b" latinLnBrk="0" hangingPunct="1"/>
                       <a:r>
-                        <a:rPr lang="en-US" sz="2000" kern="1200">
+                        <a:rPr lang="en-US" sz="2100" kern="1200">
                           <a:solidFill>
                             <a:schemeClr val="dk1"/>
                           </a:solidFill>
@@ -5935,10 +11725,10 @@
                       </a:r>
                     </a:p>
                   </a:txBody>
-                  <a:tcPr marL="9525" marR="9525" marT="9525" marB="0" anchor="b"/>
+                  <a:tcPr marL="9765" marR="9765" marT="9765" marB="0" anchor="b"/>
                 </a:tc>
               </a:tr>
-              <a:tr h="0">
+              <a:tr h="656177">
                 <a:tc>
                   <a:txBody>
                     <a:bodyPr/>
@@ -5966,7 +11756,7 @@
                       </a:endParaRPr>
                     </a:p>
                   </a:txBody>
-                  <a:tcPr anchor="ctr"/>
+                  <a:tcPr marL="93740" marR="93740" marT="46870" marB="46870" anchor="ctr"/>
                 </a:tc>
                 <a:tc>
                   <a:txBody>
@@ -5975,7 +11765,7 @@
                     <a:p>
                       <a:pPr marL="0" algn="ctr" defTabSz="4388485" rtl="0" eaLnBrk="1" fontAlgn="b" latinLnBrk="0" hangingPunct="1"/>
                       <a:r>
-                        <a:rPr lang="en-US" sz="2000" kern="1200">
+                        <a:rPr lang="en-US" sz="2100" kern="1200">
                           <a:solidFill>
                             <a:schemeClr val="dk1"/>
                           </a:solidFill>
@@ -5987,10 +11777,10 @@
                       </a:r>
                     </a:p>
                   </a:txBody>
-                  <a:tcPr marL="9525" marR="9525" marT="9525" marB="0" anchor="b"/>
+                  <a:tcPr marL="9765" marR="9765" marT="9765" marB="0" anchor="b"/>
                 </a:tc>
               </a:tr>
-              <a:tr h="0">
+              <a:tr h="374959">
                 <a:tc>
                   <a:txBody>
                     <a:bodyPr/>
@@ -6018,7 +11808,7 @@
                       </a:endParaRPr>
                     </a:p>
                   </a:txBody>
-                  <a:tcPr anchor="ctr"/>
+                  <a:tcPr marL="93740" marR="93740" marT="46870" marB="46870" anchor="ctr"/>
                 </a:tc>
                 <a:tc>
                   <a:txBody>
@@ -6027,7 +11817,7 @@
                     <a:p>
                       <a:pPr marL="0" algn="ctr" defTabSz="4388485" rtl="0" eaLnBrk="1" fontAlgn="b" latinLnBrk="0" hangingPunct="1"/>
                       <a:r>
-                        <a:rPr lang="en-US" sz="2000" kern="1200" dirty="0">
+                        <a:rPr lang="en-US" sz="2100" kern="1200" dirty="0">
                           <a:solidFill>
                             <a:schemeClr val="dk1"/>
                           </a:solidFill>
@@ -6039,10 +11829,10 @@
                       </a:r>
                     </a:p>
                   </a:txBody>
-                  <a:tcPr marL="9525" marR="9525" marT="9525" marB="0" anchor="b"/>
+                  <a:tcPr marL="9765" marR="9765" marT="9765" marB="0" anchor="b"/>
                 </a:tc>
               </a:tr>
-              <a:tr h="0">
+              <a:tr h="656177">
                 <a:tc>
                   <a:txBody>
                     <a:bodyPr/>
@@ -6070,7 +11860,7 @@
                       </a:endParaRPr>
                     </a:p>
                   </a:txBody>
-                  <a:tcPr anchor="ctr"/>
+                  <a:tcPr marL="93740" marR="93740" marT="46870" marB="46870" anchor="ctr"/>
                 </a:tc>
                 <a:tc>
                   <a:txBody>
@@ -6079,7 +11869,7 @@
                     <a:p>
                       <a:pPr marL="0" algn="ctr" defTabSz="4388485" rtl="0" eaLnBrk="1" fontAlgn="b" latinLnBrk="0" hangingPunct="1"/>
                       <a:r>
-                        <a:rPr lang="en-US" sz="2000" kern="1200" dirty="0">
+                        <a:rPr lang="en-US" sz="2100" kern="1200" dirty="0">
                           <a:solidFill>
                             <a:schemeClr val="dk1"/>
                           </a:solidFill>
@@ -6091,10 +11881,10 @@
                       </a:r>
                     </a:p>
                   </a:txBody>
-                  <a:tcPr marL="9525" marR="9525" marT="9525" marB="0" anchor="b"/>
+                  <a:tcPr marL="9765" marR="9765" marT="9765" marB="0" anchor="b"/>
                 </a:tc>
               </a:tr>
-              <a:tr h="0">
+              <a:tr h="656177">
                 <a:tc>
                   <a:txBody>
                     <a:bodyPr/>
@@ -6122,7 +11912,7 @@
                       </a:endParaRPr>
                     </a:p>
                   </a:txBody>
-                  <a:tcPr anchor="ctr"/>
+                  <a:tcPr marL="93740" marR="93740" marT="46870" marB="46870" anchor="ctr"/>
                 </a:tc>
                 <a:tc>
                   <a:txBody>
@@ -6131,7 +11921,7 @@
                     <a:p>
                       <a:pPr marL="0" algn="ctr" defTabSz="4388485" rtl="0" eaLnBrk="1" fontAlgn="b" latinLnBrk="0" hangingPunct="1"/>
                       <a:r>
-                        <a:rPr lang="en-US" sz="2000" kern="1200" dirty="0">
+                        <a:rPr lang="en-US" sz="2100" kern="1200" dirty="0">
                           <a:solidFill>
                             <a:schemeClr val="dk1"/>
                           </a:solidFill>
@@ -6143,10 +11933,10 @@
                       </a:r>
                     </a:p>
                   </a:txBody>
-                  <a:tcPr marL="9525" marR="9525" marT="9525" marB="0" anchor="b"/>
+                  <a:tcPr marL="9765" marR="9765" marT="9765" marB="0" anchor="b"/>
                 </a:tc>
               </a:tr>
-              <a:tr h="0">
+              <a:tr h="322230">
                 <a:tc>
                   <a:txBody>
                     <a:bodyPr/>
@@ -6174,7 +11964,7 @@
                       </a:endParaRPr>
                     </a:p>
                   </a:txBody>
-                  <a:tcPr marL="9525" marR="9525" marT="9525" marB="0" anchor="b"/>
+                  <a:tcPr marL="9765" marR="9765" marT="9765" marB="0" anchor="b"/>
                 </a:tc>
                 <a:tc>
                   <a:txBody>
@@ -6183,7 +11973,7 @@
                     <a:p>
                       <a:pPr marL="0" algn="ctr" defTabSz="4388485" rtl="0" eaLnBrk="1" fontAlgn="b" latinLnBrk="0" hangingPunct="1"/>
                       <a:r>
-                        <a:rPr lang="en-US" sz="2000" kern="1200" dirty="0">
+                        <a:rPr lang="en-US" sz="2100" kern="1200" dirty="0">
                           <a:solidFill>
                             <a:schemeClr val="dk1"/>
                           </a:solidFill>
@@ -6195,7 +11985,7 @@
                       </a:r>
                     </a:p>
                   </a:txBody>
-                  <a:tcPr marL="9525" marR="9525" marT="9525" marB="0" anchor="b"/>
+                  <a:tcPr marL="9765" marR="9765" marT="9765" marB="0" anchor="b"/>
                 </a:tc>
               </a:tr>
             </a:tbl>
@@ -6211,14 +12001,14 @@
           <p:nvPr>
             <p:extLst>
               <p:ext uri="{D42A27DB-BD31-4B8C-83A1-F6EECF244321}">
-                <p14:modId xmlns:p14="http://schemas.microsoft.com/office/powerpoint/2010/main" val="3019728202"/>
+                <p14:modId xmlns:p14="http://schemas.microsoft.com/office/powerpoint/2010/main" val="587753304"/>
               </p:ext>
             </p:extLst>
           </p:nvPr>
         </p:nvGraphicFramePr>
         <p:xfrm>
-          <a:off x="4984071" y="26736755"/>
-          <a:ext cx="4023360" cy="5158961"/>
+          <a:off x="4984069" y="26279555"/>
+          <a:ext cx="4119246" cy="5281908"/>
         </p:xfrm>
         <a:graphic>
           <a:graphicData uri="http://schemas.openxmlformats.org/drawingml/2006/table">
@@ -6227,10 +12017,10 @@
                 <a:tableStyleId>{7DF18680-E054-41AD-8BC1-D1AEF772440D}</a:tableStyleId>
               </a:tblPr>
               <a:tblGrid>
-                <a:gridCol w="2011680"/>
-                <a:gridCol w="2011680"/>
+                <a:gridCol w="2059623"/>
+                <a:gridCol w="2059623"/>
               </a:tblGrid>
-              <a:tr h="707277">
+              <a:tr h="724133">
                 <a:tc>
                   <a:txBody>
                     <a:bodyPr/>
@@ -6302,7 +12092,7 @@
                       </a:endParaRPr>
                     </a:p>
                   </a:txBody>
-                  <a:tcPr marL="9525" marR="9525" marT="9525" marB="0" anchor="ctr"/>
+                  <a:tcPr marL="9752" marR="9752" marT="9752" marB="0" anchor="ctr"/>
                 </a:tc>
                 <a:tc>
                   <a:txBody>
@@ -6328,10 +12118,10 @@
                       <a:endParaRPr lang="en-US" sz="2000" dirty="0"/>
                     </a:p>
                   </a:txBody>
-                  <a:tcPr marL="9525" marR="9525" marT="9525" marB="0" anchor="ctr"/>
+                  <a:tcPr marL="9752" marR="9752" marT="9752" marB="0" anchor="ctr"/>
                 </a:tc>
               </a:tr>
-              <a:tr h="390622">
+              <a:tr h="399931">
                 <a:tc>
                   <a:txBody>
                     <a:bodyPr/>
@@ -6357,7 +12147,7 @@
                       </a:endParaRPr>
                     </a:p>
                   </a:txBody>
-                  <a:tcPr marL="9525" marR="9525" marT="9525" marB="0" anchor="ctr"/>
+                  <a:tcPr marL="9752" marR="9752" marT="9752" marB="0" anchor="ctr"/>
                 </a:tc>
                 <a:tc>
                   <a:txBody>
@@ -6377,10 +12167,10 @@
                       </a:r>
                     </a:p>
                   </a:txBody>
-                  <a:tcPr marL="9525" marR="9525" marT="9525" marB="0" anchor="ctr"/>
+                  <a:tcPr marL="9752" marR="9752" marT="9752" marB="0" anchor="ctr"/>
                 </a:tc>
               </a:tr>
-              <a:tr h="390622">
+              <a:tr h="399931">
                 <a:tc>
                   <a:txBody>
                     <a:bodyPr/>
@@ -6399,7 +12189,7 @@
                       </a:r>
                     </a:p>
                   </a:txBody>
-                  <a:tcPr marL="9525" marR="9525" marT="9525" marB="0" anchor="ctr"/>
+                  <a:tcPr marL="9752" marR="9752" marT="9752" marB="0" anchor="ctr"/>
                 </a:tc>
                 <a:tc>
                   <a:txBody>
@@ -6419,10 +12209,10 @@
                       </a:r>
                     </a:p>
                   </a:txBody>
-                  <a:tcPr marL="9525" marR="9525" marT="9525" marB="0" anchor="ctr"/>
+                  <a:tcPr marL="9752" marR="9752" marT="9752" marB="0" anchor="ctr"/>
                 </a:tc>
               </a:tr>
-              <a:tr h="390622">
+              <a:tr h="399931">
                 <a:tc>
                   <a:txBody>
                     <a:bodyPr/>
@@ -6441,7 +12231,7 @@
                       </a:r>
                     </a:p>
                   </a:txBody>
-                  <a:tcPr marL="9525" marR="9525" marT="9525" marB="0" anchor="ctr"/>
+                  <a:tcPr marL="9752" marR="9752" marT="9752" marB="0" anchor="ctr"/>
                 </a:tc>
                 <a:tc>
                   <a:txBody>
@@ -6461,10 +12251,10 @@
                       </a:r>
                     </a:p>
                   </a:txBody>
-                  <a:tcPr marL="9525" marR="9525" marT="9525" marB="0" anchor="ctr"/>
+                  <a:tcPr marL="9752" marR="9752" marT="9752" marB="0" anchor="ctr"/>
                 </a:tc>
               </a:tr>
-              <a:tr h="390622">
+              <a:tr h="399931">
                 <a:tc>
                   <a:txBody>
                     <a:bodyPr/>
@@ -6483,7 +12273,7 @@
                       </a:r>
                     </a:p>
                   </a:txBody>
-                  <a:tcPr marL="9525" marR="9525" marT="9525" marB="0" anchor="ctr"/>
+                  <a:tcPr marL="9752" marR="9752" marT="9752" marB="0" anchor="ctr"/>
                 </a:tc>
                 <a:tc>
                   <a:txBody>
@@ -6503,10 +12293,10 @@
                       </a:r>
                     </a:p>
                   </a:txBody>
-                  <a:tcPr marL="9525" marR="9525" marT="9525" marB="0" anchor="ctr"/>
+                  <a:tcPr marL="9752" marR="9752" marT="9752" marB="0" anchor="ctr"/>
                 </a:tc>
               </a:tr>
-              <a:tr h="617893">
+              <a:tr h="632619">
                 <a:tc>
                   <a:txBody>
                     <a:bodyPr/>
@@ -6525,7 +12315,7 @@
                       </a:r>
                     </a:p>
                   </a:txBody>
-                  <a:tcPr marL="9525" marR="9525" marT="9525" marB="0" anchor="ctr"/>
+                  <a:tcPr marL="9752" marR="9752" marT="9752" marB="0" anchor="ctr"/>
                 </a:tc>
                 <a:tc>
                   <a:txBody>
@@ -6545,10 +12335,10 @@
                       </a:r>
                     </a:p>
                   </a:txBody>
-                  <a:tcPr marL="9525" marR="9525" marT="9525" marB="0" anchor="ctr"/>
+                  <a:tcPr marL="9752" marR="9752" marT="9752" marB="0" anchor="ctr"/>
                 </a:tc>
               </a:tr>
-              <a:tr h="390622">
+              <a:tr h="399931">
                 <a:tc>
                   <a:txBody>
                     <a:bodyPr/>
@@ -6567,7 +12357,7 @@
                       </a:r>
                     </a:p>
                   </a:txBody>
-                  <a:tcPr marL="9525" marR="9525" marT="9525" marB="0" anchor="ctr"/>
+                  <a:tcPr marL="9752" marR="9752" marT="9752" marB="0" anchor="ctr"/>
                 </a:tc>
                 <a:tc>
                   <a:txBody>
@@ -6587,10 +12377,10 @@
                       </a:r>
                     </a:p>
                   </a:txBody>
-                  <a:tcPr marL="9525" marR="9525" marT="9525" marB="0" anchor="ctr"/>
+                  <a:tcPr marL="9752" marR="9752" marT="9752" marB="0" anchor="ctr"/>
                 </a:tc>
               </a:tr>
-              <a:tr h="617893">
+              <a:tr h="632619">
                 <a:tc>
                   <a:txBody>
                     <a:bodyPr/>
@@ -6609,7 +12399,7 @@
                       </a:r>
                     </a:p>
                   </a:txBody>
-                  <a:tcPr marL="9525" marR="9525" marT="9525" marB="0" anchor="ctr"/>
+                  <a:tcPr marL="9752" marR="9752" marT="9752" marB="0" anchor="ctr"/>
                 </a:tc>
                 <a:tc>
                   <a:txBody>
@@ -6629,10 +12419,10 @@
                       </a:r>
                     </a:p>
                   </a:txBody>
-                  <a:tcPr marL="9525" marR="9525" marT="9525" marB="0" anchor="ctr"/>
+                  <a:tcPr marL="9752" marR="9752" marT="9752" marB="0" anchor="ctr"/>
                 </a:tc>
               </a:tr>
-              <a:tr h="390622">
+              <a:tr h="399931">
                 <a:tc>
                   <a:txBody>
                     <a:bodyPr/>
@@ -6651,7 +12441,7 @@
                       </a:r>
                     </a:p>
                   </a:txBody>
-                  <a:tcPr marL="9525" marR="9525" marT="9525" marB="0" anchor="ctr"/>
+                  <a:tcPr marL="9752" marR="9752" marT="9752" marB="0" anchor="ctr"/>
                 </a:tc>
                 <a:tc>
                   <a:txBody>
@@ -6671,10 +12461,10 @@
                       </a:r>
                     </a:p>
                   </a:txBody>
-                  <a:tcPr marL="9525" marR="9525" marT="9525" marB="0" anchor="ctr"/>
+                  <a:tcPr marL="9752" marR="9752" marT="9752" marB="0" anchor="ctr"/>
                 </a:tc>
               </a:tr>
-              <a:tr h="390622">
+              <a:tr h="399931">
                 <a:tc>
                   <a:txBody>
                     <a:bodyPr/>
@@ -6693,7 +12483,7 @@
                       </a:r>
                     </a:p>
                   </a:txBody>
-                  <a:tcPr marL="9525" marR="9525" marT="9525" marB="0" anchor="ctr"/>
+                  <a:tcPr marL="9752" marR="9752" marT="9752" marB="0" anchor="ctr"/>
                 </a:tc>
                 <a:tc>
                   <a:txBody>
@@ -6713,10 +12503,10 @@
                       </a:r>
                     </a:p>
                   </a:txBody>
-                  <a:tcPr marL="9525" marR="9525" marT="9525" marB="0" anchor="ctr"/>
+                  <a:tcPr marL="9752" marR="9752" marT="9752" marB="0" anchor="ctr"/>
                 </a:tc>
               </a:tr>
-              <a:tr h="481544">
+              <a:tr h="493020">
                 <a:tc>
                   <a:txBody>
                     <a:bodyPr/>
@@ -6735,7 +12525,7 @@
                       </a:r>
                     </a:p>
                   </a:txBody>
-                  <a:tcPr marL="9525" marR="9525" marT="9525" marB="0" anchor="ctr"/>
+                  <a:tcPr marL="9752" marR="9752" marT="9752" marB="0" anchor="ctr"/>
                 </a:tc>
                 <a:tc>
                   <a:txBody>
@@ -6755,13 +12545,1128 @@
                       </a:r>
                     </a:p>
                   </a:txBody>
-                  <a:tcPr marL="9525" marR="9525" marT="9525" marB="0" anchor="ctr"/>
+                  <a:tcPr marL="9752" marR="9752" marT="9752" marB="0" anchor="ctr"/>
                 </a:tc>
               </a:tr>
             </a:tbl>
           </a:graphicData>
         </a:graphic>
       </p:graphicFrame>
+      <p:pic>
+        <p:nvPicPr>
+          <p:cNvPr id="23" name="图片 22"/>
+          <p:cNvPicPr>
+            <a:picLocks noChangeAspect="1"/>
+          </p:cNvPicPr>
+          <p:nvPr/>
+        </p:nvPicPr>
+        <p:blipFill>
+          <a:blip r:embed="rId7">
+            <a:extLst>
+              <a:ext uri="{28A0092B-C50C-407E-A947-70E740481C1C}">
+                <a14:useLocalDpi xmlns:a14="http://schemas.microsoft.com/office/drawing/2010/main" val="0"/>
+              </a:ext>
+            </a:extLst>
+          </a:blip>
+          <a:stretch>
+            <a:fillRect/>
+          </a:stretch>
+        </p:blipFill>
+        <p:spPr>
+          <a:xfrm>
+            <a:off x="10186987" y="23314667"/>
+            <a:ext cx="8911696" cy="5368128"/>
+          </a:xfrm>
+          <a:prstGeom prst="rect">
+            <a:avLst/>
+          </a:prstGeom>
+        </p:spPr>
+      </p:pic>
+      <p:pic>
+        <p:nvPicPr>
+          <p:cNvPr id="25" name="图片 24"/>
+          <p:cNvPicPr>
+            <a:picLocks noChangeAspect="1"/>
+          </p:cNvPicPr>
+          <p:nvPr/>
+        </p:nvPicPr>
+        <p:blipFill>
+          <a:blip r:embed="rId8">
+            <a:extLst>
+              <a:ext uri="{28A0092B-C50C-407E-A947-70E740481C1C}">
+                <a14:useLocalDpi xmlns:a14="http://schemas.microsoft.com/office/drawing/2010/main" val="0"/>
+              </a:ext>
+            </a:extLst>
+          </a:blip>
+          <a:stretch>
+            <a:fillRect/>
+          </a:stretch>
+        </p:blipFill>
+        <p:spPr>
+          <a:xfrm>
+            <a:off x="19316698" y="23314667"/>
+            <a:ext cx="8902145" cy="5368128"/>
+          </a:xfrm>
+          <a:prstGeom prst="rect">
+            <a:avLst/>
+          </a:prstGeom>
+        </p:spPr>
+      </p:pic>
+      <p:pic>
+        <p:nvPicPr>
+          <p:cNvPr id="27" name="图片 26"/>
+          <p:cNvPicPr>
+            <a:picLocks noChangeAspect="1"/>
+          </p:cNvPicPr>
+          <p:nvPr/>
+        </p:nvPicPr>
+        <p:blipFill>
+          <a:blip r:embed="rId9" cstate="print">
+            <a:extLst>
+              <a:ext uri="{28A0092B-C50C-407E-A947-70E740481C1C}">
+                <a14:useLocalDpi xmlns:a14="http://schemas.microsoft.com/office/drawing/2010/main" val="0"/>
+              </a:ext>
+            </a:extLst>
+          </a:blip>
+          <a:stretch>
+            <a:fillRect/>
+          </a:stretch>
+        </p:blipFill>
+        <p:spPr>
+          <a:xfrm>
+            <a:off x="34428116" y="683214"/>
+            <a:ext cx="3005133" cy="3005133"/>
+          </a:xfrm>
+          <a:prstGeom prst="rect">
+            <a:avLst/>
+          </a:prstGeom>
+        </p:spPr>
+      </p:pic>
+      <p:graphicFrame>
+        <p:nvGraphicFramePr>
+          <p:cNvPr id="31" name="图示 30"/>
+          <p:cNvGraphicFramePr/>
+          <p:nvPr>
+            <p:extLst>
+              <p:ext uri="{D42A27DB-BD31-4B8C-83A1-F6EECF244321}">
+                <p14:modId xmlns:p14="http://schemas.microsoft.com/office/powerpoint/2010/main" val="3797481657"/>
+              </p:ext>
+            </p:extLst>
+          </p:nvPr>
+        </p:nvGraphicFramePr>
+        <p:xfrm>
+          <a:off x="19255032" y="6320119"/>
+          <a:ext cx="9140141" cy="5379912"/>
+        </p:xfrm>
+        <a:graphic>
+          <a:graphicData uri="http://schemas.openxmlformats.org/drawingml/2006/diagram">
+            <dgm:relIds xmlns:dgm="http://schemas.openxmlformats.org/drawingml/2006/diagram" xmlns:r="http://schemas.openxmlformats.org/officeDocument/2006/relationships" r:dm="rId10" r:lo="rId11" r:qs="rId12" r:cs="rId13"/>
+          </a:graphicData>
+        </a:graphic>
+      </p:graphicFrame>
+      <p:grpSp>
+        <p:nvGrpSpPr>
+          <p:cNvPr id="32" name="组合 31"/>
+          <p:cNvGrpSpPr/>
+          <p:nvPr/>
+        </p:nvGrpSpPr>
+        <p:grpSpPr>
+          <a:xfrm>
+            <a:off x="19255032" y="12995593"/>
+            <a:ext cx="8963811" cy="4863463"/>
+            <a:chOff x="1242688" y="3475731"/>
+            <a:chExt cx="4859630" cy="1246576"/>
+          </a:xfrm>
+        </p:grpSpPr>
+        <p:sp>
+          <p:nvSpPr>
+            <p:cNvPr id="33" name="矩形 32"/>
+            <p:cNvSpPr/>
+            <p:nvPr/>
+          </p:nvSpPr>
+          <p:spPr>
+            <a:xfrm>
+              <a:off x="1242688" y="3477800"/>
+              <a:ext cx="929696" cy="1244507"/>
+            </a:xfrm>
+            <a:prstGeom prst="rect">
+              <a:avLst/>
+            </a:prstGeom>
+          </p:spPr>
+          <p:style>
+            <a:lnRef idx="2">
+              <a:schemeClr val="accent5"/>
+            </a:lnRef>
+            <a:fillRef idx="1">
+              <a:schemeClr val="lt1"/>
+            </a:fillRef>
+            <a:effectRef idx="0">
+              <a:schemeClr val="accent5"/>
+            </a:effectRef>
+            <a:fontRef idx="minor">
+              <a:schemeClr val="dk1"/>
+            </a:fontRef>
+          </p:style>
+          <p:txBody>
+            <a:bodyPr rtlCol="0" anchor="ctr"/>
+            <a:lstStyle/>
+            <a:p>
+              <a:pPr algn="ctr"/>
+              <a:r>
+                <a:rPr lang="en-US" sz="2400" dirty="0" smtClean="0"/>
+                <a:t>Data </a:t>
+              </a:r>
+              <a:r>
+                <a:rPr lang="en-US" sz="2400" dirty="0" smtClean="0"/>
+                <a:t>Cleaning</a:t>
+              </a:r>
+            </a:p>
+            <a:p>
+              <a:pPr algn="ctr"/>
+              <a:endParaRPr lang="en-US" sz="2400" dirty="0"/>
+            </a:p>
+            <a:p>
+              <a:pPr algn="ctr"/>
+              <a:endParaRPr lang="en-US" sz="2400" dirty="0" smtClean="0"/>
+            </a:p>
+            <a:p>
+              <a:pPr marL="171450" indent="-171450">
+                <a:buFont typeface="Arial" panose="020B0604020202020204" pitchFamily="34" charset="0"/>
+                <a:buChar char="•"/>
+              </a:pPr>
+              <a:r>
+                <a:rPr lang="en-US" sz="1800" dirty="0" smtClean="0"/>
+                <a:t>Segmentation</a:t>
+              </a:r>
+            </a:p>
+            <a:p>
+              <a:pPr marL="171450" indent="-171450">
+                <a:buFont typeface="Arial" panose="020B0604020202020204" pitchFamily="34" charset="0"/>
+                <a:buChar char="•"/>
+              </a:pPr>
+              <a:r>
+                <a:rPr lang="en-US" sz="1800" dirty="0" smtClean="0"/>
+                <a:t>Normalization</a:t>
+              </a:r>
+            </a:p>
+            <a:p>
+              <a:pPr marL="171450" indent="-171450">
+                <a:buFont typeface="Arial" panose="020B0604020202020204" pitchFamily="34" charset="0"/>
+                <a:buChar char="•"/>
+              </a:pPr>
+              <a:r>
+                <a:rPr lang="en-US" sz="1800" dirty="0" smtClean="0"/>
+                <a:t>Capitalization</a:t>
+              </a:r>
+            </a:p>
+            <a:p>
+              <a:pPr marL="171450" indent="-171450">
+                <a:buFont typeface="Arial" panose="020B0604020202020204" pitchFamily="34" charset="0"/>
+                <a:buChar char="•"/>
+              </a:pPr>
+              <a:r>
+                <a:rPr lang="en-US" sz="1800" dirty="0" smtClean="0"/>
+                <a:t>Stop words removal</a:t>
+              </a:r>
+            </a:p>
+            <a:p>
+              <a:pPr marL="171450" indent="-171450">
+                <a:buFont typeface="Arial" panose="020B0604020202020204" pitchFamily="34" charset="0"/>
+                <a:buChar char="•"/>
+              </a:pPr>
+              <a:r>
+                <a:rPr lang="en-US" sz="1800" dirty="0" smtClean="0"/>
+                <a:t>Typo Correction</a:t>
+              </a:r>
+            </a:p>
+            <a:p>
+              <a:pPr marL="171450" indent="-171450">
+                <a:buFont typeface="Arial" panose="020B0604020202020204" pitchFamily="34" charset="0"/>
+                <a:buChar char="•"/>
+              </a:pPr>
+              <a:r>
+                <a:rPr lang="en-US" sz="1800" dirty="0" smtClean="0"/>
+                <a:t>Stemming</a:t>
+              </a:r>
+            </a:p>
+            <a:p>
+              <a:endParaRPr lang="en-US" sz="2400" dirty="0" smtClean="0"/>
+            </a:p>
+            <a:p>
+              <a:endParaRPr lang="en-US" sz="2400" dirty="0"/>
+            </a:p>
+            <a:p>
+              <a:endParaRPr lang="en-US" sz="2400" dirty="0" smtClean="0"/>
+            </a:p>
+          </p:txBody>
+        </p:sp>
+        <p:grpSp>
+          <p:nvGrpSpPr>
+            <p:cNvPr id="34" name="组合 33"/>
+            <p:cNvGrpSpPr/>
+            <p:nvPr/>
+          </p:nvGrpSpPr>
+          <p:grpSpPr>
+            <a:xfrm>
+              <a:off x="2370269" y="3475731"/>
+              <a:ext cx="981075" cy="1246576"/>
+              <a:chOff x="2211996" y="3475733"/>
+              <a:chExt cx="981075" cy="1246576"/>
+            </a:xfrm>
+          </p:grpSpPr>
+          <p:sp>
+            <p:nvSpPr>
+              <p:cNvPr id="47" name="矩形 46"/>
+              <p:cNvSpPr/>
+              <p:nvPr/>
+            </p:nvSpPr>
+            <p:spPr>
+              <a:xfrm>
+                <a:off x="2211996" y="3475733"/>
+                <a:ext cx="981075" cy="1246576"/>
+              </a:xfrm>
+              <a:prstGeom prst="rect">
+                <a:avLst/>
+              </a:prstGeom>
+            </p:spPr>
+            <p:style>
+              <a:lnRef idx="2">
+                <a:schemeClr val="accent5"/>
+              </a:lnRef>
+              <a:fillRef idx="1">
+                <a:schemeClr val="lt1"/>
+              </a:fillRef>
+              <a:effectRef idx="0">
+                <a:schemeClr val="accent5"/>
+              </a:effectRef>
+              <a:fontRef idx="minor">
+                <a:schemeClr val="dk1"/>
+              </a:fontRef>
+            </p:style>
+            <p:txBody>
+              <a:bodyPr rtlCol="0" anchor="ctr"/>
+              <a:lstStyle/>
+              <a:p>
+                <a:pPr algn="ctr"/>
+                <a:r>
+                  <a:rPr lang="en-US" sz="2400" dirty="0" smtClean="0"/>
+                  <a:t>Feature Extraction</a:t>
+                </a:r>
+              </a:p>
+              <a:p>
+                <a:pPr algn="ctr"/>
+                <a:endParaRPr lang="en-US" sz="1050" dirty="0"/>
+              </a:p>
+              <a:p>
+                <a:pPr algn="ctr"/>
+                <a:endParaRPr lang="en-US" sz="1050" dirty="0" smtClean="0"/>
+              </a:p>
+              <a:p>
+                <a:pPr algn="ctr"/>
+                <a:endParaRPr lang="en-US" sz="1050" dirty="0"/>
+              </a:p>
+              <a:p>
+                <a:pPr algn="ctr"/>
+                <a:endParaRPr lang="en-US" sz="1050" dirty="0" smtClean="0"/>
+              </a:p>
+              <a:p>
+                <a:pPr algn="ctr"/>
+                <a:endParaRPr lang="en-US" sz="1050" dirty="0"/>
+              </a:p>
+              <a:p>
+                <a:pPr algn="ctr"/>
+                <a:endParaRPr lang="en-US" sz="1050" dirty="0" smtClean="0"/>
+              </a:p>
+              <a:p>
+                <a:pPr algn="ctr"/>
+                <a:endParaRPr lang="en-US" sz="1050" dirty="0"/>
+              </a:p>
+              <a:p>
+                <a:pPr algn="ctr"/>
+                <a:endParaRPr lang="en-US" sz="1050" dirty="0" smtClean="0"/>
+              </a:p>
+              <a:p>
+                <a:pPr algn="ctr"/>
+                <a:endParaRPr lang="en-US" sz="1050" dirty="0" smtClean="0"/>
+              </a:p>
+              <a:p>
+                <a:pPr algn="ctr"/>
+                <a:endParaRPr lang="en-US" sz="1050" dirty="0"/>
+              </a:p>
+              <a:p>
+                <a:pPr algn="ctr"/>
+                <a:endParaRPr lang="en-US" sz="1050" dirty="0" smtClean="0"/>
+              </a:p>
+              <a:p>
+                <a:pPr algn="ctr"/>
+                <a:endParaRPr lang="en-US" sz="1050" dirty="0"/>
+              </a:p>
+              <a:p>
+                <a:pPr algn="ctr"/>
+                <a:endParaRPr lang="en-US" sz="1050" dirty="0" smtClean="0"/>
+              </a:p>
+              <a:p>
+                <a:pPr algn="ctr"/>
+                <a:endParaRPr lang="en-US" sz="1050" dirty="0"/>
+              </a:p>
+              <a:p>
+                <a:pPr algn="ctr"/>
+                <a:endParaRPr lang="en-US" sz="1050" dirty="0" smtClean="0"/>
+              </a:p>
+              <a:p>
+                <a:pPr algn="ctr"/>
+                <a:endParaRPr lang="en-US" sz="1050" dirty="0"/>
+              </a:p>
+              <a:p>
+                <a:pPr algn="ctr"/>
+                <a:endParaRPr lang="en-US" sz="1050" dirty="0" smtClean="0"/>
+              </a:p>
+              <a:p>
+                <a:pPr algn="ctr"/>
+                <a:endParaRPr lang="en-US" sz="1050" dirty="0"/>
+              </a:p>
+              <a:p>
+                <a:pPr algn="ctr"/>
+                <a:endParaRPr lang="en-US" sz="1050" dirty="0" smtClean="0"/>
+              </a:p>
+              <a:p>
+                <a:pPr algn="ctr"/>
+                <a:endParaRPr lang="en-US" sz="1050" dirty="0"/>
+              </a:p>
+              <a:p>
+                <a:pPr algn="ctr"/>
+                <a:endParaRPr lang="en-US" sz="1050" dirty="0" smtClean="0"/>
+              </a:p>
+              <a:p>
+                <a:pPr algn="ctr"/>
+                <a:endParaRPr lang="en-US" sz="1050" dirty="0" smtClean="0"/>
+              </a:p>
+              <a:p>
+                <a:pPr algn="ctr"/>
+                <a:endParaRPr lang="en-US" sz="1050" dirty="0" smtClean="0"/>
+              </a:p>
+              <a:p>
+                <a:pPr algn="ctr"/>
+                <a:endParaRPr lang="en-US" sz="1050" dirty="0"/>
+              </a:p>
+              <a:p>
+                <a:pPr algn="ctr"/>
+                <a:endParaRPr lang="en-US" sz="1050" dirty="0" smtClean="0"/>
+              </a:p>
+            </p:txBody>
+          </p:sp>
+          <p:sp>
+            <p:nvSpPr>
+              <p:cNvPr id="48" name="矩形 47"/>
+              <p:cNvSpPr/>
+              <p:nvPr/>
+            </p:nvSpPr>
+            <p:spPr>
+              <a:xfrm>
+                <a:off x="2346483" y="4213920"/>
+                <a:ext cx="731520" cy="457200"/>
+              </a:xfrm>
+              <a:prstGeom prst="rect">
+                <a:avLst/>
+              </a:prstGeom>
+            </p:spPr>
+            <p:style>
+              <a:lnRef idx="2">
+                <a:schemeClr val="accent5"/>
+              </a:lnRef>
+              <a:fillRef idx="1">
+                <a:schemeClr val="lt1"/>
+              </a:fillRef>
+              <a:effectRef idx="0">
+                <a:schemeClr val="accent5"/>
+              </a:effectRef>
+              <a:fontRef idx="minor">
+                <a:schemeClr val="dk1"/>
+              </a:fontRef>
+            </p:style>
+            <p:txBody>
+              <a:bodyPr rtlCol="0" anchor="ctr"/>
+              <a:lstStyle/>
+              <a:p>
+                <a:pPr algn="ctr"/>
+                <a:r>
+                  <a:rPr lang="en-US" sz="2000" dirty="0" smtClean="0"/>
+                  <a:t>Text </a:t>
+                </a:r>
+                <a:r>
+                  <a:rPr lang="en-US" altLang="zh-CN" sz="2000" dirty="0" smtClean="0"/>
+                  <a:t>Mining</a:t>
+                </a:r>
+                <a:r>
+                  <a:rPr lang="en-US" sz="2000" dirty="0" smtClean="0"/>
+                  <a:t>:</a:t>
+                </a:r>
+              </a:p>
+              <a:p>
+                <a:pPr algn="ctr"/>
+                <a:r>
+                  <a:rPr lang="en-US" sz="2000" dirty="0" smtClean="0"/>
+                  <a:t>TF-IDF, Word2Vec</a:t>
+                </a:r>
+              </a:p>
+            </p:txBody>
+          </p:sp>
+          <p:sp>
+            <p:nvSpPr>
+              <p:cNvPr id="49" name="矩形 48"/>
+              <p:cNvSpPr/>
+              <p:nvPr/>
+            </p:nvSpPr>
+            <p:spPr>
+              <a:xfrm>
+                <a:off x="2346483" y="3689443"/>
+                <a:ext cx="731520" cy="457200"/>
+              </a:xfrm>
+              <a:prstGeom prst="rect">
+                <a:avLst/>
+              </a:prstGeom>
+            </p:spPr>
+            <p:style>
+              <a:lnRef idx="2">
+                <a:schemeClr val="accent5"/>
+              </a:lnRef>
+              <a:fillRef idx="1">
+                <a:schemeClr val="lt1"/>
+              </a:fillRef>
+              <a:effectRef idx="0">
+                <a:schemeClr val="accent5"/>
+              </a:effectRef>
+              <a:fontRef idx="minor">
+                <a:schemeClr val="dk1"/>
+              </a:fontRef>
+            </p:style>
+            <p:txBody>
+              <a:bodyPr rtlCol="0" anchor="ctr"/>
+              <a:lstStyle/>
+              <a:p>
+                <a:pPr algn="ctr"/>
+                <a:r>
+                  <a:rPr lang="en-US" sz="1800" dirty="0" smtClean="0"/>
+                  <a:t>Numeric:</a:t>
+                </a:r>
+              </a:p>
+              <a:p>
+                <a:pPr algn="ctr"/>
+                <a:r>
+                  <a:rPr lang="en-US" sz="1800" dirty="0" smtClean="0"/>
+                  <a:t>Lengths, Ratios Matching, </a:t>
+                </a:r>
+                <a:r>
+                  <a:rPr lang="en-US" sz="1800" dirty="0"/>
+                  <a:t>C</a:t>
+                </a:r>
+                <a:r>
+                  <a:rPr lang="en-US" sz="1800" dirty="0" smtClean="0"/>
+                  <a:t>ount</a:t>
+                </a:r>
+              </a:p>
+            </p:txBody>
+          </p:sp>
+        </p:grpSp>
+        <p:sp>
+          <p:nvSpPr>
+            <p:cNvPr id="35" name="矩形 34"/>
+            <p:cNvSpPr/>
+            <p:nvPr/>
+          </p:nvSpPr>
+          <p:spPr>
+            <a:xfrm>
+              <a:off x="5392403" y="3475731"/>
+              <a:ext cx="709915" cy="1246573"/>
+            </a:xfrm>
+            <a:prstGeom prst="rect">
+              <a:avLst/>
+            </a:prstGeom>
+          </p:spPr>
+          <p:style>
+            <a:lnRef idx="2">
+              <a:schemeClr val="accent5"/>
+            </a:lnRef>
+            <a:fillRef idx="1">
+              <a:schemeClr val="lt1"/>
+            </a:fillRef>
+            <a:effectRef idx="0">
+              <a:schemeClr val="accent5"/>
+            </a:effectRef>
+            <a:fontRef idx="minor">
+              <a:schemeClr val="dk1"/>
+            </a:fontRef>
+          </p:style>
+          <p:txBody>
+            <a:bodyPr rtlCol="0" anchor="ctr"/>
+            <a:lstStyle/>
+            <a:p>
+              <a:pPr algn="ctr"/>
+              <a:r>
+                <a:rPr lang="en-US" sz="2000" dirty="0" smtClean="0"/>
+                <a:t>Parameter Tuning </a:t>
+              </a:r>
+            </a:p>
+            <a:p>
+              <a:pPr algn="ctr"/>
+              <a:r>
+                <a:rPr lang="en-US" sz="2000" dirty="0" smtClean="0"/>
+                <a:t>(Grid Search)</a:t>
+              </a:r>
+            </a:p>
+            <a:p>
+              <a:pPr algn="ctr"/>
+              <a:endParaRPr lang="en-US" sz="2000" dirty="0" smtClean="0"/>
+            </a:p>
+            <a:p>
+              <a:pPr algn="ctr"/>
+              <a:r>
+                <a:rPr lang="en-US" sz="2000" dirty="0" smtClean="0"/>
+                <a:t>Evaluation</a:t>
+              </a:r>
+            </a:p>
+            <a:p>
+              <a:pPr algn="ctr"/>
+              <a:r>
+                <a:rPr lang="en-US" sz="2000" dirty="0" smtClean="0"/>
+                <a:t>(RMSE, CV, running time)</a:t>
+              </a:r>
+            </a:p>
+          </p:txBody>
+        </p:sp>
+        <p:grpSp>
+          <p:nvGrpSpPr>
+            <p:cNvPr id="36" name="组合 35"/>
+            <p:cNvGrpSpPr/>
+            <p:nvPr/>
+          </p:nvGrpSpPr>
+          <p:grpSpPr>
+            <a:xfrm>
+              <a:off x="3560282" y="3475731"/>
+              <a:ext cx="1606115" cy="1246574"/>
+              <a:chOff x="3542582" y="3843337"/>
+              <a:chExt cx="1672356" cy="1246577"/>
+            </a:xfrm>
+          </p:grpSpPr>
+          <p:sp>
+            <p:nvSpPr>
+              <p:cNvPr id="40" name="矩形 39"/>
+              <p:cNvSpPr/>
+              <p:nvPr/>
+            </p:nvSpPr>
+            <p:spPr>
+              <a:xfrm>
+                <a:off x="3542582" y="3843337"/>
+                <a:ext cx="1672356" cy="1246577"/>
+              </a:xfrm>
+              <a:prstGeom prst="rect">
+                <a:avLst/>
+              </a:prstGeom>
+            </p:spPr>
+            <p:style>
+              <a:lnRef idx="2">
+                <a:schemeClr val="accent5"/>
+              </a:lnRef>
+              <a:fillRef idx="1">
+                <a:schemeClr val="lt1"/>
+              </a:fillRef>
+              <a:effectRef idx="0">
+                <a:schemeClr val="accent5"/>
+              </a:effectRef>
+              <a:fontRef idx="minor">
+                <a:schemeClr val="dk1"/>
+              </a:fontRef>
+            </p:style>
+            <p:txBody>
+              <a:bodyPr rtlCol="0" anchor="ctr"/>
+              <a:lstStyle/>
+              <a:p>
+                <a:pPr algn="ctr"/>
+                <a:r>
+                  <a:rPr lang="en-US" sz="3200" dirty="0" smtClean="0"/>
+                  <a:t>Model </a:t>
+                </a:r>
+                <a:r>
+                  <a:rPr lang="en-US" sz="3200" dirty="0" smtClean="0"/>
+                  <a:t>Training</a:t>
+                </a:r>
+                <a:endParaRPr lang="en-US" sz="3200" dirty="0" smtClean="0"/>
+              </a:p>
+              <a:p>
+                <a:pPr algn="ctr"/>
+                <a:endParaRPr lang="en-US" sz="1800" dirty="0"/>
+              </a:p>
+              <a:p>
+                <a:pPr algn="ctr"/>
+                <a:endParaRPr lang="en-US" sz="1800" dirty="0" smtClean="0"/>
+              </a:p>
+              <a:p>
+                <a:pPr algn="ctr"/>
+                <a:endParaRPr lang="en-US" sz="1800" dirty="0"/>
+              </a:p>
+              <a:p>
+                <a:pPr algn="ctr"/>
+                <a:endParaRPr lang="en-US" sz="1800" dirty="0" smtClean="0"/>
+              </a:p>
+              <a:p>
+                <a:pPr algn="ctr"/>
+                <a:endParaRPr lang="en-US" sz="1800" dirty="0" smtClean="0"/>
+              </a:p>
+              <a:p>
+                <a:pPr algn="ctr"/>
+                <a:endParaRPr lang="en-US" sz="1800" dirty="0"/>
+              </a:p>
+              <a:p>
+                <a:pPr algn="ctr"/>
+                <a:endParaRPr lang="en-US" sz="1800" dirty="0" smtClean="0"/>
+              </a:p>
+              <a:p>
+                <a:pPr algn="ctr"/>
+                <a:endParaRPr lang="en-US" sz="1800" dirty="0"/>
+              </a:p>
+              <a:p>
+                <a:pPr algn="ctr"/>
+                <a:endParaRPr lang="en-US" sz="1800" dirty="0" smtClean="0"/>
+              </a:p>
+              <a:p>
+                <a:pPr algn="ctr"/>
+                <a:endParaRPr lang="en-US" sz="1800" dirty="0"/>
+              </a:p>
+              <a:p>
+                <a:pPr algn="ctr"/>
+                <a:endParaRPr lang="en-US" sz="1800" dirty="0" smtClean="0"/>
+              </a:p>
+              <a:p>
+                <a:pPr algn="ctr"/>
+                <a:endParaRPr lang="en-US" sz="1800" dirty="0"/>
+              </a:p>
+              <a:p>
+                <a:pPr algn="ctr"/>
+                <a:endParaRPr lang="en-US" sz="1800" dirty="0" smtClean="0"/>
+              </a:p>
+              <a:p>
+                <a:pPr algn="ctr"/>
+                <a:endParaRPr lang="en-US" sz="1800" dirty="0" smtClean="0"/>
+              </a:p>
+            </p:txBody>
+          </p:sp>
+          <p:sp>
+            <p:nvSpPr>
+              <p:cNvPr id="41" name="矩形 40"/>
+              <p:cNvSpPr/>
+              <p:nvPr/>
+            </p:nvSpPr>
+            <p:spPr>
+              <a:xfrm>
+                <a:off x="3630633" y="4062413"/>
+                <a:ext cx="731520" cy="457200"/>
+              </a:xfrm>
+              <a:prstGeom prst="rect">
+                <a:avLst/>
+              </a:prstGeom>
+            </p:spPr>
+            <p:style>
+              <a:lnRef idx="2">
+                <a:schemeClr val="accent5"/>
+              </a:lnRef>
+              <a:fillRef idx="1">
+                <a:schemeClr val="lt1"/>
+              </a:fillRef>
+              <a:effectRef idx="0">
+                <a:schemeClr val="accent5"/>
+              </a:effectRef>
+              <a:fontRef idx="minor">
+                <a:schemeClr val="dk1"/>
+              </a:fontRef>
+            </p:style>
+            <p:txBody>
+              <a:bodyPr rtlCol="0" anchor="ctr"/>
+              <a:lstStyle/>
+              <a:p>
+                <a:pPr algn="ctr"/>
+                <a:r>
+                  <a:rPr lang="en-US" sz="1800" dirty="0" smtClean="0"/>
+                  <a:t>Linear Regression</a:t>
+                </a:r>
+              </a:p>
+              <a:p>
+                <a:pPr algn="ctr"/>
+                <a:r>
+                  <a:rPr lang="en-US" sz="1800" dirty="0" smtClean="0"/>
+                  <a:t>Lasso, Ridge</a:t>
+                </a:r>
+              </a:p>
+            </p:txBody>
+          </p:sp>
+          <p:sp>
+            <p:nvSpPr>
+              <p:cNvPr id="42" name="矩形 41"/>
+              <p:cNvSpPr/>
+              <p:nvPr/>
+            </p:nvSpPr>
+            <p:spPr>
+              <a:xfrm>
+                <a:off x="4431920" y="4062413"/>
+                <a:ext cx="731520" cy="457200"/>
+              </a:xfrm>
+              <a:prstGeom prst="rect">
+                <a:avLst/>
+              </a:prstGeom>
+            </p:spPr>
+            <p:style>
+              <a:lnRef idx="2">
+                <a:schemeClr val="accent5"/>
+              </a:lnRef>
+              <a:fillRef idx="1">
+                <a:schemeClr val="lt1"/>
+              </a:fillRef>
+              <a:effectRef idx="0">
+                <a:schemeClr val="accent5"/>
+              </a:effectRef>
+              <a:fontRef idx="minor">
+                <a:schemeClr val="dk1"/>
+              </a:fontRef>
+            </p:style>
+            <p:txBody>
+              <a:bodyPr rtlCol="0" anchor="ctr"/>
+              <a:lstStyle/>
+              <a:p>
+                <a:pPr algn="ctr"/>
+                <a:r>
+                  <a:rPr lang="en-US" sz="2000" dirty="0" smtClean="0"/>
+                  <a:t>Random Forest: weighted by features</a:t>
+                </a:r>
+              </a:p>
+            </p:txBody>
+          </p:sp>
+          <p:sp>
+            <p:nvSpPr>
+              <p:cNvPr id="45" name="矩形 44"/>
+              <p:cNvSpPr/>
+              <p:nvPr/>
+            </p:nvSpPr>
+            <p:spPr>
+              <a:xfrm>
+                <a:off x="3630633" y="4581525"/>
+                <a:ext cx="731520" cy="457200"/>
+              </a:xfrm>
+              <a:prstGeom prst="rect">
+                <a:avLst/>
+              </a:prstGeom>
+            </p:spPr>
+            <p:style>
+              <a:lnRef idx="2">
+                <a:schemeClr val="accent5"/>
+              </a:lnRef>
+              <a:fillRef idx="1">
+                <a:schemeClr val="lt1"/>
+              </a:fillRef>
+              <a:effectRef idx="0">
+                <a:schemeClr val="accent5"/>
+              </a:effectRef>
+              <a:fontRef idx="minor">
+                <a:schemeClr val="dk1"/>
+              </a:fontRef>
+            </p:style>
+            <p:txBody>
+              <a:bodyPr rtlCol="0" anchor="ctr"/>
+              <a:lstStyle/>
+              <a:p>
+                <a:pPr algn="ctr"/>
+                <a:r>
+                  <a:rPr lang="en-US" sz="2400" dirty="0" err="1" smtClean="0"/>
+                  <a:t>XGBoost</a:t>
+                </a:r>
+                <a:endParaRPr lang="en-US" sz="1400" dirty="0" smtClean="0"/>
+              </a:p>
+            </p:txBody>
+          </p:sp>
+          <p:sp>
+            <p:nvSpPr>
+              <p:cNvPr id="46" name="矩形 45"/>
+              <p:cNvSpPr/>
+              <p:nvPr/>
+            </p:nvSpPr>
+            <p:spPr>
+              <a:xfrm>
+                <a:off x="4431920" y="4581525"/>
+                <a:ext cx="731520" cy="457200"/>
+              </a:xfrm>
+              <a:prstGeom prst="rect">
+                <a:avLst/>
+              </a:prstGeom>
+            </p:spPr>
+            <p:style>
+              <a:lnRef idx="2">
+                <a:schemeClr val="accent5"/>
+              </a:lnRef>
+              <a:fillRef idx="1">
+                <a:schemeClr val="lt1"/>
+              </a:fillRef>
+              <a:effectRef idx="0">
+                <a:schemeClr val="accent5"/>
+              </a:effectRef>
+              <a:fontRef idx="minor">
+                <a:schemeClr val="dk1"/>
+              </a:fontRef>
+            </p:style>
+            <p:txBody>
+              <a:bodyPr rtlCol="0" anchor="ctr"/>
+              <a:lstStyle/>
+              <a:p>
+                <a:pPr algn="ctr"/>
+                <a:r>
+                  <a:rPr lang="en-US" sz="2000" dirty="0" smtClean="0"/>
+                  <a:t>Ensemble</a:t>
+                </a:r>
+              </a:p>
+            </p:txBody>
+          </p:sp>
+        </p:grpSp>
+        <p:sp>
+          <p:nvSpPr>
+            <p:cNvPr id="37" name="右箭头 36"/>
+            <p:cNvSpPr/>
+            <p:nvPr/>
+          </p:nvSpPr>
+          <p:spPr>
+            <a:xfrm>
+              <a:off x="2177147" y="3976688"/>
+              <a:ext cx="179788" cy="172022"/>
+            </a:xfrm>
+            <a:prstGeom prst="rightArrow">
+              <a:avLst/>
+            </a:prstGeom>
+          </p:spPr>
+          <p:style>
+            <a:lnRef idx="2">
+              <a:schemeClr val="accent5"/>
+            </a:lnRef>
+            <a:fillRef idx="1">
+              <a:schemeClr val="lt1"/>
+            </a:fillRef>
+            <a:effectRef idx="0">
+              <a:schemeClr val="accent5"/>
+            </a:effectRef>
+            <a:fontRef idx="minor">
+              <a:schemeClr val="dk1"/>
+            </a:fontRef>
+          </p:style>
+          <p:txBody>
+            <a:bodyPr rtlCol="0" anchor="ctr"/>
+            <a:lstStyle/>
+            <a:p>
+              <a:pPr algn="ctr"/>
+              <a:endParaRPr lang="en-US"/>
+            </a:p>
+          </p:txBody>
+        </p:sp>
+        <p:sp>
+          <p:nvSpPr>
+            <p:cNvPr id="38" name="右箭头 37"/>
+            <p:cNvSpPr/>
+            <p:nvPr/>
+          </p:nvSpPr>
+          <p:spPr>
+            <a:xfrm>
+              <a:off x="3369515" y="3976688"/>
+              <a:ext cx="179788" cy="172022"/>
+            </a:xfrm>
+            <a:prstGeom prst="rightArrow">
+              <a:avLst/>
+            </a:prstGeom>
+          </p:spPr>
+          <p:style>
+            <a:lnRef idx="2">
+              <a:schemeClr val="accent5"/>
+            </a:lnRef>
+            <a:fillRef idx="1">
+              <a:schemeClr val="lt1"/>
+            </a:fillRef>
+            <a:effectRef idx="0">
+              <a:schemeClr val="accent5"/>
+            </a:effectRef>
+            <a:fontRef idx="minor">
+              <a:schemeClr val="dk1"/>
+            </a:fontRef>
+          </p:style>
+          <p:txBody>
+            <a:bodyPr rtlCol="0" anchor="ctr"/>
+            <a:lstStyle/>
+            <a:p>
+              <a:pPr algn="ctr"/>
+              <a:endParaRPr lang="en-US"/>
+            </a:p>
+          </p:txBody>
+        </p:sp>
+        <p:sp>
+          <p:nvSpPr>
+            <p:cNvPr id="39" name="右箭头 38"/>
+            <p:cNvSpPr/>
+            <p:nvPr/>
+          </p:nvSpPr>
+          <p:spPr>
+            <a:xfrm>
+              <a:off x="5191273" y="4013006"/>
+              <a:ext cx="179788" cy="172022"/>
+            </a:xfrm>
+            <a:prstGeom prst="rightArrow">
+              <a:avLst/>
+            </a:prstGeom>
+          </p:spPr>
+          <p:style>
+            <a:lnRef idx="2">
+              <a:schemeClr val="accent5"/>
+            </a:lnRef>
+            <a:fillRef idx="1">
+              <a:schemeClr val="lt1"/>
+            </a:fillRef>
+            <a:effectRef idx="0">
+              <a:schemeClr val="accent5"/>
+            </a:effectRef>
+            <a:fontRef idx="minor">
+              <a:schemeClr val="dk1"/>
+            </a:fontRef>
+          </p:style>
+          <p:txBody>
+            <a:bodyPr rtlCol="0" anchor="ctr"/>
+            <a:lstStyle/>
+            <a:p>
+              <a:pPr algn="ctr"/>
+              <a:endParaRPr lang="en-US"/>
+            </a:p>
+          </p:txBody>
+        </p:sp>
+      </p:grpSp>
+      <p:pic>
+        <p:nvPicPr>
+          <p:cNvPr id="52" name="图片 51"/>
+          <p:cNvPicPr>
+            <a:picLocks noChangeAspect="1"/>
+          </p:cNvPicPr>
+          <p:nvPr/>
+        </p:nvPicPr>
+        <p:blipFill>
+          <a:blip r:embed="rId15">
+            <a:extLst>
+              <a:ext uri="{28A0092B-C50C-407E-A947-70E740481C1C}">
+                <a14:useLocalDpi xmlns:a14="http://schemas.microsoft.com/office/drawing/2010/main" val="0"/>
+              </a:ext>
+            </a:extLst>
+          </a:blip>
+          <a:stretch>
+            <a:fillRect/>
+          </a:stretch>
+        </p:blipFill>
+        <p:spPr>
+          <a:xfrm>
+            <a:off x="29134591" y="14980055"/>
+            <a:ext cx="8673698" cy="4114800"/>
+          </a:xfrm>
+          <a:prstGeom prst="rect">
+            <a:avLst/>
+          </a:prstGeom>
+        </p:spPr>
+      </p:pic>
+      <p:pic>
+        <p:nvPicPr>
+          <p:cNvPr id="53" name="图片 52"/>
+          <p:cNvPicPr>
+            <a:picLocks noChangeAspect="1"/>
+          </p:cNvPicPr>
+          <p:nvPr/>
+        </p:nvPicPr>
+        <p:blipFill>
+          <a:blip r:embed="rId16">
+            <a:extLst>
+              <a:ext uri="{28A0092B-C50C-407E-A947-70E740481C1C}">
+                <a14:useLocalDpi xmlns:a14="http://schemas.microsoft.com/office/drawing/2010/main" val="0"/>
+              </a:ext>
+            </a:extLst>
+          </a:blip>
+          <a:stretch>
+            <a:fillRect/>
+          </a:stretch>
+        </p:blipFill>
+        <p:spPr>
+          <a:xfrm>
+            <a:off x="29134591" y="19123430"/>
+            <a:ext cx="8673698" cy="3371850"/>
+          </a:xfrm>
+          <a:prstGeom prst="rect">
+            <a:avLst/>
+          </a:prstGeom>
+        </p:spPr>
+      </p:pic>
+      <p:cxnSp>
+        <p:nvCxnSpPr>
+          <p:cNvPr id="54" name="直接箭头连接符 53"/>
+          <p:cNvCxnSpPr/>
+          <p:nvPr/>
+        </p:nvCxnSpPr>
+        <p:spPr>
+          <a:xfrm flipH="1">
+            <a:off x="31220092" y="20331629"/>
+            <a:ext cx="885825" cy="228600"/>
+          </a:xfrm>
+          <a:prstGeom prst="straightConnector1">
+            <a:avLst/>
+          </a:prstGeom>
+          <a:ln>
+            <a:tailEnd type="arrow"/>
+          </a:ln>
+        </p:spPr>
+        <p:style>
+          <a:lnRef idx="1">
+            <a:schemeClr val="accent1"/>
+          </a:lnRef>
+          <a:fillRef idx="0">
+            <a:schemeClr val="accent1"/>
+          </a:fillRef>
+          <a:effectRef idx="0">
+            <a:schemeClr val="accent1"/>
+          </a:effectRef>
+          <a:fontRef idx="minor">
+            <a:schemeClr val="tx1"/>
+          </a:fontRef>
+        </p:style>
+      </p:cxnSp>
+      <p:sp>
+        <p:nvSpPr>
+          <p:cNvPr id="55" name="TextBox 32"/>
+          <p:cNvSpPr txBox="1"/>
+          <p:nvPr/>
+        </p:nvSpPr>
+        <p:spPr>
+          <a:xfrm>
+            <a:off x="32163068" y="20074454"/>
+            <a:ext cx="1085554" cy="477054"/>
+          </a:xfrm>
+          <a:prstGeom prst="rect">
+            <a:avLst/>
+          </a:prstGeom>
+          <a:noFill/>
+        </p:spPr>
+        <p:txBody>
+          <a:bodyPr wrap="none" rtlCol="0">
+            <a:spAutoFit/>
+          </a:bodyPr>
+          <a:lstStyle/>
+          <a:p>
+            <a:r>
+              <a:rPr lang="en-US" sz="2500" dirty="0" smtClean="0">
+                <a:latin typeface="Times New Roman" pitchFamily="18" charset="0"/>
+                <a:cs typeface="Times New Roman" pitchFamily="18" charset="0"/>
+              </a:rPr>
+              <a:t>In here</a:t>
+            </a:r>
+            <a:endParaRPr lang="en-US" sz="2500" dirty="0">
+              <a:latin typeface="Times New Roman" pitchFamily="18" charset="0"/>
+              <a:cs typeface="Times New Roman" pitchFamily="18" charset="0"/>
+            </a:endParaRPr>
+          </a:p>
+        </p:txBody>
+      </p:sp>
     </p:spTree>
   </p:cSld>
   <p:clrMapOvr>

--- a/result/poster-ml.pptx
+++ b/result/poster-ml.pptx
@@ -1181,11 +1181,7 @@
         <a:p>
           <a:r>
             <a:rPr lang="en-US" dirty="0" smtClean="0"/>
-            <a:t>Search </a:t>
-          </a:r>
-          <a:r>
-            <a:rPr lang="en-US" dirty="0" smtClean="0"/>
-            <a:t>term</a:t>
+            <a:t>Search term</a:t>
           </a:r>
         </a:p>
         <a:p>
@@ -1236,7 +1232,6 @@
             <a:rPr lang="en-US" dirty="0" smtClean="0"/>
             <a:t>Last query word </a:t>
           </a:r>
-          <a:endParaRPr lang="en-US" dirty="0" smtClean="0"/>
         </a:p>
       </dgm:t>
     </dgm:pt>
@@ -1271,11 +1266,7 @@
         <a:p>
           <a:r>
             <a:rPr lang="en-US" dirty="0" smtClean="0"/>
-            <a:t>Attributes words and </a:t>
-          </a:r>
-          <a:r>
-            <a:rPr lang="en-US" dirty="0" smtClean="0"/>
-            <a:t>previous</a:t>
+            <a:t>Attributes words and previous</a:t>
           </a:r>
           <a:endParaRPr lang="en-US" dirty="0"/>
         </a:p>
@@ -1349,41 +1340,19 @@
         <a:p>
           <a:r>
             <a:rPr lang="en-US" dirty="0" smtClean="0"/>
-            <a:t>The Lengths </a:t>
+            <a:t>The Lengths of the search term, title, </a:t>
           </a:r>
-          <a:r>
-            <a:rPr lang="en-US" dirty="0" smtClean="0"/>
-            <a:t>of the search term, </a:t>
-          </a:r>
-          <a:r>
-            <a:rPr lang="en-US" dirty="0" smtClean="0"/>
-            <a:t>title</a:t>
-          </a:r>
-          <a:r>
-            <a:rPr lang="en-US" dirty="0" smtClean="0"/>
-            <a:t>, </a:t>
-          </a:r>
-          <a:endParaRPr lang="en-US" dirty="0" smtClean="0"/>
         </a:p>
         <a:p>
           <a:r>
             <a:rPr lang="en-US" dirty="0" smtClean="0"/>
-            <a:t>description</a:t>
+            <a:t>description, </a:t>
           </a:r>
-          <a:r>
-            <a:rPr lang="en-US" dirty="0" smtClean="0"/>
-            <a:t>, </a:t>
-          </a:r>
-          <a:endParaRPr lang="en-US" dirty="0" smtClean="0"/>
         </a:p>
         <a:p>
           <a:r>
             <a:rPr lang="en-US" dirty="0" smtClean="0"/>
-            <a:t>attribute </a:t>
-          </a:r>
-          <a:r>
-            <a:rPr lang="en-US" dirty="0" smtClean="0"/>
-            <a:t>words</a:t>
+            <a:t>attribute words</a:t>
           </a:r>
           <a:endParaRPr lang="en-US" dirty="0"/>
         </a:p>
@@ -1420,19 +1389,7 @@
         <a:p>
           <a:r>
             <a:rPr lang="en-US" sz="1600" dirty="0" smtClean="0"/>
-            <a:t>The </a:t>
-          </a:r>
-          <a:r>
-            <a:rPr lang="en-US" sz="1600" dirty="0" smtClean="0"/>
-            <a:t>lengths </a:t>
-          </a:r>
-          <a:r>
-            <a:rPr lang="en-US" sz="1600" dirty="0" smtClean="0"/>
-            <a:t>of the matching </a:t>
-          </a:r>
-          <a:r>
-            <a:rPr lang="en-US" sz="1600" dirty="0" smtClean="0"/>
-            <a:t>word</a:t>
+            <a:t>The lengths of the matching word</a:t>
           </a:r>
           <a:endParaRPr lang="en-US" sz="1600" dirty="0"/>
         </a:p>
@@ -1469,11 +1426,7 @@
         <a:p>
           <a:r>
             <a:rPr lang="en-US" sz="1400" dirty="0" smtClean="0"/>
-            <a:t>The ratios between </a:t>
-          </a:r>
-          <a:r>
-            <a:rPr lang="en-US" sz="1400" dirty="0" smtClean="0"/>
-            <a:t>different lengths</a:t>
+            <a:t>The ratios between different lengths</a:t>
           </a:r>
           <a:endParaRPr lang="en-US" sz="1400" dirty="0"/>
         </a:p>
@@ -1776,7 +1729,7 @@
       </dgm:t>
     </dgm:pt>
     <dgm:pt modelId="{C0D0D5E4-3319-4A36-9A0E-9A31BE711066}" type="pres">
-      <dgm:prSet presAssocID="{3B0D34A6-A950-401D-8484-2FF82B653952}" presName="aNode" presStyleLbl="bgShp" presStyleIdx="0" presStyleCnt="5" custLinFactNeighborX="1231" custLinFactNeighborY="-482"/>
+      <dgm:prSet presAssocID="{3B0D34A6-A950-401D-8484-2FF82B653952}" presName="aNode" presStyleLbl="bgShp" presStyleIdx="0" presStyleCnt="5" custLinFactNeighborX="1231" custLinFactNeighborY="375"/>
       <dgm:spPr/>
       <dgm:t>
         <a:bodyPr/>
@@ -2394,8 +2347,8 @@
     </dgm:pt>
   </dgm:ptLst>
   <dgm:cxnLst>
+    <dgm:cxn modelId="{94B2C0F3-5D11-495E-AF22-1CBD44CD9AC0}" type="presOf" srcId="{3030F19D-788E-4184-AFAF-61AB1B897B50}" destId="{7C87A26C-D24C-4970-915D-A5DF09B92CE9}" srcOrd="1" destOrd="0" presId="urn:microsoft.com/office/officeart/2005/8/layout/lProcess2"/>
     <dgm:cxn modelId="{F58297C1-EE7E-4A4C-9970-AB9FBCE7AC8E}" type="presOf" srcId="{3B0D34A6-A950-401D-8484-2FF82B653952}" destId="{C0D0D5E4-3319-4A36-9A0E-9A31BE711066}" srcOrd="0" destOrd="0" presId="urn:microsoft.com/office/officeart/2005/8/layout/lProcess2"/>
-    <dgm:cxn modelId="{94B2C0F3-5D11-495E-AF22-1CBD44CD9AC0}" type="presOf" srcId="{3030F19D-788E-4184-AFAF-61AB1B897B50}" destId="{7C87A26C-D24C-4970-915D-A5DF09B92CE9}" srcOrd="1" destOrd="0" presId="urn:microsoft.com/office/officeart/2005/8/layout/lProcess2"/>
     <dgm:cxn modelId="{A2B2C5A7-00A5-40F8-B401-2D57D0859BF5}" type="presOf" srcId="{7360BDD7-97C0-474F-B0F2-658F5F969CB5}" destId="{354FFB89-7611-459F-ADBE-8699BE96ED2D}" srcOrd="0" destOrd="0" presId="urn:microsoft.com/office/officeart/2005/8/layout/lProcess2"/>
     <dgm:cxn modelId="{08F143F9-29CF-4F2B-ADE3-EFD957490BD6}" type="presOf" srcId="{5B1E6615-0BFB-4409-8FAF-AD82B2346BC8}" destId="{872D2E5E-E5CC-4659-BF54-2375EAC157EC}" srcOrd="0" destOrd="0" presId="urn:microsoft.com/office/officeart/2005/8/layout/lProcess2"/>
     <dgm:cxn modelId="{EE4E2B96-4512-4769-9C52-341B018EA567}" type="presOf" srcId="{C0C71018-DF75-4C0A-BE1A-86B630C9D6D1}" destId="{2899A548-7A4B-4A75-94C3-FCBFBE798F37}" srcOrd="0" destOrd="0" presId="urn:microsoft.com/office/officeart/2005/8/layout/lProcess2"/>
@@ -2431,8 +2384,8 @@
     <dgm:cxn modelId="{91DF9C9A-1936-4BC3-8FC7-63283876A29D}" srcId="{3B0D34A6-A950-401D-8484-2FF82B653952}" destId="{C0C71018-DF75-4C0A-BE1A-86B630C9D6D1}" srcOrd="1" destOrd="0" parTransId="{513983C3-AE12-4603-8AF9-34F9FE87D250}" sibTransId="{E5DF9A89-D54E-4F07-939E-4A36F9CA388C}"/>
     <dgm:cxn modelId="{076014F7-1580-4423-93D3-0D76EE843A24}" srcId="{3B0D34A6-A950-401D-8484-2FF82B653952}" destId="{B103E9B8-5ABA-447B-A597-7E4F16BB629B}" srcOrd="2" destOrd="0" parTransId="{FAEADF1E-F9FC-4FC5-AA1F-4C610F258EAF}" sibTransId="{D4D725C7-EE0D-40B9-837A-BC84CB5E3C9F}"/>
     <dgm:cxn modelId="{DF31AB07-FB71-4BB8-A319-7E6FBE6FB67D}" type="presOf" srcId="{95852EEA-FFFA-40AB-BF0F-04839D96F1C2}" destId="{E5B56172-1B11-4FB4-A17A-4C077A7E7E92}" srcOrd="0" destOrd="0" presId="urn:microsoft.com/office/officeart/2005/8/layout/lProcess2"/>
+    <dgm:cxn modelId="{EFA1F8CA-6F03-440E-98C7-6AC04747BEE8}" type="presOf" srcId="{E6D5D767-4A88-402A-8F1C-84389F2821CA}" destId="{C03699B8-663E-407C-A837-8D8A7A96E7EC}" srcOrd="0" destOrd="0" presId="urn:microsoft.com/office/officeart/2005/8/layout/lProcess2"/>
     <dgm:cxn modelId="{6255BEA8-113A-4580-9DC3-2C2F38C2FAF5}" srcId="{F6EDE265-99D5-4B8D-8A9F-A0BF12E7A0C6}" destId="{3030F19D-788E-4184-AFAF-61AB1B897B50}" srcOrd="4" destOrd="0" parTransId="{9E57F959-B158-42F0-8428-933AA4AB1D7F}" sibTransId="{43D5A769-5F36-494C-B901-76F6B72E11CD}"/>
-    <dgm:cxn modelId="{EFA1F8CA-6F03-440E-98C7-6AC04747BEE8}" type="presOf" srcId="{E6D5D767-4A88-402A-8F1C-84389F2821CA}" destId="{C03699B8-663E-407C-A837-8D8A7A96E7EC}" srcOrd="0" destOrd="0" presId="urn:microsoft.com/office/officeart/2005/8/layout/lProcess2"/>
     <dgm:cxn modelId="{71569C8C-8F52-4603-8561-E288F30808CD}" type="presOf" srcId="{F6EDE265-99D5-4B8D-8A9F-A0BF12E7A0C6}" destId="{594B3DB7-B5A9-43A1-AD58-DE6052EF79C7}" srcOrd="0" destOrd="0" presId="urn:microsoft.com/office/officeart/2005/8/layout/lProcess2"/>
     <dgm:cxn modelId="{FE2F1D13-F225-4C52-9FBB-73A9A750D080}" type="presOf" srcId="{3030F19D-788E-4184-AFAF-61AB1B897B50}" destId="{6B6A94E2-2DCD-4DC7-81A3-E459466A098E}" srcOrd="0" destOrd="0" presId="urn:microsoft.com/office/officeart/2005/8/layout/lProcess2"/>
     <dgm:cxn modelId="{46325244-7A70-4D0B-B391-7FBF64E1D6AD}" srcId="{B956D7C9-D2B5-4664-8ABB-40225AD4A66E}" destId="{7AAF903F-9A3E-4A7B-AC66-9A0A05C450B5}" srcOrd="0" destOrd="0" parTransId="{5F86EFF3-6078-4920-A7D7-02951D6E90EC}" sibTransId="{571210F4-C849-4598-9E70-CEE4E553B34F}"/>
@@ -2516,8 +2469,8 @@
       </dsp:nvSpPr>
       <dsp:spPr>
         <a:xfrm>
-          <a:off x="26115" y="0"/>
-          <a:ext cx="1722702" cy="5379912"/>
+          <a:off x="26830" y="0"/>
+          <a:ext cx="1769855" cy="5544716"/>
         </a:xfrm>
         <a:prstGeom prst="roundRect">
           <a:avLst>
@@ -2551,12 +2504,12 @@
         <a:fontRef idx="minor"/>
       </dsp:style>
       <dsp:txBody>
-        <a:bodyPr spcFirstLastPara="0" vert="horz" wrap="square" lIns="106680" tIns="106680" rIns="106680" bIns="106680" numCol="1" spcCol="1270" anchor="ctr" anchorCtr="0">
+        <a:bodyPr spcFirstLastPara="0" vert="horz" wrap="square" lIns="110490" tIns="110490" rIns="110490" bIns="110490" numCol="1" spcCol="1270" anchor="ctr" anchorCtr="0">
           <a:noAutofit/>
         </a:bodyPr>
         <a:lstStyle/>
         <a:p>
-          <a:pPr lvl="0" algn="ctr" defTabSz="1244600">
+          <a:pPr lvl="0" algn="ctr" defTabSz="1289050">
             <a:lnSpc>
               <a:spcPct val="90000"/>
             </a:lnSpc>
@@ -2568,15 +2521,15 @@
             </a:spcAft>
           </a:pPr>
           <a:r>
-            <a:rPr lang="en-US" sz="2800" kern="1200" dirty="0" smtClean="0"/>
+            <a:rPr lang="en-US" sz="2900" kern="1200" dirty="0" smtClean="0"/>
             <a:t>Attribute features</a:t>
           </a:r>
-          <a:endParaRPr lang="en-US" sz="2800" kern="1200" dirty="0"/>
+          <a:endParaRPr lang="en-US" sz="2900" kern="1200" dirty="0"/>
         </a:p>
       </dsp:txBody>
       <dsp:txXfrm>
-        <a:off x="26115" y="0"/>
-        <a:ext cx="1722702" cy="1613973"/>
+        <a:off x="26830" y="0"/>
+        <a:ext cx="1769855" cy="1663414"/>
       </dsp:txXfrm>
     </dsp:sp>
     <dsp:sp modelId="{354FFB89-7611-459F-ADBE-8699BE96ED2D}">
@@ -2586,8 +2539,8 @@
       </dsp:nvSpPr>
       <dsp:spPr>
         <a:xfrm>
-          <a:off x="177179" y="1614104"/>
-          <a:ext cx="1378161" cy="783738"/>
+          <a:off x="182029" y="1663550"/>
+          <a:ext cx="1415884" cy="807747"/>
         </a:xfrm>
         <a:prstGeom prst="roundRect">
           <a:avLst>
@@ -2660,8 +2613,8 @@
         </a:p>
       </dsp:txBody>
       <dsp:txXfrm>
-        <a:off x="200134" y="1637059"/>
-        <a:ext cx="1332251" cy="737828"/>
+        <a:off x="205687" y="1687208"/>
+        <a:ext cx="1368568" cy="760431"/>
       </dsp:txXfrm>
     </dsp:sp>
     <dsp:sp modelId="{2899A548-7A4B-4A75-94C3-FCBFBE798F37}">
@@ -2671,8 +2624,8 @@
       </dsp:nvSpPr>
       <dsp:spPr>
         <a:xfrm>
-          <a:off x="177179" y="2518418"/>
-          <a:ext cx="1378161" cy="783738"/>
+          <a:off x="182029" y="2595566"/>
+          <a:ext cx="1415884" cy="807747"/>
         </a:xfrm>
         <a:prstGeom prst="roundRect">
           <a:avLst>
@@ -2745,8 +2698,8 @@
         </a:p>
       </dsp:txBody>
       <dsp:txXfrm>
-        <a:off x="200134" y="2541373"/>
-        <a:ext cx="1332251" cy="737828"/>
+        <a:off x="205687" y="2619224"/>
+        <a:ext cx="1368568" cy="760431"/>
       </dsp:txXfrm>
     </dsp:sp>
     <dsp:sp modelId="{89A0CE0B-18CB-47E1-BA5F-B898416AAF2A}">
@@ -2756,8 +2709,8 @@
       </dsp:nvSpPr>
       <dsp:spPr>
         <a:xfrm>
-          <a:off x="177179" y="3422732"/>
-          <a:ext cx="1378161" cy="783738"/>
+          <a:off x="182029" y="3527581"/>
+          <a:ext cx="1415884" cy="807747"/>
         </a:xfrm>
         <a:prstGeom prst="roundRect">
           <a:avLst>
@@ -2830,8 +2783,8 @@
         </a:p>
       </dsp:txBody>
       <dsp:txXfrm>
-        <a:off x="200134" y="3445687"/>
-        <a:ext cx="1332251" cy="737828"/>
+        <a:off x="205687" y="3551239"/>
+        <a:ext cx="1368568" cy="760431"/>
       </dsp:txXfrm>
     </dsp:sp>
     <dsp:sp modelId="{9A5413E7-B532-48FB-B86B-18D790EE7BE4}">
@@ -2841,8 +2794,8 @@
       </dsp:nvSpPr>
       <dsp:spPr>
         <a:xfrm>
-          <a:off x="177179" y="4327046"/>
-          <a:ext cx="1378161" cy="783738"/>
+          <a:off x="182029" y="4459597"/>
+          <a:ext cx="1415884" cy="807747"/>
         </a:xfrm>
         <a:prstGeom prst="roundRect">
           <a:avLst>
@@ -2915,8 +2868,8 @@
         </a:p>
       </dsp:txBody>
       <dsp:txXfrm>
-        <a:off x="200134" y="4350001"/>
-        <a:ext cx="1332251" cy="737828"/>
+        <a:off x="205687" y="4483255"/>
+        <a:ext cx="1368568" cy="760431"/>
       </dsp:txXfrm>
     </dsp:sp>
     <dsp:sp modelId="{B4EBE4C3-92F4-4E66-BB79-B6A5EEAD6BB5}">
@@ -2926,8 +2879,8 @@
       </dsp:nvSpPr>
       <dsp:spPr>
         <a:xfrm>
-          <a:off x="1856814" y="0"/>
-          <a:ext cx="1722702" cy="5379912"/>
+          <a:off x="1907638" y="0"/>
+          <a:ext cx="1769855" cy="5544716"/>
         </a:xfrm>
         <a:prstGeom prst="roundRect">
           <a:avLst>
@@ -2961,12 +2914,12 @@
         <a:fontRef idx="minor"/>
       </dsp:style>
       <dsp:txBody>
-        <a:bodyPr spcFirstLastPara="0" vert="horz" wrap="square" lIns="106680" tIns="106680" rIns="106680" bIns="106680" numCol="1" spcCol="1270" anchor="ctr" anchorCtr="0">
+        <a:bodyPr spcFirstLastPara="0" vert="horz" wrap="square" lIns="110490" tIns="110490" rIns="110490" bIns="110490" numCol="1" spcCol="1270" anchor="ctr" anchorCtr="0">
           <a:noAutofit/>
         </a:bodyPr>
         <a:lstStyle/>
         <a:p>
-          <a:pPr lvl="0" algn="ctr" defTabSz="1244600">
+          <a:pPr lvl="0" algn="ctr" defTabSz="1289050">
             <a:lnSpc>
               <a:spcPct val="90000"/>
             </a:lnSpc>
@@ -2978,15 +2931,15 @@
             </a:spcAft>
           </a:pPr>
           <a:r>
-            <a:rPr lang="en-US" sz="2800" kern="1200" dirty="0" smtClean="0"/>
+            <a:rPr lang="en-US" sz="2900" kern="1200" dirty="0" smtClean="0"/>
             <a:t>Word matching</a:t>
           </a:r>
-          <a:endParaRPr lang="en-US" sz="2800" kern="1200" dirty="0"/>
+          <a:endParaRPr lang="en-US" sz="2900" kern="1200" dirty="0"/>
         </a:p>
       </dsp:txBody>
       <dsp:txXfrm>
-        <a:off x="1856814" y="0"/>
-        <a:ext cx="1722702" cy="1613973"/>
+        <a:off x="1907638" y="0"/>
+        <a:ext cx="1769855" cy="1663414"/>
       </dsp:txXfrm>
     </dsp:sp>
     <dsp:sp modelId="{DC3DB303-F358-48F5-BF20-5B053EC1C6C5}">
@@ -2996,8 +2949,8 @@
       </dsp:nvSpPr>
       <dsp:spPr>
         <a:xfrm>
-          <a:off x="2029084" y="1614104"/>
-          <a:ext cx="1378161" cy="783738"/>
+          <a:off x="2084624" y="1663550"/>
+          <a:ext cx="1415884" cy="807747"/>
         </a:xfrm>
         <a:prstGeom prst="roundRect">
           <a:avLst>
@@ -3064,11 +3017,7 @@
           </a:pPr>
           <a:r>
             <a:rPr lang="en-US" sz="1300" kern="1200" dirty="0" smtClean="0"/>
-            <a:t>Search </a:t>
-          </a:r>
-          <a:r>
-            <a:rPr lang="en-US" sz="1300" kern="1200" dirty="0" smtClean="0"/>
-            <a:t>term</a:t>
+            <a:t>Search term</a:t>
           </a:r>
         </a:p>
         <a:p>
@@ -3108,8 +3057,8 @@
         </a:p>
       </dsp:txBody>
       <dsp:txXfrm>
-        <a:off x="2052039" y="1637059"/>
-        <a:ext cx="1332251" cy="737828"/>
+        <a:off x="2108282" y="1687208"/>
+        <a:ext cx="1368568" cy="760431"/>
       </dsp:txXfrm>
     </dsp:sp>
     <dsp:sp modelId="{51B22E42-E807-4F2D-9732-302BF83A8762}">
@@ -3119,8 +3068,8 @@
       </dsp:nvSpPr>
       <dsp:spPr>
         <a:xfrm>
-          <a:off x="2029084" y="2518418"/>
-          <a:ext cx="1378161" cy="783738"/>
+          <a:off x="2084624" y="2595566"/>
+          <a:ext cx="1415884" cy="807747"/>
         </a:xfrm>
         <a:prstGeom prst="roundRect">
           <a:avLst>
@@ -3189,12 +3138,11 @@
             <a:rPr lang="en-US" sz="1300" kern="1200" dirty="0" smtClean="0"/>
             <a:t>Last query word </a:t>
           </a:r>
-          <a:endParaRPr lang="en-US" sz="1300" kern="1200" dirty="0" smtClean="0"/>
         </a:p>
       </dsp:txBody>
       <dsp:txXfrm>
-        <a:off x="2052039" y="2541373"/>
-        <a:ext cx="1332251" cy="737828"/>
+        <a:off x="2108282" y="2619224"/>
+        <a:ext cx="1368568" cy="760431"/>
       </dsp:txXfrm>
     </dsp:sp>
     <dsp:sp modelId="{E5B56172-1B11-4FB4-A17A-4C077A7E7E92}">
@@ -3204,8 +3152,8 @@
       </dsp:nvSpPr>
       <dsp:spPr>
         <a:xfrm>
-          <a:off x="2029084" y="3422732"/>
-          <a:ext cx="1378161" cy="783738"/>
+          <a:off x="2084624" y="3527581"/>
+          <a:ext cx="1415884" cy="807747"/>
         </a:xfrm>
         <a:prstGeom prst="roundRect">
           <a:avLst>
@@ -3312,8 +3260,8 @@
         </a:p>
       </dsp:txBody>
       <dsp:txXfrm>
-        <a:off x="2052039" y="3445687"/>
-        <a:ext cx="1332251" cy="737828"/>
+        <a:off x="2108282" y="3551239"/>
+        <a:ext cx="1368568" cy="760431"/>
       </dsp:txXfrm>
     </dsp:sp>
     <dsp:sp modelId="{872D2E5E-E5CC-4659-BF54-2375EAC157EC}">
@@ -3323,8 +3271,8 @@
       </dsp:nvSpPr>
       <dsp:spPr>
         <a:xfrm>
-          <a:off x="2029084" y="4327046"/>
-          <a:ext cx="1378161" cy="783738"/>
+          <a:off x="2084624" y="4459597"/>
+          <a:ext cx="1415884" cy="807747"/>
         </a:xfrm>
         <a:prstGeom prst="roundRect">
           <a:avLst>
@@ -3391,18 +3339,14 @@
           </a:pPr>
           <a:r>
             <a:rPr lang="en-US" sz="1300" kern="1200" dirty="0" smtClean="0"/>
-            <a:t>Attributes words and </a:t>
-          </a:r>
-          <a:r>
-            <a:rPr lang="en-US" sz="1300" kern="1200" dirty="0" smtClean="0"/>
-            <a:t>previous</a:t>
+            <a:t>Attributes words and previous</a:t>
           </a:r>
           <a:endParaRPr lang="en-US" sz="1300" kern="1200" dirty="0"/>
         </a:p>
       </dsp:txBody>
       <dsp:txXfrm>
-        <a:off x="2052039" y="4350001"/>
-        <a:ext cx="1332251" cy="737828"/>
+        <a:off x="2108282" y="4483255"/>
+        <a:ext cx="1368568" cy="760431"/>
       </dsp:txXfrm>
     </dsp:sp>
     <dsp:sp modelId="{C03699B8-663E-407C-A837-8D8A7A96E7EC}">
@@ -3412,8 +3356,8 @@
       </dsp:nvSpPr>
       <dsp:spPr>
         <a:xfrm>
-          <a:off x="3708719" y="0"/>
-          <a:ext cx="1722702" cy="5379912"/>
+          <a:off x="3810234" y="0"/>
+          <a:ext cx="1769855" cy="5544716"/>
         </a:xfrm>
         <a:prstGeom prst="roundRect">
           <a:avLst>
@@ -3447,12 +3391,12 @@
         <a:fontRef idx="minor"/>
       </dsp:style>
       <dsp:txBody>
-        <a:bodyPr spcFirstLastPara="0" vert="horz" wrap="square" lIns="106680" tIns="106680" rIns="106680" bIns="106680" numCol="1" spcCol="1270" anchor="ctr" anchorCtr="0">
+        <a:bodyPr spcFirstLastPara="0" vert="horz" wrap="square" lIns="110490" tIns="110490" rIns="110490" bIns="110490" numCol="1" spcCol="1270" anchor="ctr" anchorCtr="0">
           <a:noAutofit/>
         </a:bodyPr>
         <a:lstStyle/>
         <a:p>
-          <a:pPr lvl="0" algn="ctr" defTabSz="1244600">
+          <a:pPr lvl="0" algn="ctr" defTabSz="1289050">
             <a:lnSpc>
               <a:spcPct val="90000"/>
             </a:lnSpc>
@@ -3464,15 +3408,15 @@
             </a:spcAft>
           </a:pPr>
           <a:r>
-            <a:rPr lang="en-US" sz="2800" kern="1200" dirty="0" smtClean="0"/>
+            <a:rPr lang="en-US" sz="2900" kern="1200" dirty="0" smtClean="0"/>
             <a:t>Lengths and ratios</a:t>
           </a:r>
-          <a:endParaRPr lang="en-US" sz="2800" kern="1200" dirty="0"/>
+          <a:endParaRPr lang="en-US" sz="2900" kern="1200" dirty="0"/>
         </a:p>
       </dsp:txBody>
       <dsp:txXfrm>
-        <a:off x="3708719" y="0"/>
-        <a:ext cx="1722702" cy="1613973"/>
+        <a:off x="3810234" y="0"/>
+        <a:ext cx="1769855" cy="1663414"/>
       </dsp:txXfrm>
     </dsp:sp>
     <dsp:sp modelId="{93425DF7-C14E-49D5-80A6-D6FCD51C8224}">
@@ -3482,8 +3426,8 @@
       </dsp:nvSpPr>
       <dsp:spPr>
         <a:xfrm>
-          <a:off x="3880989" y="1614433"/>
-          <a:ext cx="1378161" cy="1056937"/>
+          <a:off x="3987219" y="1663888"/>
+          <a:ext cx="1415884" cy="1089314"/>
         </a:xfrm>
         <a:prstGeom prst="roundRect">
           <a:avLst>
@@ -3550,21 +3494,8 @@
           </a:pPr>
           <a:r>
             <a:rPr lang="en-US" sz="1300" kern="1200" dirty="0" smtClean="0"/>
-            <a:t>The Lengths </a:t>
+            <a:t>The Lengths of the search term, title, </a:t>
           </a:r>
-          <a:r>
-            <a:rPr lang="en-US" sz="1300" kern="1200" dirty="0" smtClean="0"/>
-            <a:t>of the search term, </a:t>
-          </a:r>
-          <a:r>
-            <a:rPr lang="en-US" sz="1300" kern="1200" dirty="0" smtClean="0"/>
-            <a:t>title</a:t>
-          </a:r>
-          <a:r>
-            <a:rPr lang="en-US" sz="1300" kern="1200" dirty="0" smtClean="0"/>
-            <a:t>, </a:t>
-          </a:r>
-          <a:endParaRPr lang="en-US" sz="1300" kern="1200" dirty="0" smtClean="0"/>
         </a:p>
         <a:p>
           <a:pPr lvl="0" algn="ctr" defTabSz="577850">
@@ -3580,13 +3511,8 @@
           </a:pPr>
           <a:r>
             <a:rPr lang="en-US" sz="1300" kern="1200" dirty="0" smtClean="0"/>
-            <a:t>description</a:t>
+            <a:t>description, </a:t>
           </a:r>
-          <a:r>
-            <a:rPr lang="en-US" sz="1300" kern="1200" dirty="0" smtClean="0"/>
-            <a:t>, </a:t>
-          </a:r>
-          <a:endParaRPr lang="en-US" sz="1300" kern="1200" dirty="0" smtClean="0"/>
         </a:p>
         <a:p>
           <a:pPr lvl="0" algn="ctr" defTabSz="577850">
@@ -3602,18 +3528,14 @@
           </a:pPr>
           <a:r>
             <a:rPr lang="en-US" sz="1300" kern="1200" dirty="0" smtClean="0"/>
-            <a:t>attribute </a:t>
-          </a:r>
-          <a:r>
-            <a:rPr lang="en-US" sz="1300" kern="1200" dirty="0" smtClean="0"/>
-            <a:t>words</a:t>
+            <a:t>attribute words</a:t>
           </a:r>
           <a:endParaRPr lang="en-US" sz="1300" kern="1200" dirty="0"/>
         </a:p>
       </dsp:txBody>
       <dsp:txXfrm>
-        <a:off x="3911946" y="1645390"/>
-        <a:ext cx="1316247" cy="995023"/>
+        <a:off x="4019124" y="1695793"/>
+        <a:ext cx="1352074" cy="1025504"/>
       </dsp:txXfrm>
     </dsp:sp>
     <dsp:sp modelId="{8E06BFE1-8BD0-4457-9CBB-12907507E848}">
@@ -3623,8 +3545,8 @@
       </dsp:nvSpPr>
       <dsp:spPr>
         <a:xfrm>
-          <a:off x="3880989" y="2833976"/>
-          <a:ext cx="1378161" cy="1056937"/>
+          <a:off x="3987219" y="2920790"/>
+          <a:ext cx="1415884" cy="1089314"/>
         </a:xfrm>
         <a:prstGeom prst="roundRect">
           <a:avLst>
@@ -3691,26 +3613,14 @@
           </a:pPr>
           <a:r>
             <a:rPr lang="en-US" sz="1600" kern="1200" dirty="0" smtClean="0"/>
-            <a:t>The </a:t>
-          </a:r>
-          <a:r>
-            <a:rPr lang="en-US" sz="1600" kern="1200" dirty="0" smtClean="0"/>
-            <a:t>lengths </a:t>
-          </a:r>
-          <a:r>
-            <a:rPr lang="en-US" sz="1600" kern="1200" dirty="0" smtClean="0"/>
-            <a:t>of the matching </a:t>
-          </a:r>
-          <a:r>
-            <a:rPr lang="en-US" sz="1600" kern="1200" dirty="0" smtClean="0"/>
-            <a:t>word</a:t>
+            <a:t>The lengths of the matching word</a:t>
           </a:r>
           <a:endParaRPr lang="en-US" sz="1600" kern="1200" dirty="0"/>
         </a:p>
       </dsp:txBody>
       <dsp:txXfrm>
-        <a:off x="3911946" y="2864933"/>
-        <a:ext cx="1316247" cy="995023"/>
+        <a:off x="4019124" y="2952695"/>
+        <a:ext cx="1352074" cy="1025504"/>
       </dsp:txXfrm>
     </dsp:sp>
     <dsp:sp modelId="{CB4086D7-CDB9-4EF7-BC1F-927643B39373}">
@@ -3720,8 +3630,8 @@
       </dsp:nvSpPr>
       <dsp:spPr>
         <a:xfrm>
-          <a:off x="3880989" y="4053519"/>
-          <a:ext cx="1378161" cy="1056937"/>
+          <a:off x="3987219" y="4177691"/>
+          <a:ext cx="1415884" cy="1089314"/>
         </a:xfrm>
         <a:prstGeom prst="roundRect">
           <a:avLst>
@@ -3788,18 +3698,14 @@
           </a:pPr>
           <a:r>
             <a:rPr lang="en-US" sz="1400" kern="1200" dirty="0" smtClean="0"/>
-            <a:t>The ratios between </a:t>
-          </a:r>
-          <a:r>
-            <a:rPr lang="en-US" sz="1400" kern="1200" dirty="0" smtClean="0"/>
-            <a:t>different lengths</a:t>
+            <a:t>The ratios between different lengths</a:t>
           </a:r>
           <a:endParaRPr lang="en-US" sz="1400" kern="1200" dirty="0"/>
         </a:p>
       </dsp:txBody>
       <dsp:txXfrm>
-        <a:off x="3911946" y="4084476"/>
-        <a:ext cx="1316247" cy="995023"/>
+        <a:off x="4019124" y="4209596"/>
+        <a:ext cx="1352074" cy="1025504"/>
       </dsp:txXfrm>
     </dsp:sp>
     <dsp:sp modelId="{A1F8A6E0-8141-4DA7-967C-679F3A7DB386}">
@@ -3809,8 +3715,8 @@
       </dsp:nvSpPr>
       <dsp:spPr>
         <a:xfrm>
-          <a:off x="5560624" y="0"/>
-          <a:ext cx="1722702" cy="5379912"/>
+          <a:off x="5712829" y="0"/>
+          <a:ext cx="1769855" cy="5544716"/>
         </a:xfrm>
         <a:prstGeom prst="roundRect">
           <a:avLst>
@@ -3844,12 +3750,12 @@
         <a:fontRef idx="minor"/>
       </dsp:style>
       <dsp:txBody>
-        <a:bodyPr spcFirstLastPara="0" vert="horz" wrap="square" lIns="106680" tIns="106680" rIns="106680" bIns="106680" numCol="1" spcCol="1270" anchor="ctr" anchorCtr="0">
+        <a:bodyPr spcFirstLastPara="0" vert="horz" wrap="square" lIns="110490" tIns="110490" rIns="110490" bIns="110490" numCol="1" spcCol="1270" anchor="ctr" anchorCtr="0">
           <a:noAutofit/>
         </a:bodyPr>
         <a:lstStyle/>
         <a:p>
-          <a:pPr lvl="0" algn="ctr" defTabSz="1244600">
+          <a:pPr lvl="0" algn="ctr" defTabSz="1289050">
             <a:lnSpc>
               <a:spcPct val="90000"/>
             </a:lnSpc>
@@ -3861,15 +3767,15 @@
             </a:spcAft>
           </a:pPr>
           <a:r>
-            <a:rPr lang="en-US" sz="2800" kern="1200" dirty="0" smtClean="0"/>
+            <a:rPr lang="en-US" sz="2900" kern="1200" dirty="0" smtClean="0"/>
             <a:t>TF-IDF, SVD</a:t>
           </a:r>
-          <a:endParaRPr lang="en-US" sz="2800" kern="1200" dirty="0"/>
+          <a:endParaRPr lang="en-US" sz="2900" kern="1200" dirty="0"/>
         </a:p>
       </dsp:txBody>
       <dsp:txXfrm>
-        <a:off x="5560624" y="0"/>
-        <a:ext cx="1722702" cy="1613973"/>
+        <a:off x="5712829" y="0"/>
+        <a:ext cx="1769855" cy="1663414"/>
       </dsp:txXfrm>
     </dsp:sp>
     <dsp:sp modelId="{5564502D-9A7F-48D5-90B8-DCAF1838CE41}">
@@ -3879,8 +3785,8 @@
       </dsp:nvSpPr>
       <dsp:spPr>
         <a:xfrm>
-          <a:off x="5732894" y="1615549"/>
-          <a:ext cx="1378161" cy="1622117"/>
+          <a:off x="5889814" y="1665039"/>
+          <a:ext cx="1415884" cy="1671807"/>
         </a:xfrm>
         <a:prstGeom prst="roundRect">
           <a:avLst>
@@ -3953,8 +3859,8 @@
         </a:p>
       </dsp:txBody>
       <dsp:txXfrm>
-        <a:off x="5773259" y="1655914"/>
-        <a:ext cx="1297431" cy="1541387"/>
+        <a:off x="5931284" y="1706509"/>
+        <a:ext cx="1332944" cy="1588867"/>
       </dsp:txXfrm>
     </dsp:sp>
     <dsp:sp modelId="{CBC08321-4172-410C-8BB3-28160D4D8BB1}">
@@ -3964,8 +3870,8 @@
       </dsp:nvSpPr>
       <dsp:spPr>
         <a:xfrm>
-          <a:off x="5732894" y="3487223"/>
-          <a:ext cx="1378161" cy="1622117"/>
+          <a:off x="5889814" y="3594048"/>
+          <a:ext cx="1415884" cy="1671807"/>
         </a:xfrm>
         <a:prstGeom prst="roundRect">
           <a:avLst>
@@ -4072,8 +3978,8 @@
         </a:p>
       </dsp:txBody>
       <dsp:txXfrm>
-        <a:off x="5773259" y="3527588"/>
-        <a:ext cx="1297431" cy="1541387"/>
+        <a:off x="5931284" y="3635518"/>
+        <a:ext cx="1332944" cy="1588867"/>
       </dsp:txXfrm>
     </dsp:sp>
     <dsp:sp modelId="{6B6A94E2-2DCD-4DC7-81A3-E459466A098E}">
@@ -4083,8 +3989,8 @@
       </dsp:nvSpPr>
       <dsp:spPr>
         <a:xfrm>
-          <a:off x="7417438" y="0"/>
-          <a:ext cx="1722702" cy="5379912"/>
+          <a:off x="7620468" y="0"/>
+          <a:ext cx="1769855" cy="5544716"/>
         </a:xfrm>
         <a:prstGeom prst="roundRect">
           <a:avLst>
@@ -4118,12 +4024,12 @@
         <a:fontRef idx="minor"/>
       </dsp:style>
       <dsp:txBody>
-        <a:bodyPr spcFirstLastPara="0" vert="horz" wrap="square" lIns="106680" tIns="106680" rIns="106680" bIns="106680" numCol="1" spcCol="1270" anchor="ctr" anchorCtr="0">
+        <a:bodyPr spcFirstLastPara="0" vert="horz" wrap="square" lIns="110490" tIns="110490" rIns="110490" bIns="110490" numCol="1" spcCol="1270" anchor="ctr" anchorCtr="0">
           <a:noAutofit/>
         </a:bodyPr>
         <a:lstStyle/>
         <a:p>
-          <a:pPr lvl="0" algn="ctr" defTabSz="1244600">
+          <a:pPr lvl="0" algn="ctr" defTabSz="1289050">
             <a:lnSpc>
               <a:spcPct val="90000"/>
             </a:lnSpc>
@@ -4135,15 +4041,15 @@
             </a:spcAft>
           </a:pPr>
           <a:r>
-            <a:rPr lang="en-US" sz="2800" kern="1200" dirty="0" smtClean="0"/>
+            <a:rPr lang="en-US" sz="2900" kern="1200" dirty="0" smtClean="0"/>
             <a:t>Word2Vec Similarity</a:t>
           </a:r>
-          <a:endParaRPr lang="en-US" sz="2800" kern="1200" dirty="0"/>
+          <a:endParaRPr lang="en-US" sz="2900" kern="1200" dirty="0"/>
         </a:p>
       </dsp:txBody>
       <dsp:txXfrm>
-        <a:off x="7417438" y="0"/>
-        <a:ext cx="1722702" cy="1613973"/>
+        <a:off x="7620468" y="0"/>
+        <a:ext cx="1769855" cy="1663414"/>
       </dsp:txXfrm>
     </dsp:sp>
     <dsp:sp modelId="{46BF7581-D67B-4D56-8FC4-1B892C1396AF}">
@@ -4153,8 +4059,8 @@
       </dsp:nvSpPr>
       <dsp:spPr>
         <a:xfrm>
-          <a:off x="7584799" y="1613973"/>
-          <a:ext cx="1378161" cy="3496942"/>
+          <a:off x="7792409" y="1663414"/>
+          <a:ext cx="1415884" cy="3604065"/>
         </a:xfrm>
         <a:prstGeom prst="roundRect">
           <a:avLst>
@@ -4227,8 +4133,8 @@
         </a:p>
       </dsp:txBody>
       <dsp:txXfrm>
-        <a:off x="7625164" y="1654338"/>
-        <a:ext cx="1297431" cy="3416212"/>
+        <a:off x="7833879" y="1704884"/>
+        <a:ext cx="1332944" cy="3521125"/>
       </dsp:txXfrm>
     </dsp:sp>
   </dsp:spTree>
@@ -8526,7 +8432,7 @@
               <a:graphicData uri="http://schemas.openxmlformats.org/presentationml/2006/ole">
                 <mc:AlternateContent xmlns:mc="http://schemas.openxmlformats.org/markup-compatibility/2006">
                   <mc:Choice xmlns:v="urn:schemas-microsoft-com:vml" Requires="v">
-                    <p:oleObj spid="_x0000_s1172" name="Image" r:id="rId8" imgW="1371600" imgH="838200" progId="Photoshop.Image.13">
+                    <p:oleObj spid="_x0000_s1188" name="Image" r:id="rId8" imgW="1371600" imgH="838200" progId="Photoshop.Image.13">
                       <p:embed/>
                     </p:oleObj>
                   </mc:Choice>
@@ -8577,7 +8483,7 @@
               <a:graphicData uri="http://schemas.openxmlformats.org/presentationml/2006/ole">
                 <mc:AlternateContent xmlns:mc="http://schemas.openxmlformats.org/markup-compatibility/2006">
                   <mc:Choice xmlns:v="urn:schemas-microsoft-com:vml" Requires="v">
-                    <p:oleObj spid="_x0000_s1173" name="Image" r:id="rId10" imgW="1371600" imgH="838200" progId="Photoshop.Image.13">
+                    <p:oleObj spid="_x0000_s1189" name="Image" r:id="rId10" imgW="1371600" imgH="838200" progId="Photoshop.Image.13">
                       <p:embed/>
                     </p:oleObj>
                   </mc:Choice>
@@ -9623,7 +9529,7 @@
             <a:graphicData uri="http://schemas.openxmlformats.org/presentationml/2006/ole">
               <mc:AlternateContent xmlns:mc="http://schemas.openxmlformats.org/markup-compatibility/2006">
                 <mc:Choice xmlns:v="urn:schemas-microsoft-com:vml" Requires="v">
-                  <p:oleObj spid="_x0000_s1174" name="Image" r:id="rId12" imgW="3429000" imgH="1266825" progId="Photoshop.Image.13">
+                  <p:oleObj spid="_x0000_s1190" name="Image" r:id="rId12" imgW="3429000" imgH="1266825" progId="Photoshop.Image.13">
                     <p:embed/>
                   </p:oleObj>
                 </mc:Choice>
@@ -9701,7 +9607,7 @@
             <a:graphicData uri="http://schemas.openxmlformats.org/presentationml/2006/ole">
               <mc:AlternateContent xmlns:mc="http://schemas.openxmlformats.org/markup-compatibility/2006">
                 <mc:Choice xmlns:v="urn:schemas-microsoft-com:vml" Requires="v">
-                  <p:oleObj spid="_x0000_s1175" name="Image" r:id="rId15" imgW="1181100" imgH="790575" progId="Photoshop.Image.13">
+                  <p:oleObj spid="_x0000_s1191" name="Image" r:id="rId15" imgW="1181100" imgH="790575" progId="Photoshop.Image.13">
                     <p:embed/>
                   </p:oleObj>
                 </mc:Choice>
@@ -10421,7 +10327,7 @@
         </p:nvSpPr>
         <p:spPr>
           <a:xfrm>
-            <a:off x="452835" y="11197133"/>
+            <a:off x="452835" y="10802275"/>
             <a:ext cx="8934449" cy="754045"/>
           </a:xfrm>
         </p:spPr>
@@ -10450,7 +10356,7 @@
         <p:spPr>
           <a:xfrm>
             <a:off x="9845676" y="6021371"/>
-            <a:ext cx="8982441" cy="2271369"/>
+            <a:ext cx="9003645" cy="12526484"/>
           </a:xfrm>
         </p:spPr>
         <p:txBody>
@@ -10459,27 +10365,121 @@
           <a:p>
             <a:r>
               <a:rPr lang="en-US" altLang="zh-CN" sz="2800" dirty="0" smtClean="0"/>
-              <a:t>The features fed into our model fell into </a:t>
+              <a:t>The </a:t>
+            </a:r>
+            <a:r>
+              <a:rPr lang="en-US" altLang="zh-CN" sz="2800" dirty="0"/>
+              <a:t>workflow of our solution can be concluded into the following steps, which are illustrated in </a:t>
             </a:r>
             <a:r>
               <a:rPr lang="en-US" altLang="zh-CN" sz="2800" dirty="0" smtClean="0"/>
-              <a:t>5 </a:t>
+              <a:t>Figure 4:</a:t>
+            </a:r>
+            <a:endParaRPr lang="en-US" altLang="zh-CN" sz="2800" dirty="0"/>
+          </a:p>
+          <a:p>
+            <a:pPr marL="457200" indent="-457200">
+              <a:buFont typeface="Arial" panose="020B0604020202020204" pitchFamily="34" charset="0"/>
+              <a:buChar char="•"/>
+            </a:pPr>
+            <a:r>
+              <a:rPr lang="en-US" altLang="zh-CN" sz="2800" dirty="0"/>
+              <a:t>Data </a:t>
             </a:r>
             <a:r>
               <a:rPr lang="en-US" altLang="zh-CN" sz="2800" dirty="0" smtClean="0"/>
-              <a:t>categories, they are: attribute features, word matching features, lengths and ratios, </a:t>
+              <a:t>preprocessing. In </a:t>
             </a:r>
             <a:r>
-              <a:rPr lang="en-US" altLang="zh-CN" sz="2800" dirty="0" err="1" smtClean="0"/>
-              <a:t>tf-idf</a:t>
+              <a:rPr lang="en-US" altLang="zh-CN" sz="2800" dirty="0"/>
+              <a:t>this step, we apply some basic text processing techniques to the data, including segmentation, number and measurement normalization, word capitalization, </a:t>
+            </a:r>
+            <a:r>
+              <a:rPr lang="en-US" altLang="zh-CN" sz="2800" dirty="0" err="1"/>
+              <a:t>stopwords</a:t>
+            </a:r>
+            <a:r>
+              <a:rPr lang="en-US" altLang="zh-CN" sz="2800" dirty="0"/>
+              <a:t> removal. Besides, we use google type correction to correct typos in the search term and use Porter Algorithm to stem the text.</a:t>
+            </a:r>
+          </a:p>
+          <a:p>
+            <a:pPr marL="457200" indent="-457200">
+              <a:buFont typeface="Arial" panose="020B0604020202020204" pitchFamily="34" charset="0"/>
+              <a:buChar char="•"/>
+            </a:pPr>
+            <a:r>
+              <a:rPr lang="en-US" altLang="zh-CN" sz="2800" dirty="0"/>
+              <a:t>Feature </a:t>
             </a:r>
             <a:r>
               <a:rPr lang="en-US" altLang="zh-CN" sz="2800" dirty="0" smtClean="0"/>
-              <a:t> similarity, and word2Vec cosine distance.</a:t>
+              <a:t>Extraction. In </a:t>
+            </a:r>
+            <a:r>
+              <a:rPr lang="en-US" altLang="zh-CN" sz="2800" dirty="0"/>
+              <a:t>this stage, we extract features from training, test data, attribute files and product description files. These features contains text mining features from search term, brand name, description, etc. and numeric features like length, count, ratios. Finally, we have extracted features, and more details </a:t>
+            </a:r>
+            <a:r>
+              <a:rPr lang="en-US" altLang="zh-CN" sz="2800" dirty="0" smtClean="0"/>
+              <a:t>are showed in Figure 5. </a:t>
+            </a:r>
+            <a:endParaRPr lang="en-US" altLang="zh-CN" sz="2800" dirty="0"/>
+          </a:p>
+          <a:p>
+            <a:pPr marL="457200" indent="-457200">
+              <a:buFont typeface="Arial" panose="020B0604020202020204" pitchFamily="34" charset="0"/>
+              <a:buChar char="•"/>
+            </a:pPr>
+            <a:r>
+              <a:rPr lang="en-US" altLang="zh-CN" sz="2800" dirty="0"/>
+              <a:t>Model </a:t>
+            </a:r>
+            <a:r>
+              <a:rPr lang="en-US" altLang="zh-CN" sz="2800" dirty="0" smtClean="0"/>
+              <a:t>training. As </a:t>
+            </a:r>
+            <a:r>
+              <a:rPr lang="en-US" altLang="zh-CN" sz="2800" dirty="0"/>
+              <a:t>a regression problem, we have selected three types of machine learning models for prediction. They are linear regression models including Lasso and Ridge, ensemble models like Bagging and random forest, and </a:t>
+            </a:r>
+            <a:r>
+              <a:rPr lang="en-US" altLang="zh-CN" sz="2800" dirty="0" err="1"/>
+              <a:t>XGboost</a:t>
+            </a:r>
+            <a:r>
+              <a:rPr lang="en-US" altLang="zh-CN" sz="2800" dirty="0"/>
+              <a:t> model. Additionally, feature weighting is used between numeric models and text mining models during the model training process.</a:t>
             </a:r>
           </a:p>
           <a:p>
-            <a:endParaRPr lang="en-US" sz="2800" dirty="0"/>
+            <a:pPr marL="457200" indent="-457200">
+              <a:buFont typeface="Arial" panose="020B0604020202020204" pitchFamily="34" charset="0"/>
+              <a:buChar char="•"/>
+            </a:pPr>
+            <a:r>
+              <a:rPr lang="en-US" altLang="zh-CN" sz="2800" dirty="0"/>
+              <a:t>Parameter Tuning and </a:t>
+            </a:r>
+            <a:r>
+              <a:rPr lang="en-US" altLang="zh-CN" sz="2800" dirty="0" smtClean="0"/>
+              <a:t>evaluation. We </a:t>
+            </a:r>
+            <a:r>
+              <a:rPr lang="en-US" altLang="zh-CN" sz="2800" dirty="0"/>
+              <a:t>use RMSE as evaluation and </a:t>
+            </a:r>
+            <a:r>
+              <a:rPr lang="en-US" altLang="zh-CN" sz="2800" dirty="0" err="1"/>
+              <a:t>splitted</a:t>
+            </a:r>
+            <a:r>
+              <a:rPr lang="en-US" altLang="zh-CN" sz="2800" dirty="0"/>
+              <a:t> data set into 44% training and 80% training set. Grid search is adopted for searching best parameter. </a:t>
+            </a:r>
+          </a:p>
+          <a:p>
+            <a:endParaRPr lang="en-US" altLang="zh-CN" sz="2800" dirty="0" smtClean="0"/>
           </a:p>
         </p:txBody>
       </p:sp>
@@ -10500,11 +10500,7 @@
           <a:p>
             <a:r>
               <a:rPr lang="en-US" altLang="zh-CN" dirty="0" smtClean="0"/>
-              <a:t>Feature </a:t>
-            </a:r>
-            <a:r>
-              <a:rPr lang="en-US" altLang="zh-CN" dirty="0" smtClean="0"/>
-              <a:t>Engineering and Learning </a:t>
+              <a:t>Feature Engineering and Learning </a:t>
             </a:r>
             <a:r>
               <a:rPr lang="en-US" dirty="0" smtClean="0"/>
@@ -10514,8 +10510,8 @@
           </a:p>
         </p:txBody>
       </p:sp>
-      <mc:AlternateContent xmlns:mc="http://schemas.openxmlformats.org/markup-compatibility/2006">
-        <mc:Choice xmlns:a14="http://schemas.microsoft.com/office/drawing/2010/main" Requires="a14">
+      <mc:AlternateContent xmlns:mc="http://schemas.openxmlformats.org/markup-compatibility/2006" xmlns:a14="http://schemas.microsoft.com/office/drawing/2010/main">
+        <mc:Choice Requires="a14">
           <p:sp>
             <p:nvSpPr>
               <p:cNvPr id="9" name="Text Placeholder 8"/>
@@ -10785,15 +10781,7 @@
                 </a:r>
                 <a:r>
                   <a:rPr lang="en-US" sz="2800" dirty="0" smtClean="0"/>
-                  <a:t>From the chart, we can see that Feature Union model stands out from others. It is a combination model of Random Forest</a:t>
-                </a:r>
-                <a:r>
-                  <a:rPr lang="en-US" sz="2800" dirty="0" smtClean="0"/>
-                  <a:t>, and weighted TFIDF+SVD text features. </a:t>
-                </a:r>
-                <a:r>
-                  <a:rPr lang="en-US" sz="2800" dirty="0" smtClean="0"/>
-                  <a:t>The taking time of those models are close. </a:t>
+                  <a:t>From the chart, we can see that Feature Union model stands out from others. It is a combination model of Random Forest, and weighted TFIDF+SVD text features. The taking time of those models are close. </a:t>
                 </a:r>
               </a:p>
               <a:p>
@@ -10806,7 +10794,7 @@
             </p:txBody>
           </p:sp>
         </mc:Choice>
-        <mc:Fallback>
+        <mc:Fallback xmlns="">
           <p:sp>
             <p:nvSpPr>
               <p:cNvPr id="9" name="Text Placeholder 8"/>
@@ -11095,8 +11083,8 @@
         </p:nvSpPr>
         <p:spPr>
           <a:xfrm>
-            <a:off x="461168" y="11836878"/>
-            <a:ext cx="8926116" cy="16903067"/>
+            <a:off x="461168" y="11421238"/>
+            <a:ext cx="8926116" cy="17420131"/>
           </a:xfrm>
         </p:spPr>
         <p:txBody>
@@ -11167,6 +11155,9 @@
           </a:p>
           <a:p>
             <a:endParaRPr lang="en-US" dirty="0"/>
+          </a:p>
+          <a:p>
+            <a:endParaRPr lang="en-US" sz="2800" dirty="0" smtClean="0"/>
           </a:p>
           <a:p>
             <a:endParaRPr lang="en-US" sz="2800" dirty="0" smtClean="0"/>
@@ -11324,7 +11315,7 @@
         </p:blipFill>
         <p:spPr>
           <a:xfrm>
-            <a:off x="4920058" y="14909871"/>
+            <a:off x="4955165" y="14257359"/>
             <a:ext cx="3862135" cy="2896601"/>
           </a:xfrm>
           <a:prstGeom prst="rect">
@@ -11348,7 +11339,7 @@
         </p:blipFill>
         <p:spPr>
           <a:xfrm>
-            <a:off x="1632620" y="20191432"/>
+            <a:off x="1632620" y="19713452"/>
             <a:ext cx="6148956" cy="4099304"/>
           </a:xfrm>
           <a:prstGeom prst="rect">
@@ -11378,7 +11369,7 @@
         </p:blipFill>
         <p:spPr>
           <a:xfrm>
-            <a:off x="844934" y="14909850"/>
+            <a:off x="844934" y="14265614"/>
             <a:ext cx="3862164" cy="2896623"/>
           </a:xfrm>
           <a:prstGeom prst="rect">
@@ -12574,7 +12565,7 @@
         </p:blipFill>
         <p:spPr>
           <a:xfrm>
-            <a:off x="10186987" y="23314667"/>
+            <a:off x="10186987" y="23159035"/>
             <a:ext cx="8911696" cy="5368128"/>
           </a:xfrm>
           <a:prstGeom prst="rect">
@@ -12604,7 +12595,7 @@
         </p:blipFill>
         <p:spPr>
           <a:xfrm>
-            <a:off x="19316698" y="23314667"/>
+            <a:off x="19316698" y="23159035"/>
             <a:ext cx="8902145" cy="5368128"/>
           </a:xfrm>
           <a:prstGeom prst="rect">
@@ -12649,14 +12640,14 @@
           <p:nvPr>
             <p:extLst>
               <p:ext uri="{D42A27DB-BD31-4B8C-83A1-F6EECF244321}">
-                <p14:modId xmlns:p14="http://schemas.microsoft.com/office/powerpoint/2010/main" val="3797481657"/>
+                <p14:modId xmlns:p14="http://schemas.microsoft.com/office/powerpoint/2010/main" val="2975356405"/>
               </p:ext>
             </p:extLst>
           </p:nvPr>
         </p:nvGraphicFramePr>
         <p:xfrm>
-          <a:off x="19255032" y="6320119"/>
-          <a:ext cx="9140141" cy="5379912"/>
+          <a:off x="18881837" y="12722367"/>
+          <a:ext cx="9390324" cy="5544716"/>
         </p:xfrm>
         <a:graphic>
           <a:graphicData uri="http://schemas.openxmlformats.org/drawingml/2006/diagram">
@@ -12672,8 +12663,8 @@
         </p:nvGrpSpPr>
         <p:grpSpPr>
           <a:xfrm>
-            <a:off x="19255032" y="12995593"/>
-            <a:ext cx="8963811" cy="4863463"/>
+            <a:off x="18881836" y="6370473"/>
+            <a:ext cx="9390325" cy="5614573"/>
             <a:chOff x="1242688" y="3475731"/>
             <a:chExt cx="4859630" cy="1246576"/>
           </a:xfrm>
@@ -12714,11 +12705,7 @@
               <a:pPr algn="ctr"/>
               <a:r>
                 <a:rPr lang="en-US" sz="2400" dirty="0" smtClean="0"/>
-                <a:t>Data </a:t>
-              </a:r>
-              <a:r>
-                <a:rPr lang="en-US" sz="2400" dirty="0" smtClean="0"/>
-                <a:t>Cleaning</a:t>
+                <a:t>Data Cleaning</a:t>
               </a:r>
             </a:p>
             <a:p>
@@ -12793,6 +12780,9 @@
               <a:endParaRPr lang="en-US" sz="2400" dirty="0" smtClean="0"/>
             </a:p>
             <a:p>
+              <a:endParaRPr lang="en-US" sz="2400" dirty="0" smtClean="0"/>
+            </a:p>
+            <a:p>
               <a:endParaRPr lang="en-US" sz="2400" dirty="0"/>
             </a:p>
             <a:p>
@@ -12856,6 +12846,18 @@
               <a:p>
                 <a:pPr algn="ctr"/>
                 <a:endParaRPr lang="en-US" sz="1050" dirty="0"/>
+              </a:p>
+              <a:p>
+                <a:pPr algn="ctr"/>
+                <a:endParaRPr lang="en-US" sz="1050" dirty="0" smtClean="0"/>
+              </a:p>
+              <a:p>
+                <a:pPr algn="ctr"/>
+                <a:endParaRPr lang="en-US" sz="1050" dirty="0"/>
+              </a:p>
+              <a:p>
+                <a:pPr algn="ctr"/>
+                <a:endParaRPr lang="en-US" sz="1050" dirty="0" smtClean="0"/>
               </a:p>
               <a:p>
                 <a:pPr algn="ctr"/>
@@ -13184,13 +13186,16 @@
                 <a:pPr algn="ctr"/>
                 <a:r>
                   <a:rPr lang="en-US" sz="3200" dirty="0" smtClean="0"/>
-                  <a:t>Model </a:t>
+                  <a:t>Model Training</a:t>
                 </a:r>
-                <a:r>
-                  <a:rPr lang="en-US" sz="3200" dirty="0" smtClean="0"/>
-                  <a:t>Training</a:t>
-                </a:r>
-                <a:endParaRPr lang="en-US" sz="3200" dirty="0" smtClean="0"/>
+              </a:p>
+              <a:p>
+                <a:pPr algn="ctr"/>
+                <a:endParaRPr lang="en-US" sz="1800" dirty="0"/>
+              </a:p>
+              <a:p>
+                <a:pPr algn="ctr"/>
+                <a:endParaRPr lang="en-US" sz="1800" dirty="0" smtClean="0"/>
               </a:p>
               <a:p>
                 <a:pPr algn="ctr"/>
@@ -13417,8 +13422,9 @@
                 <a:pPr algn="ctr"/>
                 <a:r>
                   <a:rPr lang="en-US" sz="2000" dirty="0" smtClean="0"/>
-                  <a:t>Ensemble</a:t>
+                  <a:t>Feature Weighting</a:t>
                 </a:r>
+                <a:endParaRPr lang="en-US" sz="2000" dirty="0" smtClean="0"/>
               </a:p>
             </p:txBody>
           </p:sp>
@@ -13661,6 +13667,537 @@
               <a:t>In here</a:t>
             </a:r>
             <a:endParaRPr lang="en-US" sz="2500" dirty="0">
+              <a:latin typeface="Times New Roman" pitchFamily="18" charset="0"/>
+              <a:cs typeface="Times New Roman" pitchFamily="18" charset="0"/>
+            </a:endParaRPr>
+          </a:p>
+        </p:txBody>
+      </p:sp>
+      <p:sp>
+        <p:nvSpPr>
+          <p:cNvPr id="18" name="文本框 17"/>
+          <p:cNvSpPr txBox="1"/>
+          <p:nvPr/>
+        </p:nvSpPr>
+        <p:spPr>
+          <a:xfrm>
+            <a:off x="22026735" y="18397504"/>
+            <a:ext cx="3100528" cy="400110"/>
+          </a:xfrm>
+          <a:prstGeom prst="rect">
+            <a:avLst/>
+          </a:prstGeom>
+          <a:noFill/>
+        </p:spPr>
+        <p:txBody>
+          <a:bodyPr wrap="none" rtlCol="0">
+            <a:spAutoFit/>
+          </a:bodyPr>
+          <a:lstStyle/>
+          <a:p>
+            <a:pPr algn="ctr"/>
+            <a:r>
+              <a:rPr lang="en-US" sz="2000" dirty="0">
+                <a:solidFill>
+                  <a:schemeClr val="accent5">
+                    <a:lumMod val="50000"/>
+                  </a:schemeClr>
+                </a:solidFill>
+                <a:latin typeface="Times New Roman" pitchFamily="18" charset="0"/>
+                <a:cs typeface="Times New Roman" pitchFamily="18" charset="0"/>
+              </a:rPr>
+              <a:t>Figure 5, Feature Categories</a:t>
+            </a:r>
+            <a:endParaRPr lang="en-US" sz="2000" dirty="0">
+              <a:solidFill>
+                <a:schemeClr val="accent5">
+                  <a:lumMod val="50000"/>
+                </a:schemeClr>
+              </a:solidFill>
+              <a:latin typeface="Times New Roman" pitchFamily="18" charset="0"/>
+              <a:cs typeface="Times New Roman" pitchFamily="18" charset="0"/>
+            </a:endParaRPr>
+          </a:p>
+        </p:txBody>
+      </p:sp>
+      <p:sp>
+        <p:nvSpPr>
+          <p:cNvPr id="50" name="文本框 49"/>
+          <p:cNvSpPr txBox="1"/>
+          <p:nvPr/>
+        </p:nvSpPr>
+        <p:spPr>
+          <a:xfrm>
+            <a:off x="22415205" y="12025147"/>
+            <a:ext cx="2323585" cy="400110"/>
+          </a:xfrm>
+          <a:prstGeom prst="rect">
+            <a:avLst/>
+          </a:prstGeom>
+          <a:noFill/>
+        </p:spPr>
+        <p:txBody>
+          <a:bodyPr wrap="none" rtlCol="0">
+            <a:spAutoFit/>
+          </a:bodyPr>
+          <a:lstStyle/>
+          <a:p>
+            <a:pPr algn="ctr"/>
+            <a:r>
+              <a:rPr lang="en-US" sz="2000" dirty="0">
+                <a:solidFill>
+                  <a:schemeClr val="accent5">
+                    <a:lumMod val="50000"/>
+                  </a:schemeClr>
+                </a:solidFill>
+                <a:latin typeface="Times New Roman" pitchFamily="18" charset="0"/>
+                <a:cs typeface="Times New Roman" pitchFamily="18" charset="0"/>
+              </a:rPr>
+              <a:t>Figure </a:t>
+            </a:r>
+            <a:r>
+              <a:rPr lang="en-US" sz="2000" dirty="0" smtClean="0">
+                <a:solidFill>
+                  <a:schemeClr val="accent5">
+                    <a:lumMod val="50000"/>
+                  </a:schemeClr>
+                </a:solidFill>
+                <a:latin typeface="Times New Roman" pitchFamily="18" charset="0"/>
+                <a:cs typeface="Times New Roman" pitchFamily="18" charset="0"/>
+              </a:rPr>
+              <a:t>4, Work Flow</a:t>
+            </a:r>
+            <a:endParaRPr lang="en-US" sz="2000" dirty="0">
+              <a:solidFill>
+                <a:schemeClr val="accent5">
+                  <a:lumMod val="50000"/>
+                </a:schemeClr>
+              </a:solidFill>
+              <a:latin typeface="Times New Roman" pitchFamily="18" charset="0"/>
+              <a:cs typeface="Times New Roman" pitchFamily="18" charset="0"/>
+            </a:endParaRPr>
+          </a:p>
+        </p:txBody>
+      </p:sp>
+      <p:sp>
+        <p:nvSpPr>
+          <p:cNvPr id="51" name="文本框 50"/>
+          <p:cNvSpPr txBox="1"/>
+          <p:nvPr/>
+        </p:nvSpPr>
+        <p:spPr>
+          <a:xfrm>
+            <a:off x="1499512" y="17162237"/>
+            <a:ext cx="2553007" cy="400110"/>
+          </a:xfrm>
+          <a:prstGeom prst="rect">
+            <a:avLst/>
+          </a:prstGeom>
+          <a:noFill/>
+        </p:spPr>
+        <p:txBody>
+          <a:bodyPr wrap="none" rtlCol="0">
+            <a:spAutoFit/>
+          </a:bodyPr>
+          <a:lstStyle/>
+          <a:p>
+            <a:pPr algn="ctr"/>
+            <a:r>
+              <a:rPr lang="en-US" sz="2000" dirty="0">
+                <a:solidFill>
+                  <a:schemeClr val="accent5">
+                    <a:lumMod val="50000"/>
+                  </a:schemeClr>
+                </a:solidFill>
+                <a:latin typeface="Times New Roman" pitchFamily="18" charset="0"/>
+                <a:cs typeface="Times New Roman" pitchFamily="18" charset="0"/>
+              </a:rPr>
+              <a:t>Figure 2</a:t>
+            </a:r>
+            <a:r>
+              <a:rPr lang="en-US" sz="2000" dirty="0" smtClean="0">
+                <a:solidFill>
+                  <a:schemeClr val="accent5">
+                    <a:lumMod val="50000"/>
+                  </a:schemeClr>
+                </a:solidFill>
+                <a:latin typeface="Times New Roman" pitchFamily="18" charset="0"/>
+                <a:cs typeface="Times New Roman" pitchFamily="18" charset="0"/>
+              </a:rPr>
+              <a:t>, Test vs. Train</a:t>
+            </a:r>
+            <a:endParaRPr lang="en-US" sz="2000" dirty="0">
+              <a:solidFill>
+                <a:schemeClr val="accent5">
+                  <a:lumMod val="50000"/>
+                </a:schemeClr>
+              </a:solidFill>
+              <a:latin typeface="Times New Roman" pitchFamily="18" charset="0"/>
+              <a:cs typeface="Times New Roman" pitchFamily="18" charset="0"/>
+            </a:endParaRPr>
+          </a:p>
+        </p:txBody>
+      </p:sp>
+      <p:sp>
+        <p:nvSpPr>
+          <p:cNvPr id="56" name="文本框 55"/>
+          <p:cNvSpPr txBox="1"/>
+          <p:nvPr/>
+        </p:nvSpPr>
+        <p:spPr>
+          <a:xfrm>
+            <a:off x="5228664" y="17162237"/>
+            <a:ext cx="3298659" cy="400110"/>
+          </a:xfrm>
+          <a:prstGeom prst="rect">
+            <a:avLst/>
+          </a:prstGeom>
+          <a:noFill/>
+        </p:spPr>
+        <p:txBody>
+          <a:bodyPr wrap="none" rtlCol="0">
+            <a:spAutoFit/>
+          </a:bodyPr>
+          <a:lstStyle/>
+          <a:p>
+            <a:pPr algn="ctr"/>
+            <a:r>
+              <a:rPr lang="en-US" sz="2000" dirty="0">
+                <a:solidFill>
+                  <a:schemeClr val="accent5">
+                    <a:lumMod val="50000"/>
+                  </a:schemeClr>
+                </a:solidFill>
+                <a:latin typeface="Times New Roman" pitchFamily="18" charset="0"/>
+                <a:cs typeface="Times New Roman" pitchFamily="18" charset="0"/>
+              </a:rPr>
+              <a:t>Figure </a:t>
+            </a:r>
+            <a:r>
+              <a:rPr lang="en-US" sz="2000" dirty="0" smtClean="0">
+                <a:solidFill>
+                  <a:schemeClr val="accent5">
+                    <a:lumMod val="50000"/>
+                  </a:schemeClr>
+                </a:solidFill>
+                <a:latin typeface="Times New Roman" pitchFamily="18" charset="0"/>
+                <a:cs typeface="Times New Roman" pitchFamily="18" charset="0"/>
+              </a:rPr>
+              <a:t>4, Test, Train, Attribute</a:t>
+            </a:r>
+            <a:endParaRPr lang="en-US" sz="2000" dirty="0">
+              <a:solidFill>
+                <a:schemeClr val="accent5">
+                  <a:lumMod val="50000"/>
+                </a:schemeClr>
+              </a:solidFill>
+              <a:latin typeface="Times New Roman" pitchFamily="18" charset="0"/>
+              <a:cs typeface="Times New Roman" pitchFamily="18" charset="0"/>
+            </a:endParaRPr>
+          </a:p>
+        </p:txBody>
+      </p:sp>
+      <p:sp>
+        <p:nvSpPr>
+          <p:cNvPr id="57" name="文本框 56"/>
+          <p:cNvSpPr txBox="1"/>
+          <p:nvPr/>
+        </p:nvSpPr>
+        <p:spPr>
+          <a:xfrm>
+            <a:off x="2168033" y="23898133"/>
+            <a:ext cx="5504071" cy="400110"/>
+          </a:xfrm>
+          <a:prstGeom prst="rect">
+            <a:avLst/>
+          </a:prstGeom>
+          <a:noFill/>
+        </p:spPr>
+        <p:txBody>
+          <a:bodyPr wrap="none" rtlCol="0">
+            <a:spAutoFit/>
+          </a:bodyPr>
+          <a:lstStyle/>
+          <a:p>
+            <a:pPr algn="ctr"/>
+            <a:r>
+              <a:rPr lang="en-US" sz="2000" dirty="0">
+                <a:solidFill>
+                  <a:schemeClr val="accent5">
+                    <a:lumMod val="50000"/>
+                  </a:schemeClr>
+                </a:solidFill>
+                <a:latin typeface="Times New Roman" pitchFamily="18" charset="0"/>
+                <a:cs typeface="Times New Roman" pitchFamily="18" charset="0"/>
+              </a:rPr>
+              <a:t>Figure 3</a:t>
+            </a:r>
+            <a:r>
+              <a:rPr lang="en-US" sz="2000" dirty="0" smtClean="0">
+                <a:solidFill>
+                  <a:schemeClr val="accent5">
+                    <a:lumMod val="50000"/>
+                  </a:schemeClr>
+                </a:solidFill>
+                <a:latin typeface="Times New Roman" pitchFamily="18" charset="0"/>
+                <a:cs typeface="Times New Roman" pitchFamily="18" charset="0"/>
+              </a:rPr>
+              <a:t>, Average </a:t>
+            </a:r>
+            <a:r>
+              <a:rPr lang="en-US" sz="2000" dirty="0" err="1" smtClean="0">
+                <a:solidFill>
+                  <a:schemeClr val="accent5">
+                    <a:lumMod val="50000"/>
+                  </a:schemeClr>
+                </a:solidFill>
+                <a:latin typeface="Times New Roman" pitchFamily="18" charset="0"/>
+                <a:cs typeface="Times New Roman" pitchFamily="18" charset="0"/>
+              </a:rPr>
+              <a:t>Jaccard</a:t>
+            </a:r>
+            <a:r>
+              <a:rPr lang="en-US" sz="2000" dirty="0" smtClean="0">
+                <a:solidFill>
+                  <a:schemeClr val="accent5">
+                    <a:lumMod val="50000"/>
+                  </a:schemeClr>
+                </a:solidFill>
+                <a:latin typeface="Times New Roman" pitchFamily="18" charset="0"/>
+                <a:cs typeface="Times New Roman" pitchFamily="18" charset="0"/>
+              </a:rPr>
+              <a:t> Coefficient by Relevance</a:t>
+            </a:r>
+            <a:endParaRPr lang="en-US" sz="2000" dirty="0">
+              <a:solidFill>
+                <a:schemeClr val="accent5">
+                  <a:lumMod val="50000"/>
+                </a:schemeClr>
+              </a:solidFill>
+              <a:latin typeface="Times New Roman" pitchFamily="18" charset="0"/>
+              <a:cs typeface="Times New Roman" pitchFamily="18" charset="0"/>
+            </a:endParaRPr>
+          </a:p>
+        </p:txBody>
+      </p:sp>
+      <p:sp>
+        <p:nvSpPr>
+          <p:cNvPr id="58" name="文本框 57"/>
+          <p:cNvSpPr txBox="1"/>
+          <p:nvPr/>
+        </p:nvSpPr>
+        <p:spPr>
+          <a:xfrm>
+            <a:off x="1229294" y="31547039"/>
+            <a:ext cx="3278718" cy="400110"/>
+          </a:xfrm>
+          <a:prstGeom prst="rect">
+            <a:avLst/>
+          </a:prstGeom>
+          <a:noFill/>
+        </p:spPr>
+        <p:txBody>
+          <a:bodyPr wrap="none" rtlCol="0">
+            <a:spAutoFit/>
+          </a:bodyPr>
+          <a:lstStyle/>
+          <a:p>
+            <a:pPr algn="ctr"/>
+            <a:r>
+              <a:rPr lang="en-US" sz="2000" dirty="0">
+                <a:solidFill>
+                  <a:schemeClr val="accent5">
+                    <a:lumMod val="50000"/>
+                  </a:schemeClr>
+                </a:solidFill>
+                <a:latin typeface="Times New Roman" pitchFamily="18" charset="0"/>
+                <a:cs typeface="Times New Roman" pitchFamily="18" charset="0"/>
+              </a:rPr>
+              <a:t>Figure </a:t>
+            </a:r>
+            <a:r>
+              <a:rPr lang="en-US" sz="2000" dirty="0" smtClean="0">
+                <a:solidFill>
+                  <a:schemeClr val="accent5">
+                    <a:lumMod val="50000"/>
+                  </a:schemeClr>
+                </a:solidFill>
+                <a:latin typeface="Times New Roman" pitchFamily="18" charset="0"/>
+                <a:cs typeface="Times New Roman" pitchFamily="18" charset="0"/>
+              </a:rPr>
+              <a:t>4, Attribute Name rank</a:t>
+            </a:r>
+            <a:endParaRPr lang="en-US" sz="2000" dirty="0">
+              <a:solidFill>
+                <a:schemeClr val="accent5">
+                  <a:lumMod val="50000"/>
+                </a:schemeClr>
+              </a:solidFill>
+              <a:latin typeface="Times New Roman" pitchFamily="18" charset="0"/>
+              <a:cs typeface="Times New Roman" pitchFamily="18" charset="0"/>
+            </a:endParaRPr>
+          </a:p>
+        </p:txBody>
+      </p:sp>
+      <p:sp>
+        <p:nvSpPr>
+          <p:cNvPr id="59" name="文本框 58"/>
+          <p:cNvSpPr txBox="1"/>
+          <p:nvPr/>
+        </p:nvSpPr>
+        <p:spPr>
+          <a:xfrm>
+            <a:off x="5599310" y="31547039"/>
+            <a:ext cx="2962414" cy="400110"/>
+          </a:xfrm>
+          <a:prstGeom prst="rect">
+            <a:avLst/>
+          </a:prstGeom>
+          <a:noFill/>
+        </p:spPr>
+        <p:txBody>
+          <a:bodyPr wrap="none" rtlCol="0">
+            <a:spAutoFit/>
+          </a:bodyPr>
+          <a:lstStyle/>
+          <a:p>
+            <a:pPr algn="ctr"/>
+            <a:r>
+              <a:rPr lang="en-US" sz="2000" dirty="0" smtClean="0">
+                <a:solidFill>
+                  <a:schemeClr val="accent5">
+                    <a:lumMod val="50000"/>
+                  </a:schemeClr>
+                </a:solidFill>
+                <a:latin typeface="Times New Roman" pitchFamily="18" charset="0"/>
+                <a:cs typeface="Times New Roman" pitchFamily="18" charset="0"/>
+              </a:rPr>
+              <a:t>Table 2, Color Family rank</a:t>
+            </a:r>
+            <a:endParaRPr lang="en-US" sz="2000" dirty="0">
+              <a:solidFill>
+                <a:schemeClr val="accent5">
+                  <a:lumMod val="50000"/>
+                </a:schemeClr>
+              </a:solidFill>
+              <a:latin typeface="Times New Roman" pitchFamily="18" charset="0"/>
+              <a:cs typeface="Times New Roman" pitchFamily="18" charset="0"/>
+            </a:endParaRPr>
+          </a:p>
+        </p:txBody>
+      </p:sp>
+      <p:sp>
+        <p:nvSpPr>
+          <p:cNvPr id="60" name="文本框 59"/>
+          <p:cNvSpPr txBox="1"/>
+          <p:nvPr/>
+        </p:nvSpPr>
+        <p:spPr>
+          <a:xfrm>
+            <a:off x="12718690" y="28527163"/>
+            <a:ext cx="3257623" cy="400110"/>
+          </a:xfrm>
+          <a:prstGeom prst="rect">
+            <a:avLst/>
+          </a:prstGeom>
+          <a:noFill/>
+        </p:spPr>
+        <p:txBody>
+          <a:bodyPr wrap="none" rtlCol="0">
+            <a:spAutoFit/>
+          </a:bodyPr>
+          <a:lstStyle/>
+          <a:p>
+            <a:pPr algn="ctr"/>
+            <a:r>
+              <a:rPr lang="en-US" sz="2000" dirty="0">
+                <a:solidFill>
+                  <a:schemeClr val="accent5">
+                    <a:lumMod val="50000"/>
+                  </a:schemeClr>
+                </a:solidFill>
+                <a:latin typeface="Times New Roman" pitchFamily="18" charset="0"/>
+                <a:cs typeface="Times New Roman" pitchFamily="18" charset="0"/>
+              </a:rPr>
+              <a:t>Figure </a:t>
+            </a:r>
+            <a:r>
+              <a:rPr lang="en-US" sz="2000" dirty="0" smtClean="0">
+                <a:solidFill>
+                  <a:schemeClr val="accent5">
+                    <a:lumMod val="50000"/>
+                  </a:schemeClr>
+                </a:solidFill>
+                <a:latin typeface="Times New Roman" pitchFamily="18" charset="0"/>
+                <a:cs typeface="Times New Roman" pitchFamily="18" charset="0"/>
+              </a:rPr>
+              <a:t>6, Models Comparison</a:t>
+            </a:r>
+            <a:endParaRPr lang="en-US" sz="2000" dirty="0">
+              <a:solidFill>
+                <a:schemeClr val="accent5">
+                  <a:lumMod val="50000"/>
+                </a:schemeClr>
+              </a:solidFill>
+              <a:latin typeface="Times New Roman" pitchFamily="18" charset="0"/>
+              <a:cs typeface="Times New Roman" pitchFamily="18" charset="0"/>
+            </a:endParaRPr>
+          </a:p>
+        </p:txBody>
+      </p:sp>
+      <p:sp>
+        <p:nvSpPr>
+          <p:cNvPr id="61" name="文本框 60"/>
+          <p:cNvSpPr txBox="1"/>
+          <p:nvPr/>
+        </p:nvSpPr>
+        <p:spPr>
+          <a:xfrm>
+            <a:off x="22573512" y="28527163"/>
+            <a:ext cx="3257623" cy="400110"/>
+          </a:xfrm>
+          <a:prstGeom prst="rect">
+            <a:avLst/>
+          </a:prstGeom>
+          <a:noFill/>
+        </p:spPr>
+        <p:txBody>
+          <a:bodyPr wrap="none" rtlCol="0">
+            <a:spAutoFit/>
+          </a:bodyPr>
+          <a:lstStyle/>
+          <a:p>
+            <a:pPr algn="ctr"/>
+            <a:r>
+              <a:rPr lang="en-US" sz="2000" dirty="0">
+                <a:solidFill>
+                  <a:schemeClr val="accent5">
+                    <a:lumMod val="50000"/>
+                  </a:schemeClr>
+                </a:solidFill>
+                <a:latin typeface="Times New Roman" pitchFamily="18" charset="0"/>
+                <a:cs typeface="Times New Roman" pitchFamily="18" charset="0"/>
+              </a:rPr>
+              <a:t>Figure </a:t>
+            </a:r>
+            <a:r>
+              <a:rPr lang="en-US" sz="2000" dirty="0" smtClean="0">
+                <a:solidFill>
+                  <a:schemeClr val="accent5">
+                    <a:lumMod val="50000"/>
+                  </a:schemeClr>
+                </a:solidFill>
+                <a:latin typeface="Times New Roman" pitchFamily="18" charset="0"/>
+                <a:cs typeface="Times New Roman" pitchFamily="18" charset="0"/>
+              </a:rPr>
+              <a:t>7, Feature Comparison</a:t>
+            </a:r>
+            <a:endParaRPr lang="en-US" sz="2000" dirty="0">
+              <a:solidFill>
+                <a:schemeClr val="accent5">
+                  <a:lumMod val="50000"/>
+                </a:schemeClr>
+              </a:solidFill>
               <a:latin typeface="Times New Roman" pitchFamily="18" charset="0"/>
               <a:cs typeface="Times New Roman" pitchFamily="18" charset="0"/>
             </a:endParaRPr>
